--- a/research_and_presentation/Transport Layer, TCP and Floods/presentation_slides/Transport Layer, TCP and Floods.pptx
+++ b/research_and_presentation/Transport Layer, TCP and Floods/presentation_slides/Transport Layer, TCP and Floods.pptx
@@ -9423,8 +9423,8 @@
         </p:nvSpPr>
         <p:spPr>
           <a:xfrm>
-            <a:off x="1524000" y="2346036"/>
-            <a:ext cx="6040372" cy="1569660"/>
+            <a:off x="1523999" y="2346036"/>
+            <a:ext cx="9605819" cy="1077218"/>
           </a:xfrm>
           <a:prstGeom prst="rect">
             <a:avLst/>
@@ -9432,7 +9432,7 @@
           <a:noFill/>
         </p:spPr>
         <p:txBody>
-          <a:bodyPr wrap="none" rtlCol="0">
+          <a:bodyPr wrap="square" rtlCol="0">
             <a:spAutoFit/>
           </a:bodyPr>
           <a:lstStyle/>
@@ -9463,13 +9463,6 @@
               <a:rPr lang="en-US" sz="3200" dirty="0" err="1"/>
               <a:t>AliGhaffarian</a:t>
             </a:r>
-            <a:endParaRPr lang="en-US" sz="3200" dirty="0"/>
-          </a:p>
-          <a:p>
-            <a:pPr marL="285750" indent="-285750">
-              <a:buFont typeface="Arial" panose="020B0604020202020204" pitchFamily="34" charset="0"/>
-              <a:buChar char="•"/>
-            </a:pPr>
             <a:endParaRPr lang="en-US" sz="3200" dirty="0"/>
           </a:p>
         </p:txBody>
@@ -10163,7 +10156,7 @@
         <p:spPr>
           <a:xfrm>
             <a:off x="1524000" y="2346036"/>
-            <a:ext cx="5671745" cy="3046988"/>
+            <a:ext cx="5671745" cy="3539430"/>
           </a:xfrm>
           <a:prstGeom prst="rect">
             <a:avLst/>
@@ -10171,7 +10164,7 @@
           <a:noFill/>
         </p:spPr>
         <p:txBody>
-          <a:bodyPr wrap="none" rtlCol="0">
+          <a:bodyPr wrap="square" rtlCol="0">
             <a:spAutoFit/>
           </a:bodyPr>
           <a:lstStyle/>
@@ -10201,6 +10194,12 @@
               </a:rPr>
               <a:t>lwn.net/Articles/277146</a:t>
             </a:r>
+          </a:p>
+          <a:p>
+            <a:pPr marL="285750" indent="-285750">
+              <a:buFont typeface="Arial" panose="020B0604020202020204" pitchFamily="34" charset="0"/>
+              <a:buChar char="•"/>
+            </a:pPr>
             <a:endParaRPr lang="en-US" sz="3200" dirty="0"/>
           </a:p>
           <a:p>
@@ -10308,7 +10307,7 @@
         </p:nvSpPr>
         <p:spPr>
           <a:xfrm>
-            <a:off x="1524000" y="3009153"/>
+            <a:off x="1524000" y="972534"/>
             <a:ext cx="9144000" cy="839694"/>
           </a:xfrm>
           <a:prstGeom prst="rect">
@@ -10411,6 +10410,55 @@
               <a:t>23</a:t>
             </a:fld>
             <a:endParaRPr lang="en-US" dirty="0"/>
+          </a:p>
+        </p:txBody>
+      </p:sp>
+      <p:sp>
+        <p:nvSpPr>
+          <p:cNvPr id="2" name="TextBox 1">
+            <a:extLst>
+              <a:ext uri="{FF2B5EF4-FFF2-40B4-BE49-F238E27FC236}">
+                <a16:creationId xmlns:a16="http://schemas.microsoft.com/office/drawing/2014/main" id="{A58E4877-8FEC-BBC8-FCB0-61B19FF0649B}"/>
+              </a:ext>
+            </a:extLst>
+          </p:cNvPr>
+          <p:cNvSpPr txBox="1"/>
+          <p:nvPr/>
+        </p:nvSpPr>
+        <p:spPr>
+          <a:xfrm>
+            <a:off x="2253672" y="2351782"/>
+            <a:ext cx="7684656" cy="1077218"/>
+          </a:xfrm>
+          <a:prstGeom prst="rect">
+            <a:avLst/>
+          </a:prstGeom>
+          <a:noFill/>
+        </p:spPr>
+        <p:txBody>
+          <a:bodyPr wrap="square" rtlCol="0">
+            <a:spAutoFit/>
+          </a:bodyPr>
+          <a:lstStyle/>
+          <a:p>
+            <a:pPr algn="ctr"/>
+            <a:r>
+              <a:rPr lang="en-US" sz="3200" dirty="0"/>
+              <a:t>Presentation Files: github.com/</a:t>
+            </a:r>
+            <a:r>
+              <a:rPr lang="en-US" sz="3200" dirty="0" err="1"/>
+              <a:t>AliGhaffarian</a:t>
+            </a:r>
+            <a:r>
+              <a:rPr lang="en-US" sz="3200" dirty="0"/>
+              <a:t>/</a:t>
+            </a:r>
+            <a:r>
+              <a:rPr lang="en-US" sz="3200" dirty="0" err="1"/>
+              <a:t>university_thingies</a:t>
+            </a:r>
+            <a:endParaRPr lang="en-US" sz="3200" dirty="0"/>
           </a:p>
         </p:txBody>
       </p:sp>

--- a/research_and_presentation/Transport Layer, TCP and Floods/presentation_slides/Transport Layer, TCP and Floods.pptx
+++ b/research_and_presentation/Transport Layer, TCP and Floods/presentation_slides/Transport Layer, TCP and Floods.pptx
@@ -17,9 +17,9 @@
     <p:sldId id="262" r:id="rId8"/>
     <p:sldId id="263" r:id="rId9"/>
     <p:sldId id="287" r:id="rId10"/>
-    <p:sldId id="272" r:id="rId11"/>
-    <p:sldId id="273" r:id="rId12"/>
-    <p:sldId id="265" r:id="rId13"/>
+    <p:sldId id="265" r:id="rId11"/>
+    <p:sldId id="272" r:id="rId12"/>
+    <p:sldId id="273" r:id="rId13"/>
     <p:sldId id="270" r:id="rId14"/>
     <p:sldId id="275" r:id="rId15"/>
     <p:sldId id="278" r:id="rId16"/>
@@ -874,7 +874,7 @@
           <a:p>
             <a:fld id="{FF4B5133-6E6D-4808-A81E-9EF7D25904AC}" type="slidenum">
               <a:rPr lang="en-US" smtClean="0"/>
-              <a:t>12</a:t>
+              <a:t>10</a:t>
             </a:fld>
             <a:endParaRPr lang="en-US"/>
           </a:p>
@@ -4192,6 +4192,535 @@
         <p:cNvPr id="1" name="">
           <a:extLst>
             <a:ext uri="{FF2B5EF4-FFF2-40B4-BE49-F238E27FC236}">
+              <a16:creationId xmlns:a16="http://schemas.microsoft.com/office/drawing/2014/main" id="{06D9EBB8-6845-0B4B-2C9F-15A71D53BFAC}"/>
+            </a:ext>
+          </a:extLst>
+        </p:cNvPr>
+        <p:cNvGrpSpPr/>
+        <p:nvPr/>
+      </p:nvGrpSpPr>
+      <p:grpSpPr>
+        <a:xfrm>
+          <a:off x="0" y="0"/>
+          <a:ext cx="0" cy="0"/>
+          <a:chOff x="0" y="0"/>
+          <a:chExt cx="0" cy="0"/>
+        </a:xfrm>
+      </p:grpSpPr>
+      <p:sp>
+        <p:nvSpPr>
+          <p:cNvPr id="4" name="Title 1">
+            <a:extLst>
+              <a:ext uri="{FF2B5EF4-FFF2-40B4-BE49-F238E27FC236}">
+                <a16:creationId xmlns:a16="http://schemas.microsoft.com/office/drawing/2014/main" id="{4CF64528-A0B7-7BE8-687B-2E7439408AC8}"/>
+              </a:ext>
+            </a:extLst>
+          </p:cNvPr>
+          <p:cNvSpPr txBox="1">
+            <a:spLocks noGrp="1"/>
+          </p:cNvSpPr>
+          <p:nvPr>
+            <p:ph type="title" idx="4294967295"/>
+          </p:nvPr>
+        </p:nvSpPr>
+        <p:spPr>
+          <a:xfrm>
+            <a:off x="1146425" y="951345"/>
+            <a:ext cx="9899150" cy="839694"/>
+          </a:xfrm>
+          <a:prstGeom prst="rect">
+            <a:avLst/>
+          </a:prstGeom>
+          <a:noFill/>
+          <a:ln>
+            <a:noFill/>
+            <a:prstDash/>
+          </a:ln>
+          <a:effectLst/>
+        </p:spPr>
+        <p:txBody>
+          <a:bodyPr rot="0" spcFirstLastPara="0" vertOverflow="overflow" horzOverflow="overflow" vert="horz" wrap="square" lIns="91440" tIns="45720" rIns="91440" bIns="45720" numCol="1" spcCol="0" rtlCol="0" fromWordArt="0" anchor="ctr" anchorCtr="0" forceAA="0" compatLnSpc="1">
+            <a:prstTxWarp prst="textNoShape">
+              <a:avLst/>
+            </a:prstTxWarp>
+            <a:noAutofit/>
+          </a:bodyPr>
+          <a:lstStyle>
+            <a:lvl1pPr algn="l" defTabSz="914400" rtl="0" eaLnBrk="1" latinLnBrk="0" hangingPunct="1">
+              <a:lnSpc>
+                <a:spcPct val="90000"/>
+              </a:lnSpc>
+              <a:spcBef>
+                <a:spcPct val="0"/>
+              </a:spcBef>
+              <a:buNone/>
+              <a:defRPr sz="4400" kern="1200">
+                <a:solidFill>
+                  <a:schemeClr val="tx1"/>
+                </a:solidFill>
+                <a:latin typeface="+mj-lt"/>
+                <a:ea typeface="+mj-ea"/>
+                <a:cs typeface="+mj-cs"/>
+              </a:defRPr>
+            </a:lvl1pPr>
+          </a:lstStyle>
+          <a:p>
+            <a:pPr marL="0" marR="0" lvl="0" indent="0" algn="ctr" defTabSz="914400" eaLnBrk="1" fontAlgn="auto" latinLnBrk="0" hangingPunct="1">
+              <a:lnSpc>
+                <a:spcPct val="90000"/>
+              </a:lnSpc>
+              <a:spcBef>
+                <a:spcPct val="0"/>
+              </a:spcBef>
+              <a:spcAft>
+                <a:spcPts val="0"/>
+              </a:spcAft>
+              <a:buClrTx/>
+              <a:buSzTx/>
+              <a:buFontTx/>
+              <a:buNone/>
+              <a:tabLst/>
+              <a:defRPr/>
+            </a:pPr>
+            <a:r>
+              <a:rPr lang="en-US" b="1" dirty="0"/>
+              <a:t>Sequence And Acknowledgement Number</a:t>
+            </a:r>
+            <a:endParaRPr kumimoji="0" lang="en-US" b="1" i="0" u="none" strike="noStrike" kern="1200" cap="none" spc="0" normalizeH="0" baseline="0" noProof="0" dirty="0">
+              <a:ln>
+                <a:noFill/>
+              </a:ln>
+              <a:solidFill>
+                <a:schemeClr val="tx1"/>
+              </a:solidFill>
+              <a:effectLst/>
+              <a:uLnTx/>
+              <a:uFillTx/>
+              <a:latin typeface="+mj-lt"/>
+              <a:ea typeface="+mj-ea"/>
+              <a:cs typeface="+mj-cs"/>
+            </a:endParaRPr>
+          </a:p>
+        </p:txBody>
+      </p:sp>
+      <p:sp>
+        <p:nvSpPr>
+          <p:cNvPr id="5" name="Rectangle 4">
+            <a:extLst>
+              <a:ext uri="{FF2B5EF4-FFF2-40B4-BE49-F238E27FC236}">
+                <a16:creationId xmlns:a16="http://schemas.microsoft.com/office/drawing/2014/main" id="{FB76BC81-2DEA-DAC9-90E8-7955E290162D}"/>
+              </a:ext>
+            </a:extLst>
+          </p:cNvPr>
+          <p:cNvSpPr/>
+          <p:nvPr/>
+        </p:nvSpPr>
+        <p:spPr>
+          <a:xfrm>
+            <a:off x="832919" y="2190939"/>
+            <a:ext cx="3304515" cy="3141552"/>
+          </a:xfrm>
+          <a:prstGeom prst="rect">
+            <a:avLst/>
+          </a:prstGeom>
+        </p:spPr>
+        <p:style>
+          <a:lnRef idx="2">
+            <a:schemeClr val="dk1"/>
+          </a:lnRef>
+          <a:fillRef idx="1">
+            <a:schemeClr val="lt1"/>
+          </a:fillRef>
+          <a:effectRef idx="0">
+            <a:schemeClr val="dk1"/>
+          </a:effectRef>
+          <a:fontRef idx="minor">
+            <a:schemeClr val="dk1"/>
+          </a:fontRef>
+        </p:style>
+        <p:txBody>
+          <a:bodyPr rtlCol="0" anchor="ctr"/>
+          <a:lstStyle/>
+          <a:p>
+            <a:pPr algn="ctr"/>
+            <a:r>
+              <a:rPr lang="en-US" sz="3600" dirty="0"/>
+              <a:t>Host 1</a:t>
+            </a:r>
+          </a:p>
+        </p:txBody>
+      </p:sp>
+      <p:sp>
+        <p:nvSpPr>
+          <p:cNvPr id="7" name="Rectangle 6">
+            <a:extLst>
+              <a:ext uri="{FF2B5EF4-FFF2-40B4-BE49-F238E27FC236}">
+                <a16:creationId xmlns:a16="http://schemas.microsoft.com/office/drawing/2014/main" id="{E1A05A14-A6D6-1AE3-22D0-27FBBDCBF0FF}"/>
+              </a:ext>
+            </a:extLst>
+          </p:cNvPr>
+          <p:cNvSpPr/>
+          <p:nvPr/>
+        </p:nvSpPr>
+        <p:spPr>
+          <a:xfrm>
+            <a:off x="8054568" y="2190939"/>
+            <a:ext cx="3304515" cy="3141552"/>
+          </a:xfrm>
+          <a:prstGeom prst="rect">
+            <a:avLst/>
+          </a:prstGeom>
+        </p:spPr>
+        <p:style>
+          <a:lnRef idx="2">
+            <a:schemeClr val="dk1"/>
+          </a:lnRef>
+          <a:fillRef idx="1">
+            <a:schemeClr val="lt1"/>
+          </a:fillRef>
+          <a:effectRef idx="0">
+            <a:schemeClr val="dk1"/>
+          </a:effectRef>
+          <a:fontRef idx="minor">
+            <a:schemeClr val="dk1"/>
+          </a:fontRef>
+        </p:style>
+        <p:txBody>
+          <a:bodyPr rtlCol="0" anchor="ctr"/>
+          <a:lstStyle/>
+          <a:p>
+            <a:pPr algn="ctr"/>
+            <a:r>
+              <a:rPr lang="en-US" sz="3600" dirty="0"/>
+              <a:t>Host 2</a:t>
+            </a:r>
+          </a:p>
+        </p:txBody>
+      </p:sp>
+      <p:sp>
+        <p:nvSpPr>
+          <p:cNvPr id="9" name="Rectangle 8">
+            <a:extLst>
+              <a:ext uri="{FF2B5EF4-FFF2-40B4-BE49-F238E27FC236}">
+                <a16:creationId xmlns:a16="http://schemas.microsoft.com/office/drawing/2014/main" id="{EA1B9000-43F2-62D5-99ED-E3E01FE6D626}"/>
+              </a:ext>
+            </a:extLst>
+          </p:cNvPr>
+          <p:cNvSpPr/>
+          <p:nvPr/>
+        </p:nvSpPr>
+        <p:spPr>
+          <a:xfrm>
+            <a:off x="8059027" y="2408222"/>
+            <a:ext cx="1973655" cy="434566"/>
+          </a:xfrm>
+          <a:prstGeom prst="rect">
+            <a:avLst/>
+          </a:prstGeom>
+        </p:spPr>
+        <p:style>
+          <a:lnRef idx="1">
+            <a:schemeClr val="accent3"/>
+          </a:lnRef>
+          <a:fillRef idx="2">
+            <a:schemeClr val="accent3"/>
+          </a:fillRef>
+          <a:effectRef idx="1">
+            <a:schemeClr val="accent3"/>
+          </a:effectRef>
+          <a:fontRef idx="minor">
+            <a:schemeClr val="dk1"/>
+          </a:fontRef>
+        </p:style>
+        <p:txBody>
+          <a:bodyPr rtlCol="0" anchor="ctr"/>
+          <a:lstStyle/>
+          <a:p>
+            <a:pPr algn="ctr"/>
+            <a:r>
+              <a:rPr lang="en-US" dirty="0"/>
+              <a:t>Seq Number</a:t>
+            </a:r>
+          </a:p>
+        </p:txBody>
+      </p:sp>
+      <p:sp>
+        <p:nvSpPr>
+          <p:cNvPr id="11" name="Rectangle 10">
+            <a:extLst>
+              <a:ext uri="{FF2B5EF4-FFF2-40B4-BE49-F238E27FC236}">
+                <a16:creationId xmlns:a16="http://schemas.microsoft.com/office/drawing/2014/main" id="{BD781AF4-DF35-A9ED-BF15-070EE845D14B}"/>
+              </a:ext>
+            </a:extLst>
+          </p:cNvPr>
+          <p:cNvSpPr/>
+          <p:nvPr/>
+        </p:nvSpPr>
+        <p:spPr>
+          <a:xfrm>
+            <a:off x="8059027" y="4289834"/>
+            <a:ext cx="1973655" cy="434566"/>
+          </a:xfrm>
+          <a:prstGeom prst="rect">
+            <a:avLst/>
+          </a:prstGeom>
+        </p:spPr>
+        <p:style>
+          <a:lnRef idx="1">
+            <a:schemeClr val="accent3"/>
+          </a:lnRef>
+          <a:fillRef idx="2">
+            <a:schemeClr val="accent3"/>
+          </a:fillRef>
+          <a:effectRef idx="1">
+            <a:schemeClr val="accent3"/>
+          </a:effectRef>
+          <a:fontRef idx="minor">
+            <a:schemeClr val="dk1"/>
+          </a:fontRef>
+        </p:style>
+        <p:txBody>
+          <a:bodyPr rtlCol="0" anchor="ctr"/>
+          <a:lstStyle/>
+          <a:p>
+            <a:pPr algn="ctr"/>
+            <a:r>
+              <a:rPr lang="en-US" dirty="0"/>
+              <a:t> Ack Number</a:t>
+            </a:r>
+          </a:p>
+        </p:txBody>
+      </p:sp>
+      <p:sp>
+        <p:nvSpPr>
+          <p:cNvPr id="13" name="Rectangle 12">
+            <a:extLst>
+              <a:ext uri="{FF2B5EF4-FFF2-40B4-BE49-F238E27FC236}">
+                <a16:creationId xmlns:a16="http://schemas.microsoft.com/office/drawing/2014/main" id="{3C47A2EB-59F7-AEE5-2D35-0BE218D4A324}"/>
+              </a:ext>
+            </a:extLst>
+          </p:cNvPr>
+          <p:cNvSpPr/>
+          <p:nvPr/>
+        </p:nvSpPr>
+        <p:spPr>
+          <a:xfrm>
+            <a:off x="2154858" y="2408222"/>
+            <a:ext cx="1973655" cy="434566"/>
+          </a:xfrm>
+          <a:prstGeom prst="rect">
+            <a:avLst/>
+          </a:prstGeom>
+        </p:spPr>
+        <p:style>
+          <a:lnRef idx="1">
+            <a:schemeClr val="accent3"/>
+          </a:lnRef>
+          <a:fillRef idx="2">
+            <a:schemeClr val="accent3"/>
+          </a:fillRef>
+          <a:effectRef idx="1">
+            <a:schemeClr val="accent3"/>
+          </a:effectRef>
+          <a:fontRef idx="minor">
+            <a:schemeClr val="dk1"/>
+          </a:fontRef>
+        </p:style>
+        <p:txBody>
+          <a:bodyPr rtlCol="0" anchor="ctr"/>
+          <a:lstStyle/>
+          <a:p>
+            <a:pPr algn="ctr"/>
+            <a:r>
+              <a:rPr lang="en-US" dirty="0"/>
+              <a:t>Seq Number</a:t>
+            </a:r>
+          </a:p>
+        </p:txBody>
+      </p:sp>
+      <p:sp>
+        <p:nvSpPr>
+          <p:cNvPr id="14" name="Rectangle 13">
+            <a:extLst>
+              <a:ext uri="{FF2B5EF4-FFF2-40B4-BE49-F238E27FC236}">
+                <a16:creationId xmlns:a16="http://schemas.microsoft.com/office/drawing/2014/main" id="{A1EAC9EE-CACA-6E6A-4859-A5226C15834F}"/>
+              </a:ext>
+            </a:extLst>
+          </p:cNvPr>
+          <p:cNvSpPr/>
+          <p:nvPr/>
+        </p:nvSpPr>
+        <p:spPr>
+          <a:xfrm>
+            <a:off x="2154859" y="4289834"/>
+            <a:ext cx="1973655" cy="434566"/>
+          </a:xfrm>
+          <a:prstGeom prst="rect">
+            <a:avLst/>
+          </a:prstGeom>
+        </p:spPr>
+        <p:style>
+          <a:lnRef idx="1">
+            <a:schemeClr val="accent3"/>
+          </a:lnRef>
+          <a:fillRef idx="2">
+            <a:schemeClr val="accent3"/>
+          </a:fillRef>
+          <a:effectRef idx="1">
+            <a:schemeClr val="accent3"/>
+          </a:effectRef>
+          <a:fontRef idx="minor">
+            <a:schemeClr val="dk1"/>
+          </a:fontRef>
+        </p:style>
+        <p:txBody>
+          <a:bodyPr rtlCol="0" anchor="ctr"/>
+          <a:lstStyle/>
+          <a:p>
+            <a:pPr algn="ctr"/>
+            <a:r>
+              <a:rPr lang="en-US" dirty="0"/>
+              <a:t> Ack Number</a:t>
+            </a:r>
+          </a:p>
+        </p:txBody>
+      </p:sp>
+      <p:cxnSp>
+        <p:nvCxnSpPr>
+          <p:cNvPr id="16" name="Straight Arrow Connector 15">
+            <a:extLst>
+              <a:ext uri="{FF2B5EF4-FFF2-40B4-BE49-F238E27FC236}">
+                <a16:creationId xmlns:a16="http://schemas.microsoft.com/office/drawing/2014/main" id="{CA571D4A-0502-2A61-B6AB-3E4430878A3A}"/>
+              </a:ext>
+            </a:extLst>
+          </p:cNvPr>
+          <p:cNvCxnSpPr>
+            <a:stCxn id="14" idx="3"/>
+            <a:endCxn id="9" idx="1"/>
+          </p:cNvCxnSpPr>
+          <p:nvPr/>
+        </p:nvCxnSpPr>
+        <p:spPr>
+          <a:xfrm flipV="1">
+            <a:off x="4128514" y="2625505"/>
+            <a:ext cx="3930513" cy="1881612"/>
+          </a:xfrm>
+          <a:prstGeom prst="straightConnector1">
+            <a:avLst/>
+          </a:prstGeom>
+          <a:ln>
+            <a:headEnd type="triangle"/>
+            <a:tailEnd type="triangle"/>
+          </a:ln>
+        </p:spPr>
+        <p:style>
+          <a:lnRef idx="3">
+            <a:schemeClr val="dk1"/>
+          </a:lnRef>
+          <a:fillRef idx="0">
+            <a:schemeClr val="dk1"/>
+          </a:fillRef>
+          <a:effectRef idx="2">
+            <a:schemeClr val="dk1"/>
+          </a:effectRef>
+          <a:fontRef idx="minor">
+            <a:schemeClr val="tx1"/>
+          </a:fontRef>
+        </p:style>
+      </p:cxnSp>
+      <p:cxnSp>
+        <p:nvCxnSpPr>
+          <p:cNvPr id="18" name="Straight Arrow Connector 17">
+            <a:extLst>
+              <a:ext uri="{FF2B5EF4-FFF2-40B4-BE49-F238E27FC236}">
+                <a16:creationId xmlns:a16="http://schemas.microsoft.com/office/drawing/2014/main" id="{37F68305-FD25-0DE1-7EA1-62FCCE2C4CA9}"/>
+              </a:ext>
+            </a:extLst>
+          </p:cNvPr>
+          <p:cNvCxnSpPr>
+            <a:stCxn id="13" idx="3"/>
+            <a:endCxn id="11" idx="1"/>
+          </p:cNvCxnSpPr>
+          <p:nvPr/>
+        </p:nvCxnSpPr>
+        <p:spPr>
+          <a:xfrm>
+            <a:off x="4128513" y="2625505"/>
+            <a:ext cx="3930514" cy="1881612"/>
+          </a:xfrm>
+          <a:prstGeom prst="straightConnector1">
+            <a:avLst/>
+          </a:prstGeom>
+          <a:ln>
+            <a:headEnd type="triangle"/>
+            <a:tailEnd type="triangle"/>
+          </a:ln>
+        </p:spPr>
+        <p:style>
+          <a:lnRef idx="3">
+            <a:schemeClr val="dk1"/>
+          </a:lnRef>
+          <a:fillRef idx="0">
+            <a:schemeClr val="dk1"/>
+          </a:fillRef>
+          <a:effectRef idx="2">
+            <a:schemeClr val="dk1"/>
+          </a:effectRef>
+          <a:fontRef idx="minor">
+            <a:schemeClr val="tx1"/>
+          </a:fontRef>
+        </p:style>
+      </p:cxnSp>
+      <p:sp>
+        <p:nvSpPr>
+          <p:cNvPr id="2" name="Slide Number Placeholder 1">
+            <a:extLst>
+              <a:ext uri="{FF2B5EF4-FFF2-40B4-BE49-F238E27FC236}">
+                <a16:creationId xmlns:a16="http://schemas.microsoft.com/office/drawing/2014/main" id="{B0BF5B83-4FAE-6E68-FF7F-2FDCB7D3DC29}"/>
+              </a:ext>
+            </a:extLst>
+          </p:cNvPr>
+          <p:cNvSpPr>
+            <a:spLocks noGrp="1"/>
+          </p:cNvSpPr>
+          <p:nvPr>
+            <p:ph type="sldNum" sz="quarter" idx="12"/>
+          </p:nvPr>
+        </p:nvSpPr>
+        <p:spPr/>
+        <p:txBody>
+          <a:bodyPr/>
+          <a:lstStyle/>
+          <a:p>
+            <a:fld id="{2DB24D90-624F-4BA9-8536-8B45883AEAD5}" type="slidenum">
+              <a:rPr lang="en-US" smtClean="0"/>
+              <a:t>10</a:t>
+            </a:fld>
+            <a:endParaRPr lang="en-US" dirty="0"/>
+          </a:p>
+        </p:txBody>
+      </p:sp>
+    </p:spTree>
+    <p:extLst>
+      <p:ext uri="{BB962C8B-B14F-4D97-AF65-F5344CB8AC3E}">
+        <p14:creationId xmlns:p14="http://schemas.microsoft.com/office/powerpoint/2010/main" val="2639250877"/>
+      </p:ext>
+    </p:extLst>
+  </p:cSld>
+  <p:clrMapOvr>
+    <a:masterClrMapping/>
+  </p:clrMapOvr>
+</p:sld>
+</file>
+
+<file path=ppt/slides/slide11.xml><?xml version="1.0" encoding="utf-8"?>
+<p:sld xmlns:a="http://schemas.openxmlformats.org/drawingml/2006/main" xmlns:r="http://schemas.openxmlformats.org/officeDocument/2006/relationships" xmlns:p="http://schemas.openxmlformats.org/presentationml/2006/main">
+  <p:cSld>
+    <p:spTree>
+      <p:nvGrpSpPr>
+        <p:cNvPr id="1" name="">
+          <a:extLst>
+            <a:ext uri="{FF2B5EF4-FFF2-40B4-BE49-F238E27FC236}">
               <a16:creationId xmlns:a16="http://schemas.microsoft.com/office/drawing/2014/main" id="{DE8004B6-8C2C-28F2-3957-11CA893DC5D5}"/>
             </a:ext>
           </a:extLst>
@@ -4502,7 +5031,7 @@
           <a:p>
             <a:fld id="{2DB24D90-624F-4BA9-8536-8B45883AEAD5}" type="slidenum">
               <a:rPr lang="en-US" smtClean="0"/>
-              <a:t>10</a:t>
+              <a:t>11</a:t>
             </a:fld>
             <a:endParaRPr lang="en-US" dirty="0"/>
           </a:p>
@@ -4521,7 +5050,7 @@
 </p:sld>
 </file>
 
-<file path=ppt/slides/slide11.xml><?xml version="1.0" encoding="utf-8"?>
+<file path=ppt/slides/slide12.xml><?xml version="1.0" encoding="utf-8"?>
 <p:sld xmlns:a="http://schemas.openxmlformats.org/drawingml/2006/main" xmlns:r="http://schemas.openxmlformats.org/officeDocument/2006/relationships" xmlns:p="http://schemas.openxmlformats.org/presentationml/2006/main">
   <p:cSld>
     <p:spTree>
@@ -5026,7 +5555,7 @@
           <a:p>
             <a:fld id="{2DB24D90-624F-4BA9-8536-8B45883AEAD5}" type="slidenum">
               <a:rPr lang="en-US" smtClean="0"/>
-              <a:t>11</a:t>
+              <a:t>12</a:t>
             </a:fld>
             <a:endParaRPr lang="en-US" dirty="0"/>
           </a:p>
@@ -5036,535 +5565,6 @@
     <p:extLst>
       <p:ext uri="{BB962C8B-B14F-4D97-AF65-F5344CB8AC3E}">
         <p14:creationId xmlns:p14="http://schemas.microsoft.com/office/powerpoint/2010/main" val="890016996"/>
-      </p:ext>
-    </p:extLst>
-  </p:cSld>
-  <p:clrMapOvr>
-    <a:masterClrMapping/>
-  </p:clrMapOvr>
-</p:sld>
-</file>
-
-<file path=ppt/slides/slide12.xml><?xml version="1.0" encoding="utf-8"?>
-<p:sld xmlns:a="http://schemas.openxmlformats.org/drawingml/2006/main" xmlns:r="http://schemas.openxmlformats.org/officeDocument/2006/relationships" xmlns:p="http://schemas.openxmlformats.org/presentationml/2006/main">
-  <p:cSld>
-    <p:spTree>
-      <p:nvGrpSpPr>
-        <p:cNvPr id="1" name="">
-          <a:extLst>
-            <a:ext uri="{FF2B5EF4-FFF2-40B4-BE49-F238E27FC236}">
-              <a16:creationId xmlns:a16="http://schemas.microsoft.com/office/drawing/2014/main" id="{06D9EBB8-6845-0B4B-2C9F-15A71D53BFAC}"/>
-            </a:ext>
-          </a:extLst>
-        </p:cNvPr>
-        <p:cNvGrpSpPr/>
-        <p:nvPr/>
-      </p:nvGrpSpPr>
-      <p:grpSpPr>
-        <a:xfrm>
-          <a:off x="0" y="0"/>
-          <a:ext cx="0" cy="0"/>
-          <a:chOff x="0" y="0"/>
-          <a:chExt cx="0" cy="0"/>
-        </a:xfrm>
-      </p:grpSpPr>
-      <p:sp>
-        <p:nvSpPr>
-          <p:cNvPr id="4" name="Title 1">
-            <a:extLst>
-              <a:ext uri="{FF2B5EF4-FFF2-40B4-BE49-F238E27FC236}">
-                <a16:creationId xmlns:a16="http://schemas.microsoft.com/office/drawing/2014/main" id="{4CF64528-A0B7-7BE8-687B-2E7439408AC8}"/>
-              </a:ext>
-            </a:extLst>
-          </p:cNvPr>
-          <p:cNvSpPr txBox="1">
-            <a:spLocks noGrp="1"/>
-          </p:cNvSpPr>
-          <p:nvPr>
-            <p:ph type="title" idx="4294967295"/>
-          </p:nvPr>
-        </p:nvSpPr>
-        <p:spPr>
-          <a:xfrm>
-            <a:off x="1146425" y="951345"/>
-            <a:ext cx="9899150" cy="839694"/>
-          </a:xfrm>
-          <a:prstGeom prst="rect">
-            <a:avLst/>
-          </a:prstGeom>
-          <a:noFill/>
-          <a:ln>
-            <a:noFill/>
-            <a:prstDash/>
-          </a:ln>
-          <a:effectLst/>
-        </p:spPr>
-        <p:txBody>
-          <a:bodyPr rot="0" spcFirstLastPara="0" vertOverflow="overflow" horzOverflow="overflow" vert="horz" wrap="square" lIns="91440" tIns="45720" rIns="91440" bIns="45720" numCol="1" spcCol="0" rtlCol="0" fromWordArt="0" anchor="ctr" anchorCtr="0" forceAA="0" compatLnSpc="1">
-            <a:prstTxWarp prst="textNoShape">
-              <a:avLst/>
-            </a:prstTxWarp>
-            <a:noAutofit/>
-          </a:bodyPr>
-          <a:lstStyle>
-            <a:lvl1pPr algn="l" defTabSz="914400" rtl="0" eaLnBrk="1" latinLnBrk="0" hangingPunct="1">
-              <a:lnSpc>
-                <a:spcPct val="90000"/>
-              </a:lnSpc>
-              <a:spcBef>
-                <a:spcPct val="0"/>
-              </a:spcBef>
-              <a:buNone/>
-              <a:defRPr sz="4400" kern="1200">
-                <a:solidFill>
-                  <a:schemeClr val="tx1"/>
-                </a:solidFill>
-                <a:latin typeface="+mj-lt"/>
-                <a:ea typeface="+mj-ea"/>
-                <a:cs typeface="+mj-cs"/>
-              </a:defRPr>
-            </a:lvl1pPr>
-          </a:lstStyle>
-          <a:p>
-            <a:pPr marL="0" marR="0" lvl="0" indent="0" algn="ctr" defTabSz="914400" eaLnBrk="1" fontAlgn="auto" latinLnBrk="0" hangingPunct="1">
-              <a:lnSpc>
-                <a:spcPct val="90000"/>
-              </a:lnSpc>
-              <a:spcBef>
-                <a:spcPct val="0"/>
-              </a:spcBef>
-              <a:spcAft>
-                <a:spcPts val="0"/>
-              </a:spcAft>
-              <a:buClrTx/>
-              <a:buSzTx/>
-              <a:buFontTx/>
-              <a:buNone/>
-              <a:tabLst/>
-              <a:defRPr/>
-            </a:pPr>
-            <a:r>
-              <a:rPr lang="en-US" b="1" dirty="0"/>
-              <a:t>Sequence And Acknowledgement Number</a:t>
-            </a:r>
-            <a:endParaRPr kumimoji="0" lang="en-US" b="1" i="0" u="none" strike="noStrike" kern="1200" cap="none" spc="0" normalizeH="0" baseline="0" noProof="0" dirty="0">
-              <a:ln>
-                <a:noFill/>
-              </a:ln>
-              <a:solidFill>
-                <a:schemeClr val="tx1"/>
-              </a:solidFill>
-              <a:effectLst/>
-              <a:uLnTx/>
-              <a:uFillTx/>
-              <a:latin typeface="+mj-lt"/>
-              <a:ea typeface="+mj-ea"/>
-              <a:cs typeface="+mj-cs"/>
-            </a:endParaRPr>
-          </a:p>
-        </p:txBody>
-      </p:sp>
-      <p:sp>
-        <p:nvSpPr>
-          <p:cNvPr id="5" name="Rectangle 4">
-            <a:extLst>
-              <a:ext uri="{FF2B5EF4-FFF2-40B4-BE49-F238E27FC236}">
-                <a16:creationId xmlns:a16="http://schemas.microsoft.com/office/drawing/2014/main" id="{FB76BC81-2DEA-DAC9-90E8-7955E290162D}"/>
-              </a:ext>
-            </a:extLst>
-          </p:cNvPr>
-          <p:cNvSpPr/>
-          <p:nvPr/>
-        </p:nvSpPr>
-        <p:spPr>
-          <a:xfrm>
-            <a:off x="832919" y="2190939"/>
-            <a:ext cx="3304515" cy="3141552"/>
-          </a:xfrm>
-          <a:prstGeom prst="rect">
-            <a:avLst/>
-          </a:prstGeom>
-        </p:spPr>
-        <p:style>
-          <a:lnRef idx="2">
-            <a:schemeClr val="dk1"/>
-          </a:lnRef>
-          <a:fillRef idx="1">
-            <a:schemeClr val="lt1"/>
-          </a:fillRef>
-          <a:effectRef idx="0">
-            <a:schemeClr val="dk1"/>
-          </a:effectRef>
-          <a:fontRef idx="minor">
-            <a:schemeClr val="dk1"/>
-          </a:fontRef>
-        </p:style>
-        <p:txBody>
-          <a:bodyPr rtlCol="0" anchor="ctr"/>
-          <a:lstStyle/>
-          <a:p>
-            <a:pPr algn="ctr"/>
-            <a:r>
-              <a:rPr lang="en-US" sz="3600" dirty="0"/>
-              <a:t>Host 1</a:t>
-            </a:r>
-          </a:p>
-        </p:txBody>
-      </p:sp>
-      <p:sp>
-        <p:nvSpPr>
-          <p:cNvPr id="7" name="Rectangle 6">
-            <a:extLst>
-              <a:ext uri="{FF2B5EF4-FFF2-40B4-BE49-F238E27FC236}">
-                <a16:creationId xmlns:a16="http://schemas.microsoft.com/office/drawing/2014/main" id="{E1A05A14-A6D6-1AE3-22D0-27FBBDCBF0FF}"/>
-              </a:ext>
-            </a:extLst>
-          </p:cNvPr>
-          <p:cNvSpPr/>
-          <p:nvPr/>
-        </p:nvSpPr>
-        <p:spPr>
-          <a:xfrm>
-            <a:off x="8054568" y="2190939"/>
-            <a:ext cx="3304515" cy="3141552"/>
-          </a:xfrm>
-          <a:prstGeom prst="rect">
-            <a:avLst/>
-          </a:prstGeom>
-        </p:spPr>
-        <p:style>
-          <a:lnRef idx="2">
-            <a:schemeClr val="dk1"/>
-          </a:lnRef>
-          <a:fillRef idx="1">
-            <a:schemeClr val="lt1"/>
-          </a:fillRef>
-          <a:effectRef idx="0">
-            <a:schemeClr val="dk1"/>
-          </a:effectRef>
-          <a:fontRef idx="minor">
-            <a:schemeClr val="dk1"/>
-          </a:fontRef>
-        </p:style>
-        <p:txBody>
-          <a:bodyPr rtlCol="0" anchor="ctr"/>
-          <a:lstStyle/>
-          <a:p>
-            <a:pPr algn="ctr"/>
-            <a:r>
-              <a:rPr lang="en-US" sz="3600" dirty="0"/>
-              <a:t>Host 2</a:t>
-            </a:r>
-          </a:p>
-        </p:txBody>
-      </p:sp>
-      <p:sp>
-        <p:nvSpPr>
-          <p:cNvPr id="9" name="Rectangle 8">
-            <a:extLst>
-              <a:ext uri="{FF2B5EF4-FFF2-40B4-BE49-F238E27FC236}">
-                <a16:creationId xmlns:a16="http://schemas.microsoft.com/office/drawing/2014/main" id="{EA1B9000-43F2-62D5-99ED-E3E01FE6D626}"/>
-              </a:ext>
-            </a:extLst>
-          </p:cNvPr>
-          <p:cNvSpPr/>
-          <p:nvPr/>
-        </p:nvSpPr>
-        <p:spPr>
-          <a:xfrm>
-            <a:off x="8059027" y="2408222"/>
-            <a:ext cx="1973655" cy="434566"/>
-          </a:xfrm>
-          <a:prstGeom prst="rect">
-            <a:avLst/>
-          </a:prstGeom>
-        </p:spPr>
-        <p:style>
-          <a:lnRef idx="1">
-            <a:schemeClr val="accent3"/>
-          </a:lnRef>
-          <a:fillRef idx="2">
-            <a:schemeClr val="accent3"/>
-          </a:fillRef>
-          <a:effectRef idx="1">
-            <a:schemeClr val="accent3"/>
-          </a:effectRef>
-          <a:fontRef idx="minor">
-            <a:schemeClr val="dk1"/>
-          </a:fontRef>
-        </p:style>
-        <p:txBody>
-          <a:bodyPr rtlCol="0" anchor="ctr"/>
-          <a:lstStyle/>
-          <a:p>
-            <a:pPr algn="ctr"/>
-            <a:r>
-              <a:rPr lang="en-US" dirty="0"/>
-              <a:t>Seq Number</a:t>
-            </a:r>
-          </a:p>
-        </p:txBody>
-      </p:sp>
-      <p:sp>
-        <p:nvSpPr>
-          <p:cNvPr id="11" name="Rectangle 10">
-            <a:extLst>
-              <a:ext uri="{FF2B5EF4-FFF2-40B4-BE49-F238E27FC236}">
-                <a16:creationId xmlns:a16="http://schemas.microsoft.com/office/drawing/2014/main" id="{BD781AF4-DF35-A9ED-BF15-070EE845D14B}"/>
-              </a:ext>
-            </a:extLst>
-          </p:cNvPr>
-          <p:cNvSpPr/>
-          <p:nvPr/>
-        </p:nvSpPr>
-        <p:spPr>
-          <a:xfrm>
-            <a:off x="8059027" y="4289834"/>
-            <a:ext cx="1973655" cy="434566"/>
-          </a:xfrm>
-          <a:prstGeom prst="rect">
-            <a:avLst/>
-          </a:prstGeom>
-        </p:spPr>
-        <p:style>
-          <a:lnRef idx="1">
-            <a:schemeClr val="accent3"/>
-          </a:lnRef>
-          <a:fillRef idx="2">
-            <a:schemeClr val="accent3"/>
-          </a:fillRef>
-          <a:effectRef idx="1">
-            <a:schemeClr val="accent3"/>
-          </a:effectRef>
-          <a:fontRef idx="minor">
-            <a:schemeClr val="dk1"/>
-          </a:fontRef>
-        </p:style>
-        <p:txBody>
-          <a:bodyPr rtlCol="0" anchor="ctr"/>
-          <a:lstStyle/>
-          <a:p>
-            <a:pPr algn="ctr"/>
-            <a:r>
-              <a:rPr lang="en-US" dirty="0"/>
-              <a:t> Ack Number</a:t>
-            </a:r>
-          </a:p>
-        </p:txBody>
-      </p:sp>
-      <p:sp>
-        <p:nvSpPr>
-          <p:cNvPr id="13" name="Rectangle 12">
-            <a:extLst>
-              <a:ext uri="{FF2B5EF4-FFF2-40B4-BE49-F238E27FC236}">
-                <a16:creationId xmlns:a16="http://schemas.microsoft.com/office/drawing/2014/main" id="{3C47A2EB-59F7-AEE5-2D35-0BE218D4A324}"/>
-              </a:ext>
-            </a:extLst>
-          </p:cNvPr>
-          <p:cNvSpPr/>
-          <p:nvPr/>
-        </p:nvSpPr>
-        <p:spPr>
-          <a:xfrm>
-            <a:off x="2154858" y="2408222"/>
-            <a:ext cx="1973655" cy="434566"/>
-          </a:xfrm>
-          <a:prstGeom prst="rect">
-            <a:avLst/>
-          </a:prstGeom>
-        </p:spPr>
-        <p:style>
-          <a:lnRef idx="1">
-            <a:schemeClr val="accent3"/>
-          </a:lnRef>
-          <a:fillRef idx="2">
-            <a:schemeClr val="accent3"/>
-          </a:fillRef>
-          <a:effectRef idx="1">
-            <a:schemeClr val="accent3"/>
-          </a:effectRef>
-          <a:fontRef idx="minor">
-            <a:schemeClr val="dk1"/>
-          </a:fontRef>
-        </p:style>
-        <p:txBody>
-          <a:bodyPr rtlCol="0" anchor="ctr"/>
-          <a:lstStyle/>
-          <a:p>
-            <a:pPr algn="ctr"/>
-            <a:r>
-              <a:rPr lang="en-US" dirty="0"/>
-              <a:t>Seq Number</a:t>
-            </a:r>
-          </a:p>
-        </p:txBody>
-      </p:sp>
-      <p:sp>
-        <p:nvSpPr>
-          <p:cNvPr id="14" name="Rectangle 13">
-            <a:extLst>
-              <a:ext uri="{FF2B5EF4-FFF2-40B4-BE49-F238E27FC236}">
-                <a16:creationId xmlns:a16="http://schemas.microsoft.com/office/drawing/2014/main" id="{A1EAC9EE-CACA-6E6A-4859-A5226C15834F}"/>
-              </a:ext>
-            </a:extLst>
-          </p:cNvPr>
-          <p:cNvSpPr/>
-          <p:nvPr/>
-        </p:nvSpPr>
-        <p:spPr>
-          <a:xfrm>
-            <a:off x="2154859" y="4289834"/>
-            <a:ext cx="1973655" cy="434566"/>
-          </a:xfrm>
-          <a:prstGeom prst="rect">
-            <a:avLst/>
-          </a:prstGeom>
-        </p:spPr>
-        <p:style>
-          <a:lnRef idx="1">
-            <a:schemeClr val="accent3"/>
-          </a:lnRef>
-          <a:fillRef idx="2">
-            <a:schemeClr val="accent3"/>
-          </a:fillRef>
-          <a:effectRef idx="1">
-            <a:schemeClr val="accent3"/>
-          </a:effectRef>
-          <a:fontRef idx="minor">
-            <a:schemeClr val="dk1"/>
-          </a:fontRef>
-        </p:style>
-        <p:txBody>
-          <a:bodyPr rtlCol="0" anchor="ctr"/>
-          <a:lstStyle/>
-          <a:p>
-            <a:pPr algn="ctr"/>
-            <a:r>
-              <a:rPr lang="en-US" dirty="0"/>
-              <a:t> Ack Number</a:t>
-            </a:r>
-          </a:p>
-        </p:txBody>
-      </p:sp>
-      <p:cxnSp>
-        <p:nvCxnSpPr>
-          <p:cNvPr id="16" name="Straight Arrow Connector 15">
-            <a:extLst>
-              <a:ext uri="{FF2B5EF4-FFF2-40B4-BE49-F238E27FC236}">
-                <a16:creationId xmlns:a16="http://schemas.microsoft.com/office/drawing/2014/main" id="{CA571D4A-0502-2A61-B6AB-3E4430878A3A}"/>
-              </a:ext>
-            </a:extLst>
-          </p:cNvPr>
-          <p:cNvCxnSpPr>
-            <a:stCxn id="14" idx="3"/>
-            <a:endCxn id="9" idx="1"/>
-          </p:cNvCxnSpPr>
-          <p:nvPr/>
-        </p:nvCxnSpPr>
-        <p:spPr>
-          <a:xfrm flipV="1">
-            <a:off x="4128514" y="2625505"/>
-            <a:ext cx="3930513" cy="1881612"/>
-          </a:xfrm>
-          <a:prstGeom prst="straightConnector1">
-            <a:avLst/>
-          </a:prstGeom>
-          <a:ln>
-            <a:headEnd type="triangle"/>
-            <a:tailEnd type="triangle"/>
-          </a:ln>
-        </p:spPr>
-        <p:style>
-          <a:lnRef idx="3">
-            <a:schemeClr val="dk1"/>
-          </a:lnRef>
-          <a:fillRef idx="0">
-            <a:schemeClr val="dk1"/>
-          </a:fillRef>
-          <a:effectRef idx="2">
-            <a:schemeClr val="dk1"/>
-          </a:effectRef>
-          <a:fontRef idx="minor">
-            <a:schemeClr val="tx1"/>
-          </a:fontRef>
-        </p:style>
-      </p:cxnSp>
-      <p:cxnSp>
-        <p:nvCxnSpPr>
-          <p:cNvPr id="18" name="Straight Arrow Connector 17">
-            <a:extLst>
-              <a:ext uri="{FF2B5EF4-FFF2-40B4-BE49-F238E27FC236}">
-                <a16:creationId xmlns:a16="http://schemas.microsoft.com/office/drawing/2014/main" id="{37F68305-FD25-0DE1-7EA1-62FCCE2C4CA9}"/>
-              </a:ext>
-            </a:extLst>
-          </p:cNvPr>
-          <p:cNvCxnSpPr>
-            <a:stCxn id="13" idx="3"/>
-            <a:endCxn id="11" idx="1"/>
-          </p:cNvCxnSpPr>
-          <p:nvPr/>
-        </p:nvCxnSpPr>
-        <p:spPr>
-          <a:xfrm>
-            <a:off x="4128513" y="2625505"/>
-            <a:ext cx="3930514" cy="1881612"/>
-          </a:xfrm>
-          <a:prstGeom prst="straightConnector1">
-            <a:avLst/>
-          </a:prstGeom>
-          <a:ln>
-            <a:headEnd type="triangle"/>
-            <a:tailEnd type="triangle"/>
-          </a:ln>
-        </p:spPr>
-        <p:style>
-          <a:lnRef idx="3">
-            <a:schemeClr val="dk1"/>
-          </a:lnRef>
-          <a:fillRef idx="0">
-            <a:schemeClr val="dk1"/>
-          </a:fillRef>
-          <a:effectRef idx="2">
-            <a:schemeClr val="dk1"/>
-          </a:effectRef>
-          <a:fontRef idx="minor">
-            <a:schemeClr val="tx1"/>
-          </a:fontRef>
-        </p:style>
-      </p:cxnSp>
-      <p:sp>
-        <p:nvSpPr>
-          <p:cNvPr id="2" name="Slide Number Placeholder 1">
-            <a:extLst>
-              <a:ext uri="{FF2B5EF4-FFF2-40B4-BE49-F238E27FC236}">
-                <a16:creationId xmlns:a16="http://schemas.microsoft.com/office/drawing/2014/main" id="{B0BF5B83-4FAE-6E68-FF7F-2FDCB7D3DC29}"/>
-              </a:ext>
-            </a:extLst>
-          </p:cNvPr>
-          <p:cNvSpPr>
-            <a:spLocks noGrp="1"/>
-          </p:cNvSpPr>
-          <p:nvPr>
-            <p:ph type="sldNum" sz="quarter" idx="12"/>
-          </p:nvPr>
-        </p:nvSpPr>
-        <p:spPr/>
-        <p:txBody>
-          <a:bodyPr/>
-          <a:lstStyle/>
-          <a:p>
-            <a:fld id="{2DB24D90-624F-4BA9-8536-8B45883AEAD5}" type="slidenum">
-              <a:rPr lang="en-US" smtClean="0"/>
-              <a:t>12</a:t>
-            </a:fld>
-            <a:endParaRPr lang="en-US" dirty="0"/>
-          </a:p>
-        </p:txBody>
-      </p:sp>
-    </p:spTree>
-    <p:extLst>
-      <p:ext uri="{BB962C8B-B14F-4D97-AF65-F5344CB8AC3E}">
-        <p14:creationId xmlns:p14="http://schemas.microsoft.com/office/powerpoint/2010/main" val="2639250877"/>
       </p:ext>
     </p:extLst>
   </p:cSld>
@@ -10608,7 +10608,7 @@
         <p:spPr>
           <a:xfrm>
             <a:off x="1524000" y="2346036"/>
-            <a:ext cx="5596597" cy="2062103"/>
+            <a:ext cx="5596597" cy="2554545"/>
           </a:xfrm>
           <a:prstGeom prst="rect">
             <a:avLst/>
@@ -10658,6 +10658,16 @@
             <a:r>
               <a:rPr lang="en-US" sz="3200" dirty="0"/>
               <a:t>Syn Floods</a:t>
+            </a:r>
+          </a:p>
+          <a:p>
+            <a:pPr marL="285750" indent="-285750">
+              <a:buFont typeface="Arial" panose="020B0604020202020204" pitchFamily="34" charset="0"/>
+              <a:buChar char="•"/>
+            </a:pPr>
+            <a:r>
+              <a:rPr lang="en-US" sz="3200" dirty="0"/>
+              <a:t>Syn Cookies</a:t>
             </a:r>
           </a:p>
         </p:txBody>
@@ -14622,17 +14632,19 @@
           </a:prstGeom>
         </p:spPr>
         <p:style>
-          <a:lnRef idx="1">
-            <a:schemeClr val="accent3"/>
+          <a:lnRef idx="2">
+            <a:schemeClr val="accent5">
+              <a:shade val="15000"/>
+            </a:schemeClr>
           </a:lnRef>
-          <a:fillRef idx="2">
-            <a:schemeClr val="accent3"/>
+          <a:fillRef idx="1">
+            <a:schemeClr val="accent5"/>
           </a:fillRef>
-          <a:effectRef idx="1">
-            <a:schemeClr val="accent3"/>
+          <a:effectRef idx="0">
+            <a:schemeClr val="accent5"/>
           </a:effectRef>
           <a:fontRef idx="minor">
-            <a:schemeClr val="dk1"/>
+            <a:schemeClr val="lt1"/>
           </a:fontRef>
         </p:style>
         <p:txBody>
@@ -14710,17 +14722,19 @@
           </a:prstGeom>
         </p:spPr>
         <p:style>
-          <a:lnRef idx="1">
-            <a:schemeClr val="accent3"/>
+          <a:lnRef idx="2">
+            <a:schemeClr val="accent6">
+              <a:shade val="15000"/>
+            </a:schemeClr>
           </a:lnRef>
-          <a:fillRef idx="2">
-            <a:schemeClr val="accent3"/>
+          <a:fillRef idx="1">
+            <a:schemeClr val="accent6"/>
           </a:fillRef>
-          <a:effectRef idx="1">
-            <a:schemeClr val="accent3"/>
+          <a:effectRef idx="0">
+            <a:schemeClr val="accent6"/>
           </a:effectRef>
           <a:fontRef idx="minor">
-            <a:schemeClr val="dk1"/>
+            <a:schemeClr val="lt1"/>
           </a:fontRef>
         </p:style>
         <p:txBody>
@@ -14802,237 +14816,6 @@
             <a:ext cx="1287661" cy="428017"/>
           </a:xfrm>
           <a:prstGeom prst="round2DiagRect">
-            <a:avLst/>
-          </a:prstGeom>
-        </p:spPr>
-        <p:style>
-          <a:lnRef idx="1">
-            <a:schemeClr val="accent3"/>
-          </a:lnRef>
-          <a:fillRef idx="2">
-            <a:schemeClr val="accent3"/>
-          </a:fillRef>
-          <a:effectRef idx="1">
-            <a:schemeClr val="accent3"/>
-          </a:effectRef>
-          <a:fontRef idx="minor">
-            <a:schemeClr val="dk1"/>
-          </a:fontRef>
-        </p:style>
-        <p:txBody>
-          <a:bodyPr rtlCol="0" anchor="ctr"/>
-          <a:lstStyle/>
-          <a:p>
-            <a:pPr algn="ctr"/>
-            <a:r>
-              <a:rPr lang="en-US" dirty="0"/>
-              <a:t>send(“o”)</a:t>
-            </a:r>
-          </a:p>
-        </p:txBody>
-      </p:sp>
-      <p:sp>
-        <p:nvSpPr>
-          <p:cNvPr id="33" name="Rectangle 32">
-            <a:extLst>
-              <a:ext uri="{FF2B5EF4-FFF2-40B4-BE49-F238E27FC236}">
-                <a16:creationId xmlns:a16="http://schemas.microsoft.com/office/drawing/2014/main" id="{37E2A1C1-ACB9-3667-3CCD-CDAD2CF50396}"/>
-              </a:ext>
-            </a:extLst>
-          </p:cNvPr>
-          <p:cNvSpPr/>
-          <p:nvPr/>
-        </p:nvSpPr>
-        <p:spPr>
-          <a:xfrm>
-            <a:off x="7981301" y="637299"/>
-            <a:ext cx="3839922" cy="943583"/>
-          </a:xfrm>
-          <a:prstGeom prst="rect">
-            <a:avLst/>
-          </a:prstGeom>
-        </p:spPr>
-        <p:style>
-          <a:lnRef idx="2">
-            <a:schemeClr val="dk1"/>
-          </a:lnRef>
-          <a:fillRef idx="1">
-            <a:schemeClr val="lt1"/>
-          </a:fillRef>
-          <a:effectRef idx="0">
-            <a:schemeClr val="dk1"/>
-          </a:effectRef>
-          <a:fontRef idx="minor">
-            <a:schemeClr val="dk1"/>
-          </a:fontRef>
-        </p:style>
-        <p:txBody>
-          <a:bodyPr rtlCol="0" anchor="ctr"/>
-          <a:lstStyle/>
-          <a:p>
-            <a:pPr algn="ctr"/>
-            <a:r>
-              <a:rPr lang="en-US" dirty="0"/>
-              <a:t>Application layer</a:t>
-            </a:r>
-          </a:p>
-        </p:txBody>
-      </p:sp>
-      <p:cxnSp>
-        <p:nvCxnSpPr>
-          <p:cNvPr id="35" name="Straight Arrow Connector 34">
-            <a:extLst>
-              <a:ext uri="{FF2B5EF4-FFF2-40B4-BE49-F238E27FC236}">
-                <a16:creationId xmlns:a16="http://schemas.microsoft.com/office/drawing/2014/main" id="{433B459D-7129-CAD1-1555-9F260894CABF}"/>
-              </a:ext>
-            </a:extLst>
-          </p:cNvPr>
-          <p:cNvCxnSpPr>
-            <a:cxnSpLocks/>
-            <a:stCxn id="34" idx="0"/>
-            <a:endCxn id="33" idx="2"/>
-          </p:cNvCxnSpPr>
-          <p:nvPr/>
-        </p:nvCxnSpPr>
-        <p:spPr>
-          <a:xfrm flipV="1">
-            <a:off x="9901262" y="1580882"/>
-            <a:ext cx="0" cy="894944"/>
-          </a:xfrm>
-          <a:prstGeom prst="straightConnector1">
-            <a:avLst/>
-          </a:prstGeom>
-          <a:ln>
-            <a:tailEnd type="triangle"/>
-          </a:ln>
-        </p:spPr>
-        <p:style>
-          <a:lnRef idx="3">
-            <a:schemeClr val="dk1"/>
-          </a:lnRef>
-          <a:fillRef idx="0">
-            <a:schemeClr val="dk1"/>
-          </a:fillRef>
-          <a:effectRef idx="2">
-            <a:schemeClr val="dk1"/>
-          </a:effectRef>
-          <a:fontRef idx="minor">
-            <a:schemeClr val="tx1"/>
-          </a:fontRef>
-        </p:style>
-      </p:cxnSp>
-      <p:sp>
-        <p:nvSpPr>
-          <p:cNvPr id="36" name="Rectangle: Diagonal Corners Rounded 35">
-            <a:extLst>
-              <a:ext uri="{FF2B5EF4-FFF2-40B4-BE49-F238E27FC236}">
-                <a16:creationId xmlns:a16="http://schemas.microsoft.com/office/drawing/2014/main" id="{76E6E86F-9218-1A34-3301-18D3750A55E1}"/>
-              </a:ext>
-            </a:extLst>
-          </p:cNvPr>
-          <p:cNvSpPr/>
-          <p:nvPr/>
-        </p:nvSpPr>
-        <p:spPr>
-          <a:xfrm>
-            <a:off x="9005023" y="1761040"/>
-            <a:ext cx="1792477" cy="428017"/>
-          </a:xfrm>
-          <a:prstGeom prst="round2DiagRect">
-            <a:avLst/>
-          </a:prstGeom>
-        </p:spPr>
-        <p:style>
-          <a:lnRef idx="1">
-            <a:schemeClr val="accent3"/>
-          </a:lnRef>
-          <a:fillRef idx="2">
-            <a:schemeClr val="accent3"/>
-          </a:fillRef>
-          <a:effectRef idx="1">
-            <a:schemeClr val="accent3"/>
-          </a:effectRef>
-          <a:fontRef idx="minor">
-            <a:schemeClr val="dk1"/>
-          </a:fontRef>
-        </p:style>
-        <p:txBody>
-          <a:bodyPr rtlCol="0" anchor="ctr"/>
-          <a:lstStyle/>
-          <a:p>
-            <a:pPr algn="ctr"/>
-            <a:r>
-              <a:rPr lang="en-US" dirty="0"/>
-              <a:t>receive(“hello”)</a:t>
-            </a:r>
-          </a:p>
-        </p:txBody>
-      </p:sp>
-      <p:sp>
-        <p:nvSpPr>
-          <p:cNvPr id="37" name="Rectangle 36">
-            <a:extLst>
-              <a:ext uri="{FF2B5EF4-FFF2-40B4-BE49-F238E27FC236}">
-                <a16:creationId xmlns:a16="http://schemas.microsoft.com/office/drawing/2014/main" id="{DA0CD7C9-5ED4-E40F-E035-D7FBB4890425}"/>
-              </a:ext>
-            </a:extLst>
-          </p:cNvPr>
-          <p:cNvSpPr/>
-          <p:nvPr/>
-        </p:nvSpPr>
-        <p:spPr>
-          <a:xfrm>
-            <a:off x="6796937" y="2474457"/>
-            <a:ext cx="1177047" cy="325877"/>
-          </a:xfrm>
-          <a:prstGeom prst="rect">
-            <a:avLst/>
-          </a:prstGeom>
-        </p:spPr>
-        <p:style>
-          <a:lnRef idx="1">
-            <a:schemeClr val="accent3"/>
-          </a:lnRef>
-          <a:fillRef idx="2">
-            <a:schemeClr val="accent3"/>
-          </a:fillRef>
-          <a:effectRef idx="1">
-            <a:schemeClr val="accent3"/>
-          </a:effectRef>
-          <a:fontRef idx="minor">
-            <a:schemeClr val="dk1"/>
-          </a:fontRef>
-        </p:style>
-        <p:txBody>
-          <a:bodyPr rtlCol="0" anchor="ctr"/>
-          <a:lstStyle/>
-          <a:p>
-            <a:pPr algn="ctr"/>
-            <a:r>
-              <a:rPr lang="en-US" dirty="0"/>
-              <a:t>“Hello”</a:t>
-            </a:r>
-          </a:p>
-        </p:txBody>
-      </p:sp>
-      <p:sp>
-        <p:nvSpPr>
-          <p:cNvPr id="38" name="Rectangle 37">
-            <a:extLst>
-              <a:ext uri="{FF2B5EF4-FFF2-40B4-BE49-F238E27FC236}">
-                <a16:creationId xmlns:a16="http://schemas.microsoft.com/office/drawing/2014/main" id="{2933463F-881D-E5C0-482C-9B64B6AC3938}"/>
-              </a:ext>
-            </a:extLst>
-          </p:cNvPr>
-          <p:cNvSpPr/>
-          <p:nvPr/>
-        </p:nvSpPr>
-        <p:spPr>
-          <a:xfrm>
-            <a:off x="6142571" y="3096769"/>
-            <a:ext cx="610030" cy="325877"/>
-          </a:xfrm>
-          <a:prstGeom prst="rect">
             <a:avLst/>
           </a:prstGeom>
         </p:spPr>
@@ -15059,6 +14842,239 @@
             <a:pPr algn="ctr"/>
             <a:r>
               <a:rPr lang="en-US" dirty="0"/>
+              <a:t>send(“o”)</a:t>
+            </a:r>
+          </a:p>
+        </p:txBody>
+      </p:sp>
+      <p:sp>
+        <p:nvSpPr>
+          <p:cNvPr id="33" name="Rectangle 32">
+            <a:extLst>
+              <a:ext uri="{FF2B5EF4-FFF2-40B4-BE49-F238E27FC236}">
+                <a16:creationId xmlns:a16="http://schemas.microsoft.com/office/drawing/2014/main" id="{37E2A1C1-ACB9-3667-3CCD-CDAD2CF50396}"/>
+              </a:ext>
+            </a:extLst>
+          </p:cNvPr>
+          <p:cNvSpPr/>
+          <p:nvPr/>
+        </p:nvSpPr>
+        <p:spPr>
+          <a:xfrm>
+            <a:off x="7981301" y="637299"/>
+            <a:ext cx="3839922" cy="943583"/>
+          </a:xfrm>
+          <a:prstGeom prst="rect">
+            <a:avLst/>
+          </a:prstGeom>
+        </p:spPr>
+        <p:style>
+          <a:lnRef idx="2">
+            <a:schemeClr val="dk1"/>
+          </a:lnRef>
+          <a:fillRef idx="1">
+            <a:schemeClr val="lt1"/>
+          </a:fillRef>
+          <a:effectRef idx="0">
+            <a:schemeClr val="dk1"/>
+          </a:effectRef>
+          <a:fontRef idx="minor">
+            <a:schemeClr val="dk1"/>
+          </a:fontRef>
+        </p:style>
+        <p:txBody>
+          <a:bodyPr rtlCol="0" anchor="ctr"/>
+          <a:lstStyle/>
+          <a:p>
+            <a:pPr algn="ctr"/>
+            <a:r>
+              <a:rPr lang="en-US" dirty="0"/>
+              <a:t>Application layer</a:t>
+            </a:r>
+          </a:p>
+        </p:txBody>
+      </p:sp>
+      <p:cxnSp>
+        <p:nvCxnSpPr>
+          <p:cNvPr id="35" name="Straight Arrow Connector 34">
+            <a:extLst>
+              <a:ext uri="{FF2B5EF4-FFF2-40B4-BE49-F238E27FC236}">
+                <a16:creationId xmlns:a16="http://schemas.microsoft.com/office/drawing/2014/main" id="{433B459D-7129-CAD1-1555-9F260894CABF}"/>
+              </a:ext>
+            </a:extLst>
+          </p:cNvPr>
+          <p:cNvCxnSpPr>
+            <a:cxnSpLocks/>
+            <a:stCxn id="34" idx="0"/>
+            <a:endCxn id="33" idx="2"/>
+          </p:cNvCxnSpPr>
+          <p:nvPr/>
+        </p:nvCxnSpPr>
+        <p:spPr>
+          <a:xfrm flipV="1">
+            <a:off x="9901262" y="1580882"/>
+            <a:ext cx="0" cy="894944"/>
+          </a:xfrm>
+          <a:prstGeom prst="straightConnector1">
+            <a:avLst/>
+          </a:prstGeom>
+          <a:ln>
+            <a:tailEnd type="triangle"/>
+          </a:ln>
+        </p:spPr>
+        <p:style>
+          <a:lnRef idx="3">
+            <a:schemeClr val="dk1"/>
+          </a:lnRef>
+          <a:fillRef idx="0">
+            <a:schemeClr val="dk1"/>
+          </a:fillRef>
+          <a:effectRef idx="2">
+            <a:schemeClr val="dk1"/>
+          </a:effectRef>
+          <a:fontRef idx="minor">
+            <a:schemeClr val="tx1"/>
+          </a:fontRef>
+        </p:style>
+      </p:cxnSp>
+      <p:sp>
+        <p:nvSpPr>
+          <p:cNvPr id="36" name="Rectangle: Diagonal Corners Rounded 35">
+            <a:extLst>
+              <a:ext uri="{FF2B5EF4-FFF2-40B4-BE49-F238E27FC236}">
+                <a16:creationId xmlns:a16="http://schemas.microsoft.com/office/drawing/2014/main" id="{76E6E86F-9218-1A34-3301-18D3750A55E1}"/>
+              </a:ext>
+            </a:extLst>
+          </p:cNvPr>
+          <p:cNvSpPr/>
+          <p:nvPr/>
+        </p:nvSpPr>
+        <p:spPr>
+          <a:xfrm>
+            <a:off x="9005023" y="1761040"/>
+            <a:ext cx="1792477" cy="428017"/>
+          </a:xfrm>
+          <a:prstGeom prst="round2DiagRect">
+            <a:avLst/>
+          </a:prstGeom>
+        </p:spPr>
+        <p:style>
+          <a:lnRef idx="1">
+            <a:schemeClr val="accent3"/>
+          </a:lnRef>
+          <a:fillRef idx="2">
+            <a:schemeClr val="accent3"/>
+          </a:fillRef>
+          <a:effectRef idx="1">
+            <a:schemeClr val="accent3"/>
+          </a:effectRef>
+          <a:fontRef idx="minor">
+            <a:schemeClr val="dk1"/>
+          </a:fontRef>
+        </p:style>
+        <p:txBody>
+          <a:bodyPr rtlCol="0" anchor="ctr"/>
+          <a:lstStyle/>
+          <a:p>
+            <a:pPr algn="ctr"/>
+            <a:r>
+              <a:rPr lang="en-US" dirty="0"/>
+              <a:t>receive(“hello”)</a:t>
+            </a:r>
+          </a:p>
+        </p:txBody>
+      </p:sp>
+      <p:sp>
+        <p:nvSpPr>
+          <p:cNvPr id="37" name="Rectangle 36">
+            <a:extLst>
+              <a:ext uri="{FF2B5EF4-FFF2-40B4-BE49-F238E27FC236}">
+                <a16:creationId xmlns:a16="http://schemas.microsoft.com/office/drawing/2014/main" id="{DA0CD7C9-5ED4-E40F-E035-D7FBB4890425}"/>
+              </a:ext>
+            </a:extLst>
+          </p:cNvPr>
+          <p:cNvSpPr/>
+          <p:nvPr/>
+        </p:nvSpPr>
+        <p:spPr>
+          <a:xfrm>
+            <a:off x="6796937" y="2474457"/>
+            <a:ext cx="1177047" cy="325877"/>
+          </a:xfrm>
+          <a:prstGeom prst="rect">
+            <a:avLst/>
+          </a:prstGeom>
+        </p:spPr>
+        <p:style>
+          <a:lnRef idx="1">
+            <a:schemeClr val="accent3"/>
+          </a:lnRef>
+          <a:fillRef idx="2">
+            <a:schemeClr val="accent3"/>
+          </a:fillRef>
+          <a:effectRef idx="1">
+            <a:schemeClr val="accent3"/>
+          </a:effectRef>
+          <a:fontRef idx="minor">
+            <a:schemeClr val="dk1"/>
+          </a:fontRef>
+        </p:style>
+        <p:txBody>
+          <a:bodyPr rtlCol="0" anchor="ctr"/>
+          <a:lstStyle/>
+          <a:p>
+            <a:pPr algn="ctr"/>
+            <a:r>
+              <a:rPr lang="en-US" dirty="0"/>
+              <a:t>“Hello”</a:t>
+            </a:r>
+          </a:p>
+        </p:txBody>
+      </p:sp>
+      <p:sp>
+        <p:nvSpPr>
+          <p:cNvPr id="38" name="Rectangle 37">
+            <a:extLst>
+              <a:ext uri="{FF2B5EF4-FFF2-40B4-BE49-F238E27FC236}">
+                <a16:creationId xmlns:a16="http://schemas.microsoft.com/office/drawing/2014/main" id="{2933463F-881D-E5C0-482C-9B64B6AC3938}"/>
+              </a:ext>
+            </a:extLst>
+          </p:cNvPr>
+          <p:cNvSpPr/>
+          <p:nvPr/>
+        </p:nvSpPr>
+        <p:spPr>
+          <a:xfrm>
+            <a:off x="6142571" y="3096769"/>
+            <a:ext cx="610030" cy="325877"/>
+          </a:xfrm>
+          <a:prstGeom prst="rect">
+            <a:avLst/>
+          </a:prstGeom>
+        </p:spPr>
+        <p:style>
+          <a:lnRef idx="2">
+            <a:schemeClr val="accent2">
+              <a:shade val="15000"/>
+            </a:schemeClr>
+          </a:lnRef>
+          <a:fillRef idx="1">
+            <a:schemeClr val="accent2"/>
+          </a:fillRef>
+          <a:effectRef idx="0">
+            <a:schemeClr val="accent2"/>
+          </a:effectRef>
+          <a:fontRef idx="minor">
+            <a:schemeClr val="lt1"/>
+          </a:fontRef>
+        </p:style>
+        <p:txBody>
+          <a:bodyPr rtlCol="0" anchor="ctr"/>
+          <a:lstStyle/>
+          <a:p>
+            <a:pPr algn="ctr"/>
+            <a:r>
+              <a:rPr lang="en-US" dirty="0"/>
               <a:t>“o”</a:t>
             </a:r>
           </a:p>
@@ -15135,17 +15151,19 @@
           </a:prstGeom>
         </p:spPr>
         <p:style>
-          <a:lnRef idx="1">
-            <a:schemeClr val="accent3"/>
+          <a:lnRef idx="2">
+            <a:schemeClr val="accent2">
+              <a:shade val="15000"/>
+            </a:schemeClr>
           </a:lnRef>
-          <a:fillRef idx="2">
-            <a:schemeClr val="accent3"/>
+          <a:fillRef idx="1">
+            <a:schemeClr val="accent2"/>
           </a:fillRef>
-          <a:effectRef idx="1">
-            <a:schemeClr val="accent3"/>
+          <a:effectRef idx="0">
+            <a:schemeClr val="accent2"/>
           </a:effectRef>
           <a:fontRef idx="minor">
-            <a:schemeClr val="dk1"/>
+            <a:schemeClr val="lt1"/>
           </a:fontRef>
         </p:style>
         <p:txBody>
@@ -15223,17 +15241,19 @@
           </a:prstGeom>
         </p:spPr>
         <p:style>
-          <a:lnRef idx="1">
-            <a:schemeClr val="accent3"/>
+          <a:lnRef idx="2">
+            <a:schemeClr val="accent5">
+              <a:shade val="15000"/>
+            </a:schemeClr>
           </a:lnRef>
-          <a:fillRef idx="2">
-            <a:schemeClr val="accent3"/>
+          <a:fillRef idx="1">
+            <a:schemeClr val="accent5"/>
           </a:fillRef>
-          <a:effectRef idx="1">
-            <a:schemeClr val="accent3"/>
+          <a:effectRef idx="0">
+            <a:schemeClr val="accent5"/>
           </a:effectRef>
           <a:fontRef idx="minor">
-            <a:schemeClr val="dk1"/>
+            <a:schemeClr val="lt1"/>
           </a:fontRef>
         </p:style>
         <p:txBody>
@@ -15270,17 +15290,19 @@
           </a:prstGeom>
         </p:spPr>
         <p:style>
-          <a:lnRef idx="1">
-            <a:schemeClr val="accent3"/>
+          <a:lnRef idx="2">
+            <a:schemeClr val="accent6">
+              <a:shade val="15000"/>
+            </a:schemeClr>
           </a:lnRef>
-          <a:fillRef idx="2">
-            <a:schemeClr val="accent3"/>
+          <a:fillRef idx="1">
+            <a:schemeClr val="accent6"/>
           </a:fillRef>
-          <a:effectRef idx="1">
-            <a:schemeClr val="accent3"/>
+          <a:effectRef idx="0">
+            <a:schemeClr val="accent6"/>
           </a:effectRef>
           <a:fontRef idx="minor">
-            <a:schemeClr val="dk1"/>
+            <a:schemeClr val="lt1"/>
           </a:fontRef>
         </p:style>
         <p:txBody>

--- a/research_and_presentation/Transport Layer, TCP and Floods/presentation_slides/Transport Layer, TCP and Floods.pptx
+++ b/research_and_presentation/Transport Layer, TCP and Floods/presentation_slides/Transport Layer, TCP and Floods.pptx
@@ -245,7 +245,7 @@
           <a:p>
             <a:fld id="{4C493C19-E536-454C-AE32-E7C28372B87B}" type="datetimeFigureOut">
               <a:rPr lang="en-US" smtClean="0"/>
-              <a:t>11/22/2024</a:t>
+              <a:t>11/23/2024</a:t>
             </a:fld>
             <a:endParaRPr lang="en-US"/>
           </a:p>
@@ -3905,7 +3905,7 @@
 </file>
 
 <file path=ppt/slides/slide1.xml><?xml version="1.0" encoding="utf-8"?>
-<p:sld xmlns:a="http://schemas.openxmlformats.org/drawingml/2006/main" xmlns:r="http://schemas.openxmlformats.org/officeDocument/2006/relationships" xmlns:p="http://schemas.openxmlformats.org/presentationml/2006/main">
+<p:sld xmlns:a="http://schemas.openxmlformats.org/drawingml/2006/main" xmlns:r="http://schemas.openxmlformats.org/officeDocument/2006/relationships" xmlns:p="http://schemas.openxmlformats.org/presentationml/2006/main" show="0">
   <p:cSld>
     <p:spTree>
       <p:nvGrpSpPr>
@@ -9443,7 +9443,15 @@
             </a:pPr>
             <a:r>
               <a:rPr lang="en-US" sz="3200" dirty="0"/>
-              <a:t>Linux and Network Deep Diver</a:t>
+              <a:t>Linux </a:t>
+            </a:r>
+            <a:r>
+              <a:rPr lang="en-US" sz="3200"/>
+              <a:t>and Computer Network </a:t>
+            </a:r>
+            <a:r>
+              <a:rPr lang="en-US" sz="3200" dirty="0"/>
+              <a:t>Deep Diver</a:t>
             </a:r>
           </a:p>
           <a:p>

--- a/research_and_presentation/Transport Layer, TCP and Floods/presentation_slides/Transport Layer, TCP and Floods.pptx
+++ b/research_and_presentation/Transport Layer, TCP and Floods/presentation_slides/Transport Layer, TCP and Floods.pptx
@@ -3905,7 +3905,7 @@
 </file>
 
 <file path=ppt/slides/slide1.xml><?xml version="1.0" encoding="utf-8"?>
-<p:sld xmlns:a="http://schemas.openxmlformats.org/drawingml/2006/main" xmlns:r="http://schemas.openxmlformats.org/officeDocument/2006/relationships" xmlns:p="http://schemas.openxmlformats.org/presentationml/2006/main" show="0">
+<p:sld xmlns:a="http://schemas.openxmlformats.org/drawingml/2006/main" xmlns:r="http://schemas.openxmlformats.org/officeDocument/2006/relationships" xmlns:p="http://schemas.openxmlformats.org/presentationml/2006/main">
   <p:cSld>
     <p:spTree>
       <p:nvGrpSpPr>
@@ -9168,7 +9168,7 @@
         <p:spPr>
           <a:xfrm>
             <a:off x="1524000" y="2346036"/>
-            <a:ext cx="6734601" cy="4031873"/>
+            <a:ext cx="8470589" cy="3046988"/>
           </a:xfrm>
           <a:prstGeom prst="rect">
             <a:avLst/>
@@ -9187,7 +9187,7 @@
             </a:pPr>
             <a:r>
               <a:rPr lang="en-US" sz="3200" dirty="0"/>
-              <a:t>Server’s IP Address</a:t>
+              <a:t>Server and Client’s IP Address</a:t>
             </a:r>
           </a:p>
           <a:p>
@@ -9197,7 +9197,7 @@
             </a:pPr>
             <a:r>
               <a:rPr lang="en-US" sz="3200" dirty="0"/>
-              <a:t>Client’s IP Address</a:t>
+              <a:t>Server and Client’s Sequence Number</a:t>
             </a:r>
           </a:p>
           <a:p>
@@ -9207,7 +9207,7 @@
             </a:pPr>
             <a:r>
               <a:rPr lang="en-US" sz="3200" dirty="0"/>
-              <a:t>Server’s Sequence Number</a:t>
+              <a:t>Server and Client’s Port</a:t>
             </a:r>
           </a:p>
           <a:p>
@@ -9217,27 +9217,7 @@
             </a:pPr>
             <a:r>
               <a:rPr lang="en-US" sz="3200" dirty="0"/>
-              <a:t>Client’s Sequence Number</a:t>
-            </a:r>
-          </a:p>
-          <a:p>
-            <a:pPr marL="285750" indent="-285750">
-              <a:buFont typeface="Arial" panose="020B0604020202020204" pitchFamily="34" charset="0"/>
-              <a:buChar char="•"/>
-            </a:pPr>
-            <a:r>
-              <a:rPr lang="en-US" sz="3200" dirty="0"/>
-              <a:t>Server’s Port</a:t>
-            </a:r>
-          </a:p>
-          <a:p>
-            <a:pPr marL="285750" indent="-285750">
-              <a:buFont typeface="Arial" panose="020B0604020202020204" pitchFamily="34" charset="0"/>
-              <a:buChar char="•"/>
-            </a:pPr>
-            <a:r>
-              <a:rPr lang="en-US" sz="3200" dirty="0"/>
-              <a:t>Client’s Port</a:t>
+              <a:t>Server and Client Maximum Segment Size (MSS)</a:t>
             </a:r>
           </a:p>
           <a:p>

--- a/research_and_presentation/Transport Layer, TCP and Floods/presentation_slides/Transport Layer, TCP and Floods.pptx
+++ b/research_and_presentation/Transport Layer, TCP and Floods/presentation_slides/Transport Layer, TCP and Floods.pptx
@@ -245,7 +245,7 @@
           <a:p>
             <a:fld id="{4C493C19-E536-454C-AE32-E7C28372B87B}" type="datetimeFigureOut">
               <a:rPr lang="en-US" smtClean="0"/>
-              <a:t>11/23/2024</a:t>
+              <a:t>11/29/2024</a:t>
             </a:fld>
             <a:endParaRPr lang="en-US"/>
           </a:p>
@@ -15463,42 +15463,6 @@
       </p:sp>
       <p:sp>
         <p:nvSpPr>
-          <p:cNvPr id="98" name="Title 97">
-            <a:extLst>
-              <a:ext uri="{FF2B5EF4-FFF2-40B4-BE49-F238E27FC236}">
-                <a16:creationId xmlns:a16="http://schemas.microsoft.com/office/drawing/2014/main" id="{EEA1F55F-D002-5FA4-4E58-9737EE77399B}"/>
-              </a:ext>
-            </a:extLst>
-          </p:cNvPr>
-          <p:cNvSpPr>
-            <a:spLocks noGrp="1"/>
-          </p:cNvSpPr>
-          <p:nvPr>
-            <p:ph type="title" idx="4294967295"/>
-          </p:nvPr>
-        </p:nvSpPr>
-        <p:spPr>
-          <a:xfrm>
-            <a:off x="3926792" y="584590"/>
-            <a:ext cx="4421658" cy="1182033"/>
-          </a:xfrm>
-        </p:spPr>
-        <p:txBody>
-          <a:bodyPr>
-            <a:normAutofit/>
-          </a:bodyPr>
-          <a:lstStyle/>
-          <a:p>
-            <a:pPr algn="ctr"/>
-            <a:r>
-              <a:rPr lang="en-US" sz="4000" b="1" dirty="0"/>
-              <a:t>In Order Delivery</a:t>
-            </a:r>
-          </a:p>
-        </p:txBody>
-      </p:sp>
-      <p:sp>
-        <p:nvSpPr>
           <p:cNvPr id="6" name="Slide Number Placeholder 5">
             <a:extLst>
               <a:ext uri="{FF2B5EF4-FFF2-40B4-BE49-F238E27FC236}">
@@ -15583,6 +15547,150 @@
           </a:p>
         </p:txBody>
       </p:sp>
+      <p:sp>
+        <p:nvSpPr>
+          <p:cNvPr id="12" name="Rectangle 11">
+            <a:extLst>
+              <a:ext uri="{FF2B5EF4-FFF2-40B4-BE49-F238E27FC236}">
+                <a16:creationId xmlns:a16="http://schemas.microsoft.com/office/drawing/2014/main" id="{BA5B9305-A669-F2E1-E969-CBF32656C952}"/>
+              </a:ext>
+            </a:extLst>
+          </p:cNvPr>
+          <p:cNvSpPr/>
+          <p:nvPr/>
+        </p:nvSpPr>
+        <p:spPr>
+          <a:xfrm>
+            <a:off x="-126719" y="0"/>
+            <a:ext cx="6185730" cy="7025489"/>
+          </a:xfrm>
+          <a:prstGeom prst="rect">
+            <a:avLst/>
+          </a:prstGeom>
+          <a:solidFill>
+            <a:srgbClr val="FCEBA5"/>
+          </a:solidFill>
+          <a:ln>
+            <a:solidFill>
+              <a:srgbClr val="FCEBA5"/>
+            </a:solidFill>
+          </a:ln>
+        </p:spPr>
+        <p:style>
+          <a:lnRef idx="2">
+            <a:schemeClr val="accent1">
+              <a:shade val="15000"/>
+            </a:schemeClr>
+          </a:lnRef>
+          <a:fillRef idx="1">
+            <a:schemeClr val="accent1"/>
+          </a:fillRef>
+          <a:effectRef idx="0">
+            <a:schemeClr val="accent1"/>
+          </a:effectRef>
+          <a:fontRef idx="minor">
+            <a:schemeClr val="lt1"/>
+          </a:fontRef>
+        </p:style>
+        <p:txBody>
+          <a:bodyPr rtlCol="0" anchor="ctr"/>
+          <a:lstStyle/>
+          <a:p>
+            <a:pPr algn="ctr"/>
+            <a:endParaRPr lang="en-US"/>
+          </a:p>
+        </p:txBody>
+      </p:sp>
+      <p:sp>
+        <p:nvSpPr>
+          <p:cNvPr id="13" name="Rectangle 12">
+            <a:extLst>
+              <a:ext uri="{FF2B5EF4-FFF2-40B4-BE49-F238E27FC236}">
+                <a16:creationId xmlns:a16="http://schemas.microsoft.com/office/drawing/2014/main" id="{0C775C83-2884-1507-761E-FDE2C02D3151}"/>
+              </a:ext>
+            </a:extLst>
+          </p:cNvPr>
+          <p:cNvSpPr/>
+          <p:nvPr/>
+        </p:nvSpPr>
+        <p:spPr>
+          <a:xfrm>
+            <a:off x="6059011" y="0"/>
+            <a:ext cx="6487104" cy="7172036"/>
+          </a:xfrm>
+          <a:prstGeom prst="rect">
+            <a:avLst/>
+          </a:prstGeom>
+          <a:solidFill>
+            <a:srgbClr val="FBE37D"/>
+          </a:solidFill>
+          <a:ln>
+            <a:solidFill>
+              <a:srgbClr val="FBE37D"/>
+            </a:solidFill>
+          </a:ln>
+        </p:spPr>
+        <p:style>
+          <a:lnRef idx="2">
+            <a:schemeClr val="accent1">
+              <a:shade val="15000"/>
+            </a:schemeClr>
+          </a:lnRef>
+          <a:fillRef idx="1">
+            <a:schemeClr val="accent1"/>
+          </a:fillRef>
+          <a:effectRef idx="0">
+            <a:schemeClr val="accent1"/>
+          </a:effectRef>
+          <a:fontRef idx="minor">
+            <a:schemeClr val="lt1"/>
+          </a:fontRef>
+        </p:style>
+        <p:txBody>
+          <a:bodyPr rtlCol="0" anchor="ctr"/>
+          <a:lstStyle/>
+          <a:p>
+            <a:pPr algn="ctr"/>
+            <a:endParaRPr lang="en-US" dirty="0"/>
+          </a:p>
+        </p:txBody>
+      </p:sp>
+      <p:sp>
+        <p:nvSpPr>
+          <p:cNvPr id="98" name="Title 97">
+            <a:extLst>
+              <a:ext uri="{FF2B5EF4-FFF2-40B4-BE49-F238E27FC236}">
+                <a16:creationId xmlns:a16="http://schemas.microsoft.com/office/drawing/2014/main" id="{EEA1F55F-D002-5FA4-4E58-9737EE77399B}"/>
+              </a:ext>
+            </a:extLst>
+          </p:cNvPr>
+          <p:cNvSpPr>
+            <a:spLocks noGrp="1"/>
+          </p:cNvSpPr>
+          <p:nvPr>
+            <p:ph type="title" idx="4294967295"/>
+          </p:nvPr>
+        </p:nvSpPr>
+        <p:spPr>
+          <a:xfrm>
+            <a:off x="3926792" y="584590"/>
+            <a:ext cx="4421658" cy="1182033"/>
+          </a:xfrm>
+        </p:spPr>
+        <p:txBody>
+          <a:bodyPr>
+            <a:normAutofit/>
+          </a:bodyPr>
+          <a:lstStyle/>
+          <a:p>
+            <a:pPr algn="ctr"/>
+            <a:r>
+              <a:rPr lang="en-US" sz="4000" b="1" dirty="0"/>
+              <a:t>In Order Delivery</a:t>
+            </a:r>
+          </a:p>
+        </p:txBody>
+      </p:sp>
     </p:spTree>
     <p:extLst>
       <p:ext uri="{BB962C8B-B14F-4D97-AF65-F5344CB8AC3E}">
@@ -15593,6 +15701,146 @@
   <p:clrMapOvr>
     <a:masterClrMapping/>
   </p:clrMapOvr>
+  <p:timing>
+    <p:tnLst>
+      <p:par>
+        <p:cTn id="1" dur="indefinite" restart="never" nodeType="tmRoot">
+          <p:childTnLst>
+            <p:seq concurrent="1" nextAc="seek">
+              <p:cTn id="2" dur="indefinite" nodeType="mainSeq">
+                <p:childTnLst>
+                  <p:par>
+                    <p:cTn id="3" fill="hold">
+                      <p:stCondLst>
+                        <p:cond delay="indefinite"/>
+                      </p:stCondLst>
+                      <p:childTnLst>
+                        <p:par>
+                          <p:cTn id="4" fill="hold">
+                            <p:stCondLst>
+                              <p:cond delay="0"/>
+                            </p:stCondLst>
+                            <p:childTnLst>
+                              <p:par>
+                                <p:cTn id="5" presetID="22" presetClass="exit" presetSubtype="1" fill="hold" grpId="0" nodeType="clickEffect">
+                                  <p:stCondLst>
+                                    <p:cond delay="0"/>
+                                  </p:stCondLst>
+                                  <p:childTnLst>
+                                    <p:animEffect transition="out" filter="wipe(up)">
+                                      <p:cBhvr>
+                                        <p:cTn id="6" dur="500"/>
+                                        <p:tgtEl>
+                                          <p:spTgt spid="12"/>
+                                        </p:tgtEl>
+                                      </p:cBhvr>
+                                    </p:animEffect>
+                                    <p:set>
+                                      <p:cBhvr>
+                                        <p:cTn id="7" dur="1" fill="hold">
+                                          <p:stCondLst>
+                                            <p:cond delay="499"/>
+                                          </p:stCondLst>
+                                        </p:cTn>
+                                        <p:tgtEl>
+                                          <p:spTgt spid="12"/>
+                                        </p:tgtEl>
+                                        <p:attrNameLst>
+                                          <p:attrName>style.visibility</p:attrName>
+                                        </p:attrNameLst>
+                                      </p:cBhvr>
+                                      <p:to>
+                                        <p:strVal val="hidden"/>
+                                      </p:to>
+                                    </p:set>
+                                  </p:childTnLst>
+                                </p:cTn>
+                              </p:par>
+                            </p:childTnLst>
+                          </p:cTn>
+                        </p:par>
+                      </p:childTnLst>
+                    </p:cTn>
+                  </p:par>
+                  <p:par>
+                    <p:cTn id="8" fill="hold">
+                      <p:stCondLst>
+                        <p:cond delay="indefinite"/>
+                      </p:stCondLst>
+                      <p:childTnLst>
+                        <p:par>
+                          <p:cTn id="9" fill="hold">
+                            <p:stCondLst>
+                              <p:cond delay="0"/>
+                            </p:stCondLst>
+                            <p:childTnLst>
+                              <p:par>
+                                <p:cTn id="10" presetID="22" presetClass="exit" presetSubtype="1" fill="hold" grpId="0" nodeType="clickEffect">
+                                  <p:stCondLst>
+                                    <p:cond delay="0"/>
+                                  </p:stCondLst>
+                                  <p:childTnLst>
+                                    <p:animEffect transition="out" filter="wipe(up)">
+                                      <p:cBhvr>
+                                        <p:cTn id="11" dur="500"/>
+                                        <p:tgtEl>
+                                          <p:spTgt spid="13"/>
+                                        </p:tgtEl>
+                                      </p:cBhvr>
+                                    </p:animEffect>
+                                    <p:set>
+                                      <p:cBhvr>
+                                        <p:cTn id="12" dur="1" fill="hold">
+                                          <p:stCondLst>
+                                            <p:cond delay="499"/>
+                                          </p:stCondLst>
+                                        </p:cTn>
+                                        <p:tgtEl>
+                                          <p:spTgt spid="13"/>
+                                        </p:tgtEl>
+                                        <p:attrNameLst>
+                                          <p:attrName>style.visibility</p:attrName>
+                                        </p:attrNameLst>
+                                      </p:cBhvr>
+                                      <p:to>
+                                        <p:strVal val="hidden"/>
+                                      </p:to>
+                                    </p:set>
+                                  </p:childTnLst>
+                                </p:cTn>
+                              </p:par>
+                            </p:childTnLst>
+                          </p:cTn>
+                        </p:par>
+                      </p:childTnLst>
+                    </p:cTn>
+                  </p:par>
+                </p:childTnLst>
+              </p:cTn>
+              <p:prevCondLst>
+                <p:cond evt="onPrev" delay="0">
+                  <p:tgtEl>
+                    <p:sldTgt/>
+                  </p:tgtEl>
+                </p:cond>
+              </p:prevCondLst>
+              <p:nextCondLst>
+                <p:cond evt="onNext" delay="0">
+                  <p:tgtEl>
+                    <p:sldTgt/>
+                  </p:tgtEl>
+                </p:cond>
+              </p:nextCondLst>
+            </p:seq>
+          </p:childTnLst>
+        </p:cTn>
+      </p:par>
+    </p:tnLst>
+    <p:bldLst>
+      <p:bldP spid="12" grpId="0" animBg="1"/>
+      <p:bldP spid="13" grpId="0" animBg="1"/>
+    </p:bldLst>
+  </p:timing>
 </p:sld>
 </file>
 

--- a/research_and_presentation/Transport Layer, TCP and Floods/presentation_slides/Transport Layer, TCP and Floods.pptx
+++ b/research_and_presentation/Transport Layer, TCP and Floods/presentation_slides/Transport Layer, TCP and Floods.pptx
@@ -17,8 +17,8 @@
     <p:sldId id="262" r:id="rId8"/>
     <p:sldId id="263" r:id="rId9"/>
     <p:sldId id="287" r:id="rId10"/>
-    <p:sldId id="265" r:id="rId11"/>
-    <p:sldId id="272" r:id="rId12"/>
+    <p:sldId id="272" r:id="rId11"/>
+    <p:sldId id="265" r:id="rId12"/>
     <p:sldId id="273" r:id="rId13"/>
     <p:sldId id="270" r:id="rId14"/>
     <p:sldId id="275" r:id="rId15"/>
@@ -245,7 +245,7 @@
           <a:p>
             <a:fld id="{4C493C19-E536-454C-AE32-E7C28372B87B}" type="datetimeFigureOut">
               <a:rPr lang="en-US" smtClean="0"/>
-              <a:t>11/29/2024</a:t>
+              <a:t>11/30/2024</a:t>
             </a:fld>
             <a:endParaRPr lang="en-US"/>
           </a:p>
@@ -874,7 +874,7 @@
           <a:p>
             <a:fld id="{FF4B5133-6E6D-4808-A81E-9EF7D25904AC}" type="slidenum">
               <a:rPr lang="en-US" smtClean="0"/>
-              <a:t>10</a:t>
+              <a:t>11</a:t>
             </a:fld>
             <a:endParaRPr lang="en-US"/>
           </a:p>
@@ -4192,6 +4192,343 @@
         <p:cNvPr id="1" name="">
           <a:extLst>
             <a:ext uri="{FF2B5EF4-FFF2-40B4-BE49-F238E27FC236}">
+              <a16:creationId xmlns:a16="http://schemas.microsoft.com/office/drawing/2014/main" id="{DE8004B6-8C2C-28F2-3957-11CA893DC5D5}"/>
+            </a:ext>
+          </a:extLst>
+        </p:cNvPr>
+        <p:cNvGrpSpPr/>
+        <p:nvPr/>
+      </p:nvGrpSpPr>
+      <p:grpSpPr>
+        <a:xfrm>
+          <a:off x="0" y="0"/>
+          <a:ext cx="0" cy="0"/>
+          <a:chOff x="0" y="0"/>
+          <a:chExt cx="0" cy="0"/>
+        </a:xfrm>
+      </p:grpSpPr>
+      <p:sp>
+        <p:nvSpPr>
+          <p:cNvPr id="4" name="Title 1">
+            <a:extLst>
+              <a:ext uri="{FF2B5EF4-FFF2-40B4-BE49-F238E27FC236}">
+                <a16:creationId xmlns:a16="http://schemas.microsoft.com/office/drawing/2014/main" id="{308B7B5C-162E-494E-E272-472FA1B6D36A}"/>
+              </a:ext>
+            </a:extLst>
+          </p:cNvPr>
+          <p:cNvSpPr txBox="1">
+            <a:spLocks noGrp="1"/>
+          </p:cNvSpPr>
+          <p:nvPr>
+            <p:ph type="title" idx="4294967295"/>
+          </p:nvPr>
+        </p:nvSpPr>
+        <p:spPr>
+          <a:xfrm>
+            <a:off x="1524000" y="951345"/>
+            <a:ext cx="9144000" cy="839694"/>
+          </a:xfrm>
+          <a:prstGeom prst="rect">
+            <a:avLst/>
+          </a:prstGeom>
+          <a:noFill/>
+          <a:ln>
+            <a:noFill/>
+            <a:prstDash/>
+          </a:ln>
+          <a:effectLst/>
+        </p:spPr>
+        <p:txBody>
+          <a:bodyPr rot="0" spcFirstLastPara="0" vertOverflow="overflow" horzOverflow="overflow" vert="horz" wrap="square" lIns="91440" tIns="45720" rIns="91440" bIns="45720" numCol="1" spcCol="0" rtlCol="0" fromWordArt="0" anchor="ctr" anchorCtr="0" forceAA="0" compatLnSpc="1">
+            <a:prstTxWarp prst="textNoShape">
+              <a:avLst/>
+            </a:prstTxWarp>
+            <a:normAutofit/>
+          </a:bodyPr>
+          <a:lstStyle>
+            <a:lvl1pPr algn="l" defTabSz="914400" rtl="0" eaLnBrk="1" latinLnBrk="0" hangingPunct="1">
+              <a:lnSpc>
+                <a:spcPct val="90000"/>
+              </a:lnSpc>
+              <a:spcBef>
+                <a:spcPct val="0"/>
+              </a:spcBef>
+              <a:buNone/>
+              <a:defRPr sz="4400" kern="1200">
+                <a:solidFill>
+                  <a:schemeClr val="tx1"/>
+                </a:solidFill>
+                <a:latin typeface="+mj-lt"/>
+                <a:ea typeface="+mj-ea"/>
+                <a:cs typeface="+mj-cs"/>
+              </a:defRPr>
+            </a:lvl1pPr>
+          </a:lstStyle>
+          <a:p>
+            <a:pPr marL="0" marR="0" lvl="0" indent="0" algn="ctr" defTabSz="914400" rtl="0" eaLnBrk="1" fontAlgn="auto" latinLnBrk="0" hangingPunct="1">
+              <a:lnSpc>
+                <a:spcPct val="90000"/>
+              </a:lnSpc>
+              <a:spcBef>
+                <a:spcPct val="0"/>
+              </a:spcBef>
+              <a:spcAft>
+                <a:spcPts val="0"/>
+              </a:spcAft>
+              <a:buClrTx/>
+              <a:buSzTx/>
+              <a:buFontTx/>
+              <a:buNone/>
+              <a:tabLst/>
+              <a:defRPr/>
+            </a:pPr>
+            <a:r>
+              <a:rPr kumimoji="0" lang="en-US" sz="4400" b="1" i="0" u="none" strike="noStrike" kern="1200" cap="none" spc="0" normalizeH="0" baseline="0" noProof="0" dirty="0">
+                <a:ln>
+                  <a:noFill/>
+                </a:ln>
+                <a:solidFill>
+                  <a:schemeClr val="tx1"/>
+                </a:solidFill>
+                <a:effectLst/>
+                <a:uLnTx/>
+                <a:uFillTx/>
+                <a:latin typeface="+mj-lt"/>
+                <a:ea typeface="+mj-ea"/>
+                <a:cs typeface="+mj-cs"/>
+              </a:rPr>
+              <a:t>TCP Flags</a:t>
+            </a:r>
+          </a:p>
+        </p:txBody>
+      </p:sp>
+      <p:sp>
+        <p:nvSpPr>
+          <p:cNvPr id="2" name="TextBox 1">
+            <a:extLst>
+              <a:ext uri="{FF2B5EF4-FFF2-40B4-BE49-F238E27FC236}">
+                <a16:creationId xmlns:a16="http://schemas.microsoft.com/office/drawing/2014/main" id="{4B679D56-FF0B-AFC0-522A-77B18159A724}"/>
+              </a:ext>
+            </a:extLst>
+          </p:cNvPr>
+          <p:cNvSpPr txBox="1"/>
+          <p:nvPr/>
+        </p:nvSpPr>
+        <p:spPr>
+          <a:xfrm>
+            <a:off x="1524000" y="2422218"/>
+            <a:ext cx="7388029" cy="3785652"/>
+          </a:xfrm>
+          <a:prstGeom prst="rect">
+            <a:avLst/>
+          </a:prstGeom>
+          <a:noFill/>
+        </p:spPr>
+        <p:txBody>
+          <a:bodyPr wrap="square" rtlCol="0">
+            <a:spAutoFit/>
+          </a:bodyPr>
+          <a:lstStyle/>
+          <a:p>
+            <a:pPr algn="just"/>
+            <a:r>
+              <a:rPr lang="en-US" sz="2400" b="1" dirty="0">
+                <a:solidFill>
+                  <a:schemeClr val="tx1">
+                    <a:lumMod val="50000"/>
+                    <a:lumOff val="50000"/>
+                  </a:schemeClr>
+                </a:solidFill>
+                <a:latin typeface="Consolas" panose="020B0609020204030204" pitchFamily="49" charset="0"/>
+                <a:cs typeface="Courier New" panose="02070309020205020404" pitchFamily="49" charset="0"/>
+              </a:rPr>
+              <a:t>000. .... .... = Reserved</a:t>
+            </a:r>
+          </a:p>
+          <a:p>
+            <a:pPr algn="just"/>
+            <a:r>
+              <a:rPr lang="en-US" sz="2400" b="1" dirty="0">
+                <a:solidFill>
+                  <a:schemeClr val="tx1">
+                    <a:lumMod val="50000"/>
+                    <a:lumOff val="50000"/>
+                  </a:schemeClr>
+                </a:solidFill>
+                <a:latin typeface="Consolas" panose="020B0609020204030204" pitchFamily="49" charset="0"/>
+                <a:cs typeface="Courier New" panose="02070309020205020404" pitchFamily="49" charset="0"/>
+              </a:rPr>
+              <a:t>...0 .... .... = Accurate ECN</a:t>
+            </a:r>
+          </a:p>
+          <a:p>
+            <a:pPr algn="just"/>
+            <a:r>
+              <a:rPr lang="en-US" sz="2400" b="1" dirty="0">
+                <a:solidFill>
+                  <a:schemeClr val="tx1">
+                    <a:lumMod val="50000"/>
+                    <a:lumOff val="50000"/>
+                  </a:schemeClr>
+                </a:solidFill>
+                <a:latin typeface="Consolas" panose="020B0609020204030204" pitchFamily="49" charset="0"/>
+                <a:cs typeface="Courier New" panose="02070309020205020404" pitchFamily="49" charset="0"/>
+              </a:rPr>
+              <a:t>.... 0... .... = Congestion Window Reduced</a:t>
+            </a:r>
+          </a:p>
+          <a:p>
+            <a:pPr algn="just"/>
+            <a:r>
+              <a:rPr lang="en-US" sz="2400" b="1" dirty="0">
+                <a:solidFill>
+                  <a:schemeClr val="tx1">
+                    <a:lumMod val="50000"/>
+                    <a:lumOff val="50000"/>
+                  </a:schemeClr>
+                </a:solidFill>
+                <a:latin typeface="Consolas" panose="020B0609020204030204" pitchFamily="49" charset="0"/>
+                <a:cs typeface="Courier New" panose="02070309020205020404" pitchFamily="49" charset="0"/>
+              </a:rPr>
+              <a:t>.... .0.. .... = ECN-Echo</a:t>
+            </a:r>
+          </a:p>
+          <a:p>
+            <a:pPr algn="just"/>
+            <a:r>
+              <a:rPr lang="en-US" sz="2400" b="1" dirty="0">
+                <a:solidFill>
+                  <a:schemeClr val="tx1">
+                    <a:lumMod val="50000"/>
+                    <a:lumOff val="50000"/>
+                  </a:schemeClr>
+                </a:solidFill>
+                <a:latin typeface="Consolas" panose="020B0609020204030204" pitchFamily="49" charset="0"/>
+                <a:cs typeface="Courier New" panose="02070309020205020404" pitchFamily="49" charset="0"/>
+              </a:rPr>
+              <a:t>.... ..0. .... = Urgent</a:t>
+            </a:r>
+          </a:p>
+          <a:p>
+            <a:pPr algn="just"/>
+            <a:r>
+              <a:rPr lang="en-US" sz="2400" b="1" dirty="0">
+                <a:latin typeface="Consolas" panose="020B0609020204030204" pitchFamily="49" charset="0"/>
+                <a:cs typeface="Courier New" panose="02070309020205020404" pitchFamily="49" charset="0"/>
+              </a:rPr>
+              <a:t>.... ...0 .... = Ack</a:t>
+            </a:r>
+          </a:p>
+          <a:p>
+            <a:pPr algn="just"/>
+            <a:r>
+              <a:rPr lang="en-US" sz="2400" b="1" dirty="0">
+                <a:solidFill>
+                  <a:schemeClr val="tx1">
+                    <a:lumMod val="50000"/>
+                    <a:lumOff val="50000"/>
+                  </a:schemeClr>
+                </a:solidFill>
+                <a:latin typeface="Consolas" panose="020B0609020204030204" pitchFamily="49" charset="0"/>
+                <a:cs typeface="Courier New" panose="02070309020205020404" pitchFamily="49" charset="0"/>
+              </a:rPr>
+              <a:t>.... .... 0... = Push</a:t>
+            </a:r>
+          </a:p>
+          <a:p>
+            <a:pPr algn="just"/>
+            <a:r>
+              <a:rPr lang="en-US" sz="2400" b="1" dirty="0">
+                <a:solidFill>
+                  <a:schemeClr val="tx1">
+                    <a:lumMod val="50000"/>
+                    <a:lumOff val="50000"/>
+                  </a:schemeClr>
+                </a:solidFill>
+                <a:latin typeface="Consolas" panose="020B0609020204030204" pitchFamily="49" charset="0"/>
+                <a:cs typeface="Courier New" panose="02070309020205020404" pitchFamily="49" charset="0"/>
+              </a:rPr>
+              <a:t>.... .... .0.. = Reset</a:t>
+            </a:r>
+          </a:p>
+          <a:p>
+            <a:pPr algn="just"/>
+            <a:r>
+              <a:rPr lang="en-US" sz="2400" b="1" dirty="0">
+                <a:latin typeface="Consolas" panose="020B0609020204030204" pitchFamily="49" charset="0"/>
+                <a:cs typeface="Courier New" panose="02070309020205020404" pitchFamily="49" charset="0"/>
+              </a:rPr>
+              <a:t>.... .... ..0. = Syn</a:t>
+            </a:r>
+          </a:p>
+          <a:p>
+            <a:pPr algn="just"/>
+            <a:r>
+              <a:rPr lang="en-US" sz="2400" b="1" dirty="0">
+                <a:solidFill>
+                  <a:schemeClr val="tx1">
+                    <a:lumMod val="50000"/>
+                    <a:lumOff val="50000"/>
+                  </a:schemeClr>
+                </a:solidFill>
+                <a:latin typeface="Consolas" panose="020B0609020204030204" pitchFamily="49" charset="0"/>
+                <a:cs typeface="Courier New" panose="02070309020205020404" pitchFamily="49" charset="0"/>
+              </a:rPr>
+              <a:t>.... .... ...0 = Fin</a:t>
+            </a:r>
+          </a:p>
+        </p:txBody>
+      </p:sp>
+      <p:sp>
+        <p:nvSpPr>
+          <p:cNvPr id="3" name="Slide Number Placeholder 2">
+            <a:extLst>
+              <a:ext uri="{FF2B5EF4-FFF2-40B4-BE49-F238E27FC236}">
+                <a16:creationId xmlns:a16="http://schemas.microsoft.com/office/drawing/2014/main" id="{C26347C5-8A77-EB4D-D22E-205D366019AB}"/>
+              </a:ext>
+            </a:extLst>
+          </p:cNvPr>
+          <p:cNvSpPr>
+            <a:spLocks noGrp="1"/>
+          </p:cNvSpPr>
+          <p:nvPr>
+            <p:ph type="sldNum" sz="quarter" idx="12"/>
+          </p:nvPr>
+        </p:nvSpPr>
+        <p:spPr/>
+        <p:txBody>
+          <a:bodyPr/>
+          <a:lstStyle/>
+          <a:p>
+            <a:fld id="{2DB24D90-624F-4BA9-8536-8B45883AEAD5}" type="slidenum">
+              <a:rPr lang="en-US" smtClean="0"/>
+              <a:t>10</a:t>
+            </a:fld>
+            <a:endParaRPr lang="en-US" dirty="0"/>
+          </a:p>
+        </p:txBody>
+      </p:sp>
+    </p:spTree>
+    <p:extLst>
+      <p:ext uri="{BB962C8B-B14F-4D97-AF65-F5344CB8AC3E}">
+        <p14:creationId xmlns:p14="http://schemas.microsoft.com/office/powerpoint/2010/main" val="722911233"/>
+      </p:ext>
+    </p:extLst>
+  </p:cSld>
+  <p:clrMapOvr>
+    <a:masterClrMapping/>
+  </p:clrMapOvr>
+</p:sld>
+</file>
+
+<file path=ppt/slides/slide11.xml><?xml version="1.0" encoding="utf-8"?>
+<p:sld xmlns:a="http://schemas.openxmlformats.org/drawingml/2006/main" xmlns:r="http://schemas.openxmlformats.org/officeDocument/2006/relationships" xmlns:p="http://schemas.openxmlformats.org/presentationml/2006/main">
+  <p:cSld>
+    <p:spTree>
+      <p:nvGrpSpPr>
+        <p:cNvPr id="1" name="">
+          <a:extLst>
+            <a:ext uri="{FF2B5EF4-FFF2-40B4-BE49-F238E27FC236}">
               <a16:creationId xmlns:a16="http://schemas.microsoft.com/office/drawing/2014/main" id="{06D9EBB8-6845-0B4B-2C9F-15A71D53BFAC}"/>
             </a:ext>
           </a:extLst>
@@ -4694,7 +5031,7 @@
           <a:p>
             <a:fld id="{2DB24D90-624F-4BA9-8536-8B45883AEAD5}" type="slidenum">
               <a:rPr lang="en-US" smtClean="0"/>
-              <a:t>10</a:t>
+              <a:t>11</a:t>
             </a:fld>
             <a:endParaRPr lang="en-US" dirty="0"/>
           </a:p>
@@ -4704,343 +5041,6 @@
     <p:extLst>
       <p:ext uri="{BB962C8B-B14F-4D97-AF65-F5344CB8AC3E}">
         <p14:creationId xmlns:p14="http://schemas.microsoft.com/office/powerpoint/2010/main" val="2639250877"/>
-      </p:ext>
-    </p:extLst>
-  </p:cSld>
-  <p:clrMapOvr>
-    <a:masterClrMapping/>
-  </p:clrMapOvr>
-</p:sld>
-</file>
-
-<file path=ppt/slides/slide11.xml><?xml version="1.0" encoding="utf-8"?>
-<p:sld xmlns:a="http://schemas.openxmlformats.org/drawingml/2006/main" xmlns:r="http://schemas.openxmlformats.org/officeDocument/2006/relationships" xmlns:p="http://schemas.openxmlformats.org/presentationml/2006/main">
-  <p:cSld>
-    <p:spTree>
-      <p:nvGrpSpPr>
-        <p:cNvPr id="1" name="">
-          <a:extLst>
-            <a:ext uri="{FF2B5EF4-FFF2-40B4-BE49-F238E27FC236}">
-              <a16:creationId xmlns:a16="http://schemas.microsoft.com/office/drawing/2014/main" id="{DE8004B6-8C2C-28F2-3957-11CA893DC5D5}"/>
-            </a:ext>
-          </a:extLst>
-        </p:cNvPr>
-        <p:cNvGrpSpPr/>
-        <p:nvPr/>
-      </p:nvGrpSpPr>
-      <p:grpSpPr>
-        <a:xfrm>
-          <a:off x="0" y="0"/>
-          <a:ext cx="0" cy="0"/>
-          <a:chOff x="0" y="0"/>
-          <a:chExt cx="0" cy="0"/>
-        </a:xfrm>
-      </p:grpSpPr>
-      <p:sp>
-        <p:nvSpPr>
-          <p:cNvPr id="4" name="Title 1">
-            <a:extLst>
-              <a:ext uri="{FF2B5EF4-FFF2-40B4-BE49-F238E27FC236}">
-                <a16:creationId xmlns:a16="http://schemas.microsoft.com/office/drawing/2014/main" id="{308B7B5C-162E-494E-E272-472FA1B6D36A}"/>
-              </a:ext>
-            </a:extLst>
-          </p:cNvPr>
-          <p:cNvSpPr txBox="1">
-            <a:spLocks noGrp="1"/>
-          </p:cNvSpPr>
-          <p:nvPr>
-            <p:ph type="title" idx="4294967295"/>
-          </p:nvPr>
-        </p:nvSpPr>
-        <p:spPr>
-          <a:xfrm>
-            <a:off x="1524000" y="951345"/>
-            <a:ext cx="9144000" cy="839694"/>
-          </a:xfrm>
-          <a:prstGeom prst="rect">
-            <a:avLst/>
-          </a:prstGeom>
-          <a:noFill/>
-          <a:ln>
-            <a:noFill/>
-            <a:prstDash/>
-          </a:ln>
-          <a:effectLst/>
-        </p:spPr>
-        <p:txBody>
-          <a:bodyPr rot="0" spcFirstLastPara="0" vertOverflow="overflow" horzOverflow="overflow" vert="horz" wrap="square" lIns="91440" tIns="45720" rIns="91440" bIns="45720" numCol="1" spcCol="0" rtlCol="0" fromWordArt="0" anchor="ctr" anchorCtr="0" forceAA="0" compatLnSpc="1">
-            <a:prstTxWarp prst="textNoShape">
-              <a:avLst/>
-            </a:prstTxWarp>
-            <a:normAutofit/>
-          </a:bodyPr>
-          <a:lstStyle>
-            <a:lvl1pPr algn="l" defTabSz="914400" rtl="0" eaLnBrk="1" latinLnBrk="0" hangingPunct="1">
-              <a:lnSpc>
-                <a:spcPct val="90000"/>
-              </a:lnSpc>
-              <a:spcBef>
-                <a:spcPct val="0"/>
-              </a:spcBef>
-              <a:buNone/>
-              <a:defRPr sz="4400" kern="1200">
-                <a:solidFill>
-                  <a:schemeClr val="tx1"/>
-                </a:solidFill>
-                <a:latin typeface="+mj-lt"/>
-                <a:ea typeface="+mj-ea"/>
-                <a:cs typeface="+mj-cs"/>
-              </a:defRPr>
-            </a:lvl1pPr>
-          </a:lstStyle>
-          <a:p>
-            <a:pPr marL="0" marR="0" lvl="0" indent="0" algn="ctr" defTabSz="914400" rtl="0" eaLnBrk="1" fontAlgn="auto" latinLnBrk="0" hangingPunct="1">
-              <a:lnSpc>
-                <a:spcPct val="90000"/>
-              </a:lnSpc>
-              <a:spcBef>
-                <a:spcPct val="0"/>
-              </a:spcBef>
-              <a:spcAft>
-                <a:spcPts val="0"/>
-              </a:spcAft>
-              <a:buClrTx/>
-              <a:buSzTx/>
-              <a:buFontTx/>
-              <a:buNone/>
-              <a:tabLst/>
-              <a:defRPr/>
-            </a:pPr>
-            <a:r>
-              <a:rPr kumimoji="0" lang="en-US" sz="4400" b="1" i="0" u="none" strike="noStrike" kern="1200" cap="none" spc="0" normalizeH="0" baseline="0" noProof="0" dirty="0">
-                <a:ln>
-                  <a:noFill/>
-                </a:ln>
-                <a:solidFill>
-                  <a:schemeClr val="tx1"/>
-                </a:solidFill>
-                <a:effectLst/>
-                <a:uLnTx/>
-                <a:uFillTx/>
-                <a:latin typeface="+mj-lt"/>
-                <a:ea typeface="+mj-ea"/>
-                <a:cs typeface="+mj-cs"/>
-              </a:rPr>
-              <a:t>TCP Flags</a:t>
-            </a:r>
-          </a:p>
-        </p:txBody>
-      </p:sp>
-      <p:sp>
-        <p:nvSpPr>
-          <p:cNvPr id="2" name="TextBox 1">
-            <a:extLst>
-              <a:ext uri="{FF2B5EF4-FFF2-40B4-BE49-F238E27FC236}">
-                <a16:creationId xmlns:a16="http://schemas.microsoft.com/office/drawing/2014/main" id="{4B679D56-FF0B-AFC0-522A-77B18159A724}"/>
-              </a:ext>
-            </a:extLst>
-          </p:cNvPr>
-          <p:cNvSpPr txBox="1"/>
-          <p:nvPr/>
-        </p:nvSpPr>
-        <p:spPr>
-          <a:xfrm>
-            <a:off x="1524000" y="2422218"/>
-            <a:ext cx="7388029" cy="3785652"/>
-          </a:xfrm>
-          <a:prstGeom prst="rect">
-            <a:avLst/>
-          </a:prstGeom>
-          <a:noFill/>
-        </p:spPr>
-        <p:txBody>
-          <a:bodyPr wrap="square" rtlCol="0">
-            <a:spAutoFit/>
-          </a:bodyPr>
-          <a:lstStyle/>
-          <a:p>
-            <a:pPr algn="just"/>
-            <a:r>
-              <a:rPr lang="en-US" sz="2400" b="1" dirty="0">
-                <a:solidFill>
-                  <a:schemeClr val="tx1">
-                    <a:lumMod val="50000"/>
-                    <a:lumOff val="50000"/>
-                  </a:schemeClr>
-                </a:solidFill>
-                <a:latin typeface="Consolas" panose="020B0609020204030204" pitchFamily="49" charset="0"/>
-                <a:cs typeface="Courier New" panose="02070309020205020404" pitchFamily="49" charset="0"/>
-              </a:rPr>
-              <a:t>000. .... .... = Reserved</a:t>
-            </a:r>
-          </a:p>
-          <a:p>
-            <a:pPr algn="just"/>
-            <a:r>
-              <a:rPr lang="en-US" sz="2400" b="1" dirty="0">
-                <a:solidFill>
-                  <a:schemeClr val="tx1">
-                    <a:lumMod val="50000"/>
-                    <a:lumOff val="50000"/>
-                  </a:schemeClr>
-                </a:solidFill>
-                <a:latin typeface="Consolas" panose="020B0609020204030204" pitchFamily="49" charset="0"/>
-                <a:cs typeface="Courier New" panose="02070309020205020404" pitchFamily="49" charset="0"/>
-              </a:rPr>
-              <a:t>...0 .... .... = Accurate ECN</a:t>
-            </a:r>
-          </a:p>
-          <a:p>
-            <a:pPr algn="just"/>
-            <a:r>
-              <a:rPr lang="en-US" sz="2400" b="1" dirty="0">
-                <a:solidFill>
-                  <a:schemeClr val="tx1">
-                    <a:lumMod val="50000"/>
-                    <a:lumOff val="50000"/>
-                  </a:schemeClr>
-                </a:solidFill>
-                <a:latin typeface="Consolas" panose="020B0609020204030204" pitchFamily="49" charset="0"/>
-                <a:cs typeface="Courier New" panose="02070309020205020404" pitchFamily="49" charset="0"/>
-              </a:rPr>
-              <a:t>.... 0... .... = Congestion Window Reduced</a:t>
-            </a:r>
-          </a:p>
-          <a:p>
-            <a:pPr algn="just"/>
-            <a:r>
-              <a:rPr lang="en-US" sz="2400" b="1" dirty="0">
-                <a:solidFill>
-                  <a:schemeClr val="tx1">
-                    <a:lumMod val="50000"/>
-                    <a:lumOff val="50000"/>
-                  </a:schemeClr>
-                </a:solidFill>
-                <a:latin typeface="Consolas" panose="020B0609020204030204" pitchFamily="49" charset="0"/>
-                <a:cs typeface="Courier New" panose="02070309020205020404" pitchFamily="49" charset="0"/>
-              </a:rPr>
-              <a:t>.... .0.. .... = ECN-Echo</a:t>
-            </a:r>
-          </a:p>
-          <a:p>
-            <a:pPr algn="just"/>
-            <a:r>
-              <a:rPr lang="en-US" sz="2400" b="1" dirty="0">
-                <a:solidFill>
-                  <a:schemeClr val="tx1">
-                    <a:lumMod val="50000"/>
-                    <a:lumOff val="50000"/>
-                  </a:schemeClr>
-                </a:solidFill>
-                <a:latin typeface="Consolas" panose="020B0609020204030204" pitchFamily="49" charset="0"/>
-                <a:cs typeface="Courier New" panose="02070309020205020404" pitchFamily="49" charset="0"/>
-              </a:rPr>
-              <a:t>.... ..0. .... = Urgent</a:t>
-            </a:r>
-          </a:p>
-          <a:p>
-            <a:pPr algn="just"/>
-            <a:r>
-              <a:rPr lang="en-US" sz="2400" b="1" dirty="0">
-                <a:latin typeface="Consolas" panose="020B0609020204030204" pitchFamily="49" charset="0"/>
-                <a:cs typeface="Courier New" panose="02070309020205020404" pitchFamily="49" charset="0"/>
-              </a:rPr>
-              <a:t>.... ...0 .... = Ack</a:t>
-            </a:r>
-          </a:p>
-          <a:p>
-            <a:pPr algn="just"/>
-            <a:r>
-              <a:rPr lang="en-US" sz="2400" b="1" dirty="0">
-                <a:solidFill>
-                  <a:schemeClr val="tx1">
-                    <a:lumMod val="50000"/>
-                    <a:lumOff val="50000"/>
-                  </a:schemeClr>
-                </a:solidFill>
-                <a:latin typeface="Consolas" panose="020B0609020204030204" pitchFamily="49" charset="0"/>
-                <a:cs typeface="Courier New" panose="02070309020205020404" pitchFamily="49" charset="0"/>
-              </a:rPr>
-              <a:t>.... .... 0... = Push</a:t>
-            </a:r>
-          </a:p>
-          <a:p>
-            <a:pPr algn="just"/>
-            <a:r>
-              <a:rPr lang="en-US" sz="2400" b="1" dirty="0">
-                <a:solidFill>
-                  <a:schemeClr val="tx1">
-                    <a:lumMod val="50000"/>
-                    <a:lumOff val="50000"/>
-                  </a:schemeClr>
-                </a:solidFill>
-                <a:latin typeface="Consolas" panose="020B0609020204030204" pitchFamily="49" charset="0"/>
-                <a:cs typeface="Courier New" panose="02070309020205020404" pitchFamily="49" charset="0"/>
-              </a:rPr>
-              <a:t>.... .... .0.. = Reset</a:t>
-            </a:r>
-          </a:p>
-          <a:p>
-            <a:pPr algn="just"/>
-            <a:r>
-              <a:rPr lang="en-US" sz="2400" b="1" dirty="0">
-                <a:latin typeface="Consolas" panose="020B0609020204030204" pitchFamily="49" charset="0"/>
-                <a:cs typeface="Courier New" panose="02070309020205020404" pitchFamily="49" charset="0"/>
-              </a:rPr>
-              <a:t>.... .... ..0. = Syn</a:t>
-            </a:r>
-          </a:p>
-          <a:p>
-            <a:pPr algn="just"/>
-            <a:r>
-              <a:rPr lang="en-US" sz="2400" b="1" dirty="0">
-                <a:solidFill>
-                  <a:schemeClr val="tx1">
-                    <a:lumMod val="50000"/>
-                    <a:lumOff val="50000"/>
-                  </a:schemeClr>
-                </a:solidFill>
-                <a:latin typeface="Consolas" panose="020B0609020204030204" pitchFamily="49" charset="0"/>
-                <a:cs typeface="Courier New" panose="02070309020205020404" pitchFamily="49" charset="0"/>
-              </a:rPr>
-              <a:t>.... .... ...0 = Fin</a:t>
-            </a:r>
-          </a:p>
-        </p:txBody>
-      </p:sp>
-      <p:sp>
-        <p:nvSpPr>
-          <p:cNvPr id="3" name="Slide Number Placeholder 2">
-            <a:extLst>
-              <a:ext uri="{FF2B5EF4-FFF2-40B4-BE49-F238E27FC236}">
-                <a16:creationId xmlns:a16="http://schemas.microsoft.com/office/drawing/2014/main" id="{C26347C5-8A77-EB4D-D22E-205D366019AB}"/>
-              </a:ext>
-            </a:extLst>
-          </p:cNvPr>
-          <p:cNvSpPr>
-            <a:spLocks noGrp="1"/>
-          </p:cNvSpPr>
-          <p:nvPr>
-            <p:ph type="sldNum" sz="quarter" idx="12"/>
-          </p:nvPr>
-        </p:nvSpPr>
-        <p:spPr/>
-        <p:txBody>
-          <a:bodyPr/>
-          <a:lstStyle/>
-          <a:p>
-            <a:fld id="{2DB24D90-624F-4BA9-8536-8B45883AEAD5}" type="slidenum">
-              <a:rPr lang="en-US" smtClean="0"/>
-              <a:t>11</a:t>
-            </a:fld>
-            <a:endParaRPr lang="en-US" dirty="0"/>
-          </a:p>
-        </p:txBody>
-      </p:sp>
-    </p:spTree>
-    <p:extLst>
-      <p:ext uri="{BB962C8B-B14F-4D97-AF65-F5344CB8AC3E}">
-        <p14:creationId xmlns:p14="http://schemas.microsoft.com/office/powerpoint/2010/main" val="722911233"/>
       </p:ext>
     </p:extLst>
   </p:cSld>

--- a/research_and_presentation/Transport Layer, TCP and Floods/presentation_slides/Transport Layer, TCP and Floods.pptx
+++ b/research_and_presentation/Transport Layer, TCP and Floods/presentation_slides/Transport Layer, TCP and Floods.pptx
@@ -13,12 +13,12 @@
     <p:sldId id="259" r:id="rId4"/>
     <p:sldId id="260" r:id="rId5"/>
     <p:sldId id="261" r:id="rId6"/>
-    <p:sldId id="267" r:id="rId7"/>
-    <p:sldId id="262" r:id="rId8"/>
-    <p:sldId id="263" r:id="rId9"/>
-    <p:sldId id="287" r:id="rId10"/>
-    <p:sldId id="272" r:id="rId11"/>
-    <p:sldId id="265" r:id="rId12"/>
+    <p:sldId id="262" r:id="rId7"/>
+    <p:sldId id="263" r:id="rId8"/>
+    <p:sldId id="287" r:id="rId9"/>
+    <p:sldId id="267" r:id="rId10"/>
+    <p:sldId id="265" r:id="rId11"/>
+    <p:sldId id="272" r:id="rId12"/>
     <p:sldId id="273" r:id="rId13"/>
     <p:sldId id="270" r:id="rId14"/>
     <p:sldId id="275" r:id="rId15"/>
@@ -762,7 +762,7 @@
           <a:p>
             <a:fld id="{FF4B5133-6E6D-4808-A81E-9EF7D25904AC}" type="slidenum">
               <a:rPr lang="en-US" smtClean="0"/>
-              <a:t>9</a:t>
+              <a:t>8</a:t>
             </a:fld>
             <a:endParaRPr lang="en-US"/>
           </a:p>
@@ -874,7 +874,7 @@
           <a:p>
             <a:fld id="{FF4B5133-6E6D-4808-A81E-9EF7D25904AC}" type="slidenum">
               <a:rPr lang="en-US" smtClean="0"/>
-              <a:t>11</a:t>
+              <a:t>10</a:t>
             </a:fld>
             <a:endParaRPr lang="en-US"/>
           </a:p>
@@ -4192,6 +4192,535 @@
         <p:cNvPr id="1" name="">
           <a:extLst>
             <a:ext uri="{FF2B5EF4-FFF2-40B4-BE49-F238E27FC236}">
+              <a16:creationId xmlns:a16="http://schemas.microsoft.com/office/drawing/2014/main" id="{06D9EBB8-6845-0B4B-2C9F-15A71D53BFAC}"/>
+            </a:ext>
+          </a:extLst>
+        </p:cNvPr>
+        <p:cNvGrpSpPr/>
+        <p:nvPr/>
+      </p:nvGrpSpPr>
+      <p:grpSpPr>
+        <a:xfrm>
+          <a:off x="0" y="0"/>
+          <a:ext cx="0" cy="0"/>
+          <a:chOff x="0" y="0"/>
+          <a:chExt cx="0" cy="0"/>
+        </a:xfrm>
+      </p:grpSpPr>
+      <p:sp>
+        <p:nvSpPr>
+          <p:cNvPr id="4" name="Title 1">
+            <a:extLst>
+              <a:ext uri="{FF2B5EF4-FFF2-40B4-BE49-F238E27FC236}">
+                <a16:creationId xmlns:a16="http://schemas.microsoft.com/office/drawing/2014/main" id="{4CF64528-A0B7-7BE8-687B-2E7439408AC8}"/>
+              </a:ext>
+            </a:extLst>
+          </p:cNvPr>
+          <p:cNvSpPr txBox="1">
+            <a:spLocks noGrp="1"/>
+          </p:cNvSpPr>
+          <p:nvPr>
+            <p:ph type="title" idx="4294967295"/>
+          </p:nvPr>
+        </p:nvSpPr>
+        <p:spPr>
+          <a:xfrm>
+            <a:off x="1146425" y="951345"/>
+            <a:ext cx="9899150" cy="839694"/>
+          </a:xfrm>
+          <a:prstGeom prst="rect">
+            <a:avLst/>
+          </a:prstGeom>
+          <a:noFill/>
+          <a:ln>
+            <a:noFill/>
+            <a:prstDash/>
+          </a:ln>
+          <a:effectLst/>
+        </p:spPr>
+        <p:txBody>
+          <a:bodyPr rot="0" spcFirstLastPara="0" vertOverflow="overflow" horzOverflow="overflow" vert="horz" wrap="square" lIns="91440" tIns="45720" rIns="91440" bIns="45720" numCol="1" spcCol="0" rtlCol="0" fromWordArt="0" anchor="ctr" anchorCtr="0" forceAA="0" compatLnSpc="1">
+            <a:prstTxWarp prst="textNoShape">
+              <a:avLst/>
+            </a:prstTxWarp>
+            <a:noAutofit/>
+          </a:bodyPr>
+          <a:lstStyle>
+            <a:lvl1pPr algn="l" defTabSz="914400" rtl="0" eaLnBrk="1" latinLnBrk="0" hangingPunct="1">
+              <a:lnSpc>
+                <a:spcPct val="90000"/>
+              </a:lnSpc>
+              <a:spcBef>
+                <a:spcPct val="0"/>
+              </a:spcBef>
+              <a:buNone/>
+              <a:defRPr sz="4400" kern="1200">
+                <a:solidFill>
+                  <a:schemeClr val="tx1"/>
+                </a:solidFill>
+                <a:latin typeface="+mj-lt"/>
+                <a:ea typeface="+mj-ea"/>
+                <a:cs typeface="+mj-cs"/>
+              </a:defRPr>
+            </a:lvl1pPr>
+          </a:lstStyle>
+          <a:p>
+            <a:pPr marL="0" marR="0" lvl="0" indent="0" algn="ctr" defTabSz="914400" eaLnBrk="1" fontAlgn="auto" latinLnBrk="0" hangingPunct="1">
+              <a:lnSpc>
+                <a:spcPct val="90000"/>
+              </a:lnSpc>
+              <a:spcBef>
+                <a:spcPct val="0"/>
+              </a:spcBef>
+              <a:spcAft>
+                <a:spcPts val="0"/>
+              </a:spcAft>
+              <a:buClrTx/>
+              <a:buSzTx/>
+              <a:buFontTx/>
+              <a:buNone/>
+              <a:tabLst/>
+              <a:defRPr/>
+            </a:pPr>
+            <a:r>
+              <a:rPr lang="en-US" b="1" dirty="0"/>
+              <a:t>Sequence And Acknowledgement Number</a:t>
+            </a:r>
+            <a:endParaRPr kumimoji="0" lang="en-US" b="1" i="0" u="none" strike="noStrike" kern="1200" cap="none" spc="0" normalizeH="0" baseline="0" noProof="0" dirty="0">
+              <a:ln>
+                <a:noFill/>
+              </a:ln>
+              <a:solidFill>
+                <a:schemeClr val="tx1"/>
+              </a:solidFill>
+              <a:effectLst/>
+              <a:uLnTx/>
+              <a:uFillTx/>
+              <a:latin typeface="+mj-lt"/>
+              <a:ea typeface="+mj-ea"/>
+              <a:cs typeface="+mj-cs"/>
+            </a:endParaRPr>
+          </a:p>
+        </p:txBody>
+      </p:sp>
+      <p:sp>
+        <p:nvSpPr>
+          <p:cNvPr id="5" name="Rectangle 4">
+            <a:extLst>
+              <a:ext uri="{FF2B5EF4-FFF2-40B4-BE49-F238E27FC236}">
+                <a16:creationId xmlns:a16="http://schemas.microsoft.com/office/drawing/2014/main" id="{FB76BC81-2DEA-DAC9-90E8-7955E290162D}"/>
+              </a:ext>
+            </a:extLst>
+          </p:cNvPr>
+          <p:cNvSpPr/>
+          <p:nvPr/>
+        </p:nvSpPr>
+        <p:spPr>
+          <a:xfrm>
+            <a:off x="832919" y="2190939"/>
+            <a:ext cx="3304515" cy="3141552"/>
+          </a:xfrm>
+          <a:prstGeom prst="rect">
+            <a:avLst/>
+          </a:prstGeom>
+        </p:spPr>
+        <p:style>
+          <a:lnRef idx="2">
+            <a:schemeClr val="dk1"/>
+          </a:lnRef>
+          <a:fillRef idx="1">
+            <a:schemeClr val="lt1"/>
+          </a:fillRef>
+          <a:effectRef idx="0">
+            <a:schemeClr val="dk1"/>
+          </a:effectRef>
+          <a:fontRef idx="minor">
+            <a:schemeClr val="dk1"/>
+          </a:fontRef>
+        </p:style>
+        <p:txBody>
+          <a:bodyPr rtlCol="0" anchor="ctr"/>
+          <a:lstStyle/>
+          <a:p>
+            <a:pPr algn="ctr"/>
+            <a:r>
+              <a:rPr lang="en-US" sz="3600" dirty="0"/>
+              <a:t>Host 1</a:t>
+            </a:r>
+          </a:p>
+        </p:txBody>
+      </p:sp>
+      <p:sp>
+        <p:nvSpPr>
+          <p:cNvPr id="7" name="Rectangle 6">
+            <a:extLst>
+              <a:ext uri="{FF2B5EF4-FFF2-40B4-BE49-F238E27FC236}">
+                <a16:creationId xmlns:a16="http://schemas.microsoft.com/office/drawing/2014/main" id="{E1A05A14-A6D6-1AE3-22D0-27FBBDCBF0FF}"/>
+              </a:ext>
+            </a:extLst>
+          </p:cNvPr>
+          <p:cNvSpPr/>
+          <p:nvPr/>
+        </p:nvSpPr>
+        <p:spPr>
+          <a:xfrm>
+            <a:off x="8054568" y="2190939"/>
+            <a:ext cx="3304515" cy="3141552"/>
+          </a:xfrm>
+          <a:prstGeom prst="rect">
+            <a:avLst/>
+          </a:prstGeom>
+        </p:spPr>
+        <p:style>
+          <a:lnRef idx="2">
+            <a:schemeClr val="dk1"/>
+          </a:lnRef>
+          <a:fillRef idx="1">
+            <a:schemeClr val="lt1"/>
+          </a:fillRef>
+          <a:effectRef idx="0">
+            <a:schemeClr val="dk1"/>
+          </a:effectRef>
+          <a:fontRef idx="minor">
+            <a:schemeClr val="dk1"/>
+          </a:fontRef>
+        </p:style>
+        <p:txBody>
+          <a:bodyPr rtlCol="0" anchor="ctr"/>
+          <a:lstStyle/>
+          <a:p>
+            <a:pPr algn="ctr"/>
+            <a:r>
+              <a:rPr lang="en-US" sz="3600" dirty="0"/>
+              <a:t>Host 2</a:t>
+            </a:r>
+          </a:p>
+        </p:txBody>
+      </p:sp>
+      <p:sp>
+        <p:nvSpPr>
+          <p:cNvPr id="9" name="Rectangle 8">
+            <a:extLst>
+              <a:ext uri="{FF2B5EF4-FFF2-40B4-BE49-F238E27FC236}">
+                <a16:creationId xmlns:a16="http://schemas.microsoft.com/office/drawing/2014/main" id="{EA1B9000-43F2-62D5-99ED-E3E01FE6D626}"/>
+              </a:ext>
+            </a:extLst>
+          </p:cNvPr>
+          <p:cNvSpPr/>
+          <p:nvPr/>
+        </p:nvSpPr>
+        <p:spPr>
+          <a:xfrm>
+            <a:off x="8059027" y="2408222"/>
+            <a:ext cx="1973655" cy="434566"/>
+          </a:xfrm>
+          <a:prstGeom prst="rect">
+            <a:avLst/>
+          </a:prstGeom>
+        </p:spPr>
+        <p:style>
+          <a:lnRef idx="1">
+            <a:schemeClr val="accent3"/>
+          </a:lnRef>
+          <a:fillRef idx="2">
+            <a:schemeClr val="accent3"/>
+          </a:fillRef>
+          <a:effectRef idx="1">
+            <a:schemeClr val="accent3"/>
+          </a:effectRef>
+          <a:fontRef idx="minor">
+            <a:schemeClr val="dk1"/>
+          </a:fontRef>
+        </p:style>
+        <p:txBody>
+          <a:bodyPr rtlCol="0" anchor="ctr"/>
+          <a:lstStyle/>
+          <a:p>
+            <a:pPr algn="ctr"/>
+            <a:r>
+              <a:rPr lang="en-US" dirty="0"/>
+              <a:t>Seq Number</a:t>
+            </a:r>
+          </a:p>
+        </p:txBody>
+      </p:sp>
+      <p:sp>
+        <p:nvSpPr>
+          <p:cNvPr id="11" name="Rectangle 10">
+            <a:extLst>
+              <a:ext uri="{FF2B5EF4-FFF2-40B4-BE49-F238E27FC236}">
+                <a16:creationId xmlns:a16="http://schemas.microsoft.com/office/drawing/2014/main" id="{BD781AF4-DF35-A9ED-BF15-070EE845D14B}"/>
+              </a:ext>
+            </a:extLst>
+          </p:cNvPr>
+          <p:cNvSpPr/>
+          <p:nvPr/>
+        </p:nvSpPr>
+        <p:spPr>
+          <a:xfrm>
+            <a:off x="8059027" y="4289834"/>
+            <a:ext cx="1973655" cy="434566"/>
+          </a:xfrm>
+          <a:prstGeom prst="rect">
+            <a:avLst/>
+          </a:prstGeom>
+        </p:spPr>
+        <p:style>
+          <a:lnRef idx="1">
+            <a:schemeClr val="accent3"/>
+          </a:lnRef>
+          <a:fillRef idx="2">
+            <a:schemeClr val="accent3"/>
+          </a:fillRef>
+          <a:effectRef idx="1">
+            <a:schemeClr val="accent3"/>
+          </a:effectRef>
+          <a:fontRef idx="minor">
+            <a:schemeClr val="dk1"/>
+          </a:fontRef>
+        </p:style>
+        <p:txBody>
+          <a:bodyPr rtlCol="0" anchor="ctr"/>
+          <a:lstStyle/>
+          <a:p>
+            <a:pPr algn="ctr"/>
+            <a:r>
+              <a:rPr lang="en-US" dirty="0"/>
+              <a:t> Ack Number</a:t>
+            </a:r>
+          </a:p>
+        </p:txBody>
+      </p:sp>
+      <p:sp>
+        <p:nvSpPr>
+          <p:cNvPr id="13" name="Rectangle 12">
+            <a:extLst>
+              <a:ext uri="{FF2B5EF4-FFF2-40B4-BE49-F238E27FC236}">
+                <a16:creationId xmlns:a16="http://schemas.microsoft.com/office/drawing/2014/main" id="{3C47A2EB-59F7-AEE5-2D35-0BE218D4A324}"/>
+              </a:ext>
+            </a:extLst>
+          </p:cNvPr>
+          <p:cNvSpPr/>
+          <p:nvPr/>
+        </p:nvSpPr>
+        <p:spPr>
+          <a:xfrm>
+            <a:off x="2154858" y="2408222"/>
+            <a:ext cx="1973655" cy="434566"/>
+          </a:xfrm>
+          <a:prstGeom prst="rect">
+            <a:avLst/>
+          </a:prstGeom>
+        </p:spPr>
+        <p:style>
+          <a:lnRef idx="1">
+            <a:schemeClr val="accent3"/>
+          </a:lnRef>
+          <a:fillRef idx="2">
+            <a:schemeClr val="accent3"/>
+          </a:fillRef>
+          <a:effectRef idx="1">
+            <a:schemeClr val="accent3"/>
+          </a:effectRef>
+          <a:fontRef idx="minor">
+            <a:schemeClr val="dk1"/>
+          </a:fontRef>
+        </p:style>
+        <p:txBody>
+          <a:bodyPr rtlCol="0" anchor="ctr"/>
+          <a:lstStyle/>
+          <a:p>
+            <a:pPr algn="ctr"/>
+            <a:r>
+              <a:rPr lang="en-US" dirty="0"/>
+              <a:t>Seq Number</a:t>
+            </a:r>
+          </a:p>
+        </p:txBody>
+      </p:sp>
+      <p:sp>
+        <p:nvSpPr>
+          <p:cNvPr id="14" name="Rectangle 13">
+            <a:extLst>
+              <a:ext uri="{FF2B5EF4-FFF2-40B4-BE49-F238E27FC236}">
+                <a16:creationId xmlns:a16="http://schemas.microsoft.com/office/drawing/2014/main" id="{A1EAC9EE-CACA-6E6A-4859-A5226C15834F}"/>
+              </a:ext>
+            </a:extLst>
+          </p:cNvPr>
+          <p:cNvSpPr/>
+          <p:nvPr/>
+        </p:nvSpPr>
+        <p:spPr>
+          <a:xfrm>
+            <a:off x="2154859" y="4289834"/>
+            <a:ext cx="1973655" cy="434566"/>
+          </a:xfrm>
+          <a:prstGeom prst="rect">
+            <a:avLst/>
+          </a:prstGeom>
+        </p:spPr>
+        <p:style>
+          <a:lnRef idx="1">
+            <a:schemeClr val="accent3"/>
+          </a:lnRef>
+          <a:fillRef idx="2">
+            <a:schemeClr val="accent3"/>
+          </a:fillRef>
+          <a:effectRef idx="1">
+            <a:schemeClr val="accent3"/>
+          </a:effectRef>
+          <a:fontRef idx="minor">
+            <a:schemeClr val="dk1"/>
+          </a:fontRef>
+        </p:style>
+        <p:txBody>
+          <a:bodyPr rtlCol="0" anchor="ctr"/>
+          <a:lstStyle/>
+          <a:p>
+            <a:pPr algn="ctr"/>
+            <a:r>
+              <a:rPr lang="en-US" dirty="0"/>
+              <a:t> Ack Number</a:t>
+            </a:r>
+          </a:p>
+        </p:txBody>
+      </p:sp>
+      <p:cxnSp>
+        <p:nvCxnSpPr>
+          <p:cNvPr id="16" name="Straight Arrow Connector 15">
+            <a:extLst>
+              <a:ext uri="{FF2B5EF4-FFF2-40B4-BE49-F238E27FC236}">
+                <a16:creationId xmlns:a16="http://schemas.microsoft.com/office/drawing/2014/main" id="{CA571D4A-0502-2A61-B6AB-3E4430878A3A}"/>
+              </a:ext>
+            </a:extLst>
+          </p:cNvPr>
+          <p:cNvCxnSpPr>
+            <a:stCxn id="14" idx="3"/>
+            <a:endCxn id="9" idx="1"/>
+          </p:cNvCxnSpPr>
+          <p:nvPr/>
+        </p:nvCxnSpPr>
+        <p:spPr>
+          <a:xfrm flipV="1">
+            <a:off x="4128514" y="2625505"/>
+            <a:ext cx="3930513" cy="1881612"/>
+          </a:xfrm>
+          <a:prstGeom prst="straightConnector1">
+            <a:avLst/>
+          </a:prstGeom>
+          <a:ln>
+            <a:headEnd type="triangle"/>
+            <a:tailEnd type="triangle"/>
+          </a:ln>
+        </p:spPr>
+        <p:style>
+          <a:lnRef idx="3">
+            <a:schemeClr val="dk1"/>
+          </a:lnRef>
+          <a:fillRef idx="0">
+            <a:schemeClr val="dk1"/>
+          </a:fillRef>
+          <a:effectRef idx="2">
+            <a:schemeClr val="dk1"/>
+          </a:effectRef>
+          <a:fontRef idx="minor">
+            <a:schemeClr val="tx1"/>
+          </a:fontRef>
+        </p:style>
+      </p:cxnSp>
+      <p:cxnSp>
+        <p:nvCxnSpPr>
+          <p:cNvPr id="18" name="Straight Arrow Connector 17">
+            <a:extLst>
+              <a:ext uri="{FF2B5EF4-FFF2-40B4-BE49-F238E27FC236}">
+                <a16:creationId xmlns:a16="http://schemas.microsoft.com/office/drawing/2014/main" id="{37F68305-FD25-0DE1-7EA1-62FCCE2C4CA9}"/>
+              </a:ext>
+            </a:extLst>
+          </p:cNvPr>
+          <p:cNvCxnSpPr>
+            <a:stCxn id="13" idx="3"/>
+            <a:endCxn id="11" idx="1"/>
+          </p:cNvCxnSpPr>
+          <p:nvPr/>
+        </p:nvCxnSpPr>
+        <p:spPr>
+          <a:xfrm>
+            <a:off x="4128513" y="2625505"/>
+            <a:ext cx="3930514" cy="1881612"/>
+          </a:xfrm>
+          <a:prstGeom prst="straightConnector1">
+            <a:avLst/>
+          </a:prstGeom>
+          <a:ln>
+            <a:headEnd type="triangle"/>
+            <a:tailEnd type="triangle"/>
+          </a:ln>
+        </p:spPr>
+        <p:style>
+          <a:lnRef idx="3">
+            <a:schemeClr val="dk1"/>
+          </a:lnRef>
+          <a:fillRef idx="0">
+            <a:schemeClr val="dk1"/>
+          </a:fillRef>
+          <a:effectRef idx="2">
+            <a:schemeClr val="dk1"/>
+          </a:effectRef>
+          <a:fontRef idx="minor">
+            <a:schemeClr val="tx1"/>
+          </a:fontRef>
+        </p:style>
+      </p:cxnSp>
+      <p:sp>
+        <p:nvSpPr>
+          <p:cNvPr id="2" name="Slide Number Placeholder 1">
+            <a:extLst>
+              <a:ext uri="{FF2B5EF4-FFF2-40B4-BE49-F238E27FC236}">
+                <a16:creationId xmlns:a16="http://schemas.microsoft.com/office/drawing/2014/main" id="{B0BF5B83-4FAE-6E68-FF7F-2FDCB7D3DC29}"/>
+              </a:ext>
+            </a:extLst>
+          </p:cNvPr>
+          <p:cNvSpPr>
+            <a:spLocks noGrp="1"/>
+          </p:cNvSpPr>
+          <p:nvPr>
+            <p:ph type="sldNum" sz="quarter" idx="12"/>
+          </p:nvPr>
+        </p:nvSpPr>
+        <p:spPr/>
+        <p:txBody>
+          <a:bodyPr/>
+          <a:lstStyle/>
+          <a:p>
+            <a:fld id="{2DB24D90-624F-4BA9-8536-8B45883AEAD5}" type="slidenum">
+              <a:rPr lang="en-US" smtClean="0"/>
+              <a:t>10</a:t>
+            </a:fld>
+            <a:endParaRPr lang="en-US" dirty="0"/>
+          </a:p>
+        </p:txBody>
+      </p:sp>
+    </p:spTree>
+    <p:extLst>
+      <p:ext uri="{BB962C8B-B14F-4D97-AF65-F5344CB8AC3E}">
+        <p14:creationId xmlns:p14="http://schemas.microsoft.com/office/powerpoint/2010/main" val="2639250877"/>
+      </p:ext>
+    </p:extLst>
+  </p:cSld>
+  <p:clrMapOvr>
+    <a:masterClrMapping/>
+  </p:clrMapOvr>
+</p:sld>
+</file>
+
+<file path=ppt/slides/slide11.xml><?xml version="1.0" encoding="utf-8"?>
+<p:sld xmlns:a="http://schemas.openxmlformats.org/drawingml/2006/main" xmlns:r="http://schemas.openxmlformats.org/officeDocument/2006/relationships" xmlns:p="http://schemas.openxmlformats.org/presentationml/2006/main">
+  <p:cSld>
+    <p:spTree>
+      <p:nvGrpSpPr>
+        <p:cNvPr id="1" name="">
+          <a:extLst>
+            <a:ext uri="{FF2B5EF4-FFF2-40B4-BE49-F238E27FC236}">
               <a16:creationId xmlns:a16="http://schemas.microsoft.com/office/drawing/2014/main" id="{DE8004B6-8C2C-28F2-3957-11CA893DC5D5}"/>
             </a:ext>
           </a:extLst>
@@ -4458,7 +4987,7 @@
                 <a:latin typeface="Consolas" panose="020B0609020204030204" pitchFamily="49" charset="0"/>
                 <a:cs typeface="Courier New" panose="02070309020205020404" pitchFamily="49" charset="0"/>
               </a:rPr>
-              <a:t>.... .... ..0. = Syn</a:t>
+              <a:t>.... .... ..0. = SYN</a:t>
             </a:r>
           </a:p>
           <a:p>
@@ -4502,7 +5031,7 @@
           <a:p>
             <a:fld id="{2DB24D90-624F-4BA9-8536-8B45883AEAD5}" type="slidenum">
               <a:rPr lang="en-US" smtClean="0"/>
-              <a:t>10</a:t>
+              <a:t>11</a:t>
             </a:fld>
             <a:endParaRPr lang="en-US" dirty="0"/>
           </a:p>
@@ -4512,535 +5041,6 @@
     <p:extLst>
       <p:ext uri="{BB962C8B-B14F-4D97-AF65-F5344CB8AC3E}">
         <p14:creationId xmlns:p14="http://schemas.microsoft.com/office/powerpoint/2010/main" val="722911233"/>
-      </p:ext>
-    </p:extLst>
-  </p:cSld>
-  <p:clrMapOvr>
-    <a:masterClrMapping/>
-  </p:clrMapOvr>
-</p:sld>
-</file>
-
-<file path=ppt/slides/slide11.xml><?xml version="1.0" encoding="utf-8"?>
-<p:sld xmlns:a="http://schemas.openxmlformats.org/drawingml/2006/main" xmlns:r="http://schemas.openxmlformats.org/officeDocument/2006/relationships" xmlns:p="http://schemas.openxmlformats.org/presentationml/2006/main">
-  <p:cSld>
-    <p:spTree>
-      <p:nvGrpSpPr>
-        <p:cNvPr id="1" name="">
-          <a:extLst>
-            <a:ext uri="{FF2B5EF4-FFF2-40B4-BE49-F238E27FC236}">
-              <a16:creationId xmlns:a16="http://schemas.microsoft.com/office/drawing/2014/main" id="{06D9EBB8-6845-0B4B-2C9F-15A71D53BFAC}"/>
-            </a:ext>
-          </a:extLst>
-        </p:cNvPr>
-        <p:cNvGrpSpPr/>
-        <p:nvPr/>
-      </p:nvGrpSpPr>
-      <p:grpSpPr>
-        <a:xfrm>
-          <a:off x="0" y="0"/>
-          <a:ext cx="0" cy="0"/>
-          <a:chOff x="0" y="0"/>
-          <a:chExt cx="0" cy="0"/>
-        </a:xfrm>
-      </p:grpSpPr>
-      <p:sp>
-        <p:nvSpPr>
-          <p:cNvPr id="4" name="Title 1">
-            <a:extLst>
-              <a:ext uri="{FF2B5EF4-FFF2-40B4-BE49-F238E27FC236}">
-                <a16:creationId xmlns:a16="http://schemas.microsoft.com/office/drawing/2014/main" id="{4CF64528-A0B7-7BE8-687B-2E7439408AC8}"/>
-              </a:ext>
-            </a:extLst>
-          </p:cNvPr>
-          <p:cNvSpPr txBox="1">
-            <a:spLocks noGrp="1"/>
-          </p:cNvSpPr>
-          <p:nvPr>
-            <p:ph type="title" idx="4294967295"/>
-          </p:nvPr>
-        </p:nvSpPr>
-        <p:spPr>
-          <a:xfrm>
-            <a:off x="1146425" y="951345"/>
-            <a:ext cx="9899150" cy="839694"/>
-          </a:xfrm>
-          <a:prstGeom prst="rect">
-            <a:avLst/>
-          </a:prstGeom>
-          <a:noFill/>
-          <a:ln>
-            <a:noFill/>
-            <a:prstDash/>
-          </a:ln>
-          <a:effectLst/>
-        </p:spPr>
-        <p:txBody>
-          <a:bodyPr rot="0" spcFirstLastPara="0" vertOverflow="overflow" horzOverflow="overflow" vert="horz" wrap="square" lIns="91440" tIns="45720" rIns="91440" bIns="45720" numCol="1" spcCol="0" rtlCol="0" fromWordArt="0" anchor="ctr" anchorCtr="0" forceAA="0" compatLnSpc="1">
-            <a:prstTxWarp prst="textNoShape">
-              <a:avLst/>
-            </a:prstTxWarp>
-            <a:noAutofit/>
-          </a:bodyPr>
-          <a:lstStyle>
-            <a:lvl1pPr algn="l" defTabSz="914400" rtl="0" eaLnBrk="1" latinLnBrk="0" hangingPunct="1">
-              <a:lnSpc>
-                <a:spcPct val="90000"/>
-              </a:lnSpc>
-              <a:spcBef>
-                <a:spcPct val="0"/>
-              </a:spcBef>
-              <a:buNone/>
-              <a:defRPr sz="4400" kern="1200">
-                <a:solidFill>
-                  <a:schemeClr val="tx1"/>
-                </a:solidFill>
-                <a:latin typeface="+mj-lt"/>
-                <a:ea typeface="+mj-ea"/>
-                <a:cs typeface="+mj-cs"/>
-              </a:defRPr>
-            </a:lvl1pPr>
-          </a:lstStyle>
-          <a:p>
-            <a:pPr marL="0" marR="0" lvl="0" indent="0" algn="ctr" defTabSz="914400" eaLnBrk="1" fontAlgn="auto" latinLnBrk="0" hangingPunct="1">
-              <a:lnSpc>
-                <a:spcPct val="90000"/>
-              </a:lnSpc>
-              <a:spcBef>
-                <a:spcPct val="0"/>
-              </a:spcBef>
-              <a:spcAft>
-                <a:spcPts val="0"/>
-              </a:spcAft>
-              <a:buClrTx/>
-              <a:buSzTx/>
-              <a:buFontTx/>
-              <a:buNone/>
-              <a:tabLst/>
-              <a:defRPr/>
-            </a:pPr>
-            <a:r>
-              <a:rPr lang="en-US" b="1" dirty="0"/>
-              <a:t>Sequence And Acknowledgement Number</a:t>
-            </a:r>
-            <a:endParaRPr kumimoji="0" lang="en-US" b="1" i="0" u="none" strike="noStrike" kern="1200" cap="none" spc="0" normalizeH="0" baseline="0" noProof="0" dirty="0">
-              <a:ln>
-                <a:noFill/>
-              </a:ln>
-              <a:solidFill>
-                <a:schemeClr val="tx1"/>
-              </a:solidFill>
-              <a:effectLst/>
-              <a:uLnTx/>
-              <a:uFillTx/>
-              <a:latin typeface="+mj-lt"/>
-              <a:ea typeface="+mj-ea"/>
-              <a:cs typeface="+mj-cs"/>
-            </a:endParaRPr>
-          </a:p>
-        </p:txBody>
-      </p:sp>
-      <p:sp>
-        <p:nvSpPr>
-          <p:cNvPr id="5" name="Rectangle 4">
-            <a:extLst>
-              <a:ext uri="{FF2B5EF4-FFF2-40B4-BE49-F238E27FC236}">
-                <a16:creationId xmlns:a16="http://schemas.microsoft.com/office/drawing/2014/main" id="{FB76BC81-2DEA-DAC9-90E8-7955E290162D}"/>
-              </a:ext>
-            </a:extLst>
-          </p:cNvPr>
-          <p:cNvSpPr/>
-          <p:nvPr/>
-        </p:nvSpPr>
-        <p:spPr>
-          <a:xfrm>
-            <a:off x="832919" y="2190939"/>
-            <a:ext cx="3304515" cy="3141552"/>
-          </a:xfrm>
-          <a:prstGeom prst="rect">
-            <a:avLst/>
-          </a:prstGeom>
-        </p:spPr>
-        <p:style>
-          <a:lnRef idx="2">
-            <a:schemeClr val="dk1"/>
-          </a:lnRef>
-          <a:fillRef idx="1">
-            <a:schemeClr val="lt1"/>
-          </a:fillRef>
-          <a:effectRef idx="0">
-            <a:schemeClr val="dk1"/>
-          </a:effectRef>
-          <a:fontRef idx="minor">
-            <a:schemeClr val="dk1"/>
-          </a:fontRef>
-        </p:style>
-        <p:txBody>
-          <a:bodyPr rtlCol="0" anchor="ctr"/>
-          <a:lstStyle/>
-          <a:p>
-            <a:pPr algn="ctr"/>
-            <a:r>
-              <a:rPr lang="en-US" sz="3600" dirty="0"/>
-              <a:t>Host 1</a:t>
-            </a:r>
-          </a:p>
-        </p:txBody>
-      </p:sp>
-      <p:sp>
-        <p:nvSpPr>
-          <p:cNvPr id="7" name="Rectangle 6">
-            <a:extLst>
-              <a:ext uri="{FF2B5EF4-FFF2-40B4-BE49-F238E27FC236}">
-                <a16:creationId xmlns:a16="http://schemas.microsoft.com/office/drawing/2014/main" id="{E1A05A14-A6D6-1AE3-22D0-27FBBDCBF0FF}"/>
-              </a:ext>
-            </a:extLst>
-          </p:cNvPr>
-          <p:cNvSpPr/>
-          <p:nvPr/>
-        </p:nvSpPr>
-        <p:spPr>
-          <a:xfrm>
-            <a:off x="8054568" y="2190939"/>
-            <a:ext cx="3304515" cy="3141552"/>
-          </a:xfrm>
-          <a:prstGeom prst="rect">
-            <a:avLst/>
-          </a:prstGeom>
-        </p:spPr>
-        <p:style>
-          <a:lnRef idx="2">
-            <a:schemeClr val="dk1"/>
-          </a:lnRef>
-          <a:fillRef idx="1">
-            <a:schemeClr val="lt1"/>
-          </a:fillRef>
-          <a:effectRef idx="0">
-            <a:schemeClr val="dk1"/>
-          </a:effectRef>
-          <a:fontRef idx="minor">
-            <a:schemeClr val="dk1"/>
-          </a:fontRef>
-        </p:style>
-        <p:txBody>
-          <a:bodyPr rtlCol="0" anchor="ctr"/>
-          <a:lstStyle/>
-          <a:p>
-            <a:pPr algn="ctr"/>
-            <a:r>
-              <a:rPr lang="en-US" sz="3600" dirty="0"/>
-              <a:t>Host 2</a:t>
-            </a:r>
-          </a:p>
-        </p:txBody>
-      </p:sp>
-      <p:sp>
-        <p:nvSpPr>
-          <p:cNvPr id="9" name="Rectangle 8">
-            <a:extLst>
-              <a:ext uri="{FF2B5EF4-FFF2-40B4-BE49-F238E27FC236}">
-                <a16:creationId xmlns:a16="http://schemas.microsoft.com/office/drawing/2014/main" id="{EA1B9000-43F2-62D5-99ED-E3E01FE6D626}"/>
-              </a:ext>
-            </a:extLst>
-          </p:cNvPr>
-          <p:cNvSpPr/>
-          <p:nvPr/>
-        </p:nvSpPr>
-        <p:spPr>
-          <a:xfrm>
-            <a:off x="8059027" y="2408222"/>
-            <a:ext cx="1973655" cy="434566"/>
-          </a:xfrm>
-          <a:prstGeom prst="rect">
-            <a:avLst/>
-          </a:prstGeom>
-        </p:spPr>
-        <p:style>
-          <a:lnRef idx="1">
-            <a:schemeClr val="accent3"/>
-          </a:lnRef>
-          <a:fillRef idx="2">
-            <a:schemeClr val="accent3"/>
-          </a:fillRef>
-          <a:effectRef idx="1">
-            <a:schemeClr val="accent3"/>
-          </a:effectRef>
-          <a:fontRef idx="minor">
-            <a:schemeClr val="dk1"/>
-          </a:fontRef>
-        </p:style>
-        <p:txBody>
-          <a:bodyPr rtlCol="0" anchor="ctr"/>
-          <a:lstStyle/>
-          <a:p>
-            <a:pPr algn="ctr"/>
-            <a:r>
-              <a:rPr lang="en-US" dirty="0"/>
-              <a:t>Seq Number</a:t>
-            </a:r>
-          </a:p>
-        </p:txBody>
-      </p:sp>
-      <p:sp>
-        <p:nvSpPr>
-          <p:cNvPr id="11" name="Rectangle 10">
-            <a:extLst>
-              <a:ext uri="{FF2B5EF4-FFF2-40B4-BE49-F238E27FC236}">
-                <a16:creationId xmlns:a16="http://schemas.microsoft.com/office/drawing/2014/main" id="{BD781AF4-DF35-A9ED-BF15-070EE845D14B}"/>
-              </a:ext>
-            </a:extLst>
-          </p:cNvPr>
-          <p:cNvSpPr/>
-          <p:nvPr/>
-        </p:nvSpPr>
-        <p:spPr>
-          <a:xfrm>
-            <a:off x="8059027" y="4289834"/>
-            <a:ext cx="1973655" cy="434566"/>
-          </a:xfrm>
-          <a:prstGeom prst="rect">
-            <a:avLst/>
-          </a:prstGeom>
-        </p:spPr>
-        <p:style>
-          <a:lnRef idx="1">
-            <a:schemeClr val="accent3"/>
-          </a:lnRef>
-          <a:fillRef idx="2">
-            <a:schemeClr val="accent3"/>
-          </a:fillRef>
-          <a:effectRef idx="1">
-            <a:schemeClr val="accent3"/>
-          </a:effectRef>
-          <a:fontRef idx="minor">
-            <a:schemeClr val="dk1"/>
-          </a:fontRef>
-        </p:style>
-        <p:txBody>
-          <a:bodyPr rtlCol="0" anchor="ctr"/>
-          <a:lstStyle/>
-          <a:p>
-            <a:pPr algn="ctr"/>
-            <a:r>
-              <a:rPr lang="en-US" dirty="0"/>
-              <a:t> Ack Number</a:t>
-            </a:r>
-          </a:p>
-        </p:txBody>
-      </p:sp>
-      <p:sp>
-        <p:nvSpPr>
-          <p:cNvPr id="13" name="Rectangle 12">
-            <a:extLst>
-              <a:ext uri="{FF2B5EF4-FFF2-40B4-BE49-F238E27FC236}">
-                <a16:creationId xmlns:a16="http://schemas.microsoft.com/office/drawing/2014/main" id="{3C47A2EB-59F7-AEE5-2D35-0BE218D4A324}"/>
-              </a:ext>
-            </a:extLst>
-          </p:cNvPr>
-          <p:cNvSpPr/>
-          <p:nvPr/>
-        </p:nvSpPr>
-        <p:spPr>
-          <a:xfrm>
-            <a:off x="2154858" y="2408222"/>
-            <a:ext cx="1973655" cy="434566"/>
-          </a:xfrm>
-          <a:prstGeom prst="rect">
-            <a:avLst/>
-          </a:prstGeom>
-        </p:spPr>
-        <p:style>
-          <a:lnRef idx="1">
-            <a:schemeClr val="accent3"/>
-          </a:lnRef>
-          <a:fillRef idx="2">
-            <a:schemeClr val="accent3"/>
-          </a:fillRef>
-          <a:effectRef idx="1">
-            <a:schemeClr val="accent3"/>
-          </a:effectRef>
-          <a:fontRef idx="minor">
-            <a:schemeClr val="dk1"/>
-          </a:fontRef>
-        </p:style>
-        <p:txBody>
-          <a:bodyPr rtlCol="0" anchor="ctr"/>
-          <a:lstStyle/>
-          <a:p>
-            <a:pPr algn="ctr"/>
-            <a:r>
-              <a:rPr lang="en-US" dirty="0"/>
-              <a:t>Seq Number</a:t>
-            </a:r>
-          </a:p>
-        </p:txBody>
-      </p:sp>
-      <p:sp>
-        <p:nvSpPr>
-          <p:cNvPr id="14" name="Rectangle 13">
-            <a:extLst>
-              <a:ext uri="{FF2B5EF4-FFF2-40B4-BE49-F238E27FC236}">
-                <a16:creationId xmlns:a16="http://schemas.microsoft.com/office/drawing/2014/main" id="{A1EAC9EE-CACA-6E6A-4859-A5226C15834F}"/>
-              </a:ext>
-            </a:extLst>
-          </p:cNvPr>
-          <p:cNvSpPr/>
-          <p:nvPr/>
-        </p:nvSpPr>
-        <p:spPr>
-          <a:xfrm>
-            <a:off x="2154859" y="4289834"/>
-            <a:ext cx="1973655" cy="434566"/>
-          </a:xfrm>
-          <a:prstGeom prst="rect">
-            <a:avLst/>
-          </a:prstGeom>
-        </p:spPr>
-        <p:style>
-          <a:lnRef idx="1">
-            <a:schemeClr val="accent3"/>
-          </a:lnRef>
-          <a:fillRef idx="2">
-            <a:schemeClr val="accent3"/>
-          </a:fillRef>
-          <a:effectRef idx="1">
-            <a:schemeClr val="accent3"/>
-          </a:effectRef>
-          <a:fontRef idx="minor">
-            <a:schemeClr val="dk1"/>
-          </a:fontRef>
-        </p:style>
-        <p:txBody>
-          <a:bodyPr rtlCol="0" anchor="ctr"/>
-          <a:lstStyle/>
-          <a:p>
-            <a:pPr algn="ctr"/>
-            <a:r>
-              <a:rPr lang="en-US" dirty="0"/>
-              <a:t> Ack Number</a:t>
-            </a:r>
-          </a:p>
-        </p:txBody>
-      </p:sp>
-      <p:cxnSp>
-        <p:nvCxnSpPr>
-          <p:cNvPr id="16" name="Straight Arrow Connector 15">
-            <a:extLst>
-              <a:ext uri="{FF2B5EF4-FFF2-40B4-BE49-F238E27FC236}">
-                <a16:creationId xmlns:a16="http://schemas.microsoft.com/office/drawing/2014/main" id="{CA571D4A-0502-2A61-B6AB-3E4430878A3A}"/>
-              </a:ext>
-            </a:extLst>
-          </p:cNvPr>
-          <p:cNvCxnSpPr>
-            <a:stCxn id="14" idx="3"/>
-            <a:endCxn id="9" idx="1"/>
-          </p:cNvCxnSpPr>
-          <p:nvPr/>
-        </p:nvCxnSpPr>
-        <p:spPr>
-          <a:xfrm flipV="1">
-            <a:off x="4128514" y="2625505"/>
-            <a:ext cx="3930513" cy="1881612"/>
-          </a:xfrm>
-          <a:prstGeom prst="straightConnector1">
-            <a:avLst/>
-          </a:prstGeom>
-          <a:ln>
-            <a:headEnd type="triangle"/>
-            <a:tailEnd type="triangle"/>
-          </a:ln>
-        </p:spPr>
-        <p:style>
-          <a:lnRef idx="3">
-            <a:schemeClr val="dk1"/>
-          </a:lnRef>
-          <a:fillRef idx="0">
-            <a:schemeClr val="dk1"/>
-          </a:fillRef>
-          <a:effectRef idx="2">
-            <a:schemeClr val="dk1"/>
-          </a:effectRef>
-          <a:fontRef idx="minor">
-            <a:schemeClr val="tx1"/>
-          </a:fontRef>
-        </p:style>
-      </p:cxnSp>
-      <p:cxnSp>
-        <p:nvCxnSpPr>
-          <p:cNvPr id="18" name="Straight Arrow Connector 17">
-            <a:extLst>
-              <a:ext uri="{FF2B5EF4-FFF2-40B4-BE49-F238E27FC236}">
-                <a16:creationId xmlns:a16="http://schemas.microsoft.com/office/drawing/2014/main" id="{37F68305-FD25-0DE1-7EA1-62FCCE2C4CA9}"/>
-              </a:ext>
-            </a:extLst>
-          </p:cNvPr>
-          <p:cNvCxnSpPr>
-            <a:stCxn id="13" idx="3"/>
-            <a:endCxn id="11" idx="1"/>
-          </p:cNvCxnSpPr>
-          <p:nvPr/>
-        </p:nvCxnSpPr>
-        <p:spPr>
-          <a:xfrm>
-            <a:off x="4128513" y="2625505"/>
-            <a:ext cx="3930514" cy="1881612"/>
-          </a:xfrm>
-          <a:prstGeom prst="straightConnector1">
-            <a:avLst/>
-          </a:prstGeom>
-          <a:ln>
-            <a:headEnd type="triangle"/>
-            <a:tailEnd type="triangle"/>
-          </a:ln>
-        </p:spPr>
-        <p:style>
-          <a:lnRef idx="3">
-            <a:schemeClr val="dk1"/>
-          </a:lnRef>
-          <a:fillRef idx="0">
-            <a:schemeClr val="dk1"/>
-          </a:fillRef>
-          <a:effectRef idx="2">
-            <a:schemeClr val="dk1"/>
-          </a:effectRef>
-          <a:fontRef idx="minor">
-            <a:schemeClr val="tx1"/>
-          </a:fontRef>
-        </p:style>
-      </p:cxnSp>
-      <p:sp>
-        <p:nvSpPr>
-          <p:cNvPr id="2" name="Slide Number Placeholder 1">
-            <a:extLst>
-              <a:ext uri="{FF2B5EF4-FFF2-40B4-BE49-F238E27FC236}">
-                <a16:creationId xmlns:a16="http://schemas.microsoft.com/office/drawing/2014/main" id="{B0BF5B83-4FAE-6E68-FF7F-2FDCB7D3DC29}"/>
-              </a:ext>
-            </a:extLst>
-          </p:cNvPr>
-          <p:cNvSpPr>
-            <a:spLocks noGrp="1"/>
-          </p:cNvSpPr>
-          <p:nvPr>
-            <p:ph type="sldNum" sz="quarter" idx="12"/>
-          </p:nvPr>
-        </p:nvSpPr>
-        <p:spPr/>
-        <p:txBody>
-          <a:bodyPr/>
-          <a:lstStyle/>
-          <a:p>
-            <a:fld id="{2DB24D90-624F-4BA9-8536-8B45883AEAD5}" type="slidenum">
-              <a:rPr lang="en-US" smtClean="0"/>
-              <a:t>11</a:t>
-            </a:fld>
-            <a:endParaRPr lang="en-US" dirty="0"/>
-          </a:p>
-        </p:txBody>
-      </p:sp>
-    </p:spTree>
-    <p:extLst>
-      <p:ext uri="{BB962C8B-B14F-4D97-AF65-F5344CB8AC3E}">
-        <p14:creationId xmlns:p14="http://schemas.microsoft.com/office/powerpoint/2010/main" val="2639250877"/>
       </p:ext>
     </p:extLst>
   </p:cSld>
@@ -5492,7 +5492,15 @@
           <a:p>
             <a:r>
               <a:rPr lang="en-US" dirty="0"/>
-              <a:t>Flags : Syn, Seq = X, ACK = 0</a:t>
+              <a:t>Flags : </a:t>
+            </a:r>
+            <a:r>
+              <a:rPr lang="en-US" sz="1800" dirty="0"/>
+              <a:t>SYN</a:t>
+            </a:r>
+            <a:r>
+              <a:rPr lang="en-US" dirty="0"/>
+              <a:t>, Seq = X, ACK = 0</a:t>
             </a:r>
           </a:p>
         </p:txBody>
@@ -5527,7 +5535,15 @@
           <a:p>
             <a:r>
               <a:rPr lang="en-US" dirty="0"/>
-              <a:t>Flags : [Syn, ACK], Seq = Y, ACK = X + 1</a:t>
+              <a:t>Flags : [</a:t>
+            </a:r>
+            <a:r>
+              <a:rPr lang="en-US" sz="1800" dirty="0"/>
+              <a:t>SYN</a:t>
+            </a:r>
+            <a:r>
+              <a:rPr lang="en-US" dirty="0"/>
+              <a:t>, ACK], Seq = Y, ACK = X + 1</a:t>
             </a:r>
           </a:p>
         </p:txBody>
@@ -5937,7 +5953,15 @@
           <a:p>
             <a:r>
               <a:rPr lang="en-US" dirty="0"/>
-              <a:t>Send with Flags = [Syn, ACK]</a:t>
+              <a:t>Send with Flags = [</a:t>
+            </a:r>
+            <a:r>
+              <a:rPr lang="en-US" sz="1800" dirty="0"/>
+              <a:t>SYN</a:t>
+            </a:r>
+            <a:r>
+              <a:rPr lang="en-US" dirty="0"/>
+              <a:t>, ACK]</a:t>
             </a:r>
           </a:p>
         </p:txBody>
@@ -6411,8 +6435,12 @@
           <a:lstStyle/>
           <a:p>
             <a:r>
+              <a:rPr lang="en-US" sz="1800" dirty="0"/>
+              <a:t>SYN</a:t>
+            </a:r>
+            <a:r>
               <a:rPr lang="en-US" dirty="0"/>
-              <a:t>Syn request from</a:t>
+              <a:t> request from</a:t>
             </a:r>
           </a:p>
           <a:p>
@@ -6463,8 +6491,12 @@
           <a:lstStyle/>
           <a:p>
             <a:r>
+              <a:rPr lang="en-US" sz="1800" dirty="0"/>
+              <a:t>SYN</a:t>
+            </a:r>
+            <a:r>
               <a:rPr lang="en-US" dirty="0"/>
-              <a:t>Syn request from</a:t>
+              <a:t> request from</a:t>
             </a:r>
           </a:p>
           <a:p>
@@ -6517,8 +6549,12 @@
           <a:lstStyle/>
           <a:p>
             <a:r>
+              <a:rPr lang="en-US" sz="1800" dirty="0"/>
+              <a:t>SYN</a:t>
+            </a:r>
+            <a:r>
               <a:rPr lang="en-US" dirty="0"/>
-              <a:t>Syn request from</a:t>
+              <a:t> request from</a:t>
             </a:r>
           </a:p>
           <a:p>
@@ -8369,7 +8405,15 @@
             <a:pPr algn="ctr"/>
             <a:r>
               <a:rPr lang="en-US" dirty="0"/>
-              <a:t>Wait For Syn Request</a:t>
+              <a:t>Wait For </a:t>
+            </a:r>
+            <a:r>
+              <a:rPr lang="en-US" sz="1800" dirty="0"/>
+              <a:t>SYN</a:t>
+            </a:r>
+            <a:r>
+              <a:rPr lang="en-US" dirty="0"/>
+              <a:t> Request</a:t>
             </a:r>
           </a:p>
         </p:txBody>
@@ -8553,7 +8597,15 @@
             <a:pPr algn="ctr"/>
             <a:r>
               <a:rPr lang="en-US" dirty="0"/>
-              <a:t>Verify Syn Cookie</a:t>
+              <a:t>Verify </a:t>
+            </a:r>
+            <a:r>
+              <a:rPr lang="en-US" sz="1800" dirty="0"/>
+              <a:t>SYN</a:t>
+            </a:r>
+            <a:r>
+              <a:rPr lang="en-US" dirty="0"/>
+              <a:t> Cookie</a:t>
             </a:r>
           </a:p>
         </p:txBody>
@@ -8741,7 +8793,15 @@
             <a:pPr algn="ctr"/>
             <a:r>
               <a:rPr lang="en-US" dirty="0"/>
-              <a:t>Send Syn cookie</a:t>
+              <a:t>Send </a:t>
+            </a:r>
+            <a:r>
+              <a:rPr lang="en-US" sz="1800" dirty="0"/>
+              <a:t>SYN</a:t>
+            </a:r>
+            <a:r>
+              <a:rPr lang="en-US" dirty="0"/>
+              <a:t> cookie</a:t>
             </a:r>
           </a:p>
         </p:txBody>
@@ -8788,7 +8848,15 @@
             <a:pPr algn="ctr"/>
             <a:r>
               <a:rPr lang="en-US" dirty="0"/>
-              <a:t>Received Syn request</a:t>
+              <a:t>Received </a:t>
+            </a:r>
+            <a:r>
+              <a:rPr lang="en-US" sz="1800" dirty="0"/>
+              <a:t>SYN</a:t>
+            </a:r>
+            <a:r>
+              <a:rPr lang="en-US" dirty="0"/>
+              <a:t> request</a:t>
             </a:r>
           </a:p>
         </p:txBody>
@@ -10645,7 +10713,7 @@
             </a:pPr>
             <a:r>
               <a:rPr lang="en-US" sz="3200" dirty="0"/>
-              <a:t>Syn Floods</a:t>
+              <a:t>SYN Floods</a:t>
             </a:r>
           </a:p>
           <a:p>
@@ -10655,7 +10723,7 @@
             </a:pPr>
             <a:r>
               <a:rPr lang="en-US" sz="3200" dirty="0"/>
-              <a:t>Syn Cookies</a:t>
+              <a:t>SYN Cookies</a:t>
             </a:r>
           </a:p>
         </p:txBody>
@@ -11561,17 +11629,11 @@
 </file>
 
 <file path=ppt/slides/slide6.xml><?xml version="1.0" encoding="utf-8"?>
-<p:sld xmlns:a="http://schemas.openxmlformats.org/drawingml/2006/main" xmlns:r="http://schemas.openxmlformats.org/officeDocument/2006/relationships" xmlns:p="http://schemas.openxmlformats.org/presentationml/2006/main">
+<p:sld xmlns:a="http://schemas.openxmlformats.org/drawingml/2006/main" xmlns:r="http://schemas.openxmlformats.org/officeDocument/2006/relationships" xmlns:p="http://schemas.openxmlformats.org/presentationml/2006/main" show="0">
   <p:cSld>
     <p:spTree>
       <p:nvGrpSpPr>
-        <p:cNvPr id="1" name="">
-          <a:extLst>
-            <a:ext uri="{FF2B5EF4-FFF2-40B4-BE49-F238E27FC236}">
-              <a16:creationId xmlns:a16="http://schemas.microsoft.com/office/drawing/2014/main" id="{56FA3A0E-A831-8D9F-DB26-56624578AC31}"/>
-            </a:ext>
-          </a:extLst>
-        </p:cNvPr>
+        <p:cNvPr id="1" name=""/>
         <p:cNvGrpSpPr/>
         <p:nvPr/>
       </p:nvGrpSpPr>
@@ -11585,10 +11647,2034 @@
       </p:grpSpPr>
       <p:sp>
         <p:nvSpPr>
-          <p:cNvPr id="4" name="Title 1">
-            <a:extLst>
-              <a:ext uri="{FF2B5EF4-FFF2-40B4-BE49-F238E27FC236}">
-                <a16:creationId xmlns:a16="http://schemas.microsoft.com/office/drawing/2014/main" id="{77C53CFB-0361-AAEB-05F8-AC714CB1548B}"/>
+          <p:cNvPr id="109" name="Title 108">
+            <a:extLst>
+              <a:ext uri="{FF2B5EF4-FFF2-40B4-BE49-F238E27FC236}">
+                <a16:creationId xmlns:a16="http://schemas.microsoft.com/office/drawing/2014/main" id="{646A3F78-6343-8D24-89E8-CE318D3DD63C}"/>
+              </a:ext>
+            </a:extLst>
+          </p:cNvPr>
+          <p:cNvSpPr>
+            <a:spLocks noGrp="1"/>
+          </p:cNvSpPr>
+          <p:nvPr>
+            <p:ph type="title" idx="4294967295"/>
+          </p:nvPr>
+        </p:nvSpPr>
+        <p:spPr/>
+        <p:txBody>
+          <a:bodyPr/>
+          <a:lstStyle/>
+          <a:p>
+            <a:r>
+              <a:rPr lang="en-US" dirty="0">
+                <a:solidFill>
+                  <a:srgbClr val="FCEBA5"/>
+                </a:solidFill>
+              </a:rPr>
+              <a:t>Out of Order?</a:t>
+            </a:r>
+          </a:p>
+        </p:txBody>
+      </p:sp>
+      <p:sp>
+        <p:nvSpPr>
+          <p:cNvPr id="2" name="Oval 1">
+            <a:extLst>
+              <a:ext uri="{FF2B5EF4-FFF2-40B4-BE49-F238E27FC236}">
+                <a16:creationId xmlns:a16="http://schemas.microsoft.com/office/drawing/2014/main" id="{E2B99AD9-F68E-645C-562F-1027C7245E55}"/>
+              </a:ext>
+            </a:extLst>
+          </p:cNvPr>
+          <p:cNvSpPr/>
+          <p:nvPr/>
+        </p:nvSpPr>
+        <p:spPr>
+          <a:xfrm>
+            <a:off x="569193" y="2489200"/>
+            <a:ext cx="1879600" cy="1879600"/>
+          </a:xfrm>
+          <a:prstGeom prst="ellipse">
+            <a:avLst/>
+          </a:prstGeom>
+        </p:spPr>
+        <p:style>
+          <a:lnRef idx="2">
+            <a:schemeClr val="dk1"/>
+          </a:lnRef>
+          <a:fillRef idx="1">
+            <a:schemeClr val="lt1"/>
+          </a:fillRef>
+          <a:effectRef idx="0">
+            <a:schemeClr val="dk1"/>
+          </a:effectRef>
+          <a:fontRef idx="minor">
+            <a:schemeClr val="dk1"/>
+          </a:fontRef>
+        </p:style>
+        <p:txBody>
+          <a:bodyPr rtlCol="0" anchor="ctr"/>
+          <a:lstStyle/>
+          <a:p>
+            <a:pPr algn="ctr"/>
+            <a:r>
+              <a:rPr lang="en-US" dirty="0"/>
+              <a:t>Source</a:t>
+            </a:r>
+          </a:p>
+        </p:txBody>
+      </p:sp>
+      <p:sp>
+        <p:nvSpPr>
+          <p:cNvPr id="3" name="Oval 2">
+            <a:extLst>
+              <a:ext uri="{FF2B5EF4-FFF2-40B4-BE49-F238E27FC236}">
+                <a16:creationId xmlns:a16="http://schemas.microsoft.com/office/drawing/2014/main" id="{2F6DAD15-7ACA-5386-9094-AFC5AE3F24B9}"/>
+              </a:ext>
+            </a:extLst>
+          </p:cNvPr>
+          <p:cNvSpPr/>
+          <p:nvPr/>
+        </p:nvSpPr>
+        <p:spPr>
+          <a:xfrm>
+            <a:off x="3677642" y="2646630"/>
+            <a:ext cx="1564740" cy="1564740"/>
+          </a:xfrm>
+          <a:prstGeom prst="ellipse">
+            <a:avLst/>
+          </a:prstGeom>
+        </p:spPr>
+        <p:style>
+          <a:lnRef idx="2">
+            <a:schemeClr val="dk1"/>
+          </a:lnRef>
+          <a:fillRef idx="1">
+            <a:schemeClr val="lt1"/>
+          </a:fillRef>
+          <a:effectRef idx="0">
+            <a:schemeClr val="dk1"/>
+          </a:effectRef>
+          <a:fontRef idx="minor">
+            <a:schemeClr val="dk1"/>
+          </a:fontRef>
+        </p:style>
+        <p:txBody>
+          <a:bodyPr rtlCol="0" anchor="ctr"/>
+          <a:lstStyle/>
+          <a:p>
+            <a:pPr algn="ctr"/>
+            <a:endParaRPr lang="en-US" dirty="0"/>
+          </a:p>
+        </p:txBody>
+      </p:sp>
+      <p:sp>
+        <p:nvSpPr>
+          <p:cNvPr id="4" name="Oval 3">
+            <a:extLst>
+              <a:ext uri="{FF2B5EF4-FFF2-40B4-BE49-F238E27FC236}">
+                <a16:creationId xmlns:a16="http://schemas.microsoft.com/office/drawing/2014/main" id="{A0582DDE-CA60-CECD-9D37-39D6F661CA30}"/>
+              </a:ext>
+            </a:extLst>
+          </p:cNvPr>
+          <p:cNvSpPr/>
+          <p:nvPr/>
+        </p:nvSpPr>
+        <p:spPr>
+          <a:xfrm>
+            <a:off x="6207452" y="1560780"/>
+            <a:ext cx="1564740" cy="1564740"/>
+          </a:xfrm>
+          <a:prstGeom prst="ellipse">
+            <a:avLst/>
+          </a:prstGeom>
+        </p:spPr>
+        <p:style>
+          <a:lnRef idx="2">
+            <a:schemeClr val="dk1"/>
+          </a:lnRef>
+          <a:fillRef idx="1">
+            <a:schemeClr val="lt1"/>
+          </a:fillRef>
+          <a:effectRef idx="0">
+            <a:schemeClr val="dk1"/>
+          </a:effectRef>
+          <a:fontRef idx="minor">
+            <a:schemeClr val="dk1"/>
+          </a:fontRef>
+        </p:style>
+        <p:txBody>
+          <a:bodyPr rtlCol="0" anchor="ctr"/>
+          <a:lstStyle/>
+          <a:p>
+            <a:pPr algn="ctr"/>
+            <a:endParaRPr lang="en-US" dirty="0"/>
+          </a:p>
+        </p:txBody>
+      </p:sp>
+      <p:sp>
+        <p:nvSpPr>
+          <p:cNvPr id="5" name="Oval 4">
+            <a:extLst>
+              <a:ext uri="{FF2B5EF4-FFF2-40B4-BE49-F238E27FC236}">
+                <a16:creationId xmlns:a16="http://schemas.microsoft.com/office/drawing/2014/main" id="{5E22D082-4F15-E0BA-5BE3-09ED34B9B2FB}"/>
+              </a:ext>
+            </a:extLst>
+          </p:cNvPr>
+          <p:cNvSpPr/>
+          <p:nvPr/>
+        </p:nvSpPr>
+        <p:spPr>
+          <a:xfrm>
+            <a:off x="6207452" y="3882405"/>
+            <a:ext cx="1564740" cy="1564740"/>
+          </a:xfrm>
+          <a:prstGeom prst="ellipse">
+            <a:avLst/>
+          </a:prstGeom>
+        </p:spPr>
+        <p:style>
+          <a:lnRef idx="2">
+            <a:schemeClr val="dk1"/>
+          </a:lnRef>
+          <a:fillRef idx="1">
+            <a:schemeClr val="lt1"/>
+          </a:fillRef>
+          <a:effectRef idx="0">
+            <a:schemeClr val="dk1"/>
+          </a:effectRef>
+          <a:fontRef idx="minor">
+            <a:schemeClr val="dk1"/>
+          </a:fontRef>
+        </p:style>
+        <p:txBody>
+          <a:bodyPr rtlCol="0" anchor="ctr"/>
+          <a:lstStyle/>
+          <a:p>
+            <a:pPr algn="ctr"/>
+            <a:endParaRPr lang="en-US" dirty="0"/>
+          </a:p>
+        </p:txBody>
+      </p:sp>
+      <p:sp>
+        <p:nvSpPr>
+          <p:cNvPr id="6" name="Oval 5">
+            <a:extLst>
+              <a:ext uri="{FF2B5EF4-FFF2-40B4-BE49-F238E27FC236}">
+                <a16:creationId xmlns:a16="http://schemas.microsoft.com/office/drawing/2014/main" id="{7B39D998-A0A9-7039-EF51-4DFC96C52A10}"/>
+              </a:ext>
+            </a:extLst>
+          </p:cNvPr>
+          <p:cNvSpPr/>
+          <p:nvPr/>
+        </p:nvSpPr>
+        <p:spPr>
+          <a:xfrm>
+            <a:off x="9019309" y="2489200"/>
+            <a:ext cx="1879600" cy="1879600"/>
+          </a:xfrm>
+          <a:prstGeom prst="ellipse">
+            <a:avLst/>
+          </a:prstGeom>
+        </p:spPr>
+        <p:style>
+          <a:lnRef idx="2">
+            <a:schemeClr val="dk1"/>
+          </a:lnRef>
+          <a:fillRef idx="1">
+            <a:schemeClr val="lt1"/>
+          </a:fillRef>
+          <a:effectRef idx="0">
+            <a:schemeClr val="dk1"/>
+          </a:effectRef>
+          <a:fontRef idx="minor">
+            <a:schemeClr val="dk1"/>
+          </a:fontRef>
+        </p:style>
+        <p:txBody>
+          <a:bodyPr rtlCol="0" anchor="ctr"/>
+          <a:lstStyle/>
+          <a:p>
+            <a:pPr algn="ctr"/>
+            <a:r>
+              <a:rPr lang="en-US" dirty="0"/>
+              <a:t>Destination</a:t>
+            </a:r>
+          </a:p>
+        </p:txBody>
+      </p:sp>
+      <p:cxnSp>
+        <p:nvCxnSpPr>
+          <p:cNvPr id="8" name="Straight Connector 7">
+            <a:extLst>
+              <a:ext uri="{FF2B5EF4-FFF2-40B4-BE49-F238E27FC236}">
+                <a16:creationId xmlns:a16="http://schemas.microsoft.com/office/drawing/2014/main" id="{8C3EC278-6BA5-A3C0-EC0F-9F0E67AD3640}"/>
+              </a:ext>
+            </a:extLst>
+          </p:cNvPr>
+          <p:cNvCxnSpPr>
+            <a:cxnSpLocks/>
+            <a:stCxn id="2" idx="6"/>
+            <a:endCxn id="3" idx="2"/>
+          </p:cNvCxnSpPr>
+          <p:nvPr/>
+        </p:nvCxnSpPr>
+        <p:spPr>
+          <a:xfrm>
+            <a:off x="2448793" y="3429000"/>
+            <a:ext cx="1228849" cy="0"/>
+          </a:xfrm>
+          <a:prstGeom prst="line">
+            <a:avLst/>
+          </a:prstGeom>
+        </p:spPr>
+        <p:style>
+          <a:lnRef idx="3">
+            <a:schemeClr val="dk1"/>
+          </a:lnRef>
+          <a:fillRef idx="0">
+            <a:schemeClr val="dk1"/>
+          </a:fillRef>
+          <a:effectRef idx="2">
+            <a:schemeClr val="dk1"/>
+          </a:effectRef>
+          <a:fontRef idx="minor">
+            <a:schemeClr val="tx1"/>
+          </a:fontRef>
+        </p:style>
+      </p:cxnSp>
+      <p:cxnSp>
+        <p:nvCxnSpPr>
+          <p:cNvPr id="10" name="Straight Connector 9">
+            <a:extLst>
+              <a:ext uri="{FF2B5EF4-FFF2-40B4-BE49-F238E27FC236}">
+                <a16:creationId xmlns:a16="http://schemas.microsoft.com/office/drawing/2014/main" id="{FC22ABF6-F356-22A2-02D3-91EE23A8C89A}"/>
+              </a:ext>
+            </a:extLst>
+          </p:cNvPr>
+          <p:cNvCxnSpPr>
+            <a:cxnSpLocks/>
+            <a:stCxn id="3" idx="7"/>
+            <a:endCxn id="4" idx="2"/>
+          </p:cNvCxnSpPr>
+          <p:nvPr/>
+        </p:nvCxnSpPr>
+        <p:spPr>
+          <a:xfrm flipV="1">
+            <a:off x="5013231" y="2343150"/>
+            <a:ext cx="1194221" cy="532631"/>
+          </a:xfrm>
+          <a:prstGeom prst="line">
+            <a:avLst/>
+          </a:prstGeom>
+        </p:spPr>
+        <p:style>
+          <a:lnRef idx="3">
+            <a:schemeClr val="dk1"/>
+          </a:lnRef>
+          <a:fillRef idx="0">
+            <a:schemeClr val="dk1"/>
+          </a:fillRef>
+          <a:effectRef idx="2">
+            <a:schemeClr val="dk1"/>
+          </a:effectRef>
+          <a:fontRef idx="minor">
+            <a:schemeClr val="tx1"/>
+          </a:fontRef>
+        </p:style>
+      </p:cxnSp>
+      <p:cxnSp>
+        <p:nvCxnSpPr>
+          <p:cNvPr id="12" name="Straight Connector 11">
+            <a:extLst>
+              <a:ext uri="{FF2B5EF4-FFF2-40B4-BE49-F238E27FC236}">
+                <a16:creationId xmlns:a16="http://schemas.microsoft.com/office/drawing/2014/main" id="{AAE35FA1-BBFB-B25D-C88A-D308DF66E0D3}"/>
+              </a:ext>
+            </a:extLst>
+          </p:cNvPr>
+          <p:cNvCxnSpPr>
+            <a:cxnSpLocks/>
+            <a:stCxn id="3" idx="5"/>
+            <a:endCxn id="5" idx="2"/>
+          </p:cNvCxnSpPr>
+          <p:nvPr/>
+        </p:nvCxnSpPr>
+        <p:spPr>
+          <a:xfrm>
+            <a:off x="5013231" y="3982219"/>
+            <a:ext cx="1194221" cy="682556"/>
+          </a:xfrm>
+          <a:prstGeom prst="line">
+            <a:avLst/>
+          </a:prstGeom>
+        </p:spPr>
+        <p:style>
+          <a:lnRef idx="3">
+            <a:schemeClr val="dk1"/>
+          </a:lnRef>
+          <a:fillRef idx="0">
+            <a:schemeClr val="dk1"/>
+          </a:fillRef>
+          <a:effectRef idx="2">
+            <a:schemeClr val="dk1"/>
+          </a:effectRef>
+          <a:fontRef idx="minor">
+            <a:schemeClr val="tx1"/>
+          </a:fontRef>
+        </p:style>
+      </p:cxnSp>
+      <p:cxnSp>
+        <p:nvCxnSpPr>
+          <p:cNvPr id="14" name="Straight Connector 13">
+            <a:extLst>
+              <a:ext uri="{FF2B5EF4-FFF2-40B4-BE49-F238E27FC236}">
+                <a16:creationId xmlns:a16="http://schemas.microsoft.com/office/drawing/2014/main" id="{E4F8A65A-3E63-AAB6-6A91-FA234EC57C45}"/>
+              </a:ext>
+            </a:extLst>
+          </p:cNvPr>
+          <p:cNvCxnSpPr>
+            <a:cxnSpLocks/>
+            <a:stCxn id="4" idx="6"/>
+            <a:endCxn id="6" idx="2"/>
+          </p:cNvCxnSpPr>
+          <p:nvPr/>
+        </p:nvCxnSpPr>
+        <p:spPr>
+          <a:xfrm>
+            <a:off x="7772192" y="2343150"/>
+            <a:ext cx="1247117" cy="1085850"/>
+          </a:xfrm>
+          <a:prstGeom prst="line">
+            <a:avLst/>
+          </a:prstGeom>
+        </p:spPr>
+        <p:style>
+          <a:lnRef idx="3">
+            <a:schemeClr val="dk1"/>
+          </a:lnRef>
+          <a:fillRef idx="0">
+            <a:schemeClr val="dk1"/>
+          </a:fillRef>
+          <a:effectRef idx="2">
+            <a:schemeClr val="dk1"/>
+          </a:effectRef>
+          <a:fontRef idx="minor">
+            <a:schemeClr val="tx1"/>
+          </a:fontRef>
+        </p:style>
+      </p:cxnSp>
+      <p:cxnSp>
+        <p:nvCxnSpPr>
+          <p:cNvPr id="18" name="Straight Connector 17">
+            <a:extLst>
+              <a:ext uri="{FF2B5EF4-FFF2-40B4-BE49-F238E27FC236}">
+                <a16:creationId xmlns:a16="http://schemas.microsoft.com/office/drawing/2014/main" id="{E571782B-AE8E-0C1B-DFDF-11AC325AAA04}"/>
+              </a:ext>
+            </a:extLst>
+          </p:cNvPr>
+          <p:cNvCxnSpPr>
+            <a:cxnSpLocks/>
+            <a:stCxn id="5" idx="6"/>
+            <a:endCxn id="6" idx="2"/>
+          </p:cNvCxnSpPr>
+          <p:nvPr/>
+        </p:nvCxnSpPr>
+        <p:spPr>
+          <a:xfrm flipV="1">
+            <a:off x="7772192" y="3429000"/>
+            <a:ext cx="1247117" cy="1235775"/>
+          </a:xfrm>
+          <a:prstGeom prst="line">
+            <a:avLst/>
+          </a:prstGeom>
+        </p:spPr>
+        <p:style>
+          <a:lnRef idx="3">
+            <a:schemeClr val="dk1"/>
+          </a:lnRef>
+          <a:fillRef idx="0">
+            <a:schemeClr val="dk1"/>
+          </a:fillRef>
+          <a:effectRef idx="2">
+            <a:schemeClr val="dk1"/>
+          </a:effectRef>
+          <a:fontRef idx="minor">
+            <a:schemeClr val="tx1"/>
+          </a:fontRef>
+        </p:style>
+      </p:cxnSp>
+      <p:sp>
+        <p:nvSpPr>
+          <p:cNvPr id="45" name="Oval 44">
+            <a:extLst>
+              <a:ext uri="{FF2B5EF4-FFF2-40B4-BE49-F238E27FC236}">
+                <a16:creationId xmlns:a16="http://schemas.microsoft.com/office/drawing/2014/main" id="{D0338AED-4D91-7C01-4C81-19B6830D8DB5}"/>
+              </a:ext>
+            </a:extLst>
+          </p:cNvPr>
+          <p:cNvSpPr/>
+          <p:nvPr/>
+        </p:nvSpPr>
+        <p:spPr>
+          <a:xfrm>
+            <a:off x="1466338" y="4586060"/>
+            <a:ext cx="157430" cy="157430"/>
+          </a:xfrm>
+          <a:prstGeom prst="ellipse">
+            <a:avLst/>
+          </a:prstGeom>
+        </p:spPr>
+        <p:style>
+          <a:lnRef idx="2">
+            <a:schemeClr val="accent1">
+              <a:shade val="15000"/>
+            </a:schemeClr>
+          </a:lnRef>
+          <a:fillRef idx="1">
+            <a:schemeClr val="accent1"/>
+          </a:fillRef>
+          <a:effectRef idx="0">
+            <a:schemeClr val="accent1"/>
+          </a:effectRef>
+          <a:fontRef idx="minor">
+            <a:schemeClr val="lt1"/>
+          </a:fontRef>
+        </p:style>
+        <p:txBody>
+          <a:bodyPr rtlCol="0" anchor="ctr"/>
+          <a:lstStyle/>
+          <a:p>
+            <a:pPr algn="ctr"/>
+            <a:endParaRPr lang="en-US"/>
+          </a:p>
+        </p:txBody>
+      </p:sp>
+      <p:sp>
+        <p:nvSpPr>
+          <p:cNvPr id="46" name="Oval 45">
+            <a:extLst>
+              <a:ext uri="{FF2B5EF4-FFF2-40B4-BE49-F238E27FC236}">
+                <a16:creationId xmlns:a16="http://schemas.microsoft.com/office/drawing/2014/main" id="{24BCF02C-D5F4-9437-896C-66BCE13269D0}"/>
+              </a:ext>
+            </a:extLst>
+          </p:cNvPr>
+          <p:cNvSpPr/>
+          <p:nvPr/>
+        </p:nvSpPr>
+        <p:spPr>
+          <a:xfrm>
+            <a:off x="4379149" y="4586060"/>
+            <a:ext cx="157430" cy="157430"/>
+          </a:xfrm>
+          <a:prstGeom prst="ellipse">
+            <a:avLst/>
+          </a:prstGeom>
+        </p:spPr>
+        <p:style>
+          <a:lnRef idx="2">
+            <a:schemeClr val="accent1">
+              <a:shade val="15000"/>
+            </a:schemeClr>
+          </a:lnRef>
+          <a:fillRef idx="1">
+            <a:schemeClr val="accent1"/>
+          </a:fillRef>
+          <a:effectRef idx="0">
+            <a:schemeClr val="accent1"/>
+          </a:effectRef>
+          <a:fontRef idx="minor">
+            <a:schemeClr val="lt1"/>
+          </a:fontRef>
+        </p:style>
+        <p:txBody>
+          <a:bodyPr rtlCol="0" anchor="ctr"/>
+          <a:lstStyle/>
+          <a:p>
+            <a:pPr algn="ctr"/>
+            <a:endParaRPr lang="en-US"/>
+          </a:p>
+        </p:txBody>
+      </p:sp>
+      <p:sp>
+        <p:nvSpPr>
+          <p:cNvPr id="47" name="Oval 46">
+            <a:extLst>
+              <a:ext uri="{FF2B5EF4-FFF2-40B4-BE49-F238E27FC236}">
+                <a16:creationId xmlns:a16="http://schemas.microsoft.com/office/drawing/2014/main" id="{4AB94914-CFD0-861A-4169-706B96F3C746}"/>
+              </a:ext>
+            </a:extLst>
+          </p:cNvPr>
+          <p:cNvSpPr/>
+          <p:nvPr/>
+        </p:nvSpPr>
+        <p:spPr>
+          <a:xfrm>
+            <a:off x="6916235" y="5743120"/>
+            <a:ext cx="157430" cy="157430"/>
+          </a:xfrm>
+          <a:prstGeom prst="ellipse">
+            <a:avLst/>
+          </a:prstGeom>
+        </p:spPr>
+        <p:style>
+          <a:lnRef idx="2">
+            <a:schemeClr val="accent1">
+              <a:shade val="15000"/>
+            </a:schemeClr>
+          </a:lnRef>
+          <a:fillRef idx="1">
+            <a:schemeClr val="accent1"/>
+          </a:fillRef>
+          <a:effectRef idx="0">
+            <a:schemeClr val="accent1"/>
+          </a:effectRef>
+          <a:fontRef idx="minor">
+            <a:schemeClr val="lt1"/>
+          </a:fontRef>
+        </p:style>
+        <p:txBody>
+          <a:bodyPr rtlCol="0" anchor="ctr"/>
+          <a:lstStyle/>
+          <a:p>
+            <a:pPr algn="ctr"/>
+            <a:endParaRPr lang="en-US"/>
+          </a:p>
+        </p:txBody>
+      </p:sp>
+      <p:sp>
+        <p:nvSpPr>
+          <p:cNvPr id="48" name="Oval 47">
+            <a:extLst>
+              <a:ext uri="{FF2B5EF4-FFF2-40B4-BE49-F238E27FC236}">
+                <a16:creationId xmlns:a16="http://schemas.microsoft.com/office/drawing/2014/main" id="{904A16EF-E21F-C30B-1E53-66A8F5101C03}"/>
+              </a:ext>
+            </a:extLst>
+          </p:cNvPr>
+          <p:cNvSpPr/>
+          <p:nvPr/>
+        </p:nvSpPr>
+        <p:spPr>
+          <a:xfrm>
+            <a:off x="9020889" y="4093539"/>
+            <a:ext cx="157430" cy="157430"/>
+          </a:xfrm>
+          <a:prstGeom prst="ellipse">
+            <a:avLst/>
+          </a:prstGeom>
+        </p:spPr>
+        <p:style>
+          <a:lnRef idx="2">
+            <a:schemeClr val="accent1">
+              <a:shade val="15000"/>
+            </a:schemeClr>
+          </a:lnRef>
+          <a:fillRef idx="1">
+            <a:schemeClr val="accent1"/>
+          </a:fillRef>
+          <a:effectRef idx="0">
+            <a:schemeClr val="accent1"/>
+          </a:effectRef>
+          <a:fontRef idx="minor">
+            <a:schemeClr val="lt1"/>
+          </a:fontRef>
+        </p:style>
+        <p:txBody>
+          <a:bodyPr rtlCol="0" anchor="ctr"/>
+          <a:lstStyle/>
+          <a:p>
+            <a:pPr algn="ctr"/>
+            <a:endParaRPr lang="en-US"/>
+          </a:p>
+        </p:txBody>
+      </p:sp>
+      <p:cxnSp>
+        <p:nvCxnSpPr>
+          <p:cNvPr id="50" name="Straight Arrow Connector 49">
+            <a:extLst>
+              <a:ext uri="{FF2B5EF4-FFF2-40B4-BE49-F238E27FC236}">
+                <a16:creationId xmlns:a16="http://schemas.microsoft.com/office/drawing/2014/main" id="{7BBC4F1F-9E31-E981-54A3-9988C53433AD}"/>
+              </a:ext>
+            </a:extLst>
+          </p:cNvPr>
+          <p:cNvCxnSpPr>
+            <a:cxnSpLocks/>
+            <a:stCxn id="45" idx="6"/>
+            <a:endCxn id="46" idx="2"/>
+          </p:cNvCxnSpPr>
+          <p:nvPr/>
+        </p:nvCxnSpPr>
+        <p:spPr>
+          <a:xfrm>
+            <a:off x="1623768" y="4664775"/>
+            <a:ext cx="2755381" cy="0"/>
+          </a:xfrm>
+          <a:prstGeom prst="straightConnector1">
+            <a:avLst/>
+          </a:prstGeom>
+          <a:ln>
+            <a:tailEnd type="triangle"/>
+          </a:ln>
+        </p:spPr>
+        <p:style>
+          <a:lnRef idx="3">
+            <a:schemeClr val="accent1"/>
+          </a:lnRef>
+          <a:fillRef idx="0">
+            <a:schemeClr val="accent1"/>
+          </a:fillRef>
+          <a:effectRef idx="2">
+            <a:schemeClr val="accent1"/>
+          </a:effectRef>
+          <a:fontRef idx="minor">
+            <a:schemeClr val="tx1"/>
+          </a:fontRef>
+        </p:style>
+      </p:cxnSp>
+      <p:cxnSp>
+        <p:nvCxnSpPr>
+          <p:cNvPr id="52" name="Straight Arrow Connector 51">
+            <a:extLst>
+              <a:ext uri="{FF2B5EF4-FFF2-40B4-BE49-F238E27FC236}">
+                <a16:creationId xmlns:a16="http://schemas.microsoft.com/office/drawing/2014/main" id="{09CDECB5-3D87-E5D6-6602-59F21BE3F492}"/>
+              </a:ext>
+            </a:extLst>
+          </p:cNvPr>
+          <p:cNvCxnSpPr>
+            <a:cxnSpLocks/>
+            <a:stCxn id="46" idx="6"/>
+            <a:endCxn id="47" idx="2"/>
+          </p:cNvCxnSpPr>
+          <p:nvPr/>
+        </p:nvCxnSpPr>
+        <p:spPr>
+          <a:xfrm>
+            <a:off x="4536579" y="4664775"/>
+            <a:ext cx="2379656" cy="1157060"/>
+          </a:xfrm>
+          <a:prstGeom prst="straightConnector1">
+            <a:avLst/>
+          </a:prstGeom>
+          <a:ln>
+            <a:tailEnd type="triangle"/>
+          </a:ln>
+        </p:spPr>
+        <p:style>
+          <a:lnRef idx="3">
+            <a:schemeClr val="accent1"/>
+          </a:lnRef>
+          <a:fillRef idx="0">
+            <a:schemeClr val="accent1"/>
+          </a:fillRef>
+          <a:effectRef idx="2">
+            <a:schemeClr val="accent1"/>
+          </a:effectRef>
+          <a:fontRef idx="minor">
+            <a:schemeClr val="tx1"/>
+          </a:fontRef>
+        </p:style>
+      </p:cxnSp>
+      <p:cxnSp>
+        <p:nvCxnSpPr>
+          <p:cNvPr id="54" name="Straight Arrow Connector 53">
+            <a:extLst>
+              <a:ext uri="{FF2B5EF4-FFF2-40B4-BE49-F238E27FC236}">
+                <a16:creationId xmlns:a16="http://schemas.microsoft.com/office/drawing/2014/main" id="{F895C13A-00A0-7F6D-779A-694ADAD36CEB}"/>
+              </a:ext>
+            </a:extLst>
+          </p:cNvPr>
+          <p:cNvCxnSpPr>
+            <a:cxnSpLocks/>
+            <a:stCxn id="47" idx="6"/>
+            <a:endCxn id="48" idx="3"/>
+          </p:cNvCxnSpPr>
+          <p:nvPr/>
+        </p:nvCxnSpPr>
+        <p:spPr>
+          <a:xfrm flipV="1">
+            <a:off x="7073665" y="4227914"/>
+            <a:ext cx="1970279" cy="1593921"/>
+          </a:xfrm>
+          <a:prstGeom prst="straightConnector1">
+            <a:avLst/>
+          </a:prstGeom>
+          <a:ln>
+            <a:tailEnd type="triangle"/>
+          </a:ln>
+        </p:spPr>
+        <p:style>
+          <a:lnRef idx="3">
+            <a:schemeClr val="accent1"/>
+          </a:lnRef>
+          <a:fillRef idx="0">
+            <a:schemeClr val="accent1"/>
+          </a:fillRef>
+          <a:effectRef idx="2">
+            <a:schemeClr val="accent1"/>
+          </a:effectRef>
+          <a:fontRef idx="minor">
+            <a:schemeClr val="tx1"/>
+          </a:fontRef>
+        </p:style>
+      </p:cxnSp>
+      <p:sp>
+        <p:nvSpPr>
+          <p:cNvPr id="96" name="Oval 95">
+            <a:extLst>
+              <a:ext uri="{FF2B5EF4-FFF2-40B4-BE49-F238E27FC236}">
+                <a16:creationId xmlns:a16="http://schemas.microsoft.com/office/drawing/2014/main" id="{0E3DAC4B-E8FB-A172-BF6A-B4F7CAF05D0C}"/>
+              </a:ext>
+            </a:extLst>
+          </p:cNvPr>
+          <p:cNvSpPr/>
+          <p:nvPr/>
+        </p:nvSpPr>
+        <p:spPr>
+          <a:xfrm>
+            <a:off x="1466338" y="2242699"/>
+            <a:ext cx="157430" cy="157430"/>
+          </a:xfrm>
+          <a:prstGeom prst="ellipse">
+            <a:avLst/>
+          </a:prstGeom>
+          <a:solidFill>
+            <a:schemeClr val="accent2">
+              <a:lumMod val="75000"/>
+            </a:schemeClr>
+          </a:solidFill>
+        </p:spPr>
+        <p:style>
+          <a:lnRef idx="2">
+            <a:schemeClr val="accent1">
+              <a:shade val="15000"/>
+            </a:schemeClr>
+          </a:lnRef>
+          <a:fillRef idx="1">
+            <a:schemeClr val="accent1"/>
+          </a:fillRef>
+          <a:effectRef idx="0">
+            <a:schemeClr val="accent1"/>
+          </a:effectRef>
+          <a:fontRef idx="minor">
+            <a:schemeClr val="lt1"/>
+          </a:fontRef>
+        </p:style>
+        <p:txBody>
+          <a:bodyPr rtlCol="0" anchor="ctr"/>
+          <a:lstStyle/>
+          <a:p>
+            <a:pPr algn="ctr"/>
+            <a:endParaRPr lang="en-US" dirty="0">
+              <a:solidFill>
+                <a:schemeClr val="accent2">
+                  <a:lumMod val="75000"/>
+                </a:schemeClr>
+              </a:solidFill>
+            </a:endParaRPr>
+          </a:p>
+        </p:txBody>
+      </p:sp>
+      <p:sp>
+        <p:nvSpPr>
+          <p:cNvPr id="97" name="Oval 96">
+            <a:extLst>
+              <a:ext uri="{FF2B5EF4-FFF2-40B4-BE49-F238E27FC236}">
+                <a16:creationId xmlns:a16="http://schemas.microsoft.com/office/drawing/2014/main" id="{A879D70D-92CB-C619-03F8-2818113E2736}"/>
+              </a:ext>
+            </a:extLst>
+          </p:cNvPr>
+          <p:cNvSpPr/>
+          <p:nvPr/>
+        </p:nvSpPr>
+        <p:spPr>
+          <a:xfrm>
+            <a:off x="4379149" y="2242699"/>
+            <a:ext cx="157430" cy="157430"/>
+          </a:xfrm>
+          <a:prstGeom prst="ellipse">
+            <a:avLst/>
+          </a:prstGeom>
+          <a:solidFill>
+            <a:schemeClr val="accent2">
+              <a:lumMod val="75000"/>
+            </a:schemeClr>
+          </a:solidFill>
+        </p:spPr>
+        <p:style>
+          <a:lnRef idx="2">
+            <a:schemeClr val="accent1">
+              <a:shade val="15000"/>
+            </a:schemeClr>
+          </a:lnRef>
+          <a:fillRef idx="1">
+            <a:schemeClr val="accent1"/>
+          </a:fillRef>
+          <a:effectRef idx="0">
+            <a:schemeClr val="accent1"/>
+          </a:effectRef>
+          <a:fontRef idx="minor">
+            <a:schemeClr val="lt1"/>
+          </a:fontRef>
+        </p:style>
+        <p:txBody>
+          <a:bodyPr rtlCol="0" anchor="ctr"/>
+          <a:lstStyle/>
+          <a:p>
+            <a:pPr algn="ctr"/>
+            <a:endParaRPr lang="en-US"/>
+          </a:p>
+        </p:txBody>
+      </p:sp>
+      <p:sp>
+        <p:nvSpPr>
+          <p:cNvPr id="98" name="Oval 97">
+            <a:extLst>
+              <a:ext uri="{FF2B5EF4-FFF2-40B4-BE49-F238E27FC236}">
+                <a16:creationId xmlns:a16="http://schemas.microsoft.com/office/drawing/2014/main" id="{5F309D81-006D-D292-13BD-FB3CD450BDB9}"/>
+              </a:ext>
+            </a:extLst>
+          </p:cNvPr>
+          <p:cNvSpPr/>
+          <p:nvPr/>
+        </p:nvSpPr>
+        <p:spPr>
+          <a:xfrm>
+            <a:off x="6916235" y="1077728"/>
+            <a:ext cx="157430" cy="157430"/>
+          </a:xfrm>
+          <a:prstGeom prst="ellipse">
+            <a:avLst/>
+          </a:prstGeom>
+          <a:solidFill>
+            <a:schemeClr val="accent2">
+              <a:lumMod val="75000"/>
+            </a:schemeClr>
+          </a:solidFill>
+        </p:spPr>
+        <p:style>
+          <a:lnRef idx="2">
+            <a:schemeClr val="accent1">
+              <a:shade val="15000"/>
+            </a:schemeClr>
+          </a:lnRef>
+          <a:fillRef idx="1">
+            <a:schemeClr val="accent1"/>
+          </a:fillRef>
+          <a:effectRef idx="0">
+            <a:schemeClr val="accent1"/>
+          </a:effectRef>
+          <a:fontRef idx="minor">
+            <a:schemeClr val="lt1"/>
+          </a:fontRef>
+        </p:style>
+        <p:txBody>
+          <a:bodyPr rtlCol="0" anchor="ctr"/>
+          <a:lstStyle/>
+          <a:p>
+            <a:pPr algn="ctr"/>
+            <a:endParaRPr lang="en-US"/>
+          </a:p>
+        </p:txBody>
+      </p:sp>
+      <p:sp>
+        <p:nvSpPr>
+          <p:cNvPr id="99" name="Oval 98">
+            <a:extLst>
+              <a:ext uri="{FF2B5EF4-FFF2-40B4-BE49-F238E27FC236}">
+                <a16:creationId xmlns:a16="http://schemas.microsoft.com/office/drawing/2014/main" id="{FFCC0DAF-4AFA-342A-7ACA-02BB809F8050}"/>
+              </a:ext>
+            </a:extLst>
+          </p:cNvPr>
+          <p:cNvSpPr/>
+          <p:nvPr/>
+        </p:nvSpPr>
+        <p:spPr>
+          <a:xfrm>
+            <a:off x="9043944" y="2584791"/>
+            <a:ext cx="157430" cy="157430"/>
+          </a:xfrm>
+          <a:prstGeom prst="ellipse">
+            <a:avLst/>
+          </a:prstGeom>
+          <a:solidFill>
+            <a:schemeClr val="accent2">
+              <a:lumMod val="75000"/>
+            </a:schemeClr>
+          </a:solidFill>
+        </p:spPr>
+        <p:style>
+          <a:lnRef idx="2">
+            <a:schemeClr val="accent1">
+              <a:shade val="15000"/>
+            </a:schemeClr>
+          </a:lnRef>
+          <a:fillRef idx="1">
+            <a:schemeClr val="accent1"/>
+          </a:fillRef>
+          <a:effectRef idx="0">
+            <a:schemeClr val="accent1"/>
+          </a:effectRef>
+          <a:fontRef idx="minor">
+            <a:schemeClr val="lt1"/>
+          </a:fontRef>
+        </p:style>
+        <p:txBody>
+          <a:bodyPr rtlCol="0" anchor="ctr"/>
+          <a:lstStyle/>
+          <a:p>
+            <a:pPr algn="ctr"/>
+            <a:endParaRPr lang="en-US"/>
+          </a:p>
+        </p:txBody>
+      </p:sp>
+      <p:cxnSp>
+        <p:nvCxnSpPr>
+          <p:cNvPr id="100" name="Straight Arrow Connector 99">
+            <a:extLst>
+              <a:ext uri="{FF2B5EF4-FFF2-40B4-BE49-F238E27FC236}">
+                <a16:creationId xmlns:a16="http://schemas.microsoft.com/office/drawing/2014/main" id="{5B031A3E-E5F3-FCDB-80C7-9A231F2A0EA6}"/>
+              </a:ext>
+            </a:extLst>
+          </p:cNvPr>
+          <p:cNvCxnSpPr>
+            <a:cxnSpLocks/>
+            <a:stCxn id="96" idx="6"/>
+            <a:endCxn id="97" idx="2"/>
+          </p:cNvCxnSpPr>
+          <p:nvPr/>
+        </p:nvCxnSpPr>
+        <p:spPr>
+          <a:xfrm>
+            <a:off x="1623768" y="2321414"/>
+            <a:ext cx="2755381" cy="0"/>
+          </a:xfrm>
+          <a:prstGeom prst="straightConnector1">
+            <a:avLst/>
+          </a:prstGeom>
+          <a:ln>
+            <a:tailEnd type="triangle"/>
+          </a:ln>
+        </p:spPr>
+        <p:style>
+          <a:lnRef idx="3">
+            <a:schemeClr val="accent2"/>
+          </a:lnRef>
+          <a:fillRef idx="0">
+            <a:schemeClr val="accent2"/>
+          </a:fillRef>
+          <a:effectRef idx="2">
+            <a:schemeClr val="accent2"/>
+          </a:effectRef>
+          <a:fontRef idx="minor">
+            <a:schemeClr val="tx1"/>
+          </a:fontRef>
+        </p:style>
+      </p:cxnSp>
+      <p:cxnSp>
+        <p:nvCxnSpPr>
+          <p:cNvPr id="101" name="Straight Arrow Connector 100">
+            <a:extLst>
+              <a:ext uri="{FF2B5EF4-FFF2-40B4-BE49-F238E27FC236}">
+                <a16:creationId xmlns:a16="http://schemas.microsoft.com/office/drawing/2014/main" id="{5D558B96-639A-B99B-53E1-48DAEB4DF622}"/>
+              </a:ext>
+            </a:extLst>
+          </p:cNvPr>
+          <p:cNvCxnSpPr>
+            <a:cxnSpLocks/>
+            <a:stCxn id="97" idx="6"/>
+            <a:endCxn id="98" idx="2"/>
+          </p:cNvCxnSpPr>
+          <p:nvPr/>
+        </p:nvCxnSpPr>
+        <p:spPr>
+          <a:xfrm flipV="1">
+            <a:off x="4536579" y="1156443"/>
+            <a:ext cx="2379656" cy="1164971"/>
+          </a:xfrm>
+          <a:prstGeom prst="straightConnector1">
+            <a:avLst/>
+          </a:prstGeom>
+          <a:ln>
+            <a:tailEnd type="triangle"/>
+          </a:ln>
+        </p:spPr>
+        <p:style>
+          <a:lnRef idx="3">
+            <a:schemeClr val="accent2"/>
+          </a:lnRef>
+          <a:fillRef idx="0">
+            <a:schemeClr val="accent2"/>
+          </a:fillRef>
+          <a:effectRef idx="2">
+            <a:schemeClr val="accent2"/>
+          </a:effectRef>
+          <a:fontRef idx="minor">
+            <a:schemeClr val="tx1"/>
+          </a:fontRef>
+        </p:style>
+      </p:cxnSp>
+      <p:cxnSp>
+        <p:nvCxnSpPr>
+          <p:cNvPr id="102" name="Straight Arrow Connector 101">
+            <a:extLst>
+              <a:ext uri="{FF2B5EF4-FFF2-40B4-BE49-F238E27FC236}">
+                <a16:creationId xmlns:a16="http://schemas.microsoft.com/office/drawing/2014/main" id="{9743888E-D93B-C225-03A4-D057399A59F6}"/>
+              </a:ext>
+            </a:extLst>
+          </p:cNvPr>
+          <p:cNvCxnSpPr>
+            <a:cxnSpLocks/>
+            <a:stCxn id="98" idx="6"/>
+            <a:endCxn id="99" idx="1"/>
+          </p:cNvCxnSpPr>
+          <p:nvPr/>
+        </p:nvCxnSpPr>
+        <p:spPr>
+          <a:xfrm>
+            <a:off x="7073665" y="1156443"/>
+            <a:ext cx="1993334" cy="1451403"/>
+          </a:xfrm>
+          <a:prstGeom prst="straightConnector1">
+            <a:avLst/>
+          </a:prstGeom>
+          <a:ln>
+            <a:tailEnd type="triangle"/>
+          </a:ln>
+        </p:spPr>
+        <p:style>
+          <a:lnRef idx="3">
+            <a:schemeClr val="accent2"/>
+          </a:lnRef>
+          <a:fillRef idx="0">
+            <a:schemeClr val="accent2"/>
+          </a:fillRef>
+          <a:effectRef idx="2">
+            <a:schemeClr val="accent2"/>
+          </a:effectRef>
+          <a:fontRef idx="minor">
+            <a:schemeClr val="tx1"/>
+          </a:fontRef>
+        </p:style>
+      </p:cxnSp>
+      <p:sp>
+        <p:nvSpPr>
+          <p:cNvPr id="7" name="Slide Number Placeholder 6">
+            <a:extLst>
+              <a:ext uri="{FF2B5EF4-FFF2-40B4-BE49-F238E27FC236}">
+                <a16:creationId xmlns:a16="http://schemas.microsoft.com/office/drawing/2014/main" id="{B80A7E82-E2D8-A5C9-8B76-F4EA7F0352EF}"/>
+              </a:ext>
+            </a:extLst>
+          </p:cNvPr>
+          <p:cNvSpPr>
+            <a:spLocks noGrp="1"/>
+          </p:cNvSpPr>
+          <p:nvPr>
+            <p:ph type="sldNum" sz="quarter" idx="12"/>
+          </p:nvPr>
+        </p:nvSpPr>
+        <p:spPr/>
+        <p:txBody>
+          <a:bodyPr/>
+          <a:lstStyle/>
+          <a:p>
+            <a:fld id="{2DB24D90-624F-4BA9-8536-8B45883AEAD5}" type="slidenum">
+              <a:rPr lang="en-US" smtClean="0"/>
+              <a:t>6</a:t>
+            </a:fld>
+            <a:endParaRPr lang="en-US" dirty="0"/>
+          </a:p>
+        </p:txBody>
+      </p:sp>
+    </p:spTree>
+    <p:extLst>
+      <p:ext uri="{BB962C8B-B14F-4D97-AF65-F5344CB8AC3E}">
+        <p14:creationId xmlns:p14="http://schemas.microsoft.com/office/powerpoint/2010/main" val="3470959867"/>
+      </p:ext>
+    </p:extLst>
+  </p:cSld>
+  <p:clrMapOvr>
+    <a:masterClrMapping/>
+  </p:clrMapOvr>
+</p:sld>
+</file>
+
+<file path=ppt/slides/slide7.xml><?xml version="1.0" encoding="utf-8"?>
+<p:sld xmlns:a="http://schemas.openxmlformats.org/drawingml/2006/main" xmlns:r="http://schemas.openxmlformats.org/officeDocument/2006/relationships" xmlns:p="http://schemas.openxmlformats.org/presentationml/2006/main">
+  <p:cSld>
+    <p:spTree>
+      <p:nvGrpSpPr>
+        <p:cNvPr id="1" name=""/>
+        <p:cNvGrpSpPr/>
+        <p:nvPr/>
+      </p:nvGrpSpPr>
+      <p:grpSpPr>
+        <a:xfrm>
+          <a:off x="0" y="0"/>
+          <a:ext cx="0" cy="0"/>
+          <a:chOff x="0" y="0"/>
+          <a:chExt cx="0" cy="0"/>
+        </a:xfrm>
+      </p:grpSpPr>
+      <p:sp>
+        <p:nvSpPr>
+          <p:cNvPr id="94" name="Rectangle 93">
+            <a:extLst>
+              <a:ext uri="{FF2B5EF4-FFF2-40B4-BE49-F238E27FC236}">
+                <a16:creationId xmlns:a16="http://schemas.microsoft.com/office/drawing/2014/main" id="{134B910B-D2CC-06EB-40FD-BEABFF3C6BE8}"/>
+              </a:ext>
+            </a:extLst>
+          </p:cNvPr>
+          <p:cNvSpPr/>
+          <p:nvPr/>
+        </p:nvSpPr>
+        <p:spPr>
+          <a:xfrm>
+            <a:off x="6096000" y="-314035"/>
+            <a:ext cx="6487104" cy="7172036"/>
+          </a:xfrm>
+          <a:prstGeom prst="rect">
+            <a:avLst/>
+          </a:prstGeom>
+          <a:solidFill>
+            <a:srgbClr val="FBE37D"/>
+          </a:solidFill>
+          <a:ln>
+            <a:solidFill>
+              <a:srgbClr val="FBE37D"/>
+            </a:solidFill>
+          </a:ln>
+        </p:spPr>
+        <p:style>
+          <a:lnRef idx="2">
+            <a:schemeClr val="accent1">
+              <a:shade val="15000"/>
+            </a:schemeClr>
+          </a:lnRef>
+          <a:fillRef idx="1">
+            <a:schemeClr val="accent1"/>
+          </a:fillRef>
+          <a:effectRef idx="0">
+            <a:schemeClr val="accent1"/>
+          </a:effectRef>
+          <a:fontRef idx="minor">
+            <a:schemeClr val="lt1"/>
+          </a:fontRef>
+        </p:style>
+        <p:txBody>
+          <a:bodyPr rtlCol="0" anchor="ctr"/>
+          <a:lstStyle/>
+          <a:p>
+            <a:pPr algn="ctr"/>
+            <a:endParaRPr lang="en-US"/>
+          </a:p>
+        </p:txBody>
+      </p:sp>
+      <p:sp>
+        <p:nvSpPr>
+          <p:cNvPr id="6" name="Rectangle 5">
+            <a:extLst>
+              <a:ext uri="{FF2B5EF4-FFF2-40B4-BE49-F238E27FC236}">
+                <a16:creationId xmlns:a16="http://schemas.microsoft.com/office/drawing/2014/main" id="{C7E2E2A1-5DE5-652A-F17D-446839E0E7D5}"/>
+              </a:ext>
+            </a:extLst>
+          </p:cNvPr>
+          <p:cNvSpPr/>
+          <p:nvPr/>
+        </p:nvSpPr>
+        <p:spPr>
+          <a:xfrm>
+            <a:off x="655428" y="2067876"/>
+            <a:ext cx="1967342" cy="704102"/>
+          </a:xfrm>
+          <a:prstGeom prst="rect">
+            <a:avLst/>
+          </a:prstGeom>
+        </p:spPr>
+        <p:style>
+          <a:lnRef idx="2">
+            <a:schemeClr val="dk1"/>
+          </a:lnRef>
+          <a:fillRef idx="1">
+            <a:schemeClr val="lt1"/>
+          </a:fillRef>
+          <a:effectRef idx="0">
+            <a:schemeClr val="dk1"/>
+          </a:effectRef>
+          <a:fontRef idx="minor">
+            <a:schemeClr val="dk1"/>
+          </a:fontRef>
+        </p:style>
+        <p:txBody>
+          <a:bodyPr rtlCol="0" anchor="ctr"/>
+          <a:lstStyle/>
+          <a:p>
+            <a:pPr algn="ctr"/>
+            <a:r>
+              <a:rPr lang="en-US" dirty="0"/>
+              <a:t>Application 1</a:t>
+            </a:r>
+          </a:p>
+        </p:txBody>
+      </p:sp>
+      <p:sp>
+        <p:nvSpPr>
+          <p:cNvPr id="11" name="Rectangle 10">
+            <a:extLst>
+              <a:ext uri="{FF2B5EF4-FFF2-40B4-BE49-F238E27FC236}">
+                <a16:creationId xmlns:a16="http://schemas.microsoft.com/office/drawing/2014/main" id="{5DFFD566-59FE-FD0B-82E9-E9877958E970}"/>
+              </a:ext>
+            </a:extLst>
+          </p:cNvPr>
+          <p:cNvSpPr/>
+          <p:nvPr/>
+        </p:nvSpPr>
+        <p:spPr>
+          <a:xfrm>
+            <a:off x="655428" y="3566476"/>
+            <a:ext cx="1967342" cy="704102"/>
+          </a:xfrm>
+          <a:prstGeom prst="rect">
+            <a:avLst/>
+          </a:prstGeom>
+        </p:spPr>
+        <p:style>
+          <a:lnRef idx="2">
+            <a:schemeClr val="dk1"/>
+          </a:lnRef>
+          <a:fillRef idx="1">
+            <a:schemeClr val="lt1"/>
+          </a:fillRef>
+          <a:effectRef idx="0">
+            <a:schemeClr val="dk1"/>
+          </a:effectRef>
+          <a:fontRef idx="minor">
+            <a:schemeClr val="dk1"/>
+          </a:fontRef>
+        </p:style>
+        <p:txBody>
+          <a:bodyPr rtlCol="0" anchor="ctr"/>
+          <a:lstStyle/>
+          <a:p>
+            <a:pPr algn="ctr"/>
+            <a:r>
+              <a:rPr lang="en-US" dirty="0"/>
+              <a:t>Application 2</a:t>
+            </a:r>
+          </a:p>
+        </p:txBody>
+      </p:sp>
+      <p:sp>
+        <p:nvSpPr>
+          <p:cNvPr id="12" name="Rectangle 11">
+            <a:extLst>
+              <a:ext uri="{FF2B5EF4-FFF2-40B4-BE49-F238E27FC236}">
+                <a16:creationId xmlns:a16="http://schemas.microsoft.com/office/drawing/2014/main" id="{3127A35F-447A-20AE-4B7F-A5B6318D8C83}"/>
+              </a:ext>
+            </a:extLst>
+          </p:cNvPr>
+          <p:cNvSpPr/>
+          <p:nvPr/>
+        </p:nvSpPr>
+        <p:spPr>
+          <a:xfrm>
+            <a:off x="655427" y="5065076"/>
+            <a:ext cx="1967342" cy="704102"/>
+          </a:xfrm>
+          <a:prstGeom prst="rect">
+            <a:avLst/>
+          </a:prstGeom>
+        </p:spPr>
+        <p:style>
+          <a:lnRef idx="2">
+            <a:schemeClr val="dk1"/>
+          </a:lnRef>
+          <a:fillRef idx="1">
+            <a:schemeClr val="lt1"/>
+          </a:fillRef>
+          <a:effectRef idx="0">
+            <a:schemeClr val="dk1"/>
+          </a:effectRef>
+          <a:fontRef idx="minor">
+            <a:schemeClr val="dk1"/>
+          </a:fontRef>
+        </p:style>
+        <p:txBody>
+          <a:bodyPr rtlCol="0" anchor="ctr"/>
+          <a:lstStyle/>
+          <a:p>
+            <a:pPr algn="ctr"/>
+            <a:r>
+              <a:rPr lang="en-US" dirty="0"/>
+              <a:t>Application 3</a:t>
+            </a:r>
+          </a:p>
+        </p:txBody>
+      </p:sp>
+      <p:sp>
+        <p:nvSpPr>
+          <p:cNvPr id="13" name="Rectangle 12">
+            <a:extLst>
+              <a:ext uri="{FF2B5EF4-FFF2-40B4-BE49-F238E27FC236}">
+                <a16:creationId xmlns:a16="http://schemas.microsoft.com/office/drawing/2014/main" id="{15E6F355-DF9A-A259-48A8-F13781BEB509}"/>
+              </a:ext>
+            </a:extLst>
+          </p:cNvPr>
+          <p:cNvSpPr/>
+          <p:nvPr/>
+        </p:nvSpPr>
+        <p:spPr>
+          <a:xfrm>
+            <a:off x="3480086" y="3575043"/>
+            <a:ext cx="1049608" cy="686968"/>
+          </a:xfrm>
+          <a:prstGeom prst="rect">
+            <a:avLst/>
+          </a:prstGeom>
+        </p:spPr>
+        <p:style>
+          <a:lnRef idx="2">
+            <a:schemeClr val="dk1"/>
+          </a:lnRef>
+          <a:fillRef idx="1">
+            <a:schemeClr val="lt1"/>
+          </a:fillRef>
+          <a:effectRef idx="0">
+            <a:schemeClr val="dk1"/>
+          </a:effectRef>
+          <a:fontRef idx="minor">
+            <a:schemeClr val="dk1"/>
+          </a:fontRef>
+        </p:style>
+        <p:txBody>
+          <a:bodyPr rtlCol="0" anchor="ctr"/>
+          <a:lstStyle/>
+          <a:p>
+            <a:pPr algn="ctr"/>
+            <a:r>
+              <a:rPr lang="en-US" dirty="0"/>
+              <a:t>TCP </a:t>
+            </a:r>
+          </a:p>
+        </p:txBody>
+      </p:sp>
+      <p:cxnSp>
+        <p:nvCxnSpPr>
+          <p:cNvPr id="15" name="Straight Arrow Connector 14">
+            <a:extLst>
+              <a:ext uri="{FF2B5EF4-FFF2-40B4-BE49-F238E27FC236}">
+                <a16:creationId xmlns:a16="http://schemas.microsoft.com/office/drawing/2014/main" id="{8DAFC0EB-2CC8-6F85-5338-4BC708D58A8B}"/>
+              </a:ext>
+            </a:extLst>
+          </p:cNvPr>
+          <p:cNvCxnSpPr>
+            <a:cxnSpLocks/>
+            <a:stCxn id="6" idx="3"/>
+            <a:endCxn id="13" idx="1"/>
+          </p:cNvCxnSpPr>
+          <p:nvPr/>
+        </p:nvCxnSpPr>
+        <p:spPr>
+          <a:xfrm>
+            <a:off x="2622770" y="2419927"/>
+            <a:ext cx="857316" cy="1498600"/>
+          </a:xfrm>
+          <a:prstGeom prst="straightConnector1">
+            <a:avLst/>
+          </a:prstGeom>
+          <a:ln>
+            <a:headEnd type="arrow" w="med" len="med"/>
+            <a:tailEnd type="arrow" w="med" len="med"/>
+          </a:ln>
+        </p:spPr>
+        <p:style>
+          <a:lnRef idx="3">
+            <a:schemeClr val="dk1"/>
+          </a:lnRef>
+          <a:fillRef idx="0">
+            <a:schemeClr val="dk1"/>
+          </a:fillRef>
+          <a:effectRef idx="2">
+            <a:schemeClr val="dk1"/>
+          </a:effectRef>
+          <a:fontRef idx="minor">
+            <a:schemeClr val="tx1"/>
+          </a:fontRef>
+        </p:style>
+      </p:cxnSp>
+      <p:cxnSp>
+        <p:nvCxnSpPr>
+          <p:cNvPr id="20" name="Straight Arrow Connector 19">
+            <a:extLst>
+              <a:ext uri="{FF2B5EF4-FFF2-40B4-BE49-F238E27FC236}">
+                <a16:creationId xmlns:a16="http://schemas.microsoft.com/office/drawing/2014/main" id="{8F35C44C-AF2C-44D7-9641-74E6009F174A}"/>
+              </a:ext>
+            </a:extLst>
+          </p:cNvPr>
+          <p:cNvCxnSpPr>
+            <a:cxnSpLocks/>
+            <a:stCxn id="11" idx="3"/>
+            <a:endCxn id="13" idx="1"/>
+          </p:cNvCxnSpPr>
+          <p:nvPr/>
+        </p:nvCxnSpPr>
+        <p:spPr>
+          <a:xfrm>
+            <a:off x="2622770" y="3918527"/>
+            <a:ext cx="857316" cy="0"/>
+          </a:xfrm>
+          <a:prstGeom prst="straightConnector1">
+            <a:avLst/>
+          </a:prstGeom>
+          <a:ln>
+            <a:headEnd type="arrow" w="med" len="med"/>
+            <a:tailEnd type="arrow" w="med" len="med"/>
+          </a:ln>
+        </p:spPr>
+        <p:style>
+          <a:lnRef idx="3">
+            <a:schemeClr val="dk1"/>
+          </a:lnRef>
+          <a:fillRef idx="0">
+            <a:schemeClr val="dk1"/>
+          </a:fillRef>
+          <a:effectRef idx="2">
+            <a:schemeClr val="dk1"/>
+          </a:effectRef>
+          <a:fontRef idx="minor">
+            <a:schemeClr val="tx1"/>
+          </a:fontRef>
+        </p:style>
+      </p:cxnSp>
+      <p:cxnSp>
+        <p:nvCxnSpPr>
+          <p:cNvPr id="26" name="Straight Arrow Connector 25">
+            <a:extLst>
+              <a:ext uri="{FF2B5EF4-FFF2-40B4-BE49-F238E27FC236}">
+                <a16:creationId xmlns:a16="http://schemas.microsoft.com/office/drawing/2014/main" id="{B1F18DBD-E514-B00B-929F-279878A9FB36}"/>
+              </a:ext>
+            </a:extLst>
+          </p:cNvPr>
+          <p:cNvCxnSpPr>
+            <a:cxnSpLocks/>
+            <a:stCxn id="12" idx="3"/>
+            <a:endCxn id="13" idx="1"/>
+          </p:cNvCxnSpPr>
+          <p:nvPr/>
+        </p:nvCxnSpPr>
+        <p:spPr>
+          <a:xfrm flipV="1">
+            <a:off x="2622769" y="3918527"/>
+            <a:ext cx="857317" cy="1498600"/>
+          </a:xfrm>
+          <a:prstGeom prst="straightConnector1">
+            <a:avLst/>
+          </a:prstGeom>
+          <a:ln>
+            <a:headEnd type="arrow" w="med" len="med"/>
+            <a:tailEnd type="arrow" w="med" len="med"/>
+          </a:ln>
+        </p:spPr>
+        <p:style>
+          <a:lnRef idx="3">
+            <a:schemeClr val="dk1"/>
+          </a:lnRef>
+          <a:fillRef idx="0">
+            <a:schemeClr val="dk1"/>
+          </a:fillRef>
+          <a:effectRef idx="2">
+            <a:schemeClr val="dk1"/>
+          </a:effectRef>
+          <a:fontRef idx="minor">
+            <a:schemeClr val="tx1"/>
+          </a:fontRef>
+        </p:style>
+      </p:cxnSp>
+      <p:sp>
+        <p:nvSpPr>
+          <p:cNvPr id="28" name="Rectangle 27">
+            <a:extLst>
+              <a:ext uri="{FF2B5EF4-FFF2-40B4-BE49-F238E27FC236}">
+                <a16:creationId xmlns:a16="http://schemas.microsoft.com/office/drawing/2014/main" id="{525CABC4-518F-6D3E-5EEE-8D891FEDF82B}"/>
+              </a:ext>
+            </a:extLst>
+          </p:cNvPr>
+          <p:cNvSpPr/>
+          <p:nvPr/>
+        </p:nvSpPr>
+        <p:spPr>
+          <a:xfrm>
+            <a:off x="9604016" y="2067876"/>
+            <a:ext cx="1967342" cy="704102"/>
+          </a:xfrm>
+          <a:prstGeom prst="rect">
+            <a:avLst/>
+          </a:prstGeom>
+        </p:spPr>
+        <p:style>
+          <a:lnRef idx="2">
+            <a:schemeClr val="dk1"/>
+          </a:lnRef>
+          <a:fillRef idx="1">
+            <a:schemeClr val="lt1"/>
+          </a:fillRef>
+          <a:effectRef idx="0">
+            <a:schemeClr val="dk1"/>
+          </a:effectRef>
+          <a:fontRef idx="minor">
+            <a:schemeClr val="dk1"/>
+          </a:fontRef>
+        </p:style>
+        <p:txBody>
+          <a:bodyPr rtlCol="0" anchor="ctr"/>
+          <a:lstStyle/>
+          <a:p>
+            <a:pPr algn="ctr"/>
+            <a:r>
+              <a:rPr lang="en-US" dirty="0"/>
+              <a:t>Application 1</a:t>
+            </a:r>
+          </a:p>
+        </p:txBody>
+      </p:sp>
+      <p:sp>
+        <p:nvSpPr>
+          <p:cNvPr id="29" name="Rectangle 28">
+            <a:extLst>
+              <a:ext uri="{FF2B5EF4-FFF2-40B4-BE49-F238E27FC236}">
+                <a16:creationId xmlns:a16="http://schemas.microsoft.com/office/drawing/2014/main" id="{DB0D5E41-22FC-BC88-1DD3-F8118901FB72}"/>
+              </a:ext>
+            </a:extLst>
+          </p:cNvPr>
+          <p:cNvSpPr/>
+          <p:nvPr/>
+        </p:nvSpPr>
+        <p:spPr>
+          <a:xfrm>
+            <a:off x="9604016" y="3566476"/>
+            <a:ext cx="1967342" cy="704102"/>
+          </a:xfrm>
+          <a:prstGeom prst="rect">
+            <a:avLst/>
+          </a:prstGeom>
+        </p:spPr>
+        <p:style>
+          <a:lnRef idx="2">
+            <a:schemeClr val="dk1"/>
+          </a:lnRef>
+          <a:fillRef idx="1">
+            <a:schemeClr val="lt1"/>
+          </a:fillRef>
+          <a:effectRef idx="0">
+            <a:schemeClr val="dk1"/>
+          </a:effectRef>
+          <a:fontRef idx="minor">
+            <a:schemeClr val="dk1"/>
+          </a:fontRef>
+        </p:style>
+        <p:txBody>
+          <a:bodyPr rtlCol="0" anchor="ctr"/>
+          <a:lstStyle/>
+          <a:p>
+            <a:pPr algn="ctr"/>
+            <a:r>
+              <a:rPr lang="en-US" dirty="0"/>
+              <a:t>Application 2</a:t>
+            </a:r>
+          </a:p>
+        </p:txBody>
+      </p:sp>
+      <p:sp>
+        <p:nvSpPr>
+          <p:cNvPr id="30" name="Rectangle 29">
+            <a:extLst>
+              <a:ext uri="{FF2B5EF4-FFF2-40B4-BE49-F238E27FC236}">
+                <a16:creationId xmlns:a16="http://schemas.microsoft.com/office/drawing/2014/main" id="{78A5A87D-1E6C-5FE5-47C6-8CFDC6AAC4BC}"/>
+              </a:ext>
+            </a:extLst>
+          </p:cNvPr>
+          <p:cNvSpPr/>
+          <p:nvPr/>
+        </p:nvSpPr>
+        <p:spPr>
+          <a:xfrm>
+            <a:off x="9604015" y="5065076"/>
+            <a:ext cx="1967342" cy="704102"/>
+          </a:xfrm>
+          <a:prstGeom prst="rect">
+            <a:avLst/>
+          </a:prstGeom>
+        </p:spPr>
+        <p:style>
+          <a:lnRef idx="2">
+            <a:schemeClr val="dk1"/>
+          </a:lnRef>
+          <a:fillRef idx="1">
+            <a:schemeClr val="lt1"/>
+          </a:fillRef>
+          <a:effectRef idx="0">
+            <a:schemeClr val="dk1"/>
+          </a:effectRef>
+          <a:fontRef idx="minor">
+            <a:schemeClr val="dk1"/>
+          </a:fontRef>
+        </p:style>
+        <p:txBody>
+          <a:bodyPr rtlCol="0" anchor="ctr"/>
+          <a:lstStyle/>
+          <a:p>
+            <a:pPr algn="ctr"/>
+            <a:r>
+              <a:rPr lang="en-US" dirty="0"/>
+              <a:t>Application 3</a:t>
+            </a:r>
+          </a:p>
+        </p:txBody>
+      </p:sp>
+      <p:sp>
+        <p:nvSpPr>
+          <p:cNvPr id="41" name="Rectangle 40">
+            <a:extLst>
+              <a:ext uri="{FF2B5EF4-FFF2-40B4-BE49-F238E27FC236}">
+                <a16:creationId xmlns:a16="http://schemas.microsoft.com/office/drawing/2014/main" id="{21AA0C18-4BD8-EB9F-8B8C-630CB5A0A8A5}"/>
+              </a:ext>
+            </a:extLst>
+          </p:cNvPr>
+          <p:cNvSpPr/>
+          <p:nvPr/>
+        </p:nvSpPr>
+        <p:spPr>
+          <a:xfrm>
+            <a:off x="7616026" y="3575043"/>
+            <a:ext cx="1049608" cy="686968"/>
+          </a:xfrm>
+          <a:prstGeom prst="rect">
+            <a:avLst/>
+          </a:prstGeom>
+        </p:spPr>
+        <p:style>
+          <a:lnRef idx="2">
+            <a:schemeClr val="dk1"/>
+          </a:lnRef>
+          <a:fillRef idx="1">
+            <a:schemeClr val="lt1"/>
+          </a:fillRef>
+          <a:effectRef idx="0">
+            <a:schemeClr val="dk1"/>
+          </a:effectRef>
+          <a:fontRef idx="minor">
+            <a:schemeClr val="dk1"/>
+          </a:fontRef>
+        </p:style>
+        <p:txBody>
+          <a:bodyPr rtlCol="0" anchor="ctr"/>
+          <a:lstStyle/>
+          <a:p>
+            <a:pPr algn="ctr"/>
+            <a:r>
+              <a:rPr lang="en-US" dirty="0"/>
+              <a:t>TCP </a:t>
+            </a:r>
+          </a:p>
+        </p:txBody>
+      </p:sp>
+      <p:cxnSp>
+        <p:nvCxnSpPr>
+          <p:cNvPr id="45" name="Straight Arrow Connector 44">
+            <a:extLst>
+              <a:ext uri="{FF2B5EF4-FFF2-40B4-BE49-F238E27FC236}">
+                <a16:creationId xmlns:a16="http://schemas.microsoft.com/office/drawing/2014/main" id="{F1FB2324-2736-F6A4-B1C5-CA190F74B554}"/>
+              </a:ext>
+            </a:extLst>
+          </p:cNvPr>
+          <p:cNvCxnSpPr>
+            <a:cxnSpLocks/>
+            <a:stCxn id="29" idx="1"/>
+            <a:endCxn id="41" idx="3"/>
+          </p:cNvCxnSpPr>
+          <p:nvPr/>
+        </p:nvCxnSpPr>
+        <p:spPr>
+          <a:xfrm flipH="1">
+            <a:off x="8665634" y="3918527"/>
+            <a:ext cx="938382" cy="0"/>
+          </a:xfrm>
+          <a:prstGeom prst="straightConnector1">
+            <a:avLst/>
+          </a:prstGeom>
+          <a:ln>
+            <a:headEnd type="arrow" w="med" len="med"/>
+            <a:tailEnd type="arrow" w="med" len="med"/>
+          </a:ln>
+        </p:spPr>
+        <p:style>
+          <a:lnRef idx="3">
+            <a:schemeClr val="dk1"/>
+          </a:lnRef>
+          <a:fillRef idx="0">
+            <a:schemeClr val="dk1"/>
+          </a:fillRef>
+          <a:effectRef idx="2">
+            <a:schemeClr val="dk1"/>
+          </a:effectRef>
+          <a:fontRef idx="minor">
+            <a:schemeClr val="tx1"/>
+          </a:fontRef>
+        </p:style>
+      </p:cxnSp>
+      <p:cxnSp>
+        <p:nvCxnSpPr>
+          <p:cNvPr id="47" name="Straight Arrow Connector 46">
+            <a:extLst>
+              <a:ext uri="{FF2B5EF4-FFF2-40B4-BE49-F238E27FC236}">
+                <a16:creationId xmlns:a16="http://schemas.microsoft.com/office/drawing/2014/main" id="{802FB4B5-6517-6067-9C61-0DECEB7F61D7}"/>
+              </a:ext>
+            </a:extLst>
+          </p:cNvPr>
+          <p:cNvCxnSpPr>
+            <a:cxnSpLocks/>
+            <a:stCxn id="30" idx="1"/>
+            <a:endCxn id="41" idx="3"/>
+          </p:cNvCxnSpPr>
+          <p:nvPr/>
+        </p:nvCxnSpPr>
+        <p:spPr>
+          <a:xfrm flipH="1" flipV="1">
+            <a:off x="8665634" y="3918527"/>
+            <a:ext cx="938381" cy="1498600"/>
+          </a:xfrm>
+          <a:prstGeom prst="straightConnector1">
+            <a:avLst/>
+          </a:prstGeom>
+          <a:ln>
+            <a:headEnd type="arrow" w="med" len="med"/>
+            <a:tailEnd type="arrow" w="med" len="med"/>
+          </a:ln>
+        </p:spPr>
+        <p:style>
+          <a:lnRef idx="3">
+            <a:schemeClr val="dk1"/>
+          </a:lnRef>
+          <a:fillRef idx="0">
+            <a:schemeClr val="dk1"/>
+          </a:fillRef>
+          <a:effectRef idx="2">
+            <a:schemeClr val="dk1"/>
+          </a:effectRef>
+          <a:fontRef idx="minor">
+            <a:schemeClr val="tx1"/>
+          </a:fontRef>
+        </p:style>
+      </p:cxnSp>
+      <p:cxnSp>
+        <p:nvCxnSpPr>
+          <p:cNvPr id="71" name="Straight Arrow Connector 70">
+            <a:extLst>
+              <a:ext uri="{FF2B5EF4-FFF2-40B4-BE49-F238E27FC236}">
+                <a16:creationId xmlns:a16="http://schemas.microsoft.com/office/drawing/2014/main" id="{FF4C4AA4-8850-F453-60B6-41C16681A0E8}"/>
+              </a:ext>
+            </a:extLst>
+          </p:cNvPr>
+          <p:cNvCxnSpPr>
+            <a:stCxn id="28" idx="1"/>
+            <a:endCxn id="41" idx="3"/>
+          </p:cNvCxnSpPr>
+          <p:nvPr/>
+        </p:nvCxnSpPr>
+        <p:spPr>
+          <a:xfrm flipH="1">
+            <a:off x="8665634" y="2419927"/>
+            <a:ext cx="938382" cy="1498600"/>
+          </a:xfrm>
+          <a:prstGeom prst="straightConnector1">
+            <a:avLst/>
+          </a:prstGeom>
+          <a:ln>
+            <a:headEnd type="arrow" w="med" len="med"/>
+            <a:tailEnd type="arrow" w="med" len="med"/>
+          </a:ln>
+        </p:spPr>
+        <p:style>
+          <a:lnRef idx="3">
+            <a:schemeClr val="dk1"/>
+          </a:lnRef>
+          <a:fillRef idx="0">
+            <a:schemeClr val="dk1"/>
+          </a:fillRef>
+          <a:effectRef idx="2">
+            <a:schemeClr val="dk1"/>
+          </a:effectRef>
+          <a:fontRef idx="minor">
+            <a:schemeClr val="tx1"/>
+          </a:fontRef>
+        </p:style>
+      </p:cxnSp>
+      <p:sp>
+        <p:nvSpPr>
+          <p:cNvPr id="77" name="Rectangle 76">
+            <a:extLst>
+              <a:ext uri="{FF2B5EF4-FFF2-40B4-BE49-F238E27FC236}">
+                <a16:creationId xmlns:a16="http://schemas.microsoft.com/office/drawing/2014/main" id="{00DF90D9-B738-1AFB-88D6-D9E620163F30}"/>
+              </a:ext>
+            </a:extLst>
+          </p:cNvPr>
+          <p:cNvSpPr/>
+          <p:nvPr/>
+        </p:nvSpPr>
+        <p:spPr>
+          <a:xfrm>
+            <a:off x="5206482" y="3575043"/>
+            <a:ext cx="1779036" cy="686968"/>
+          </a:xfrm>
+          <a:prstGeom prst="rect">
+            <a:avLst/>
+          </a:prstGeom>
+        </p:spPr>
+        <p:style>
+          <a:lnRef idx="2">
+            <a:schemeClr val="dk1"/>
+          </a:lnRef>
+          <a:fillRef idx="1">
+            <a:schemeClr val="lt1"/>
+          </a:fillRef>
+          <a:effectRef idx="0">
+            <a:schemeClr val="dk1"/>
+          </a:effectRef>
+          <a:fontRef idx="minor">
+            <a:schemeClr val="dk1"/>
+          </a:fontRef>
+        </p:style>
+        <p:txBody>
+          <a:bodyPr rtlCol="0" anchor="ctr"/>
+          <a:lstStyle/>
+          <a:p>
+            <a:pPr algn="ctr"/>
+            <a:r>
+              <a:rPr lang="en-US" dirty="0"/>
+              <a:t>IP </a:t>
+            </a:r>
+          </a:p>
+        </p:txBody>
+      </p:sp>
+      <p:cxnSp>
+        <p:nvCxnSpPr>
+          <p:cNvPr id="87" name="Straight Arrow Connector 86">
+            <a:extLst>
+              <a:ext uri="{FF2B5EF4-FFF2-40B4-BE49-F238E27FC236}">
+                <a16:creationId xmlns:a16="http://schemas.microsoft.com/office/drawing/2014/main" id="{1C3F8FBC-4DD3-B811-54B6-9AAFAD8D6107}"/>
+              </a:ext>
+            </a:extLst>
+          </p:cNvPr>
+          <p:cNvCxnSpPr>
+            <a:stCxn id="13" idx="3"/>
+            <a:endCxn id="77" idx="1"/>
+          </p:cNvCxnSpPr>
+          <p:nvPr/>
+        </p:nvCxnSpPr>
+        <p:spPr>
+          <a:xfrm>
+            <a:off x="4529694" y="3918527"/>
+            <a:ext cx="676788" cy="0"/>
+          </a:xfrm>
+          <a:prstGeom prst="straightConnector1">
+            <a:avLst/>
+          </a:prstGeom>
+          <a:ln>
+            <a:headEnd type="arrow" w="med" len="med"/>
+            <a:tailEnd type="arrow" w="med" len="med"/>
+          </a:ln>
+        </p:spPr>
+        <p:style>
+          <a:lnRef idx="3">
+            <a:schemeClr val="dk1"/>
+          </a:lnRef>
+          <a:fillRef idx="0">
+            <a:schemeClr val="dk1"/>
+          </a:fillRef>
+          <a:effectRef idx="2">
+            <a:schemeClr val="dk1"/>
+          </a:effectRef>
+          <a:fontRef idx="minor">
+            <a:schemeClr val="tx1"/>
+          </a:fontRef>
+        </p:style>
+      </p:cxnSp>
+      <p:cxnSp>
+        <p:nvCxnSpPr>
+          <p:cNvPr id="92" name="Straight Arrow Connector 91">
+            <a:extLst>
+              <a:ext uri="{FF2B5EF4-FFF2-40B4-BE49-F238E27FC236}">
+                <a16:creationId xmlns:a16="http://schemas.microsoft.com/office/drawing/2014/main" id="{3C773ED8-D4C3-C958-3DCE-2CFC139E846E}"/>
+              </a:ext>
+            </a:extLst>
+          </p:cNvPr>
+          <p:cNvCxnSpPr>
+            <a:stCxn id="41" idx="1"/>
+            <a:endCxn id="77" idx="3"/>
+          </p:cNvCxnSpPr>
+          <p:nvPr/>
+        </p:nvCxnSpPr>
+        <p:spPr>
+          <a:xfrm flipH="1">
+            <a:off x="6985518" y="3918527"/>
+            <a:ext cx="630508" cy="0"/>
+          </a:xfrm>
+          <a:prstGeom prst="straightConnector1">
+            <a:avLst/>
+          </a:prstGeom>
+          <a:ln>
+            <a:headEnd type="arrow" w="med" len="med"/>
+            <a:tailEnd type="arrow" w="med" len="med"/>
+          </a:ln>
+        </p:spPr>
+        <p:style>
+          <a:lnRef idx="3">
+            <a:schemeClr val="dk1"/>
+          </a:lnRef>
+          <a:fillRef idx="0">
+            <a:schemeClr val="dk1"/>
+          </a:fillRef>
+          <a:effectRef idx="2">
+            <a:schemeClr val="dk1"/>
+          </a:effectRef>
+          <a:fontRef idx="minor">
+            <a:schemeClr val="tx1"/>
+          </a:fontRef>
+        </p:style>
+      </p:cxnSp>
+      <p:sp>
+        <p:nvSpPr>
+          <p:cNvPr id="93" name="Slide Number Placeholder 92">
+            <a:extLst>
+              <a:ext uri="{FF2B5EF4-FFF2-40B4-BE49-F238E27FC236}">
+                <a16:creationId xmlns:a16="http://schemas.microsoft.com/office/drawing/2014/main" id="{6152B59C-11CB-F48A-8E60-F50E308FD5B7}"/>
+              </a:ext>
+            </a:extLst>
+          </p:cNvPr>
+          <p:cNvSpPr>
+            <a:spLocks noGrp="1"/>
+          </p:cNvSpPr>
+          <p:nvPr>
+            <p:ph type="sldNum" sz="quarter" idx="12"/>
+          </p:nvPr>
+        </p:nvSpPr>
+        <p:spPr/>
+        <p:txBody>
+          <a:bodyPr/>
+          <a:lstStyle/>
+          <a:p>
+            <a:fld id="{2DB24D90-624F-4BA9-8536-8B45883AEAD5}" type="slidenum">
+              <a:rPr lang="en-US" smtClean="0"/>
+              <a:t>7</a:t>
+            </a:fld>
+            <a:endParaRPr lang="en-US" dirty="0"/>
+          </a:p>
+        </p:txBody>
+      </p:sp>
+      <p:sp>
+        <p:nvSpPr>
+          <p:cNvPr id="95" name="Title 1">
+            <a:extLst>
+              <a:ext uri="{FF2B5EF4-FFF2-40B4-BE49-F238E27FC236}">
+                <a16:creationId xmlns:a16="http://schemas.microsoft.com/office/drawing/2014/main" id="{0C233D53-3155-5A9D-0B2D-A224F49AFE88}"/>
               </a:ext>
             </a:extLst>
           </p:cNvPr>
@@ -11601,7 +13687,7 @@
         </p:nvSpPr>
         <p:spPr>
           <a:xfrm>
-            <a:off x="1524000" y="951345"/>
+            <a:off x="1814455" y="951345"/>
             <a:ext cx="9144000" cy="839694"/>
           </a:xfrm>
           <a:prstGeom prst="rect">
@@ -11673,2276 +13759,6 @@
                 <a:ea typeface="+mj-ea"/>
                 <a:cs typeface="+mj-cs"/>
               </a:rPr>
-              <a:t>TCP’s Fields</a:t>
-            </a:r>
-          </a:p>
-        </p:txBody>
-      </p:sp>
-      <p:sp>
-        <p:nvSpPr>
-          <p:cNvPr id="5" name="TextBox 4">
-            <a:extLst>
-              <a:ext uri="{FF2B5EF4-FFF2-40B4-BE49-F238E27FC236}">
-                <a16:creationId xmlns:a16="http://schemas.microsoft.com/office/drawing/2014/main" id="{EE094C7A-92F9-A8E8-01C1-B3E2A40648C9}"/>
-              </a:ext>
-            </a:extLst>
-          </p:cNvPr>
-          <p:cNvSpPr txBox="1"/>
-          <p:nvPr/>
-        </p:nvSpPr>
-        <p:spPr>
-          <a:xfrm>
-            <a:off x="1524000" y="2346036"/>
-            <a:ext cx="7392793" cy="3539430"/>
-          </a:xfrm>
-          <a:prstGeom prst="rect">
-            <a:avLst/>
-          </a:prstGeom>
-          <a:noFill/>
-        </p:spPr>
-        <p:txBody>
-          <a:bodyPr wrap="none" rtlCol="0">
-            <a:spAutoFit/>
-          </a:bodyPr>
-          <a:lstStyle/>
-          <a:p>
-            <a:pPr marL="285750" indent="-285750">
-              <a:buFont typeface="Arial" panose="020B0604020202020204" pitchFamily="34" charset="0"/>
-              <a:buChar char="•"/>
-            </a:pPr>
-            <a:r>
-              <a:rPr lang="en-US" sz="3200" dirty="0"/>
-              <a:t>Source Port ( From Which Application )</a:t>
-            </a:r>
-          </a:p>
-          <a:p>
-            <a:pPr marL="285750" indent="-285750">
-              <a:buFont typeface="Arial" panose="020B0604020202020204" pitchFamily="34" charset="0"/>
-              <a:buChar char="•"/>
-            </a:pPr>
-            <a:r>
-              <a:rPr lang="en-US" sz="3200" dirty="0"/>
-              <a:t>Destination Port ( To Which Application )</a:t>
-            </a:r>
-          </a:p>
-          <a:p>
-            <a:pPr marL="285750" indent="-285750">
-              <a:buFont typeface="Arial" panose="020B0604020202020204" pitchFamily="34" charset="0"/>
-              <a:buChar char="•"/>
-            </a:pPr>
-            <a:r>
-              <a:rPr lang="en-US" sz="3200" dirty="0"/>
-              <a:t>Sequence Number</a:t>
-            </a:r>
-          </a:p>
-          <a:p>
-            <a:pPr marL="285750" indent="-285750">
-              <a:buFont typeface="Arial" panose="020B0604020202020204" pitchFamily="34" charset="0"/>
-              <a:buChar char="•"/>
-            </a:pPr>
-            <a:r>
-              <a:rPr lang="en-US" sz="3200" dirty="0"/>
-              <a:t>Acknowledgement Number</a:t>
-            </a:r>
-          </a:p>
-          <a:p>
-            <a:pPr marL="285750" indent="-285750">
-              <a:buFont typeface="Arial" panose="020B0604020202020204" pitchFamily="34" charset="0"/>
-              <a:buChar char="•"/>
-            </a:pPr>
-            <a:r>
-              <a:rPr lang="en-US" sz="3200" dirty="0"/>
-              <a:t>Flags</a:t>
-            </a:r>
-          </a:p>
-          <a:p>
-            <a:pPr marL="285750" indent="-285750">
-              <a:buFont typeface="Arial" panose="020B0604020202020204" pitchFamily="34" charset="0"/>
-              <a:buChar char="•"/>
-            </a:pPr>
-            <a:r>
-              <a:rPr lang="en-US" sz="3200" dirty="0"/>
-              <a:t>…</a:t>
-            </a:r>
-          </a:p>
-          <a:p>
-            <a:endParaRPr lang="en-US" sz="3200" dirty="0"/>
-          </a:p>
-        </p:txBody>
-      </p:sp>
-      <p:sp>
-        <p:nvSpPr>
-          <p:cNvPr id="2" name="Slide Number Placeholder 1">
-            <a:extLst>
-              <a:ext uri="{FF2B5EF4-FFF2-40B4-BE49-F238E27FC236}">
-                <a16:creationId xmlns:a16="http://schemas.microsoft.com/office/drawing/2014/main" id="{0A755B1C-B96F-0ABC-3562-AC5B35FF804B}"/>
-              </a:ext>
-            </a:extLst>
-          </p:cNvPr>
-          <p:cNvSpPr>
-            <a:spLocks noGrp="1"/>
-          </p:cNvSpPr>
-          <p:nvPr>
-            <p:ph type="sldNum" sz="quarter" idx="12"/>
-          </p:nvPr>
-        </p:nvSpPr>
-        <p:spPr/>
-        <p:txBody>
-          <a:bodyPr/>
-          <a:lstStyle/>
-          <a:p>
-            <a:fld id="{2DB24D90-624F-4BA9-8536-8B45883AEAD5}" type="slidenum">
-              <a:rPr lang="en-US" smtClean="0"/>
-              <a:t>6</a:t>
-            </a:fld>
-            <a:endParaRPr lang="en-US" dirty="0"/>
-          </a:p>
-        </p:txBody>
-      </p:sp>
-    </p:spTree>
-    <p:extLst>
-      <p:ext uri="{BB962C8B-B14F-4D97-AF65-F5344CB8AC3E}">
-        <p14:creationId xmlns:p14="http://schemas.microsoft.com/office/powerpoint/2010/main" val="3489530417"/>
-      </p:ext>
-    </p:extLst>
-  </p:cSld>
-  <p:clrMapOvr>
-    <a:masterClrMapping/>
-  </p:clrMapOvr>
-</p:sld>
-</file>
-
-<file path=ppt/slides/slide7.xml><?xml version="1.0" encoding="utf-8"?>
-<p:sld xmlns:a="http://schemas.openxmlformats.org/drawingml/2006/main" xmlns:r="http://schemas.openxmlformats.org/officeDocument/2006/relationships" xmlns:p="http://schemas.openxmlformats.org/presentationml/2006/main" show="0">
-  <p:cSld>
-    <p:spTree>
-      <p:nvGrpSpPr>
-        <p:cNvPr id="1" name=""/>
-        <p:cNvGrpSpPr/>
-        <p:nvPr/>
-      </p:nvGrpSpPr>
-      <p:grpSpPr>
-        <a:xfrm>
-          <a:off x="0" y="0"/>
-          <a:ext cx="0" cy="0"/>
-          <a:chOff x="0" y="0"/>
-          <a:chExt cx="0" cy="0"/>
-        </a:xfrm>
-      </p:grpSpPr>
-      <p:sp>
-        <p:nvSpPr>
-          <p:cNvPr id="109" name="Title 108">
-            <a:extLst>
-              <a:ext uri="{FF2B5EF4-FFF2-40B4-BE49-F238E27FC236}">
-                <a16:creationId xmlns:a16="http://schemas.microsoft.com/office/drawing/2014/main" id="{646A3F78-6343-8D24-89E8-CE318D3DD63C}"/>
-              </a:ext>
-            </a:extLst>
-          </p:cNvPr>
-          <p:cNvSpPr>
-            <a:spLocks noGrp="1"/>
-          </p:cNvSpPr>
-          <p:nvPr>
-            <p:ph type="title" idx="4294967295"/>
-          </p:nvPr>
-        </p:nvSpPr>
-        <p:spPr/>
-        <p:txBody>
-          <a:bodyPr/>
-          <a:lstStyle/>
-          <a:p>
-            <a:r>
-              <a:rPr lang="en-US" dirty="0">
-                <a:solidFill>
-                  <a:srgbClr val="FCEBA5"/>
-                </a:solidFill>
-              </a:rPr>
-              <a:t>Out of Order?</a:t>
-            </a:r>
-          </a:p>
-        </p:txBody>
-      </p:sp>
-      <p:sp>
-        <p:nvSpPr>
-          <p:cNvPr id="2" name="Oval 1">
-            <a:extLst>
-              <a:ext uri="{FF2B5EF4-FFF2-40B4-BE49-F238E27FC236}">
-                <a16:creationId xmlns:a16="http://schemas.microsoft.com/office/drawing/2014/main" id="{E2B99AD9-F68E-645C-562F-1027C7245E55}"/>
-              </a:ext>
-            </a:extLst>
-          </p:cNvPr>
-          <p:cNvSpPr/>
-          <p:nvPr/>
-        </p:nvSpPr>
-        <p:spPr>
-          <a:xfrm>
-            <a:off x="569193" y="2489200"/>
-            <a:ext cx="1879600" cy="1879600"/>
-          </a:xfrm>
-          <a:prstGeom prst="ellipse">
-            <a:avLst/>
-          </a:prstGeom>
-        </p:spPr>
-        <p:style>
-          <a:lnRef idx="2">
-            <a:schemeClr val="dk1"/>
-          </a:lnRef>
-          <a:fillRef idx="1">
-            <a:schemeClr val="lt1"/>
-          </a:fillRef>
-          <a:effectRef idx="0">
-            <a:schemeClr val="dk1"/>
-          </a:effectRef>
-          <a:fontRef idx="minor">
-            <a:schemeClr val="dk1"/>
-          </a:fontRef>
-        </p:style>
-        <p:txBody>
-          <a:bodyPr rtlCol="0" anchor="ctr"/>
-          <a:lstStyle/>
-          <a:p>
-            <a:pPr algn="ctr"/>
-            <a:r>
-              <a:rPr lang="en-US" dirty="0"/>
-              <a:t>Source</a:t>
-            </a:r>
-          </a:p>
-        </p:txBody>
-      </p:sp>
-      <p:sp>
-        <p:nvSpPr>
-          <p:cNvPr id="3" name="Oval 2">
-            <a:extLst>
-              <a:ext uri="{FF2B5EF4-FFF2-40B4-BE49-F238E27FC236}">
-                <a16:creationId xmlns:a16="http://schemas.microsoft.com/office/drawing/2014/main" id="{2F6DAD15-7ACA-5386-9094-AFC5AE3F24B9}"/>
-              </a:ext>
-            </a:extLst>
-          </p:cNvPr>
-          <p:cNvSpPr/>
-          <p:nvPr/>
-        </p:nvSpPr>
-        <p:spPr>
-          <a:xfrm>
-            <a:off x="3677642" y="2646630"/>
-            <a:ext cx="1564740" cy="1564740"/>
-          </a:xfrm>
-          <a:prstGeom prst="ellipse">
-            <a:avLst/>
-          </a:prstGeom>
-        </p:spPr>
-        <p:style>
-          <a:lnRef idx="2">
-            <a:schemeClr val="dk1"/>
-          </a:lnRef>
-          <a:fillRef idx="1">
-            <a:schemeClr val="lt1"/>
-          </a:fillRef>
-          <a:effectRef idx="0">
-            <a:schemeClr val="dk1"/>
-          </a:effectRef>
-          <a:fontRef idx="minor">
-            <a:schemeClr val="dk1"/>
-          </a:fontRef>
-        </p:style>
-        <p:txBody>
-          <a:bodyPr rtlCol="0" anchor="ctr"/>
-          <a:lstStyle/>
-          <a:p>
-            <a:pPr algn="ctr"/>
-            <a:endParaRPr lang="en-US" dirty="0"/>
-          </a:p>
-        </p:txBody>
-      </p:sp>
-      <p:sp>
-        <p:nvSpPr>
-          <p:cNvPr id="4" name="Oval 3">
-            <a:extLst>
-              <a:ext uri="{FF2B5EF4-FFF2-40B4-BE49-F238E27FC236}">
-                <a16:creationId xmlns:a16="http://schemas.microsoft.com/office/drawing/2014/main" id="{A0582DDE-CA60-CECD-9D37-39D6F661CA30}"/>
-              </a:ext>
-            </a:extLst>
-          </p:cNvPr>
-          <p:cNvSpPr/>
-          <p:nvPr/>
-        </p:nvSpPr>
-        <p:spPr>
-          <a:xfrm>
-            <a:off x="6207452" y="1560780"/>
-            <a:ext cx="1564740" cy="1564740"/>
-          </a:xfrm>
-          <a:prstGeom prst="ellipse">
-            <a:avLst/>
-          </a:prstGeom>
-        </p:spPr>
-        <p:style>
-          <a:lnRef idx="2">
-            <a:schemeClr val="dk1"/>
-          </a:lnRef>
-          <a:fillRef idx="1">
-            <a:schemeClr val="lt1"/>
-          </a:fillRef>
-          <a:effectRef idx="0">
-            <a:schemeClr val="dk1"/>
-          </a:effectRef>
-          <a:fontRef idx="minor">
-            <a:schemeClr val="dk1"/>
-          </a:fontRef>
-        </p:style>
-        <p:txBody>
-          <a:bodyPr rtlCol="0" anchor="ctr"/>
-          <a:lstStyle/>
-          <a:p>
-            <a:pPr algn="ctr"/>
-            <a:endParaRPr lang="en-US" dirty="0"/>
-          </a:p>
-        </p:txBody>
-      </p:sp>
-      <p:sp>
-        <p:nvSpPr>
-          <p:cNvPr id="5" name="Oval 4">
-            <a:extLst>
-              <a:ext uri="{FF2B5EF4-FFF2-40B4-BE49-F238E27FC236}">
-                <a16:creationId xmlns:a16="http://schemas.microsoft.com/office/drawing/2014/main" id="{5E22D082-4F15-E0BA-5BE3-09ED34B9B2FB}"/>
-              </a:ext>
-            </a:extLst>
-          </p:cNvPr>
-          <p:cNvSpPr/>
-          <p:nvPr/>
-        </p:nvSpPr>
-        <p:spPr>
-          <a:xfrm>
-            <a:off x="6207452" y="3882405"/>
-            <a:ext cx="1564740" cy="1564740"/>
-          </a:xfrm>
-          <a:prstGeom prst="ellipse">
-            <a:avLst/>
-          </a:prstGeom>
-        </p:spPr>
-        <p:style>
-          <a:lnRef idx="2">
-            <a:schemeClr val="dk1"/>
-          </a:lnRef>
-          <a:fillRef idx="1">
-            <a:schemeClr val="lt1"/>
-          </a:fillRef>
-          <a:effectRef idx="0">
-            <a:schemeClr val="dk1"/>
-          </a:effectRef>
-          <a:fontRef idx="minor">
-            <a:schemeClr val="dk1"/>
-          </a:fontRef>
-        </p:style>
-        <p:txBody>
-          <a:bodyPr rtlCol="0" anchor="ctr"/>
-          <a:lstStyle/>
-          <a:p>
-            <a:pPr algn="ctr"/>
-            <a:endParaRPr lang="en-US" dirty="0"/>
-          </a:p>
-        </p:txBody>
-      </p:sp>
-      <p:sp>
-        <p:nvSpPr>
-          <p:cNvPr id="6" name="Oval 5">
-            <a:extLst>
-              <a:ext uri="{FF2B5EF4-FFF2-40B4-BE49-F238E27FC236}">
-                <a16:creationId xmlns:a16="http://schemas.microsoft.com/office/drawing/2014/main" id="{7B39D998-A0A9-7039-EF51-4DFC96C52A10}"/>
-              </a:ext>
-            </a:extLst>
-          </p:cNvPr>
-          <p:cNvSpPr/>
-          <p:nvPr/>
-        </p:nvSpPr>
-        <p:spPr>
-          <a:xfrm>
-            <a:off x="9019309" y="2489200"/>
-            <a:ext cx="1879600" cy="1879600"/>
-          </a:xfrm>
-          <a:prstGeom prst="ellipse">
-            <a:avLst/>
-          </a:prstGeom>
-        </p:spPr>
-        <p:style>
-          <a:lnRef idx="2">
-            <a:schemeClr val="dk1"/>
-          </a:lnRef>
-          <a:fillRef idx="1">
-            <a:schemeClr val="lt1"/>
-          </a:fillRef>
-          <a:effectRef idx="0">
-            <a:schemeClr val="dk1"/>
-          </a:effectRef>
-          <a:fontRef idx="minor">
-            <a:schemeClr val="dk1"/>
-          </a:fontRef>
-        </p:style>
-        <p:txBody>
-          <a:bodyPr rtlCol="0" anchor="ctr"/>
-          <a:lstStyle/>
-          <a:p>
-            <a:pPr algn="ctr"/>
-            <a:r>
-              <a:rPr lang="en-US" dirty="0"/>
-              <a:t>Destination</a:t>
-            </a:r>
-          </a:p>
-        </p:txBody>
-      </p:sp>
-      <p:cxnSp>
-        <p:nvCxnSpPr>
-          <p:cNvPr id="8" name="Straight Connector 7">
-            <a:extLst>
-              <a:ext uri="{FF2B5EF4-FFF2-40B4-BE49-F238E27FC236}">
-                <a16:creationId xmlns:a16="http://schemas.microsoft.com/office/drawing/2014/main" id="{8C3EC278-6BA5-A3C0-EC0F-9F0E67AD3640}"/>
-              </a:ext>
-            </a:extLst>
-          </p:cNvPr>
-          <p:cNvCxnSpPr>
-            <a:cxnSpLocks/>
-            <a:stCxn id="2" idx="6"/>
-            <a:endCxn id="3" idx="2"/>
-          </p:cNvCxnSpPr>
-          <p:nvPr/>
-        </p:nvCxnSpPr>
-        <p:spPr>
-          <a:xfrm>
-            <a:off x="2448793" y="3429000"/>
-            <a:ext cx="1228849" cy="0"/>
-          </a:xfrm>
-          <a:prstGeom prst="line">
-            <a:avLst/>
-          </a:prstGeom>
-        </p:spPr>
-        <p:style>
-          <a:lnRef idx="3">
-            <a:schemeClr val="dk1"/>
-          </a:lnRef>
-          <a:fillRef idx="0">
-            <a:schemeClr val="dk1"/>
-          </a:fillRef>
-          <a:effectRef idx="2">
-            <a:schemeClr val="dk1"/>
-          </a:effectRef>
-          <a:fontRef idx="minor">
-            <a:schemeClr val="tx1"/>
-          </a:fontRef>
-        </p:style>
-      </p:cxnSp>
-      <p:cxnSp>
-        <p:nvCxnSpPr>
-          <p:cNvPr id="10" name="Straight Connector 9">
-            <a:extLst>
-              <a:ext uri="{FF2B5EF4-FFF2-40B4-BE49-F238E27FC236}">
-                <a16:creationId xmlns:a16="http://schemas.microsoft.com/office/drawing/2014/main" id="{FC22ABF6-F356-22A2-02D3-91EE23A8C89A}"/>
-              </a:ext>
-            </a:extLst>
-          </p:cNvPr>
-          <p:cNvCxnSpPr>
-            <a:cxnSpLocks/>
-            <a:stCxn id="3" idx="7"/>
-            <a:endCxn id="4" idx="2"/>
-          </p:cNvCxnSpPr>
-          <p:nvPr/>
-        </p:nvCxnSpPr>
-        <p:spPr>
-          <a:xfrm flipV="1">
-            <a:off x="5013231" y="2343150"/>
-            <a:ext cx="1194221" cy="532631"/>
-          </a:xfrm>
-          <a:prstGeom prst="line">
-            <a:avLst/>
-          </a:prstGeom>
-        </p:spPr>
-        <p:style>
-          <a:lnRef idx="3">
-            <a:schemeClr val="dk1"/>
-          </a:lnRef>
-          <a:fillRef idx="0">
-            <a:schemeClr val="dk1"/>
-          </a:fillRef>
-          <a:effectRef idx="2">
-            <a:schemeClr val="dk1"/>
-          </a:effectRef>
-          <a:fontRef idx="minor">
-            <a:schemeClr val="tx1"/>
-          </a:fontRef>
-        </p:style>
-      </p:cxnSp>
-      <p:cxnSp>
-        <p:nvCxnSpPr>
-          <p:cNvPr id="12" name="Straight Connector 11">
-            <a:extLst>
-              <a:ext uri="{FF2B5EF4-FFF2-40B4-BE49-F238E27FC236}">
-                <a16:creationId xmlns:a16="http://schemas.microsoft.com/office/drawing/2014/main" id="{AAE35FA1-BBFB-B25D-C88A-D308DF66E0D3}"/>
-              </a:ext>
-            </a:extLst>
-          </p:cNvPr>
-          <p:cNvCxnSpPr>
-            <a:cxnSpLocks/>
-            <a:stCxn id="3" idx="5"/>
-            <a:endCxn id="5" idx="2"/>
-          </p:cNvCxnSpPr>
-          <p:nvPr/>
-        </p:nvCxnSpPr>
-        <p:spPr>
-          <a:xfrm>
-            <a:off x="5013231" y="3982219"/>
-            <a:ext cx="1194221" cy="682556"/>
-          </a:xfrm>
-          <a:prstGeom prst="line">
-            <a:avLst/>
-          </a:prstGeom>
-        </p:spPr>
-        <p:style>
-          <a:lnRef idx="3">
-            <a:schemeClr val="dk1"/>
-          </a:lnRef>
-          <a:fillRef idx="0">
-            <a:schemeClr val="dk1"/>
-          </a:fillRef>
-          <a:effectRef idx="2">
-            <a:schemeClr val="dk1"/>
-          </a:effectRef>
-          <a:fontRef idx="minor">
-            <a:schemeClr val="tx1"/>
-          </a:fontRef>
-        </p:style>
-      </p:cxnSp>
-      <p:cxnSp>
-        <p:nvCxnSpPr>
-          <p:cNvPr id="14" name="Straight Connector 13">
-            <a:extLst>
-              <a:ext uri="{FF2B5EF4-FFF2-40B4-BE49-F238E27FC236}">
-                <a16:creationId xmlns:a16="http://schemas.microsoft.com/office/drawing/2014/main" id="{E4F8A65A-3E63-AAB6-6A91-FA234EC57C45}"/>
-              </a:ext>
-            </a:extLst>
-          </p:cNvPr>
-          <p:cNvCxnSpPr>
-            <a:cxnSpLocks/>
-            <a:stCxn id="4" idx="6"/>
-            <a:endCxn id="6" idx="2"/>
-          </p:cNvCxnSpPr>
-          <p:nvPr/>
-        </p:nvCxnSpPr>
-        <p:spPr>
-          <a:xfrm>
-            <a:off x="7772192" y="2343150"/>
-            <a:ext cx="1247117" cy="1085850"/>
-          </a:xfrm>
-          <a:prstGeom prst="line">
-            <a:avLst/>
-          </a:prstGeom>
-        </p:spPr>
-        <p:style>
-          <a:lnRef idx="3">
-            <a:schemeClr val="dk1"/>
-          </a:lnRef>
-          <a:fillRef idx="0">
-            <a:schemeClr val="dk1"/>
-          </a:fillRef>
-          <a:effectRef idx="2">
-            <a:schemeClr val="dk1"/>
-          </a:effectRef>
-          <a:fontRef idx="minor">
-            <a:schemeClr val="tx1"/>
-          </a:fontRef>
-        </p:style>
-      </p:cxnSp>
-      <p:cxnSp>
-        <p:nvCxnSpPr>
-          <p:cNvPr id="18" name="Straight Connector 17">
-            <a:extLst>
-              <a:ext uri="{FF2B5EF4-FFF2-40B4-BE49-F238E27FC236}">
-                <a16:creationId xmlns:a16="http://schemas.microsoft.com/office/drawing/2014/main" id="{E571782B-AE8E-0C1B-DFDF-11AC325AAA04}"/>
-              </a:ext>
-            </a:extLst>
-          </p:cNvPr>
-          <p:cNvCxnSpPr>
-            <a:cxnSpLocks/>
-            <a:stCxn id="5" idx="6"/>
-            <a:endCxn id="6" idx="2"/>
-          </p:cNvCxnSpPr>
-          <p:nvPr/>
-        </p:nvCxnSpPr>
-        <p:spPr>
-          <a:xfrm flipV="1">
-            <a:off x="7772192" y="3429000"/>
-            <a:ext cx="1247117" cy="1235775"/>
-          </a:xfrm>
-          <a:prstGeom prst="line">
-            <a:avLst/>
-          </a:prstGeom>
-        </p:spPr>
-        <p:style>
-          <a:lnRef idx="3">
-            <a:schemeClr val="dk1"/>
-          </a:lnRef>
-          <a:fillRef idx="0">
-            <a:schemeClr val="dk1"/>
-          </a:fillRef>
-          <a:effectRef idx="2">
-            <a:schemeClr val="dk1"/>
-          </a:effectRef>
-          <a:fontRef idx="minor">
-            <a:schemeClr val="tx1"/>
-          </a:fontRef>
-        </p:style>
-      </p:cxnSp>
-      <p:sp>
-        <p:nvSpPr>
-          <p:cNvPr id="45" name="Oval 44">
-            <a:extLst>
-              <a:ext uri="{FF2B5EF4-FFF2-40B4-BE49-F238E27FC236}">
-                <a16:creationId xmlns:a16="http://schemas.microsoft.com/office/drawing/2014/main" id="{D0338AED-4D91-7C01-4C81-19B6830D8DB5}"/>
-              </a:ext>
-            </a:extLst>
-          </p:cNvPr>
-          <p:cNvSpPr/>
-          <p:nvPr/>
-        </p:nvSpPr>
-        <p:spPr>
-          <a:xfrm>
-            <a:off x="1466338" y="4586060"/>
-            <a:ext cx="157430" cy="157430"/>
-          </a:xfrm>
-          <a:prstGeom prst="ellipse">
-            <a:avLst/>
-          </a:prstGeom>
-        </p:spPr>
-        <p:style>
-          <a:lnRef idx="2">
-            <a:schemeClr val="accent1">
-              <a:shade val="15000"/>
-            </a:schemeClr>
-          </a:lnRef>
-          <a:fillRef idx="1">
-            <a:schemeClr val="accent1"/>
-          </a:fillRef>
-          <a:effectRef idx="0">
-            <a:schemeClr val="accent1"/>
-          </a:effectRef>
-          <a:fontRef idx="minor">
-            <a:schemeClr val="lt1"/>
-          </a:fontRef>
-        </p:style>
-        <p:txBody>
-          <a:bodyPr rtlCol="0" anchor="ctr"/>
-          <a:lstStyle/>
-          <a:p>
-            <a:pPr algn="ctr"/>
-            <a:endParaRPr lang="en-US"/>
-          </a:p>
-        </p:txBody>
-      </p:sp>
-      <p:sp>
-        <p:nvSpPr>
-          <p:cNvPr id="46" name="Oval 45">
-            <a:extLst>
-              <a:ext uri="{FF2B5EF4-FFF2-40B4-BE49-F238E27FC236}">
-                <a16:creationId xmlns:a16="http://schemas.microsoft.com/office/drawing/2014/main" id="{24BCF02C-D5F4-9437-896C-66BCE13269D0}"/>
-              </a:ext>
-            </a:extLst>
-          </p:cNvPr>
-          <p:cNvSpPr/>
-          <p:nvPr/>
-        </p:nvSpPr>
-        <p:spPr>
-          <a:xfrm>
-            <a:off x="4379149" y="4586060"/>
-            <a:ext cx="157430" cy="157430"/>
-          </a:xfrm>
-          <a:prstGeom prst="ellipse">
-            <a:avLst/>
-          </a:prstGeom>
-        </p:spPr>
-        <p:style>
-          <a:lnRef idx="2">
-            <a:schemeClr val="accent1">
-              <a:shade val="15000"/>
-            </a:schemeClr>
-          </a:lnRef>
-          <a:fillRef idx="1">
-            <a:schemeClr val="accent1"/>
-          </a:fillRef>
-          <a:effectRef idx="0">
-            <a:schemeClr val="accent1"/>
-          </a:effectRef>
-          <a:fontRef idx="minor">
-            <a:schemeClr val="lt1"/>
-          </a:fontRef>
-        </p:style>
-        <p:txBody>
-          <a:bodyPr rtlCol="0" anchor="ctr"/>
-          <a:lstStyle/>
-          <a:p>
-            <a:pPr algn="ctr"/>
-            <a:endParaRPr lang="en-US"/>
-          </a:p>
-        </p:txBody>
-      </p:sp>
-      <p:sp>
-        <p:nvSpPr>
-          <p:cNvPr id="47" name="Oval 46">
-            <a:extLst>
-              <a:ext uri="{FF2B5EF4-FFF2-40B4-BE49-F238E27FC236}">
-                <a16:creationId xmlns:a16="http://schemas.microsoft.com/office/drawing/2014/main" id="{4AB94914-CFD0-861A-4169-706B96F3C746}"/>
-              </a:ext>
-            </a:extLst>
-          </p:cNvPr>
-          <p:cNvSpPr/>
-          <p:nvPr/>
-        </p:nvSpPr>
-        <p:spPr>
-          <a:xfrm>
-            <a:off x="6916235" y="5743120"/>
-            <a:ext cx="157430" cy="157430"/>
-          </a:xfrm>
-          <a:prstGeom prst="ellipse">
-            <a:avLst/>
-          </a:prstGeom>
-        </p:spPr>
-        <p:style>
-          <a:lnRef idx="2">
-            <a:schemeClr val="accent1">
-              <a:shade val="15000"/>
-            </a:schemeClr>
-          </a:lnRef>
-          <a:fillRef idx="1">
-            <a:schemeClr val="accent1"/>
-          </a:fillRef>
-          <a:effectRef idx="0">
-            <a:schemeClr val="accent1"/>
-          </a:effectRef>
-          <a:fontRef idx="minor">
-            <a:schemeClr val="lt1"/>
-          </a:fontRef>
-        </p:style>
-        <p:txBody>
-          <a:bodyPr rtlCol="0" anchor="ctr"/>
-          <a:lstStyle/>
-          <a:p>
-            <a:pPr algn="ctr"/>
-            <a:endParaRPr lang="en-US"/>
-          </a:p>
-        </p:txBody>
-      </p:sp>
-      <p:sp>
-        <p:nvSpPr>
-          <p:cNvPr id="48" name="Oval 47">
-            <a:extLst>
-              <a:ext uri="{FF2B5EF4-FFF2-40B4-BE49-F238E27FC236}">
-                <a16:creationId xmlns:a16="http://schemas.microsoft.com/office/drawing/2014/main" id="{904A16EF-E21F-C30B-1E53-66A8F5101C03}"/>
-              </a:ext>
-            </a:extLst>
-          </p:cNvPr>
-          <p:cNvSpPr/>
-          <p:nvPr/>
-        </p:nvSpPr>
-        <p:spPr>
-          <a:xfrm>
-            <a:off x="9020889" y="4093539"/>
-            <a:ext cx="157430" cy="157430"/>
-          </a:xfrm>
-          <a:prstGeom prst="ellipse">
-            <a:avLst/>
-          </a:prstGeom>
-        </p:spPr>
-        <p:style>
-          <a:lnRef idx="2">
-            <a:schemeClr val="accent1">
-              <a:shade val="15000"/>
-            </a:schemeClr>
-          </a:lnRef>
-          <a:fillRef idx="1">
-            <a:schemeClr val="accent1"/>
-          </a:fillRef>
-          <a:effectRef idx="0">
-            <a:schemeClr val="accent1"/>
-          </a:effectRef>
-          <a:fontRef idx="minor">
-            <a:schemeClr val="lt1"/>
-          </a:fontRef>
-        </p:style>
-        <p:txBody>
-          <a:bodyPr rtlCol="0" anchor="ctr"/>
-          <a:lstStyle/>
-          <a:p>
-            <a:pPr algn="ctr"/>
-            <a:endParaRPr lang="en-US"/>
-          </a:p>
-        </p:txBody>
-      </p:sp>
-      <p:cxnSp>
-        <p:nvCxnSpPr>
-          <p:cNvPr id="50" name="Straight Arrow Connector 49">
-            <a:extLst>
-              <a:ext uri="{FF2B5EF4-FFF2-40B4-BE49-F238E27FC236}">
-                <a16:creationId xmlns:a16="http://schemas.microsoft.com/office/drawing/2014/main" id="{7BBC4F1F-9E31-E981-54A3-9988C53433AD}"/>
-              </a:ext>
-            </a:extLst>
-          </p:cNvPr>
-          <p:cNvCxnSpPr>
-            <a:cxnSpLocks/>
-            <a:stCxn id="45" idx="6"/>
-            <a:endCxn id="46" idx="2"/>
-          </p:cNvCxnSpPr>
-          <p:nvPr/>
-        </p:nvCxnSpPr>
-        <p:spPr>
-          <a:xfrm>
-            <a:off x="1623768" y="4664775"/>
-            <a:ext cx="2755381" cy="0"/>
-          </a:xfrm>
-          <a:prstGeom prst="straightConnector1">
-            <a:avLst/>
-          </a:prstGeom>
-          <a:ln>
-            <a:tailEnd type="triangle"/>
-          </a:ln>
-        </p:spPr>
-        <p:style>
-          <a:lnRef idx="3">
-            <a:schemeClr val="accent1"/>
-          </a:lnRef>
-          <a:fillRef idx="0">
-            <a:schemeClr val="accent1"/>
-          </a:fillRef>
-          <a:effectRef idx="2">
-            <a:schemeClr val="accent1"/>
-          </a:effectRef>
-          <a:fontRef idx="minor">
-            <a:schemeClr val="tx1"/>
-          </a:fontRef>
-        </p:style>
-      </p:cxnSp>
-      <p:cxnSp>
-        <p:nvCxnSpPr>
-          <p:cNvPr id="52" name="Straight Arrow Connector 51">
-            <a:extLst>
-              <a:ext uri="{FF2B5EF4-FFF2-40B4-BE49-F238E27FC236}">
-                <a16:creationId xmlns:a16="http://schemas.microsoft.com/office/drawing/2014/main" id="{09CDECB5-3D87-E5D6-6602-59F21BE3F492}"/>
-              </a:ext>
-            </a:extLst>
-          </p:cNvPr>
-          <p:cNvCxnSpPr>
-            <a:cxnSpLocks/>
-            <a:stCxn id="46" idx="6"/>
-            <a:endCxn id="47" idx="2"/>
-          </p:cNvCxnSpPr>
-          <p:nvPr/>
-        </p:nvCxnSpPr>
-        <p:spPr>
-          <a:xfrm>
-            <a:off x="4536579" y="4664775"/>
-            <a:ext cx="2379656" cy="1157060"/>
-          </a:xfrm>
-          <a:prstGeom prst="straightConnector1">
-            <a:avLst/>
-          </a:prstGeom>
-          <a:ln>
-            <a:tailEnd type="triangle"/>
-          </a:ln>
-        </p:spPr>
-        <p:style>
-          <a:lnRef idx="3">
-            <a:schemeClr val="accent1"/>
-          </a:lnRef>
-          <a:fillRef idx="0">
-            <a:schemeClr val="accent1"/>
-          </a:fillRef>
-          <a:effectRef idx="2">
-            <a:schemeClr val="accent1"/>
-          </a:effectRef>
-          <a:fontRef idx="minor">
-            <a:schemeClr val="tx1"/>
-          </a:fontRef>
-        </p:style>
-      </p:cxnSp>
-      <p:cxnSp>
-        <p:nvCxnSpPr>
-          <p:cNvPr id="54" name="Straight Arrow Connector 53">
-            <a:extLst>
-              <a:ext uri="{FF2B5EF4-FFF2-40B4-BE49-F238E27FC236}">
-                <a16:creationId xmlns:a16="http://schemas.microsoft.com/office/drawing/2014/main" id="{F895C13A-00A0-7F6D-779A-694ADAD36CEB}"/>
-              </a:ext>
-            </a:extLst>
-          </p:cNvPr>
-          <p:cNvCxnSpPr>
-            <a:cxnSpLocks/>
-            <a:stCxn id="47" idx="6"/>
-            <a:endCxn id="48" idx="3"/>
-          </p:cNvCxnSpPr>
-          <p:nvPr/>
-        </p:nvCxnSpPr>
-        <p:spPr>
-          <a:xfrm flipV="1">
-            <a:off x="7073665" y="4227914"/>
-            <a:ext cx="1970279" cy="1593921"/>
-          </a:xfrm>
-          <a:prstGeom prst="straightConnector1">
-            <a:avLst/>
-          </a:prstGeom>
-          <a:ln>
-            <a:tailEnd type="triangle"/>
-          </a:ln>
-        </p:spPr>
-        <p:style>
-          <a:lnRef idx="3">
-            <a:schemeClr val="accent1"/>
-          </a:lnRef>
-          <a:fillRef idx="0">
-            <a:schemeClr val="accent1"/>
-          </a:fillRef>
-          <a:effectRef idx="2">
-            <a:schemeClr val="accent1"/>
-          </a:effectRef>
-          <a:fontRef idx="minor">
-            <a:schemeClr val="tx1"/>
-          </a:fontRef>
-        </p:style>
-      </p:cxnSp>
-      <p:sp>
-        <p:nvSpPr>
-          <p:cNvPr id="96" name="Oval 95">
-            <a:extLst>
-              <a:ext uri="{FF2B5EF4-FFF2-40B4-BE49-F238E27FC236}">
-                <a16:creationId xmlns:a16="http://schemas.microsoft.com/office/drawing/2014/main" id="{0E3DAC4B-E8FB-A172-BF6A-B4F7CAF05D0C}"/>
-              </a:ext>
-            </a:extLst>
-          </p:cNvPr>
-          <p:cNvSpPr/>
-          <p:nvPr/>
-        </p:nvSpPr>
-        <p:spPr>
-          <a:xfrm>
-            <a:off x="1466338" y="2242699"/>
-            <a:ext cx="157430" cy="157430"/>
-          </a:xfrm>
-          <a:prstGeom prst="ellipse">
-            <a:avLst/>
-          </a:prstGeom>
-          <a:solidFill>
-            <a:schemeClr val="accent2">
-              <a:lumMod val="75000"/>
-            </a:schemeClr>
-          </a:solidFill>
-        </p:spPr>
-        <p:style>
-          <a:lnRef idx="2">
-            <a:schemeClr val="accent1">
-              <a:shade val="15000"/>
-            </a:schemeClr>
-          </a:lnRef>
-          <a:fillRef idx="1">
-            <a:schemeClr val="accent1"/>
-          </a:fillRef>
-          <a:effectRef idx="0">
-            <a:schemeClr val="accent1"/>
-          </a:effectRef>
-          <a:fontRef idx="minor">
-            <a:schemeClr val="lt1"/>
-          </a:fontRef>
-        </p:style>
-        <p:txBody>
-          <a:bodyPr rtlCol="0" anchor="ctr"/>
-          <a:lstStyle/>
-          <a:p>
-            <a:pPr algn="ctr"/>
-            <a:endParaRPr lang="en-US" dirty="0">
-              <a:solidFill>
-                <a:schemeClr val="accent2">
-                  <a:lumMod val="75000"/>
-                </a:schemeClr>
-              </a:solidFill>
-            </a:endParaRPr>
-          </a:p>
-        </p:txBody>
-      </p:sp>
-      <p:sp>
-        <p:nvSpPr>
-          <p:cNvPr id="97" name="Oval 96">
-            <a:extLst>
-              <a:ext uri="{FF2B5EF4-FFF2-40B4-BE49-F238E27FC236}">
-                <a16:creationId xmlns:a16="http://schemas.microsoft.com/office/drawing/2014/main" id="{A879D70D-92CB-C619-03F8-2818113E2736}"/>
-              </a:ext>
-            </a:extLst>
-          </p:cNvPr>
-          <p:cNvSpPr/>
-          <p:nvPr/>
-        </p:nvSpPr>
-        <p:spPr>
-          <a:xfrm>
-            <a:off x="4379149" y="2242699"/>
-            <a:ext cx="157430" cy="157430"/>
-          </a:xfrm>
-          <a:prstGeom prst="ellipse">
-            <a:avLst/>
-          </a:prstGeom>
-          <a:solidFill>
-            <a:schemeClr val="accent2">
-              <a:lumMod val="75000"/>
-            </a:schemeClr>
-          </a:solidFill>
-        </p:spPr>
-        <p:style>
-          <a:lnRef idx="2">
-            <a:schemeClr val="accent1">
-              <a:shade val="15000"/>
-            </a:schemeClr>
-          </a:lnRef>
-          <a:fillRef idx="1">
-            <a:schemeClr val="accent1"/>
-          </a:fillRef>
-          <a:effectRef idx="0">
-            <a:schemeClr val="accent1"/>
-          </a:effectRef>
-          <a:fontRef idx="minor">
-            <a:schemeClr val="lt1"/>
-          </a:fontRef>
-        </p:style>
-        <p:txBody>
-          <a:bodyPr rtlCol="0" anchor="ctr"/>
-          <a:lstStyle/>
-          <a:p>
-            <a:pPr algn="ctr"/>
-            <a:endParaRPr lang="en-US"/>
-          </a:p>
-        </p:txBody>
-      </p:sp>
-      <p:sp>
-        <p:nvSpPr>
-          <p:cNvPr id="98" name="Oval 97">
-            <a:extLst>
-              <a:ext uri="{FF2B5EF4-FFF2-40B4-BE49-F238E27FC236}">
-                <a16:creationId xmlns:a16="http://schemas.microsoft.com/office/drawing/2014/main" id="{5F309D81-006D-D292-13BD-FB3CD450BDB9}"/>
-              </a:ext>
-            </a:extLst>
-          </p:cNvPr>
-          <p:cNvSpPr/>
-          <p:nvPr/>
-        </p:nvSpPr>
-        <p:spPr>
-          <a:xfrm>
-            <a:off x="6916235" y="1077728"/>
-            <a:ext cx="157430" cy="157430"/>
-          </a:xfrm>
-          <a:prstGeom prst="ellipse">
-            <a:avLst/>
-          </a:prstGeom>
-          <a:solidFill>
-            <a:schemeClr val="accent2">
-              <a:lumMod val="75000"/>
-            </a:schemeClr>
-          </a:solidFill>
-        </p:spPr>
-        <p:style>
-          <a:lnRef idx="2">
-            <a:schemeClr val="accent1">
-              <a:shade val="15000"/>
-            </a:schemeClr>
-          </a:lnRef>
-          <a:fillRef idx="1">
-            <a:schemeClr val="accent1"/>
-          </a:fillRef>
-          <a:effectRef idx="0">
-            <a:schemeClr val="accent1"/>
-          </a:effectRef>
-          <a:fontRef idx="minor">
-            <a:schemeClr val="lt1"/>
-          </a:fontRef>
-        </p:style>
-        <p:txBody>
-          <a:bodyPr rtlCol="0" anchor="ctr"/>
-          <a:lstStyle/>
-          <a:p>
-            <a:pPr algn="ctr"/>
-            <a:endParaRPr lang="en-US"/>
-          </a:p>
-        </p:txBody>
-      </p:sp>
-      <p:sp>
-        <p:nvSpPr>
-          <p:cNvPr id="99" name="Oval 98">
-            <a:extLst>
-              <a:ext uri="{FF2B5EF4-FFF2-40B4-BE49-F238E27FC236}">
-                <a16:creationId xmlns:a16="http://schemas.microsoft.com/office/drawing/2014/main" id="{FFCC0DAF-4AFA-342A-7ACA-02BB809F8050}"/>
-              </a:ext>
-            </a:extLst>
-          </p:cNvPr>
-          <p:cNvSpPr/>
-          <p:nvPr/>
-        </p:nvSpPr>
-        <p:spPr>
-          <a:xfrm>
-            <a:off x="9043944" y="2584791"/>
-            <a:ext cx="157430" cy="157430"/>
-          </a:xfrm>
-          <a:prstGeom prst="ellipse">
-            <a:avLst/>
-          </a:prstGeom>
-          <a:solidFill>
-            <a:schemeClr val="accent2">
-              <a:lumMod val="75000"/>
-            </a:schemeClr>
-          </a:solidFill>
-        </p:spPr>
-        <p:style>
-          <a:lnRef idx="2">
-            <a:schemeClr val="accent1">
-              <a:shade val="15000"/>
-            </a:schemeClr>
-          </a:lnRef>
-          <a:fillRef idx="1">
-            <a:schemeClr val="accent1"/>
-          </a:fillRef>
-          <a:effectRef idx="0">
-            <a:schemeClr val="accent1"/>
-          </a:effectRef>
-          <a:fontRef idx="minor">
-            <a:schemeClr val="lt1"/>
-          </a:fontRef>
-        </p:style>
-        <p:txBody>
-          <a:bodyPr rtlCol="0" anchor="ctr"/>
-          <a:lstStyle/>
-          <a:p>
-            <a:pPr algn="ctr"/>
-            <a:endParaRPr lang="en-US"/>
-          </a:p>
-        </p:txBody>
-      </p:sp>
-      <p:cxnSp>
-        <p:nvCxnSpPr>
-          <p:cNvPr id="100" name="Straight Arrow Connector 99">
-            <a:extLst>
-              <a:ext uri="{FF2B5EF4-FFF2-40B4-BE49-F238E27FC236}">
-                <a16:creationId xmlns:a16="http://schemas.microsoft.com/office/drawing/2014/main" id="{5B031A3E-E5F3-FCDB-80C7-9A231F2A0EA6}"/>
-              </a:ext>
-            </a:extLst>
-          </p:cNvPr>
-          <p:cNvCxnSpPr>
-            <a:cxnSpLocks/>
-            <a:stCxn id="96" idx="6"/>
-            <a:endCxn id="97" idx="2"/>
-          </p:cNvCxnSpPr>
-          <p:nvPr/>
-        </p:nvCxnSpPr>
-        <p:spPr>
-          <a:xfrm>
-            <a:off x="1623768" y="2321414"/>
-            <a:ext cx="2755381" cy="0"/>
-          </a:xfrm>
-          <a:prstGeom prst="straightConnector1">
-            <a:avLst/>
-          </a:prstGeom>
-          <a:ln>
-            <a:tailEnd type="triangle"/>
-          </a:ln>
-        </p:spPr>
-        <p:style>
-          <a:lnRef idx="3">
-            <a:schemeClr val="accent2"/>
-          </a:lnRef>
-          <a:fillRef idx="0">
-            <a:schemeClr val="accent2"/>
-          </a:fillRef>
-          <a:effectRef idx="2">
-            <a:schemeClr val="accent2"/>
-          </a:effectRef>
-          <a:fontRef idx="minor">
-            <a:schemeClr val="tx1"/>
-          </a:fontRef>
-        </p:style>
-      </p:cxnSp>
-      <p:cxnSp>
-        <p:nvCxnSpPr>
-          <p:cNvPr id="101" name="Straight Arrow Connector 100">
-            <a:extLst>
-              <a:ext uri="{FF2B5EF4-FFF2-40B4-BE49-F238E27FC236}">
-                <a16:creationId xmlns:a16="http://schemas.microsoft.com/office/drawing/2014/main" id="{5D558B96-639A-B99B-53E1-48DAEB4DF622}"/>
-              </a:ext>
-            </a:extLst>
-          </p:cNvPr>
-          <p:cNvCxnSpPr>
-            <a:cxnSpLocks/>
-            <a:stCxn id="97" idx="6"/>
-            <a:endCxn id="98" idx="2"/>
-          </p:cNvCxnSpPr>
-          <p:nvPr/>
-        </p:nvCxnSpPr>
-        <p:spPr>
-          <a:xfrm flipV="1">
-            <a:off x="4536579" y="1156443"/>
-            <a:ext cx="2379656" cy="1164971"/>
-          </a:xfrm>
-          <a:prstGeom prst="straightConnector1">
-            <a:avLst/>
-          </a:prstGeom>
-          <a:ln>
-            <a:tailEnd type="triangle"/>
-          </a:ln>
-        </p:spPr>
-        <p:style>
-          <a:lnRef idx="3">
-            <a:schemeClr val="accent2"/>
-          </a:lnRef>
-          <a:fillRef idx="0">
-            <a:schemeClr val="accent2"/>
-          </a:fillRef>
-          <a:effectRef idx="2">
-            <a:schemeClr val="accent2"/>
-          </a:effectRef>
-          <a:fontRef idx="minor">
-            <a:schemeClr val="tx1"/>
-          </a:fontRef>
-        </p:style>
-      </p:cxnSp>
-      <p:cxnSp>
-        <p:nvCxnSpPr>
-          <p:cNvPr id="102" name="Straight Arrow Connector 101">
-            <a:extLst>
-              <a:ext uri="{FF2B5EF4-FFF2-40B4-BE49-F238E27FC236}">
-                <a16:creationId xmlns:a16="http://schemas.microsoft.com/office/drawing/2014/main" id="{9743888E-D93B-C225-03A4-D057399A59F6}"/>
-              </a:ext>
-            </a:extLst>
-          </p:cNvPr>
-          <p:cNvCxnSpPr>
-            <a:cxnSpLocks/>
-            <a:stCxn id="98" idx="6"/>
-            <a:endCxn id="99" idx="1"/>
-          </p:cNvCxnSpPr>
-          <p:nvPr/>
-        </p:nvCxnSpPr>
-        <p:spPr>
-          <a:xfrm>
-            <a:off x="7073665" y="1156443"/>
-            <a:ext cx="1993334" cy="1451403"/>
-          </a:xfrm>
-          <a:prstGeom prst="straightConnector1">
-            <a:avLst/>
-          </a:prstGeom>
-          <a:ln>
-            <a:tailEnd type="triangle"/>
-          </a:ln>
-        </p:spPr>
-        <p:style>
-          <a:lnRef idx="3">
-            <a:schemeClr val="accent2"/>
-          </a:lnRef>
-          <a:fillRef idx="0">
-            <a:schemeClr val="accent2"/>
-          </a:fillRef>
-          <a:effectRef idx="2">
-            <a:schemeClr val="accent2"/>
-          </a:effectRef>
-          <a:fontRef idx="minor">
-            <a:schemeClr val="tx1"/>
-          </a:fontRef>
-        </p:style>
-      </p:cxnSp>
-      <p:sp>
-        <p:nvSpPr>
-          <p:cNvPr id="7" name="Slide Number Placeholder 6">
-            <a:extLst>
-              <a:ext uri="{FF2B5EF4-FFF2-40B4-BE49-F238E27FC236}">
-                <a16:creationId xmlns:a16="http://schemas.microsoft.com/office/drawing/2014/main" id="{B80A7E82-E2D8-A5C9-8B76-F4EA7F0352EF}"/>
-              </a:ext>
-            </a:extLst>
-          </p:cNvPr>
-          <p:cNvSpPr>
-            <a:spLocks noGrp="1"/>
-          </p:cNvSpPr>
-          <p:nvPr>
-            <p:ph type="sldNum" sz="quarter" idx="12"/>
-          </p:nvPr>
-        </p:nvSpPr>
-        <p:spPr/>
-        <p:txBody>
-          <a:bodyPr/>
-          <a:lstStyle/>
-          <a:p>
-            <a:fld id="{2DB24D90-624F-4BA9-8536-8B45883AEAD5}" type="slidenum">
-              <a:rPr lang="en-US" smtClean="0"/>
-              <a:t>7</a:t>
-            </a:fld>
-            <a:endParaRPr lang="en-US" dirty="0"/>
-          </a:p>
-        </p:txBody>
-      </p:sp>
-    </p:spTree>
-    <p:extLst>
-      <p:ext uri="{BB962C8B-B14F-4D97-AF65-F5344CB8AC3E}">
-        <p14:creationId xmlns:p14="http://schemas.microsoft.com/office/powerpoint/2010/main" val="3470959867"/>
-      </p:ext>
-    </p:extLst>
-  </p:cSld>
-  <p:clrMapOvr>
-    <a:masterClrMapping/>
-  </p:clrMapOvr>
-</p:sld>
-</file>
-
-<file path=ppt/slides/slide8.xml><?xml version="1.0" encoding="utf-8"?>
-<p:sld xmlns:a="http://schemas.openxmlformats.org/drawingml/2006/main" xmlns:r="http://schemas.openxmlformats.org/officeDocument/2006/relationships" xmlns:p="http://schemas.openxmlformats.org/presentationml/2006/main">
-  <p:cSld>
-    <p:spTree>
-      <p:nvGrpSpPr>
-        <p:cNvPr id="1" name=""/>
-        <p:cNvGrpSpPr/>
-        <p:nvPr/>
-      </p:nvGrpSpPr>
-      <p:grpSpPr>
-        <a:xfrm>
-          <a:off x="0" y="0"/>
-          <a:ext cx="0" cy="0"/>
-          <a:chOff x="0" y="0"/>
-          <a:chExt cx="0" cy="0"/>
-        </a:xfrm>
-      </p:grpSpPr>
-      <p:sp>
-        <p:nvSpPr>
-          <p:cNvPr id="94" name="Rectangle 93">
-            <a:extLst>
-              <a:ext uri="{FF2B5EF4-FFF2-40B4-BE49-F238E27FC236}">
-                <a16:creationId xmlns:a16="http://schemas.microsoft.com/office/drawing/2014/main" id="{134B910B-D2CC-06EB-40FD-BEABFF3C6BE8}"/>
-              </a:ext>
-            </a:extLst>
-          </p:cNvPr>
-          <p:cNvSpPr/>
-          <p:nvPr/>
-        </p:nvSpPr>
-        <p:spPr>
-          <a:xfrm>
-            <a:off x="6096000" y="-314035"/>
-            <a:ext cx="6487104" cy="7172036"/>
-          </a:xfrm>
-          <a:prstGeom prst="rect">
-            <a:avLst/>
-          </a:prstGeom>
-          <a:solidFill>
-            <a:srgbClr val="FBE37D"/>
-          </a:solidFill>
-          <a:ln>
-            <a:solidFill>
-              <a:srgbClr val="FBE37D"/>
-            </a:solidFill>
-          </a:ln>
-        </p:spPr>
-        <p:style>
-          <a:lnRef idx="2">
-            <a:schemeClr val="accent1">
-              <a:shade val="15000"/>
-            </a:schemeClr>
-          </a:lnRef>
-          <a:fillRef idx="1">
-            <a:schemeClr val="accent1"/>
-          </a:fillRef>
-          <a:effectRef idx="0">
-            <a:schemeClr val="accent1"/>
-          </a:effectRef>
-          <a:fontRef idx="minor">
-            <a:schemeClr val="lt1"/>
-          </a:fontRef>
-        </p:style>
-        <p:txBody>
-          <a:bodyPr rtlCol="0" anchor="ctr"/>
-          <a:lstStyle/>
-          <a:p>
-            <a:pPr algn="ctr"/>
-            <a:endParaRPr lang="en-US"/>
-          </a:p>
-        </p:txBody>
-      </p:sp>
-      <p:sp>
-        <p:nvSpPr>
-          <p:cNvPr id="6" name="Rectangle 5">
-            <a:extLst>
-              <a:ext uri="{FF2B5EF4-FFF2-40B4-BE49-F238E27FC236}">
-                <a16:creationId xmlns:a16="http://schemas.microsoft.com/office/drawing/2014/main" id="{C7E2E2A1-5DE5-652A-F17D-446839E0E7D5}"/>
-              </a:ext>
-            </a:extLst>
-          </p:cNvPr>
-          <p:cNvSpPr/>
-          <p:nvPr/>
-        </p:nvSpPr>
-        <p:spPr>
-          <a:xfrm>
-            <a:off x="655428" y="2067876"/>
-            <a:ext cx="1967342" cy="704102"/>
-          </a:xfrm>
-          <a:prstGeom prst="rect">
-            <a:avLst/>
-          </a:prstGeom>
-        </p:spPr>
-        <p:style>
-          <a:lnRef idx="2">
-            <a:schemeClr val="dk1"/>
-          </a:lnRef>
-          <a:fillRef idx="1">
-            <a:schemeClr val="lt1"/>
-          </a:fillRef>
-          <a:effectRef idx="0">
-            <a:schemeClr val="dk1"/>
-          </a:effectRef>
-          <a:fontRef idx="minor">
-            <a:schemeClr val="dk1"/>
-          </a:fontRef>
-        </p:style>
-        <p:txBody>
-          <a:bodyPr rtlCol="0" anchor="ctr"/>
-          <a:lstStyle/>
-          <a:p>
-            <a:pPr algn="ctr"/>
-            <a:r>
-              <a:rPr lang="en-US" dirty="0"/>
-              <a:t>Application 1</a:t>
-            </a:r>
-          </a:p>
-        </p:txBody>
-      </p:sp>
-      <p:sp>
-        <p:nvSpPr>
-          <p:cNvPr id="11" name="Rectangle 10">
-            <a:extLst>
-              <a:ext uri="{FF2B5EF4-FFF2-40B4-BE49-F238E27FC236}">
-                <a16:creationId xmlns:a16="http://schemas.microsoft.com/office/drawing/2014/main" id="{5DFFD566-59FE-FD0B-82E9-E9877958E970}"/>
-              </a:ext>
-            </a:extLst>
-          </p:cNvPr>
-          <p:cNvSpPr/>
-          <p:nvPr/>
-        </p:nvSpPr>
-        <p:spPr>
-          <a:xfrm>
-            <a:off x="655428" y="3566476"/>
-            <a:ext cx="1967342" cy="704102"/>
-          </a:xfrm>
-          <a:prstGeom prst="rect">
-            <a:avLst/>
-          </a:prstGeom>
-        </p:spPr>
-        <p:style>
-          <a:lnRef idx="2">
-            <a:schemeClr val="dk1"/>
-          </a:lnRef>
-          <a:fillRef idx="1">
-            <a:schemeClr val="lt1"/>
-          </a:fillRef>
-          <a:effectRef idx="0">
-            <a:schemeClr val="dk1"/>
-          </a:effectRef>
-          <a:fontRef idx="minor">
-            <a:schemeClr val="dk1"/>
-          </a:fontRef>
-        </p:style>
-        <p:txBody>
-          <a:bodyPr rtlCol="0" anchor="ctr"/>
-          <a:lstStyle/>
-          <a:p>
-            <a:pPr algn="ctr"/>
-            <a:r>
-              <a:rPr lang="en-US" dirty="0"/>
-              <a:t>Application 2</a:t>
-            </a:r>
-          </a:p>
-        </p:txBody>
-      </p:sp>
-      <p:sp>
-        <p:nvSpPr>
-          <p:cNvPr id="12" name="Rectangle 11">
-            <a:extLst>
-              <a:ext uri="{FF2B5EF4-FFF2-40B4-BE49-F238E27FC236}">
-                <a16:creationId xmlns:a16="http://schemas.microsoft.com/office/drawing/2014/main" id="{3127A35F-447A-20AE-4B7F-A5B6318D8C83}"/>
-              </a:ext>
-            </a:extLst>
-          </p:cNvPr>
-          <p:cNvSpPr/>
-          <p:nvPr/>
-        </p:nvSpPr>
-        <p:spPr>
-          <a:xfrm>
-            <a:off x="655427" y="5065076"/>
-            <a:ext cx="1967342" cy="704102"/>
-          </a:xfrm>
-          <a:prstGeom prst="rect">
-            <a:avLst/>
-          </a:prstGeom>
-        </p:spPr>
-        <p:style>
-          <a:lnRef idx="2">
-            <a:schemeClr val="dk1"/>
-          </a:lnRef>
-          <a:fillRef idx="1">
-            <a:schemeClr val="lt1"/>
-          </a:fillRef>
-          <a:effectRef idx="0">
-            <a:schemeClr val="dk1"/>
-          </a:effectRef>
-          <a:fontRef idx="minor">
-            <a:schemeClr val="dk1"/>
-          </a:fontRef>
-        </p:style>
-        <p:txBody>
-          <a:bodyPr rtlCol="0" anchor="ctr"/>
-          <a:lstStyle/>
-          <a:p>
-            <a:pPr algn="ctr"/>
-            <a:r>
-              <a:rPr lang="en-US" dirty="0"/>
-              <a:t>Application 3</a:t>
-            </a:r>
-          </a:p>
-        </p:txBody>
-      </p:sp>
-      <p:sp>
-        <p:nvSpPr>
-          <p:cNvPr id="13" name="Rectangle 12">
-            <a:extLst>
-              <a:ext uri="{FF2B5EF4-FFF2-40B4-BE49-F238E27FC236}">
-                <a16:creationId xmlns:a16="http://schemas.microsoft.com/office/drawing/2014/main" id="{15E6F355-DF9A-A259-48A8-F13781BEB509}"/>
-              </a:ext>
-            </a:extLst>
-          </p:cNvPr>
-          <p:cNvSpPr/>
-          <p:nvPr/>
-        </p:nvSpPr>
-        <p:spPr>
-          <a:xfrm>
-            <a:off x="3480086" y="3575043"/>
-            <a:ext cx="1049608" cy="686968"/>
-          </a:xfrm>
-          <a:prstGeom prst="rect">
-            <a:avLst/>
-          </a:prstGeom>
-        </p:spPr>
-        <p:style>
-          <a:lnRef idx="2">
-            <a:schemeClr val="dk1"/>
-          </a:lnRef>
-          <a:fillRef idx="1">
-            <a:schemeClr val="lt1"/>
-          </a:fillRef>
-          <a:effectRef idx="0">
-            <a:schemeClr val="dk1"/>
-          </a:effectRef>
-          <a:fontRef idx="minor">
-            <a:schemeClr val="dk1"/>
-          </a:fontRef>
-        </p:style>
-        <p:txBody>
-          <a:bodyPr rtlCol="0" anchor="ctr"/>
-          <a:lstStyle/>
-          <a:p>
-            <a:pPr algn="ctr"/>
-            <a:r>
-              <a:rPr lang="en-US" dirty="0"/>
-              <a:t>TCP </a:t>
-            </a:r>
-          </a:p>
-        </p:txBody>
-      </p:sp>
-      <p:cxnSp>
-        <p:nvCxnSpPr>
-          <p:cNvPr id="15" name="Straight Arrow Connector 14">
-            <a:extLst>
-              <a:ext uri="{FF2B5EF4-FFF2-40B4-BE49-F238E27FC236}">
-                <a16:creationId xmlns:a16="http://schemas.microsoft.com/office/drawing/2014/main" id="{8DAFC0EB-2CC8-6F85-5338-4BC708D58A8B}"/>
-              </a:ext>
-            </a:extLst>
-          </p:cNvPr>
-          <p:cNvCxnSpPr>
-            <a:cxnSpLocks/>
-            <a:stCxn id="6" idx="3"/>
-            <a:endCxn id="13" idx="1"/>
-          </p:cNvCxnSpPr>
-          <p:nvPr/>
-        </p:nvCxnSpPr>
-        <p:spPr>
-          <a:xfrm>
-            <a:off x="2622770" y="2419927"/>
-            <a:ext cx="857316" cy="1498600"/>
-          </a:xfrm>
-          <a:prstGeom prst="straightConnector1">
-            <a:avLst/>
-          </a:prstGeom>
-          <a:ln>
-            <a:headEnd type="arrow" w="med" len="med"/>
-            <a:tailEnd type="arrow" w="med" len="med"/>
-          </a:ln>
-        </p:spPr>
-        <p:style>
-          <a:lnRef idx="3">
-            <a:schemeClr val="dk1"/>
-          </a:lnRef>
-          <a:fillRef idx="0">
-            <a:schemeClr val="dk1"/>
-          </a:fillRef>
-          <a:effectRef idx="2">
-            <a:schemeClr val="dk1"/>
-          </a:effectRef>
-          <a:fontRef idx="minor">
-            <a:schemeClr val="tx1"/>
-          </a:fontRef>
-        </p:style>
-      </p:cxnSp>
-      <p:cxnSp>
-        <p:nvCxnSpPr>
-          <p:cNvPr id="20" name="Straight Arrow Connector 19">
-            <a:extLst>
-              <a:ext uri="{FF2B5EF4-FFF2-40B4-BE49-F238E27FC236}">
-                <a16:creationId xmlns:a16="http://schemas.microsoft.com/office/drawing/2014/main" id="{8F35C44C-AF2C-44D7-9641-74E6009F174A}"/>
-              </a:ext>
-            </a:extLst>
-          </p:cNvPr>
-          <p:cNvCxnSpPr>
-            <a:cxnSpLocks/>
-            <a:stCxn id="11" idx="3"/>
-            <a:endCxn id="13" idx="1"/>
-          </p:cNvCxnSpPr>
-          <p:nvPr/>
-        </p:nvCxnSpPr>
-        <p:spPr>
-          <a:xfrm>
-            <a:off x="2622770" y="3918527"/>
-            <a:ext cx="857316" cy="0"/>
-          </a:xfrm>
-          <a:prstGeom prst="straightConnector1">
-            <a:avLst/>
-          </a:prstGeom>
-          <a:ln>
-            <a:headEnd type="arrow" w="med" len="med"/>
-            <a:tailEnd type="arrow" w="med" len="med"/>
-          </a:ln>
-        </p:spPr>
-        <p:style>
-          <a:lnRef idx="3">
-            <a:schemeClr val="dk1"/>
-          </a:lnRef>
-          <a:fillRef idx="0">
-            <a:schemeClr val="dk1"/>
-          </a:fillRef>
-          <a:effectRef idx="2">
-            <a:schemeClr val="dk1"/>
-          </a:effectRef>
-          <a:fontRef idx="minor">
-            <a:schemeClr val="tx1"/>
-          </a:fontRef>
-        </p:style>
-      </p:cxnSp>
-      <p:cxnSp>
-        <p:nvCxnSpPr>
-          <p:cNvPr id="26" name="Straight Arrow Connector 25">
-            <a:extLst>
-              <a:ext uri="{FF2B5EF4-FFF2-40B4-BE49-F238E27FC236}">
-                <a16:creationId xmlns:a16="http://schemas.microsoft.com/office/drawing/2014/main" id="{B1F18DBD-E514-B00B-929F-279878A9FB36}"/>
-              </a:ext>
-            </a:extLst>
-          </p:cNvPr>
-          <p:cNvCxnSpPr>
-            <a:cxnSpLocks/>
-            <a:stCxn id="12" idx="3"/>
-            <a:endCxn id="13" idx="1"/>
-          </p:cNvCxnSpPr>
-          <p:nvPr/>
-        </p:nvCxnSpPr>
-        <p:spPr>
-          <a:xfrm flipV="1">
-            <a:off x="2622769" y="3918527"/>
-            <a:ext cx="857317" cy="1498600"/>
-          </a:xfrm>
-          <a:prstGeom prst="straightConnector1">
-            <a:avLst/>
-          </a:prstGeom>
-          <a:ln>
-            <a:headEnd type="arrow" w="med" len="med"/>
-            <a:tailEnd type="arrow" w="med" len="med"/>
-          </a:ln>
-        </p:spPr>
-        <p:style>
-          <a:lnRef idx="3">
-            <a:schemeClr val="dk1"/>
-          </a:lnRef>
-          <a:fillRef idx="0">
-            <a:schemeClr val="dk1"/>
-          </a:fillRef>
-          <a:effectRef idx="2">
-            <a:schemeClr val="dk1"/>
-          </a:effectRef>
-          <a:fontRef idx="minor">
-            <a:schemeClr val="tx1"/>
-          </a:fontRef>
-        </p:style>
-      </p:cxnSp>
-      <p:sp>
-        <p:nvSpPr>
-          <p:cNvPr id="28" name="Rectangle 27">
-            <a:extLst>
-              <a:ext uri="{FF2B5EF4-FFF2-40B4-BE49-F238E27FC236}">
-                <a16:creationId xmlns:a16="http://schemas.microsoft.com/office/drawing/2014/main" id="{525CABC4-518F-6D3E-5EEE-8D891FEDF82B}"/>
-              </a:ext>
-            </a:extLst>
-          </p:cNvPr>
-          <p:cNvSpPr/>
-          <p:nvPr/>
-        </p:nvSpPr>
-        <p:spPr>
-          <a:xfrm>
-            <a:off x="9604016" y="2067876"/>
-            <a:ext cx="1967342" cy="704102"/>
-          </a:xfrm>
-          <a:prstGeom prst="rect">
-            <a:avLst/>
-          </a:prstGeom>
-        </p:spPr>
-        <p:style>
-          <a:lnRef idx="2">
-            <a:schemeClr val="dk1"/>
-          </a:lnRef>
-          <a:fillRef idx="1">
-            <a:schemeClr val="lt1"/>
-          </a:fillRef>
-          <a:effectRef idx="0">
-            <a:schemeClr val="dk1"/>
-          </a:effectRef>
-          <a:fontRef idx="minor">
-            <a:schemeClr val="dk1"/>
-          </a:fontRef>
-        </p:style>
-        <p:txBody>
-          <a:bodyPr rtlCol="0" anchor="ctr"/>
-          <a:lstStyle/>
-          <a:p>
-            <a:pPr algn="ctr"/>
-            <a:r>
-              <a:rPr lang="en-US" dirty="0"/>
-              <a:t>Application 1</a:t>
-            </a:r>
-          </a:p>
-        </p:txBody>
-      </p:sp>
-      <p:sp>
-        <p:nvSpPr>
-          <p:cNvPr id="29" name="Rectangle 28">
-            <a:extLst>
-              <a:ext uri="{FF2B5EF4-FFF2-40B4-BE49-F238E27FC236}">
-                <a16:creationId xmlns:a16="http://schemas.microsoft.com/office/drawing/2014/main" id="{DB0D5E41-22FC-BC88-1DD3-F8118901FB72}"/>
-              </a:ext>
-            </a:extLst>
-          </p:cNvPr>
-          <p:cNvSpPr/>
-          <p:nvPr/>
-        </p:nvSpPr>
-        <p:spPr>
-          <a:xfrm>
-            <a:off x="9604016" y="3566476"/>
-            <a:ext cx="1967342" cy="704102"/>
-          </a:xfrm>
-          <a:prstGeom prst="rect">
-            <a:avLst/>
-          </a:prstGeom>
-        </p:spPr>
-        <p:style>
-          <a:lnRef idx="2">
-            <a:schemeClr val="dk1"/>
-          </a:lnRef>
-          <a:fillRef idx="1">
-            <a:schemeClr val="lt1"/>
-          </a:fillRef>
-          <a:effectRef idx="0">
-            <a:schemeClr val="dk1"/>
-          </a:effectRef>
-          <a:fontRef idx="minor">
-            <a:schemeClr val="dk1"/>
-          </a:fontRef>
-        </p:style>
-        <p:txBody>
-          <a:bodyPr rtlCol="0" anchor="ctr"/>
-          <a:lstStyle/>
-          <a:p>
-            <a:pPr algn="ctr"/>
-            <a:r>
-              <a:rPr lang="en-US" dirty="0"/>
-              <a:t>Application 2</a:t>
-            </a:r>
-          </a:p>
-        </p:txBody>
-      </p:sp>
-      <p:sp>
-        <p:nvSpPr>
-          <p:cNvPr id="30" name="Rectangle 29">
-            <a:extLst>
-              <a:ext uri="{FF2B5EF4-FFF2-40B4-BE49-F238E27FC236}">
-                <a16:creationId xmlns:a16="http://schemas.microsoft.com/office/drawing/2014/main" id="{78A5A87D-1E6C-5FE5-47C6-8CFDC6AAC4BC}"/>
-              </a:ext>
-            </a:extLst>
-          </p:cNvPr>
-          <p:cNvSpPr/>
-          <p:nvPr/>
-        </p:nvSpPr>
-        <p:spPr>
-          <a:xfrm>
-            <a:off x="9604015" y="5065076"/>
-            <a:ext cx="1967342" cy="704102"/>
-          </a:xfrm>
-          <a:prstGeom prst="rect">
-            <a:avLst/>
-          </a:prstGeom>
-        </p:spPr>
-        <p:style>
-          <a:lnRef idx="2">
-            <a:schemeClr val="dk1"/>
-          </a:lnRef>
-          <a:fillRef idx="1">
-            <a:schemeClr val="lt1"/>
-          </a:fillRef>
-          <a:effectRef idx="0">
-            <a:schemeClr val="dk1"/>
-          </a:effectRef>
-          <a:fontRef idx="minor">
-            <a:schemeClr val="dk1"/>
-          </a:fontRef>
-        </p:style>
-        <p:txBody>
-          <a:bodyPr rtlCol="0" anchor="ctr"/>
-          <a:lstStyle/>
-          <a:p>
-            <a:pPr algn="ctr"/>
-            <a:r>
-              <a:rPr lang="en-US" dirty="0"/>
-              <a:t>Application 3</a:t>
-            </a:r>
-          </a:p>
-        </p:txBody>
-      </p:sp>
-      <p:sp>
-        <p:nvSpPr>
-          <p:cNvPr id="41" name="Rectangle 40">
-            <a:extLst>
-              <a:ext uri="{FF2B5EF4-FFF2-40B4-BE49-F238E27FC236}">
-                <a16:creationId xmlns:a16="http://schemas.microsoft.com/office/drawing/2014/main" id="{21AA0C18-4BD8-EB9F-8B8C-630CB5A0A8A5}"/>
-              </a:ext>
-            </a:extLst>
-          </p:cNvPr>
-          <p:cNvSpPr/>
-          <p:nvPr/>
-        </p:nvSpPr>
-        <p:spPr>
-          <a:xfrm>
-            <a:off x="7616026" y="3575043"/>
-            <a:ext cx="1049608" cy="686968"/>
-          </a:xfrm>
-          <a:prstGeom prst="rect">
-            <a:avLst/>
-          </a:prstGeom>
-        </p:spPr>
-        <p:style>
-          <a:lnRef idx="2">
-            <a:schemeClr val="dk1"/>
-          </a:lnRef>
-          <a:fillRef idx="1">
-            <a:schemeClr val="lt1"/>
-          </a:fillRef>
-          <a:effectRef idx="0">
-            <a:schemeClr val="dk1"/>
-          </a:effectRef>
-          <a:fontRef idx="minor">
-            <a:schemeClr val="dk1"/>
-          </a:fontRef>
-        </p:style>
-        <p:txBody>
-          <a:bodyPr rtlCol="0" anchor="ctr"/>
-          <a:lstStyle/>
-          <a:p>
-            <a:pPr algn="ctr"/>
-            <a:r>
-              <a:rPr lang="en-US" dirty="0"/>
-              <a:t>TCP </a:t>
-            </a:r>
-          </a:p>
-        </p:txBody>
-      </p:sp>
-      <p:cxnSp>
-        <p:nvCxnSpPr>
-          <p:cNvPr id="45" name="Straight Arrow Connector 44">
-            <a:extLst>
-              <a:ext uri="{FF2B5EF4-FFF2-40B4-BE49-F238E27FC236}">
-                <a16:creationId xmlns:a16="http://schemas.microsoft.com/office/drawing/2014/main" id="{F1FB2324-2736-F6A4-B1C5-CA190F74B554}"/>
-              </a:ext>
-            </a:extLst>
-          </p:cNvPr>
-          <p:cNvCxnSpPr>
-            <a:cxnSpLocks/>
-            <a:stCxn id="29" idx="1"/>
-            <a:endCxn id="41" idx="3"/>
-          </p:cNvCxnSpPr>
-          <p:nvPr/>
-        </p:nvCxnSpPr>
-        <p:spPr>
-          <a:xfrm flipH="1">
-            <a:off x="8665634" y="3918527"/>
-            <a:ext cx="938382" cy="0"/>
-          </a:xfrm>
-          <a:prstGeom prst="straightConnector1">
-            <a:avLst/>
-          </a:prstGeom>
-          <a:ln>
-            <a:headEnd type="arrow" w="med" len="med"/>
-            <a:tailEnd type="arrow" w="med" len="med"/>
-          </a:ln>
-        </p:spPr>
-        <p:style>
-          <a:lnRef idx="3">
-            <a:schemeClr val="dk1"/>
-          </a:lnRef>
-          <a:fillRef idx="0">
-            <a:schemeClr val="dk1"/>
-          </a:fillRef>
-          <a:effectRef idx="2">
-            <a:schemeClr val="dk1"/>
-          </a:effectRef>
-          <a:fontRef idx="minor">
-            <a:schemeClr val="tx1"/>
-          </a:fontRef>
-        </p:style>
-      </p:cxnSp>
-      <p:cxnSp>
-        <p:nvCxnSpPr>
-          <p:cNvPr id="47" name="Straight Arrow Connector 46">
-            <a:extLst>
-              <a:ext uri="{FF2B5EF4-FFF2-40B4-BE49-F238E27FC236}">
-                <a16:creationId xmlns:a16="http://schemas.microsoft.com/office/drawing/2014/main" id="{802FB4B5-6517-6067-9C61-0DECEB7F61D7}"/>
-              </a:ext>
-            </a:extLst>
-          </p:cNvPr>
-          <p:cNvCxnSpPr>
-            <a:cxnSpLocks/>
-            <a:stCxn id="30" idx="1"/>
-            <a:endCxn id="41" idx="3"/>
-          </p:cNvCxnSpPr>
-          <p:nvPr/>
-        </p:nvCxnSpPr>
-        <p:spPr>
-          <a:xfrm flipH="1" flipV="1">
-            <a:off x="8665634" y="3918527"/>
-            <a:ext cx="938381" cy="1498600"/>
-          </a:xfrm>
-          <a:prstGeom prst="straightConnector1">
-            <a:avLst/>
-          </a:prstGeom>
-          <a:ln>
-            <a:headEnd type="arrow" w="med" len="med"/>
-            <a:tailEnd type="arrow" w="med" len="med"/>
-          </a:ln>
-        </p:spPr>
-        <p:style>
-          <a:lnRef idx="3">
-            <a:schemeClr val="dk1"/>
-          </a:lnRef>
-          <a:fillRef idx="0">
-            <a:schemeClr val="dk1"/>
-          </a:fillRef>
-          <a:effectRef idx="2">
-            <a:schemeClr val="dk1"/>
-          </a:effectRef>
-          <a:fontRef idx="minor">
-            <a:schemeClr val="tx1"/>
-          </a:fontRef>
-        </p:style>
-      </p:cxnSp>
-      <p:cxnSp>
-        <p:nvCxnSpPr>
-          <p:cNvPr id="71" name="Straight Arrow Connector 70">
-            <a:extLst>
-              <a:ext uri="{FF2B5EF4-FFF2-40B4-BE49-F238E27FC236}">
-                <a16:creationId xmlns:a16="http://schemas.microsoft.com/office/drawing/2014/main" id="{FF4C4AA4-8850-F453-60B6-41C16681A0E8}"/>
-              </a:ext>
-            </a:extLst>
-          </p:cNvPr>
-          <p:cNvCxnSpPr>
-            <a:stCxn id="28" idx="1"/>
-            <a:endCxn id="41" idx="3"/>
-          </p:cNvCxnSpPr>
-          <p:nvPr/>
-        </p:nvCxnSpPr>
-        <p:spPr>
-          <a:xfrm flipH="1">
-            <a:off x="8665634" y="2419927"/>
-            <a:ext cx="938382" cy="1498600"/>
-          </a:xfrm>
-          <a:prstGeom prst="straightConnector1">
-            <a:avLst/>
-          </a:prstGeom>
-          <a:ln>
-            <a:headEnd type="arrow" w="med" len="med"/>
-            <a:tailEnd type="arrow" w="med" len="med"/>
-          </a:ln>
-        </p:spPr>
-        <p:style>
-          <a:lnRef idx="3">
-            <a:schemeClr val="dk1"/>
-          </a:lnRef>
-          <a:fillRef idx="0">
-            <a:schemeClr val="dk1"/>
-          </a:fillRef>
-          <a:effectRef idx="2">
-            <a:schemeClr val="dk1"/>
-          </a:effectRef>
-          <a:fontRef idx="minor">
-            <a:schemeClr val="tx1"/>
-          </a:fontRef>
-        </p:style>
-      </p:cxnSp>
-      <p:sp>
-        <p:nvSpPr>
-          <p:cNvPr id="77" name="Rectangle 76">
-            <a:extLst>
-              <a:ext uri="{FF2B5EF4-FFF2-40B4-BE49-F238E27FC236}">
-                <a16:creationId xmlns:a16="http://schemas.microsoft.com/office/drawing/2014/main" id="{00DF90D9-B738-1AFB-88D6-D9E620163F30}"/>
-              </a:ext>
-            </a:extLst>
-          </p:cNvPr>
-          <p:cNvSpPr/>
-          <p:nvPr/>
-        </p:nvSpPr>
-        <p:spPr>
-          <a:xfrm>
-            <a:off x="5206482" y="3575043"/>
-            <a:ext cx="1779036" cy="686968"/>
-          </a:xfrm>
-          <a:prstGeom prst="rect">
-            <a:avLst/>
-          </a:prstGeom>
-        </p:spPr>
-        <p:style>
-          <a:lnRef idx="2">
-            <a:schemeClr val="dk1"/>
-          </a:lnRef>
-          <a:fillRef idx="1">
-            <a:schemeClr val="lt1"/>
-          </a:fillRef>
-          <a:effectRef idx="0">
-            <a:schemeClr val="dk1"/>
-          </a:effectRef>
-          <a:fontRef idx="minor">
-            <a:schemeClr val="dk1"/>
-          </a:fontRef>
-        </p:style>
-        <p:txBody>
-          <a:bodyPr rtlCol="0" anchor="ctr"/>
-          <a:lstStyle/>
-          <a:p>
-            <a:pPr algn="ctr"/>
-            <a:r>
-              <a:rPr lang="en-US" dirty="0"/>
-              <a:t>IP </a:t>
-            </a:r>
-          </a:p>
-        </p:txBody>
-      </p:sp>
-      <p:cxnSp>
-        <p:nvCxnSpPr>
-          <p:cNvPr id="87" name="Straight Arrow Connector 86">
-            <a:extLst>
-              <a:ext uri="{FF2B5EF4-FFF2-40B4-BE49-F238E27FC236}">
-                <a16:creationId xmlns:a16="http://schemas.microsoft.com/office/drawing/2014/main" id="{1C3F8FBC-4DD3-B811-54B6-9AAFAD8D6107}"/>
-              </a:ext>
-            </a:extLst>
-          </p:cNvPr>
-          <p:cNvCxnSpPr>
-            <a:stCxn id="13" idx="3"/>
-            <a:endCxn id="77" idx="1"/>
-          </p:cNvCxnSpPr>
-          <p:nvPr/>
-        </p:nvCxnSpPr>
-        <p:spPr>
-          <a:xfrm>
-            <a:off x="4529694" y="3918527"/>
-            <a:ext cx="676788" cy="0"/>
-          </a:xfrm>
-          <a:prstGeom prst="straightConnector1">
-            <a:avLst/>
-          </a:prstGeom>
-          <a:ln>
-            <a:headEnd type="arrow" w="med" len="med"/>
-            <a:tailEnd type="arrow" w="med" len="med"/>
-          </a:ln>
-        </p:spPr>
-        <p:style>
-          <a:lnRef idx="3">
-            <a:schemeClr val="dk1"/>
-          </a:lnRef>
-          <a:fillRef idx="0">
-            <a:schemeClr val="dk1"/>
-          </a:fillRef>
-          <a:effectRef idx="2">
-            <a:schemeClr val="dk1"/>
-          </a:effectRef>
-          <a:fontRef idx="minor">
-            <a:schemeClr val="tx1"/>
-          </a:fontRef>
-        </p:style>
-      </p:cxnSp>
-      <p:cxnSp>
-        <p:nvCxnSpPr>
-          <p:cNvPr id="92" name="Straight Arrow Connector 91">
-            <a:extLst>
-              <a:ext uri="{FF2B5EF4-FFF2-40B4-BE49-F238E27FC236}">
-                <a16:creationId xmlns:a16="http://schemas.microsoft.com/office/drawing/2014/main" id="{3C773ED8-D4C3-C958-3DCE-2CFC139E846E}"/>
-              </a:ext>
-            </a:extLst>
-          </p:cNvPr>
-          <p:cNvCxnSpPr>
-            <a:stCxn id="41" idx="1"/>
-            <a:endCxn id="77" idx="3"/>
-          </p:cNvCxnSpPr>
-          <p:nvPr/>
-        </p:nvCxnSpPr>
-        <p:spPr>
-          <a:xfrm flipH="1">
-            <a:off x="6985518" y="3918527"/>
-            <a:ext cx="630508" cy="0"/>
-          </a:xfrm>
-          <a:prstGeom prst="straightConnector1">
-            <a:avLst/>
-          </a:prstGeom>
-          <a:ln>
-            <a:headEnd type="arrow" w="med" len="med"/>
-            <a:tailEnd type="arrow" w="med" len="med"/>
-          </a:ln>
-        </p:spPr>
-        <p:style>
-          <a:lnRef idx="3">
-            <a:schemeClr val="dk1"/>
-          </a:lnRef>
-          <a:fillRef idx="0">
-            <a:schemeClr val="dk1"/>
-          </a:fillRef>
-          <a:effectRef idx="2">
-            <a:schemeClr val="dk1"/>
-          </a:effectRef>
-          <a:fontRef idx="minor">
-            <a:schemeClr val="tx1"/>
-          </a:fontRef>
-        </p:style>
-      </p:cxnSp>
-      <p:sp>
-        <p:nvSpPr>
-          <p:cNvPr id="93" name="Slide Number Placeholder 92">
-            <a:extLst>
-              <a:ext uri="{FF2B5EF4-FFF2-40B4-BE49-F238E27FC236}">
-                <a16:creationId xmlns:a16="http://schemas.microsoft.com/office/drawing/2014/main" id="{6152B59C-11CB-F48A-8E60-F50E308FD5B7}"/>
-              </a:ext>
-            </a:extLst>
-          </p:cNvPr>
-          <p:cNvSpPr>
-            <a:spLocks noGrp="1"/>
-          </p:cNvSpPr>
-          <p:nvPr>
-            <p:ph type="sldNum" sz="quarter" idx="12"/>
-          </p:nvPr>
-        </p:nvSpPr>
-        <p:spPr/>
-        <p:txBody>
-          <a:bodyPr/>
-          <a:lstStyle/>
-          <a:p>
-            <a:fld id="{2DB24D90-624F-4BA9-8536-8B45883AEAD5}" type="slidenum">
-              <a:rPr lang="en-US" smtClean="0"/>
-              <a:t>8</a:t>
-            </a:fld>
-            <a:endParaRPr lang="en-US" dirty="0"/>
-          </a:p>
-        </p:txBody>
-      </p:sp>
-      <p:sp>
-        <p:nvSpPr>
-          <p:cNvPr id="95" name="Title 1">
-            <a:extLst>
-              <a:ext uri="{FF2B5EF4-FFF2-40B4-BE49-F238E27FC236}">
-                <a16:creationId xmlns:a16="http://schemas.microsoft.com/office/drawing/2014/main" id="{0C233D53-3155-5A9D-0B2D-A224F49AFE88}"/>
-              </a:ext>
-            </a:extLst>
-          </p:cNvPr>
-          <p:cNvSpPr txBox="1">
-            <a:spLocks noGrp="1"/>
-          </p:cNvSpPr>
-          <p:nvPr>
-            <p:ph type="title" idx="4294967295"/>
-          </p:nvPr>
-        </p:nvSpPr>
-        <p:spPr>
-          <a:xfrm>
-            <a:off x="1814455" y="951345"/>
-            <a:ext cx="9144000" cy="839694"/>
-          </a:xfrm>
-          <a:prstGeom prst="rect">
-            <a:avLst/>
-          </a:prstGeom>
-          <a:noFill/>
-          <a:ln>
-            <a:noFill/>
-            <a:prstDash/>
-          </a:ln>
-          <a:effectLst/>
-        </p:spPr>
-        <p:txBody>
-          <a:bodyPr rot="0" spcFirstLastPara="0" vertOverflow="overflow" horzOverflow="overflow" vert="horz" wrap="square" lIns="91440" tIns="45720" rIns="91440" bIns="45720" numCol="1" spcCol="0" rtlCol="0" fromWordArt="0" anchor="ctr" anchorCtr="0" forceAA="0" compatLnSpc="1">
-            <a:prstTxWarp prst="textNoShape">
-              <a:avLst/>
-            </a:prstTxWarp>
-            <a:normAutofit/>
-          </a:bodyPr>
-          <a:lstStyle>
-            <a:lvl1pPr algn="l" defTabSz="914400" rtl="0" eaLnBrk="1" latinLnBrk="0" hangingPunct="1">
-              <a:lnSpc>
-                <a:spcPct val="90000"/>
-              </a:lnSpc>
-              <a:spcBef>
-                <a:spcPct val="0"/>
-              </a:spcBef>
-              <a:buNone/>
-              <a:defRPr sz="4400" kern="1200">
-                <a:solidFill>
-                  <a:schemeClr val="tx1"/>
-                </a:solidFill>
-                <a:latin typeface="+mj-lt"/>
-                <a:ea typeface="+mj-ea"/>
-                <a:cs typeface="+mj-cs"/>
-              </a:defRPr>
-            </a:lvl1pPr>
-          </a:lstStyle>
-          <a:p>
-            <a:pPr marL="0" marR="0" lvl="0" indent="0" algn="ctr" defTabSz="914400" rtl="0" eaLnBrk="1" fontAlgn="auto" latinLnBrk="0" hangingPunct="1">
-              <a:lnSpc>
-                <a:spcPct val="90000"/>
-              </a:lnSpc>
-              <a:spcBef>
-                <a:spcPct val="0"/>
-              </a:spcBef>
-              <a:spcAft>
-                <a:spcPts val="0"/>
-              </a:spcAft>
-              <a:buClrTx/>
-              <a:buSzTx/>
-              <a:buFontTx/>
-              <a:buNone/>
-              <a:tabLst/>
-              <a:defRPr/>
-            </a:pPr>
-            <a:r>
-              <a:rPr kumimoji="0" lang="en-US" sz="4400" b="1" i="0" u="none" strike="noStrike" kern="1200" cap="none" spc="0" normalizeH="0" baseline="0" noProof="0" dirty="0">
-                <a:ln>
-                  <a:noFill/>
-                </a:ln>
-                <a:solidFill>
-                  <a:schemeClr val="tx1"/>
-                </a:solidFill>
-                <a:effectLst/>
-                <a:uLnTx/>
-                <a:uFillTx/>
-                <a:latin typeface="+mj-lt"/>
-                <a:ea typeface="+mj-ea"/>
-                <a:cs typeface="+mj-cs"/>
-              </a:rPr>
               <a:t>Multiplexing / Demultiplexing</a:t>
             </a:r>
             <a:endParaRPr kumimoji="0" lang="en-US" sz="4400" b="0" i="0" u="none" strike="noStrike" kern="1200" cap="none" spc="0" normalizeH="0" baseline="0" noProof="0" dirty="0">
@@ -13975,7 +13791,7 @@
 </p:sld>
 </file>
 
-<file path=ppt/slides/slide9.xml><?xml version="1.0" encoding="utf-8"?>
+<file path=ppt/slides/slide8.xml><?xml version="1.0" encoding="utf-8"?>
 <p:sld xmlns:a="http://schemas.openxmlformats.org/drawingml/2006/main" xmlns:r="http://schemas.openxmlformats.org/officeDocument/2006/relationships" xmlns:p="http://schemas.openxmlformats.org/presentationml/2006/main">
   <p:cSld>
     <p:spTree>
@@ -15484,7 +15300,7 @@
           <a:p>
             <a:fld id="{2DB24D90-624F-4BA9-8536-8B45883AEAD5}" type="slidenum">
               <a:rPr lang="en-US" smtClean="0"/>
-              <a:t>9</a:t>
+              <a:t>8</a:t>
             </a:fld>
             <a:endParaRPr lang="en-US" dirty="0"/>
           </a:p>
@@ -15561,7 +15377,7 @@
         </p:nvSpPr>
         <p:spPr>
           <a:xfrm>
-            <a:off x="-126719" y="0"/>
+            <a:off x="-108641" y="0"/>
             <a:ext cx="6185730" cy="7025489"/>
           </a:xfrm>
           <a:prstGeom prst="rect">
@@ -15597,7 +15413,7 @@
           <a:lstStyle/>
           <a:p>
             <a:pPr algn="ctr"/>
-            <a:endParaRPr lang="en-US"/>
+            <a:endParaRPr lang="en-US" dirty="0"/>
           </a:p>
         </p:txBody>
       </p:sp>
@@ -15615,7 +15431,7 @@
         </p:nvSpPr>
         <p:spPr>
           <a:xfrm>
-            <a:off x="6059011" y="0"/>
+            <a:off x="6084406" y="3842"/>
             <a:ext cx="6487104" cy="7172036"/>
           </a:xfrm>
           <a:prstGeom prst="rect">
@@ -15775,12 +15591,12 @@
                             </p:stCondLst>
                             <p:childTnLst>
                               <p:par>
-                                <p:cTn id="10" presetID="22" presetClass="exit" presetSubtype="1" fill="hold" grpId="0" nodeType="clickEffect">
+                                <p:cTn id="10" presetID="22" presetClass="exit" presetSubtype="4" fill="hold" grpId="0" nodeType="clickEffect">
                                   <p:stCondLst>
                                     <p:cond delay="0"/>
                                   </p:stCondLst>
                                   <p:childTnLst>
-                                    <p:animEffect transition="out" filter="wipe(up)">
+                                    <p:animEffect transition="out" filter="wipe(down)">
                                       <p:cBhvr>
                                         <p:cTn id="11" dur="500"/>
                                         <p:tgtEl>
@@ -15841,6 +15657,258 @@
       <p:bldP spid="13" grpId="0" animBg="1"/>
     </p:bldLst>
   </p:timing>
+</p:sld>
+</file>
+
+<file path=ppt/slides/slide9.xml><?xml version="1.0" encoding="utf-8"?>
+<p:sld xmlns:a="http://schemas.openxmlformats.org/drawingml/2006/main" xmlns:r="http://schemas.openxmlformats.org/officeDocument/2006/relationships" xmlns:p="http://schemas.openxmlformats.org/presentationml/2006/main">
+  <p:cSld>
+    <p:spTree>
+      <p:nvGrpSpPr>
+        <p:cNvPr id="1" name="">
+          <a:extLst>
+            <a:ext uri="{FF2B5EF4-FFF2-40B4-BE49-F238E27FC236}">
+              <a16:creationId xmlns:a16="http://schemas.microsoft.com/office/drawing/2014/main" id="{56FA3A0E-A831-8D9F-DB26-56624578AC31}"/>
+            </a:ext>
+          </a:extLst>
+        </p:cNvPr>
+        <p:cNvGrpSpPr/>
+        <p:nvPr/>
+      </p:nvGrpSpPr>
+      <p:grpSpPr>
+        <a:xfrm>
+          <a:off x="0" y="0"/>
+          <a:ext cx="0" cy="0"/>
+          <a:chOff x="0" y="0"/>
+          <a:chExt cx="0" cy="0"/>
+        </a:xfrm>
+      </p:grpSpPr>
+      <p:sp>
+        <p:nvSpPr>
+          <p:cNvPr id="4" name="Title 1">
+            <a:extLst>
+              <a:ext uri="{FF2B5EF4-FFF2-40B4-BE49-F238E27FC236}">
+                <a16:creationId xmlns:a16="http://schemas.microsoft.com/office/drawing/2014/main" id="{77C53CFB-0361-AAEB-05F8-AC714CB1548B}"/>
+              </a:ext>
+            </a:extLst>
+          </p:cNvPr>
+          <p:cNvSpPr txBox="1">
+            <a:spLocks noGrp="1"/>
+          </p:cNvSpPr>
+          <p:nvPr>
+            <p:ph type="title" idx="4294967295"/>
+          </p:nvPr>
+        </p:nvSpPr>
+        <p:spPr>
+          <a:xfrm>
+            <a:off x="1524000" y="951345"/>
+            <a:ext cx="9144000" cy="839694"/>
+          </a:xfrm>
+          <a:prstGeom prst="rect">
+            <a:avLst/>
+          </a:prstGeom>
+          <a:noFill/>
+          <a:ln>
+            <a:noFill/>
+            <a:prstDash/>
+          </a:ln>
+          <a:effectLst/>
+        </p:spPr>
+        <p:txBody>
+          <a:bodyPr rot="0" spcFirstLastPara="0" vertOverflow="overflow" horzOverflow="overflow" vert="horz" wrap="square" lIns="91440" tIns="45720" rIns="91440" bIns="45720" numCol="1" spcCol="0" rtlCol="0" fromWordArt="0" anchor="ctr" anchorCtr="0" forceAA="0" compatLnSpc="1">
+            <a:prstTxWarp prst="textNoShape">
+              <a:avLst/>
+            </a:prstTxWarp>
+            <a:normAutofit/>
+          </a:bodyPr>
+          <a:lstStyle>
+            <a:lvl1pPr algn="l" defTabSz="914400" rtl="0" eaLnBrk="1" latinLnBrk="0" hangingPunct="1">
+              <a:lnSpc>
+                <a:spcPct val="90000"/>
+              </a:lnSpc>
+              <a:spcBef>
+                <a:spcPct val="0"/>
+              </a:spcBef>
+              <a:buNone/>
+              <a:defRPr sz="4400" kern="1200">
+                <a:solidFill>
+                  <a:schemeClr val="tx1"/>
+                </a:solidFill>
+                <a:latin typeface="+mj-lt"/>
+                <a:ea typeface="+mj-ea"/>
+                <a:cs typeface="+mj-cs"/>
+              </a:defRPr>
+            </a:lvl1pPr>
+          </a:lstStyle>
+          <a:p>
+            <a:pPr marL="0" marR="0" lvl="0" indent="0" algn="ctr" defTabSz="914400" rtl="0" eaLnBrk="1" fontAlgn="auto" latinLnBrk="0" hangingPunct="1">
+              <a:lnSpc>
+                <a:spcPct val="90000"/>
+              </a:lnSpc>
+              <a:spcBef>
+                <a:spcPct val="0"/>
+              </a:spcBef>
+              <a:spcAft>
+                <a:spcPts val="0"/>
+              </a:spcAft>
+              <a:buClrTx/>
+              <a:buSzTx/>
+              <a:buFontTx/>
+              <a:buNone/>
+              <a:tabLst/>
+              <a:defRPr/>
+            </a:pPr>
+            <a:r>
+              <a:rPr kumimoji="0" lang="en-US" sz="4400" b="1" i="0" u="none" strike="noStrike" kern="1200" cap="none" spc="0" normalizeH="0" baseline="0" noProof="0" dirty="0">
+                <a:ln>
+                  <a:noFill/>
+                </a:ln>
+                <a:solidFill>
+                  <a:schemeClr val="tx1"/>
+                </a:solidFill>
+                <a:effectLst/>
+                <a:uLnTx/>
+                <a:uFillTx/>
+                <a:latin typeface="+mj-lt"/>
+                <a:ea typeface="+mj-ea"/>
+                <a:cs typeface="+mj-cs"/>
+              </a:rPr>
+              <a:t>TCP’s Fields</a:t>
+            </a:r>
+          </a:p>
+        </p:txBody>
+      </p:sp>
+      <p:sp>
+        <p:nvSpPr>
+          <p:cNvPr id="5" name="TextBox 4">
+            <a:extLst>
+              <a:ext uri="{FF2B5EF4-FFF2-40B4-BE49-F238E27FC236}">
+                <a16:creationId xmlns:a16="http://schemas.microsoft.com/office/drawing/2014/main" id="{EE094C7A-92F9-A8E8-01C1-B3E2A40648C9}"/>
+              </a:ext>
+            </a:extLst>
+          </p:cNvPr>
+          <p:cNvSpPr txBox="1"/>
+          <p:nvPr/>
+        </p:nvSpPr>
+        <p:spPr>
+          <a:xfrm>
+            <a:off x="1524000" y="2346036"/>
+            <a:ext cx="7392793" cy="3539430"/>
+          </a:xfrm>
+          <a:prstGeom prst="rect">
+            <a:avLst/>
+          </a:prstGeom>
+          <a:noFill/>
+        </p:spPr>
+        <p:txBody>
+          <a:bodyPr wrap="none" rtlCol="0">
+            <a:spAutoFit/>
+          </a:bodyPr>
+          <a:lstStyle/>
+          <a:p>
+            <a:pPr marL="285750" indent="-285750">
+              <a:buFont typeface="Arial" panose="020B0604020202020204" pitchFamily="34" charset="0"/>
+              <a:buChar char="•"/>
+            </a:pPr>
+            <a:r>
+              <a:rPr lang="en-US" sz="3200" dirty="0"/>
+              <a:t>Source Port ( From Which Application )</a:t>
+            </a:r>
+          </a:p>
+          <a:p>
+            <a:pPr marL="285750" indent="-285750">
+              <a:buFont typeface="Arial" panose="020B0604020202020204" pitchFamily="34" charset="0"/>
+              <a:buChar char="•"/>
+            </a:pPr>
+            <a:r>
+              <a:rPr lang="en-US" sz="3200" dirty="0"/>
+              <a:t>Destination Port ( To Which Application )</a:t>
+            </a:r>
+          </a:p>
+          <a:p>
+            <a:pPr marL="285750" indent="-285750">
+              <a:buFont typeface="Arial" panose="020B0604020202020204" pitchFamily="34" charset="0"/>
+              <a:buChar char="•"/>
+            </a:pPr>
+            <a:r>
+              <a:rPr lang="en-US" sz="3200" dirty="0"/>
+              <a:t>Sequence Number</a:t>
+            </a:r>
+          </a:p>
+          <a:p>
+            <a:pPr marL="285750" indent="-285750">
+              <a:buFont typeface="Arial" panose="020B0604020202020204" pitchFamily="34" charset="0"/>
+              <a:buChar char="•"/>
+            </a:pPr>
+            <a:r>
+              <a:rPr lang="en-US" sz="3200" dirty="0"/>
+              <a:t>Acknowledgement Number</a:t>
+            </a:r>
+          </a:p>
+          <a:p>
+            <a:pPr marL="285750" indent="-285750">
+              <a:buFont typeface="Arial" panose="020B0604020202020204" pitchFamily="34" charset="0"/>
+              <a:buChar char="•"/>
+            </a:pPr>
+            <a:r>
+              <a:rPr lang="en-US" sz="3200" dirty="0"/>
+              <a:t>Flags</a:t>
+            </a:r>
+          </a:p>
+          <a:p>
+            <a:pPr marL="285750" indent="-285750">
+              <a:buFont typeface="Arial" panose="020B0604020202020204" pitchFamily="34" charset="0"/>
+              <a:buChar char="•"/>
+            </a:pPr>
+            <a:r>
+              <a:rPr lang="en-US" sz="3200" dirty="0"/>
+              <a:t>…</a:t>
+            </a:r>
+          </a:p>
+          <a:p>
+            <a:endParaRPr lang="en-US" sz="3200" dirty="0"/>
+          </a:p>
+        </p:txBody>
+      </p:sp>
+      <p:sp>
+        <p:nvSpPr>
+          <p:cNvPr id="2" name="Slide Number Placeholder 1">
+            <a:extLst>
+              <a:ext uri="{FF2B5EF4-FFF2-40B4-BE49-F238E27FC236}">
+                <a16:creationId xmlns:a16="http://schemas.microsoft.com/office/drawing/2014/main" id="{0A755B1C-B96F-0ABC-3562-AC5B35FF804B}"/>
+              </a:ext>
+            </a:extLst>
+          </p:cNvPr>
+          <p:cNvSpPr>
+            <a:spLocks noGrp="1"/>
+          </p:cNvSpPr>
+          <p:nvPr>
+            <p:ph type="sldNum" sz="quarter" idx="12"/>
+          </p:nvPr>
+        </p:nvSpPr>
+        <p:spPr/>
+        <p:txBody>
+          <a:bodyPr/>
+          <a:lstStyle/>
+          <a:p>
+            <a:fld id="{2DB24D90-624F-4BA9-8536-8B45883AEAD5}" type="slidenum">
+              <a:rPr lang="en-US" smtClean="0"/>
+              <a:t>9</a:t>
+            </a:fld>
+            <a:endParaRPr lang="en-US" dirty="0"/>
+          </a:p>
+        </p:txBody>
+      </p:sp>
+    </p:spTree>
+    <p:extLst>
+      <p:ext uri="{BB962C8B-B14F-4D97-AF65-F5344CB8AC3E}">
+        <p14:creationId xmlns:p14="http://schemas.microsoft.com/office/powerpoint/2010/main" val="3489530417"/>
+      </p:ext>
+    </p:extLst>
+  </p:cSld>
+  <p:clrMapOvr>
+    <a:masterClrMapping/>
+  </p:clrMapOvr>
 </p:sld>
 </file>
 

--- a/research_and_presentation/Transport Layer, TCP and Floods/presentation_slides/Transport Layer, TCP and Floods.pptx
+++ b/research_and_presentation/Transport Layer, TCP and Floods/presentation_slides/Transport Layer, TCP and Floods.pptx
@@ -13,9 +13,9 @@
     <p:sldId id="259" r:id="rId4"/>
     <p:sldId id="260" r:id="rId5"/>
     <p:sldId id="261" r:id="rId6"/>
-    <p:sldId id="262" r:id="rId7"/>
-    <p:sldId id="263" r:id="rId8"/>
-    <p:sldId id="287" r:id="rId9"/>
+    <p:sldId id="263" r:id="rId7"/>
+    <p:sldId id="287" r:id="rId8"/>
+    <p:sldId id="262" r:id="rId9"/>
     <p:sldId id="267" r:id="rId10"/>
     <p:sldId id="265" r:id="rId11"/>
     <p:sldId id="272" r:id="rId12"/>
@@ -245,7 +245,7 @@
           <a:p>
             <a:fld id="{4C493C19-E536-454C-AE32-E7C28372B87B}" type="datetimeFigureOut">
               <a:rPr lang="en-US" smtClean="0"/>
-              <a:t>11/30/2024</a:t>
+              <a:t>12/1/2024</a:t>
             </a:fld>
             <a:endParaRPr lang="en-US"/>
           </a:p>
@@ -762,7 +762,7 @@
           <a:p>
             <a:fld id="{FF4B5133-6E6D-4808-A81E-9EF7D25904AC}" type="slidenum">
               <a:rPr lang="en-US" smtClean="0"/>
-              <a:t>8</a:t>
+              <a:t>7</a:t>
             </a:fld>
             <a:endParaRPr lang="en-US"/>
           </a:p>
@@ -5149,6 +5149,23 @@
               <a:defRPr/>
             </a:pPr>
             <a:r>
+              <a:rPr kumimoji="0" lang="en-US" sz="4400" b="1" i="0" u="none" strike="noStrike" kern="1200" cap="none" spc="0" normalizeH="0" baseline="0" noProof="0">
+                <a:ln>
+                  <a:noFill/>
+                </a:ln>
+                <a:solidFill>
+                  <a:schemeClr val="tx1"/>
+                </a:solidFill>
+                <a:effectLst/>
+                <a:uLnTx/>
+                <a:uFillTx/>
+                <a:latin typeface="+mj-lt"/>
+                <a:ea typeface="+mj-ea"/>
+                <a:cs typeface="+mj-cs"/>
+              </a:rPr>
+              <a:t>The Three </a:t>
+            </a:r>
+            <a:r>
               <a:rPr kumimoji="0" lang="en-US" sz="4400" b="1" i="0" u="none" strike="noStrike" kern="1200" cap="none" spc="0" normalizeH="0" baseline="0" noProof="0" dirty="0">
                 <a:ln>
                   <a:noFill/>
@@ -5163,7 +5180,7 @@
                 <a:ea typeface="+mj-ea"/>
                 <a:cs typeface="+mj-cs"/>
               </a:rPr>
-              <a:t>The Tree Way Handshake</a:t>
+              <a:t>Way Handshake</a:t>
             </a:r>
           </a:p>
         </p:txBody>
@@ -11629,7 +11646,7 @@
 </file>
 
 <file path=ppt/slides/slide6.xml><?xml version="1.0" encoding="utf-8"?>
-<p:sld xmlns:a="http://schemas.openxmlformats.org/drawingml/2006/main" xmlns:r="http://schemas.openxmlformats.org/officeDocument/2006/relationships" xmlns:p="http://schemas.openxmlformats.org/presentationml/2006/main" show="0">
+<p:sld xmlns:a="http://schemas.openxmlformats.org/drawingml/2006/main" xmlns:r="http://schemas.openxmlformats.org/officeDocument/2006/relationships" xmlns:p="http://schemas.openxmlformats.org/presentationml/2006/main">
   <p:cSld>
     <p:spTree>
       <p:nvGrpSpPr>
@@ -11647,42 +11664,10 @@
       </p:grpSpPr>
       <p:sp>
         <p:nvSpPr>
-          <p:cNvPr id="109" name="Title 108">
-            <a:extLst>
-              <a:ext uri="{FF2B5EF4-FFF2-40B4-BE49-F238E27FC236}">
-                <a16:creationId xmlns:a16="http://schemas.microsoft.com/office/drawing/2014/main" id="{646A3F78-6343-8D24-89E8-CE318D3DD63C}"/>
-              </a:ext>
-            </a:extLst>
-          </p:cNvPr>
-          <p:cNvSpPr>
-            <a:spLocks noGrp="1"/>
-          </p:cNvSpPr>
-          <p:nvPr>
-            <p:ph type="title" idx="4294967295"/>
-          </p:nvPr>
-        </p:nvSpPr>
-        <p:spPr/>
-        <p:txBody>
-          <a:bodyPr/>
-          <a:lstStyle/>
-          <a:p>
-            <a:r>
-              <a:rPr lang="en-US" dirty="0">
-                <a:solidFill>
-                  <a:srgbClr val="FCEBA5"/>
-                </a:solidFill>
-              </a:rPr>
-              <a:t>Out of Order?</a:t>
-            </a:r>
-          </a:p>
-        </p:txBody>
-      </p:sp>
-      <p:sp>
-        <p:nvSpPr>
-          <p:cNvPr id="2" name="Oval 1">
-            <a:extLst>
-              <a:ext uri="{FF2B5EF4-FFF2-40B4-BE49-F238E27FC236}">
-                <a16:creationId xmlns:a16="http://schemas.microsoft.com/office/drawing/2014/main" id="{E2B99AD9-F68E-645C-562F-1027C7245E55}"/>
+          <p:cNvPr id="94" name="Rectangle 93">
+            <a:extLst>
+              <a:ext uri="{FF2B5EF4-FFF2-40B4-BE49-F238E27FC236}">
+                <a16:creationId xmlns:a16="http://schemas.microsoft.com/office/drawing/2014/main" id="{134B910B-D2CC-06EB-40FD-BEABFF3C6BE8}"/>
               </a:ext>
             </a:extLst>
           </p:cNvPr>
@@ -11691,438 +11676,20 @@
         </p:nvSpPr>
         <p:spPr>
           <a:xfrm>
-            <a:off x="569193" y="2489200"/>
-            <a:ext cx="1879600" cy="1879600"/>
-          </a:xfrm>
-          <a:prstGeom prst="ellipse">
-            <a:avLst/>
-          </a:prstGeom>
-        </p:spPr>
-        <p:style>
-          <a:lnRef idx="2">
-            <a:schemeClr val="dk1"/>
-          </a:lnRef>
-          <a:fillRef idx="1">
-            <a:schemeClr val="lt1"/>
-          </a:fillRef>
-          <a:effectRef idx="0">
-            <a:schemeClr val="dk1"/>
-          </a:effectRef>
-          <a:fontRef idx="minor">
-            <a:schemeClr val="dk1"/>
-          </a:fontRef>
-        </p:style>
-        <p:txBody>
-          <a:bodyPr rtlCol="0" anchor="ctr"/>
-          <a:lstStyle/>
-          <a:p>
-            <a:pPr algn="ctr"/>
-            <a:r>
-              <a:rPr lang="en-US" dirty="0"/>
-              <a:t>Source</a:t>
-            </a:r>
-          </a:p>
-        </p:txBody>
-      </p:sp>
-      <p:sp>
-        <p:nvSpPr>
-          <p:cNvPr id="3" name="Oval 2">
-            <a:extLst>
-              <a:ext uri="{FF2B5EF4-FFF2-40B4-BE49-F238E27FC236}">
-                <a16:creationId xmlns:a16="http://schemas.microsoft.com/office/drawing/2014/main" id="{2F6DAD15-7ACA-5386-9094-AFC5AE3F24B9}"/>
-              </a:ext>
-            </a:extLst>
-          </p:cNvPr>
-          <p:cNvSpPr/>
-          <p:nvPr/>
-        </p:nvSpPr>
-        <p:spPr>
-          <a:xfrm>
-            <a:off x="3677642" y="2646630"/>
-            <a:ext cx="1564740" cy="1564740"/>
-          </a:xfrm>
-          <a:prstGeom prst="ellipse">
-            <a:avLst/>
-          </a:prstGeom>
-        </p:spPr>
-        <p:style>
-          <a:lnRef idx="2">
-            <a:schemeClr val="dk1"/>
-          </a:lnRef>
-          <a:fillRef idx="1">
-            <a:schemeClr val="lt1"/>
-          </a:fillRef>
-          <a:effectRef idx="0">
-            <a:schemeClr val="dk1"/>
-          </a:effectRef>
-          <a:fontRef idx="minor">
-            <a:schemeClr val="dk1"/>
-          </a:fontRef>
-        </p:style>
-        <p:txBody>
-          <a:bodyPr rtlCol="0" anchor="ctr"/>
-          <a:lstStyle/>
-          <a:p>
-            <a:pPr algn="ctr"/>
-            <a:endParaRPr lang="en-US" dirty="0"/>
-          </a:p>
-        </p:txBody>
-      </p:sp>
-      <p:sp>
-        <p:nvSpPr>
-          <p:cNvPr id="4" name="Oval 3">
-            <a:extLst>
-              <a:ext uri="{FF2B5EF4-FFF2-40B4-BE49-F238E27FC236}">
-                <a16:creationId xmlns:a16="http://schemas.microsoft.com/office/drawing/2014/main" id="{A0582DDE-CA60-CECD-9D37-39D6F661CA30}"/>
-              </a:ext>
-            </a:extLst>
-          </p:cNvPr>
-          <p:cNvSpPr/>
-          <p:nvPr/>
-        </p:nvSpPr>
-        <p:spPr>
-          <a:xfrm>
-            <a:off x="6207452" y="1560780"/>
-            <a:ext cx="1564740" cy="1564740"/>
-          </a:xfrm>
-          <a:prstGeom prst="ellipse">
-            <a:avLst/>
-          </a:prstGeom>
-        </p:spPr>
-        <p:style>
-          <a:lnRef idx="2">
-            <a:schemeClr val="dk1"/>
-          </a:lnRef>
-          <a:fillRef idx="1">
-            <a:schemeClr val="lt1"/>
-          </a:fillRef>
-          <a:effectRef idx="0">
-            <a:schemeClr val="dk1"/>
-          </a:effectRef>
-          <a:fontRef idx="minor">
-            <a:schemeClr val="dk1"/>
-          </a:fontRef>
-        </p:style>
-        <p:txBody>
-          <a:bodyPr rtlCol="0" anchor="ctr"/>
-          <a:lstStyle/>
-          <a:p>
-            <a:pPr algn="ctr"/>
-            <a:endParaRPr lang="en-US" dirty="0"/>
-          </a:p>
-        </p:txBody>
-      </p:sp>
-      <p:sp>
-        <p:nvSpPr>
-          <p:cNvPr id="5" name="Oval 4">
-            <a:extLst>
-              <a:ext uri="{FF2B5EF4-FFF2-40B4-BE49-F238E27FC236}">
-                <a16:creationId xmlns:a16="http://schemas.microsoft.com/office/drawing/2014/main" id="{5E22D082-4F15-E0BA-5BE3-09ED34B9B2FB}"/>
-              </a:ext>
-            </a:extLst>
-          </p:cNvPr>
-          <p:cNvSpPr/>
-          <p:nvPr/>
-        </p:nvSpPr>
-        <p:spPr>
-          <a:xfrm>
-            <a:off x="6207452" y="3882405"/>
-            <a:ext cx="1564740" cy="1564740"/>
-          </a:xfrm>
-          <a:prstGeom prst="ellipse">
-            <a:avLst/>
-          </a:prstGeom>
-        </p:spPr>
-        <p:style>
-          <a:lnRef idx="2">
-            <a:schemeClr val="dk1"/>
-          </a:lnRef>
-          <a:fillRef idx="1">
-            <a:schemeClr val="lt1"/>
-          </a:fillRef>
-          <a:effectRef idx="0">
-            <a:schemeClr val="dk1"/>
-          </a:effectRef>
-          <a:fontRef idx="minor">
-            <a:schemeClr val="dk1"/>
-          </a:fontRef>
-        </p:style>
-        <p:txBody>
-          <a:bodyPr rtlCol="0" anchor="ctr"/>
-          <a:lstStyle/>
-          <a:p>
-            <a:pPr algn="ctr"/>
-            <a:endParaRPr lang="en-US" dirty="0"/>
-          </a:p>
-        </p:txBody>
-      </p:sp>
-      <p:sp>
-        <p:nvSpPr>
-          <p:cNvPr id="6" name="Oval 5">
-            <a:extLst>
-              <a:ext uri="{FF2B5EF4-FFF2-40B4-BE49-F238E27FC236}">
-                <a16:creationId xmlns:a16="http://schemas.microsoft.com/office/drawing/2014/main" id="{7B39D998-A0A9-7039-EF51-4DFC96C52A10}"/>
-              </a:ext>
-            </a:extLst>
-          </p:cNvPr>
-          <p:cNvSpPr/>
-          <p:nvPr/>
-        </p:nvSpPr>
-        <p:spPr>
-          <a:xfrm>
-            <a:off x="9019309" y="2489200"/>
-            <a:ext cx="1879600" cy="1879600"/>
-          </a:xfrm>
-          <a:prstGeom prst="ellipse">
-            <a:avLst/>
-          </a:prstGeom>
-        </p:spPr>
-        <p:style>
-          <a:lnRef idx="2">
-            <a:schemeClr val="dk1"/>
-          </a:lnRef>
-          <a:fillRef idx="1">
-            <a:schemeClr val="lt1"/>
-          </a:fillRef>
-          <a:effectRef idx="0">
-            <a:schemeClr val="dk1"/>
-          </a:effectRef>
-          <a:fontRef idx="minor">
-            <a:schemeClr val="dk1"/>
-          </a:fontRef>
-        </p:style>
-        <p:txBody>
-          <a:bodyPr rtlCol="0" anchor="ctr"/>
-          <a:lstStyle/>
-          <a:p>
-            <a:pPr algn="ctr"/>
-            <a:r>
-              <a:rPr lang="en-US" dirty="0"/>
-              <a:t>Destination</a:t>
-            </a:r>
-          </a:p>
-        </p:txBody>
-      </p:sp>
-      <p:cxnSp>
-        <p:nvCxnSpPr>
-          <p:cNvPr id="8" name="Straight Connector 7">
-            <a:extLst>
-              <a:ext uri="{FF2B5EF4-FFF2-40B4-BE49-F238E27FC236}">
-                <a16:creationId xmlns:a16="http://schemas.microsoft.com/office/drawing/2014/main" id="{8C3EC278-6BA5-A3C0-EC0F-9F0E67AD3640}"/>
-              </a:ext>
-            </a:extLst>
-          </p:cNvPr>
-          <p:cNvCxnSpPr>
-            <a:cxnSpLocks/>
-            <a:stCxn id="2" idx="6"/>
-            <a:endCxn id="3" idx="2"/>
-          </p:cNvCxnSpPr>
-          <p:nvPr/>
-        </p:nvCxnSpPr>
-        <p:spPr>
-          <a:xfrm>
-            <a:off x="2448793" y="3429000"/>
-            <a:ext cx="1228849" cy="0"/>
-          </a:xfrm>
-          <a:prstGeom prst="line">
-            <a:avLst/>
-          </a:prstGeom>
-        </p:spPr>
-        <p:style>
-          <a:lnRef idx="3">
-            <a:schemeClr val="dk1"/>
-          </a:lnRef>
-          <a:fillRef idx="0">
-            <a:schemeClr val="dk1"/>
-          </a:fillRef>
-          <a:effectRef idx="2">
-            <a:schemeClr val="dk1"/>
-          </a:effectRef>
-          <a:fontRef idx="minor">
-            <a:schemeClr val="tx1"/>
-          </a:fontRef>
-        </p:style>
-      </p:cxnSp>
-      <p:cxnSp>
-        <p:nvCxnSpPr>
-          <p:cNvPr id="10" name="Straight Connector 9">
-            <a:extLst>
-              <a:ext uri="{FF2B5EF4-FFF2-40B4-BE49-F238E27FC236}">
-                <a16:creationId xmlns:a16="http://schemas.microsoft.com/office/drawing/2014/main" id="{FC22ABF6-F356-22A2-02D3-91EE23A8C89A}"/>
-              </a:ext>
-            </a:extLst>
-          </p:cNvPr>
-          <p:cNvCxnSpPr>
-            <a:cxnSpLocks/>
-            <a:stCxn id="3" idx="7"/>
-            <a:endCxn id="4" idx="2"/>
-          </p:cNvCxnSpPr>
-          <p:nvPr/>
-        </p:nvCxnSpPr>
-        <p:spPr>
-          <a:xfrm flipV="1">
-            <a:off x="5013231" y="2343150"/>
-            <a:ext cx="1194221" cy="532631"/>
-          </a:xfrm>
-          <a:prstGeom prst="line">
-            <a:avLst/>
-          </a:prstGeom>
-        </p:spPr>
-        <p:style>
-          <a:lnRef idx="3">
-            <a:schemeClr val="dk1"/>
-          </a:lnRef>
-          <a:fillRef idx="0">
-            <a:schemeClr val="dk1"/>
-          </a:fillRef>
-          <a:effectRef idx="2">
-            <a:schemeClr val="dk1"/>
-          </a:effectRef>
-          <a:fontRef idx="minor">
-            <a:schemeClr val="tx1"/>
-          </a:fontRef>
-        </p:style>
-      </p:cxnSp>
-      <p:cxnSp>
-        <p:nvCxnSpPr>
-          <p:cNvPr id="12" name="Straight Connector 11">
-            <a:extLst>
-              <a:ext uri="{FF2B5EF4-FFF2-40B4-BE49-F238E27FC236}">
-                <a16:creationId xmlns:a16="http://schemas.microsoft.com/office/drawing/2014/main" id="{AAE35FA1-BBFB-B25D-C88A-D308DF66E0D3}"/>
-              </a:ext>
-            </a:extLst>
-          </p:cNvPr>
-          <p:cNvCxnSpPr>
-            <a:cxnSpLocks/>
-            <a:stCxn id="3" idx="5"/>
-            <a:endCxn id="5" idx="2"/>
-          </p:cNvCxnSpPr>
-          <p:nvPr/>
-        </p:nvCxnSpPr>
-        <p:spPr>
-          <a:xfrm>
-            <a:off x="5013231" y="3982219"/>
-            <a:ext cx="1194221" cy="682556"/>
-          </a:xfrm>
-          <a:prstGeom prst="line">
-            <a:avLst/>
-          </a:prstGeom>
-        </p:spPr>
-        <p:style>
-          <a:lnRef idx="3">
-            <a:schemeClr val="dk1"/>
-          </a:lnRef>
-          <a:fillRef idx="0">
-            <a:schemeClr val="dk1"/>
-          </a:fillRef>
-          <a:effectRef idx="2">
-            <a:schemeClr val="dk1"/>
-          </a:effectRef>
-          <a:fontRef idx="minor">
-            <a:schemeClr val="tx1"/>
-          </a:fontRef>
-        </p:style>
-      </p:cxnSp>
-      <p:cxnSp>
-        <p:nvCxnSpPr>
-          <p:cNvPr id="14" name="Straight Connector 13">
-            <a:extLst>
-              <a:ext uri="{FF2B5EF4-FFF2-40B4-BE49-F238E27FC236}">
-                <a16:creationId xmlns:a16="http://schemas.microsoft.com/office/drawing/2014/main" id="{E4F8A65A-3E63-AAB6-6A91-FA234EC57C45}"/>
-              </a:ext>
-            </a:extLst>
-          </p:cNvPr>
-          <p:cNvCxnSpPr>
-            <a:cxnSpLocks/>
-            <a:stCxn id="4" idx="6"/>
-            <a:endCxn id="6" idx="2"/>
-          </p:cNvCxnSpPr>
-          <p:nvPr/>
-        </p:nvCxnSpPr>
-        <p:spPr>
-          <a:xfrm>
-            <a:off x="7772192" y="2343150"/>
-            <a:ext cx="1247117" cy="1085850"/>
-          </a:xfrm>
-          <a:prstGeom prst="line">
-            <a:avLst/>
-          </a:prstGeom>
-        </p:spPr>
-        <p:style>
-          <a:lnRef idx="3">
-            <a:schemeClr val="dk1"/>
-          </a:lnRef>
-          <a:fillRef idx="0">
-            <a:schemeClr val="dk1"/>
-          </a:fillRef>
-          <a:effectRef idx="2">
-            <a:schemeClr val="dk1"/>
-          </a:effectRef>
-          <a:fontRef idx="minor">
-            <a:schemeClr val="tx1"/>
-          </a:fontRef>
-        </p:style>
-      </p:cxnSp>
-      <p:cxnSp>
-        <p:nvCxnSpPr>
-          <p:cNvPr id="18" name="Straight Connector 17">
-            <a:extLst>
-              <a:ext uri="{FF2B5EF4-FFF2-40B4-BE49-F238E27FC236}">
-                <a16:creationId xmlns:a16="http://schemas.microsoft.com/office/drawing/2014/main" id="{E571782B-AE8E-0C1B-DFDF-11AC325AAA04}"/>
-              </a:ext>
-            </a:extLst>
-          </p:cNvPr>
-          <p:cNvCxnSpPr>
-            <a:cxnSpLocks/>
-            <a:stCxn id="5" idx="6"/>
-            <a:endCxn id="6" idx="2"/>
-          </p:cNvCxnSpPr>
-          <p:nvPr/>
-        </p:nvCxnSpPr>
-        <p:spPr>
-          <a:xfrm flipV="1">
-            <a:off x="7772192" y="3429000"/>
-            <a:ext cx="1247117" cy="1235775"/>
-          </a:xfrm>
-          <a:prstGeom prst="line">
-            <a:avLst/>
-          </a:prstGeom>
-        </p:spPr>
-        <p:style>
-          <a:lnRef idx="3">
-            <a:schemeClr val="dk1"/>
-          </a:lnRef>
-          <a:fillRef idx="0">
-            <a:schemeClr val="dk1"/>
-          </a:fillRef>
-          <a:effectRef idx="2">
-            <a:schemeClr val="dk1"/>
-          </a:effectRef>
-          <a:fontRef idx="minor">
-            <a:schemeClr val="tx1"/>
-          </a:fontRef>
-        </p:style>
-      </p:cxnSp>
-      <p:sp>
-        <p:nvSpPr>
-          <p:cNvPr id="45" name="Oval 44">
-            <a:extLst>
-              <a:ext uri="{FF2B5EF4-FFF2-40B4-BE49-F238E27FC236}">
-                <a16:creationId xmlns:a16="http://schemas.microsoft.com/office/drawing/2014/main" id="{D0338AED-4D91-7C01-4C81-19B6830D8DB5}"/>
-              </a:ext>
-            </a:extLst>
-          </p:cNvPr>
-          <p:cNvSpPr/>
-          <p:nvPr/>
-        </p:nvSpPr>
-        <p:spPr>
-          <a:xfrm>
-            <a:off x="1466338" y="4586060"/>
-            <a:ext cx="157430" cy="157430"/>
-          </a:xfrm>
-          <a:prstGeom prst="ellipse">
-            <a:avLst/>
-          </a:prstGeom>
+            <a:off x="6096000" y="-314035"/>
+            <a:ext cx="6487104" cy="7172036"/>
+          </a:xfrm>
+          <a:prstGeom prst="rect">
+            <a:avLst/>
+          </a:prstGeom>
+          <a:solidFill>
+            <a:srgbClr val="FBE37D"/>
+          </a:solidFill>
+          <a:ln>
+            <a:solidFill>
+              <a:srgbClr val="FBE37D"/>
+            </a:solidFill>
+          </a:ln>
         </p:spPr>
         <p:style>
           <a:lnRef idx="2">
@@ -12151,725 +11718,6 @@
       </p:sp>
       <p:sp>
         <p:nvSpPr>
-          <p:cNvPr id="46" name="Oval 45">
-            <a:extLst>
-              <a:ext uri="{FF2B5EF4-FFF2-40B4-BE49-F238E27FC236}">
-                <a16:creationId xmlns:a16="http://schemas.microsoft.com/office/drawing/2014/main" id="{24BCF02C-D5F4-9437-896C-66BCE13269D0}"/>
-              </a:ext>
-            </a:extLst>
-          </p:cNvPr>
-          <p:cNvSpPr/>
-          <p:nvPr/>
-        </p:nvSpPr>
-        <p:spPr>
-          <a:xfrm>
-            <a:off x="4379149" y="4586060"/>
-            <a:ext cx="157430" cy="157430"/>
-          </a:xfrm>
-          <a:prstGeom prst="ellipse">
-            <a:avLst/>
-          </a:prstGeom>
-        </p:spPr>
-        <p:style>
-          <a:lnRef idx="2">
-            <a:schemeClr val="accent1">
-              <a:shade val="15000"/>
-            </a:schemeClr>
-          </a:lnRef>
-          <a:fillRef idx="1">
-            <a:schemeClr val="accent1"/>
-          </a:fillRef>
-          <a:effectRef idx="0">
-            <a:schemeClr val="accent1"/>
-          </a:effectRef>
-          <a:fontRef idx="minor">
-            <a:schemeClr val="lt1"/>
-          </a:fontRef>
-        </p:style>
-        <p:txBody>
-          <a:bodyPr rtlCol="0" anchor="ctr"/>
-          <a:lstStyle/>
-          <a:p>
-            <a:pPr algn="ctr"/>
-            <a:endParaRPr lang="en-US"/>
-          </a:p>
-        </p:txBody>
-      </p:sp>
-      <p:sp>
-        <p:nvSpPr>
-          <p:cNvPr id="47" name="Oval 46">
-            <a:extLst>
-              <a:ext uri="{FF2B5EF4-FFF2-40B4-BE49-F238E27FC236}">
-                <a16:creationId xmlns:a16="http://schemas.microsoft.com/office/drawing/2014/main" id="{4AB94914-CFD0-861A-4169-706B96F3C746}"/>
-              </a:ext>
-            </a:extLst>
-          </p:cNvPr>
-          <p:cNvSpPr/>
-          <p:nvPr/>
-        </p:nvSpPr>
-        <p:spPr>
-          <a:xfrm>
-            <a:off x="6916235" y="5743120"/>
-            <a:ext cx="157430" cy="157430"/>
-          </a:xfrm>
-          <a:prstGeom prst="ellipse">
-            <a:avLst/>
-          </a:prstGeom>
-        </p:spPr>
-        <p:style>
-          <a:lnRef idx="2">
-            <a:schemeClr val="accent1">
-              <a:shade val="15000"/>
-            </a:schemeClr>
-          </a:lnRef>
-          <a:fillRef idx="1">
-            <a:schemeClr val="accent1"/>
-          </a:fillRef>
-          <a:effectRef idx="0">
-            <a:schemeClr val="accent1"/>
-          </a:effectRef>
-          <a:fontRef idx="minor">
-            <a:schemeClr val="lt1"/>
-          </a:fontRef>
-        </p:style>
-        <p:txBody>
-          <a:bodyPr rtlCol="0" anchor="ctr"/>
-          <a:lstStyle/>
-          <a:p>
-            <a:pPr algn="ctr"/>
-            <a:endParaRPr lang="en-US"/>
-          </a:p>
-        </p:txBody>
-      </p:sp>
-      <p:sp>
-        <p:nvSpPr>
-          <p:cNvPr id="48" name="Oval 47">
-            <a:extLst>
-              <a:ext uri="{FF2B5EF4-FFF2-40B4-BE49-F238E27FC236}">
-                <a16:creationId xmlns:a16="http://schemas.microsoft.com/office/drawing/2014/main" id="{904A16EF-E21F-C30B-1E53-66A8F5101C03}"/>
-              </a:ext>
-            </a:extLst>
-          </p:cNvPr>
-          <p:cNvSpPr/>
-          <p:nvPr/>
-        </p:nvSpPr>
-        <p:spPr>
-          <a:xfrm>
-            <a:off x="9020889" y="4093539"/>
-            <a:ext cx="157430" cy="157430"/>
-          </a:xfrm>
-          <a:prstGeom prst="ellipse">
-            <a:avLst/>
-          </a:prstGeom>
-        </p:spPr>
-        <p:style>
-          <a:lnRef idx="2">
-            <a:schemeClr val="accent1">
-              <a:shade val="15000"/>
-            </a:schemeClr>
-          </a:lnRef>
-          <a:fillRef idx="1">
-            <a:schemeClr val="accent1"/>
-          </a:fillRef>
-          <a:effectRef idx="0">
-            <a:schemeClr val="accent1"/>
-          </a:effectRef>
-          <a:fontRef idx="minor">
-            <a:schemeClr val="lt1"/>
-          </a:fontRef>
-        </p:style>
-        <p:txBody>
-          <a:bodyPr rtlCol="0" anchor="ctr"/>
-          <a:lstStyle/>
-          <a:p>
-            <a:pPr algn="ctr"/>
-            <a:endParaRPr lang="en-US"/>
-          </a:p>
-        </p:txBody>
-      </p:sp>
-      <p:cxnSp>
-        <p:nvCxnSpPr>
-          <p:cNvPr id="50" name="Straight Arrow Connector 49">
-            <a:extLst>
-              <a:ext uri="{FF2B5EF4-FFF2-40B4-BE49-F238E27FC236}">
-                <a16:creationId xmlns:a16="http://schemas.microsoft.com/office/drawing/2014/main" id="{7BBC4F1F-9E31-E981-54A3-9988C53433AD}"/>
-              </a:ext>
-            </a:extLst>
-          </p:cNvPr>
-          <p:cNvCxnSpPr>
-            <a:cxnSpLocks/>
-            <a:stCxn id="45" idx="6"/>
-            <a:endCxn id="46" idx="2"/>
-          </p:cNvCxnSpPr>
-          <p:nvPr/>
-        </p:nvCxnSpPr>
-        <p:spPr>
-          <a:xfrm>
-            <a:off x="1623768" y="4664775"/>
-            <a:ext cx="2755381" cy="0"/>
-          </a:xfrm>
-          <a:prstGeom prst="straightConnector1">
-            <a:avLst/>
-          </a:prstGeom>
-          <a:ln>
-            <a:tailEnd type="triangle"/>
-          </a:ln>
-        </p:spPr>
-        <p:style>
-          <a:lnRef idx="3">
-            <a:schemeClr val="accent1"/>
-          </a:lnRef>
-          <a:fillRef idx="0">
-            <a:schemeClr val="accent1"/>
-          </a:fillRef>
-          <a:effectRef idx="2">
-            <a:schemeClr val="accent1"/>
-          </a:effectRef>
-          <a:fontRef idx="minor">
-            <a:schemeClr val="tx1"/>
-          </a:fontRef>
-        </p:style>
-      </p:cxnSp>
-      <p:cxnSp>
-        <p:nvCxnSpPr>
-          <p:cNvPr id="52" name="Straight Arrow Connector 51">
-            <a:extLst>
-              <a:ext uri="{FF2B5EF4-FFF2-40B4-BE49-F238E27FC236}">
-                <a16:creationId xmlns:a16="http://schemas.microsoft.com/office/drawing/2014/main" id="{09CDECB5-3D87-E5D6-6602-59F21BE3F492}"/>
-              </a:ext>
-            </a:extLst>
-          </p:cNvPr>
-          <p:cNvCxnSpPr>
-            <a:cxnSpLocks/>
-            <a:stCxn id="46" idx="6"/>
-            <a:endCxn id="47" idx="2"/>
-          </p:cNvCxnSpPr>
-          <p:nvPr/>
-        </p:nvCxnSpPr>
-        <p:spPr>
-          <a:xfrm>
-            <a:off x="4536579" y="4664775"/>
-            <a:ext cx="2379656" cy="1157060"/>
-          </a:xfrm>
-          <a:prstGeom prst="straightConnector1">
-            <a:avLst/>
-          </a:prstGeom>
-          <a:ln>
-            <a:tailEnd type="triangle"/>
-          </a:ln>
-        </p:spPr>
-        <p:style>
-          <a:lnRef idx="3">
-            <a:schemeClr val="accent1"/>
-          </a:lnRef>
-          <a:fillRef idx="0">
-            <a:schemeClr val="accent1"/>
-          </a:fillRef>
-          <a:effectRef idx="2">
-            <a:schemeClr val="accent1"/>
-          </a:effectRef>
-          <a:fontRef idx="minor">
-            <a:schemeClr val="tx1"/>
-          </a:fontRef>
-        </p:style>
-      </p:cxnSp>
-      <p:cxnSp>
-        <p:nvCxnSpPr>
-          <p:cNvPr id="54" name="Straight Arrow Connector 53">
-            <a:extLst>
-              <a:ext uri="{FF2B5EF4-FFF2-40B4-BE49-F238E27FC236}">
-                <a16:creationId xmlns:a16="http://schemas.microsoft.com/office/drawing/2014/main" id="{F895C13A-00A0-7F6D-779A-694ADAD36CEB}"/>
-              </a:ext>
-            </a:extLst>
-          </p:cNvPr>
-          <p:cNvCxnSpPr>
-            <a:cxnSpLocks/>
-            <a:stCxn id="47" idx="6"/>
-            <a:endCxn id="48" idx="3"/>
-          </p:cNvCxnSpPr>
-          <p:nvPr/>
-        </p:nvCxnSpPr>
-        <p:spPr>
-          <a:xfrm flipV="1">
-            <a:off x="7073665" y="4227914"/>
-            <a:ext cx="1970279" cy="1593921"/>
-          </a:xfrm>
-          <a:prstGeom prst="straightConnector1">
-            <a:avLst/>
-          </a:prstGeom>
-          <a:ln>
-            <a:tailEnd type="triangle"/>
-          </a:ln>
-        </p:spPr>
-        <p:style>
-          <a:lnRef idx="3">
-            <a:schemeClr val="accent1"/>
-          </a:lnRef>
-          <a:fillRef idx="0">
-            <a:schemeClr val="accent1"/>
-          </a:fillRef>
-          <a:effectRef idx="2">
-            <a:schemeClr val="accent1"/>
-          </a:effectRef>
-          <a:fontRef idx="minor">
-            <a:schemeClr val="tx1"/>
-          </a:fontRef>
-        </p:style>
-      </p:cxnSp>
-      <p:sp>
-        <p:nvSpPr>
-          <p:cNvPr id="96" name="Oval 95">
-            <a:extLst>
-              <a:ext uri="{FF2B5EF4-FFF2-40B4-BE49-F238E27FC236}">
-                <a16:creationId xmlns:a16="http://schemas.microsoft.com/office/drawing/2014/main" id="{0E3DAC4B-E8FB-A172-BF6A-B4F7CAF05D0C}"/>
-              </a:ext>
-            </a:extLst>
-          </p:cNvPr>
-          <p:cNvSpPr/>
-          <p:nvPr/>
-        </p:nvSpPr>
-        <p:spPr>
-          <a:xfrm>
-            <a:off x="1466338" y="2242699"/>
-            <a:ext cx="157430" cy="157430"/>
-          </a:xfrm>
-          <a:prstGeom prst="ellipse">
-            <a:avLst/>
-          </a:prstGeom>
-          <a:solidFill>
-            <a:schemeClr val="accent2">
-              <a:lumMod val="75000"/>
-            </a:schemeClr>
-          </a:solidFill>
-        </p:spPr>
-        <p:style>
-          <a:lnRef idx="2">
-            <a:schemeClr val="accent1">
-              <a:shade val="15000"/>
-            </a:schemeClr>
-          </a:lnRef>
-          <a:fillRef idx="1">
-            <a:schemeClr val="accent1"/>
-          </a:fillRef>
-          <a:effectRef idx="0">
-            <a:schemeClr val="accent1"/>
-          </a:effectRef>
-          <a:fontRef idx="minor">
-            <a:schemeClr val="lt1"/>
-          </a:fontRef>
-        </p:style>
-        <p:txBody>
-          <a:bodyPr rtlCol="0" anchor="ctr"/>
-          <a:lstStyle/>
-          <a:p>
-            <a:pPr algn="ctr"/>
-            <a:endParaRPr lang="en-US" dirty="0">
-              <a:solidFill>
-                <a:schemeClr val="accent2">
-                  <a:lumMod val="75000"/>
-                </a:schemeClr>
-              </a:solidFill>
-            </a:endParaRPr>
-          </a:p>
-        </p:txBody>
-      </p:sp>
-      <p:sp>
-        <p:nvSpPr>
-          <p:cNvPr id="97" name="Oval 96">
-            <a:extLst>
-              <a:ext uri="{FF2B5EF4-FFF2-40B4-BE49-F238E27FC236}">
-                <a16:creationId xmlns:a16="http://schemas.microsoft.com/office/drawing/2014/main" id="{A879D70D-92CB-C619-03F8-2818113E2736}"/>
-              </a:ext>
-            </a:extLst>
-          </p:cNvPr>
-          <p:cNvSpPr/>
-          <p:nvPr/>
-        </p:nvSpPr>
-        <p:spPr>
-          <a:xfrm>
-            <a:off x="4379149" y="2242699"/>
-            <a:ext cx="157430" cy="157430"/>
-          </a:xfrm>
-          <a:prstGeom prst="ellipse">
-            <a:avLst/>
-          </a:prstGeom>
-          <a:solidFill>
-            <a:schemeClr val="accent2">
-              <a:lumMod val="75000"/>
-            </a:schemeClr>
-          </a:solidFill>
-        </p:spPr>
-        <p:style>
-          <a:lnRef idx="2">
-            <a:schemeClr val="accent1">
-              <a:shade val="15000"/>
-            </a:schemeClr>
-          </a:lnRef>
-          <a:fillRef idx="1">
-            <a:schemeClr val="accent1"/>
-          </a:fillRef>
-          <a:effectRef idx="0">
-            <a:schemeClr val="accent1"/>
-          </a:effectRef>
-          <a:fontRef idx="minor">
-            <a:schemeClr val="lt1"/>
-          </a:fontRef>
-        </p:style>
-        <p:txBody>
-          <a:bodyPr rtlCol="0" anchor="ctr"/>
-          <a:lstStyle/>
-          <a:p>
-            <a:pPr algn="ctr"/>
-            <a:endParaRPr lang="en-US"/>
-          </a:p>
-        </p:txBody>
-      </p:sp>
-      <p:sp>
-        <p:nvSpPr>
-          <p:cNvPr id="98" name="Oval 97">
-            <a:extLst>
-              <a:ext uri="{FF2B5EF4-FFF2-40B4-BE49-F238E27FC236}">
-                <a16:creationId xmlns:a16="http://schemas.microsoft.com/office/drawing/2014/main" id="{5F309D81-006D-D292-13BD-FB3CD450BDB9}"/>
-              </a:ext>
-            </a:extLst>
-          </p:cNvPr>
-          <p:cNvSpPr/>
-          <p:nvPr/>
-        </p:nvSpPr>
-        <p:spPr>
-          <a:xfrm>
-            <a:off x="6916235" y="1077728"/>
-            <a:ext cx="157430" cy="157430"/>
-          </a:xfrm>
-          <a:prstGeom prst="ellipse">
-            <a:avLst/>
-          </a:prstGeom>
-          <a:solidFill>
-            <a:schemeClr val="accent2">
-              <a:lumMod val="75000"/>
-            </a:schemeClr>
-          </a:solidFill>
-        </p:spPr>
-        <p:style>
-          <a:lnRef idx="2">
-            <a:schemeClr val="accent1">
-              <a:shade val="15000"/>
-            </a:schemeClr>
-          </a:lnRef>
-          <a:fillRef idx="1">
-            <a:schemeClr val="accent1"/>
-          </a:fillRef>
-          <a:effectRef idx="0">
-            <a:schemeClr val="accent1"/>
-          </a:effectRef>
-          <a:fontRef idx="minor">
-            <a:schemeClr val="lt1"/>
-          </a:fontRef>
-        </p:style>
-        <p:txBody>
-          <a:bodyPr rtlCol="0" anchor="ctr"/>
-          <a:lstStyle/>
-          <a:p>
-            <a:pPr algn="ctr"/>
-            <a:endParaRPr lang="en-US"/>
-          </a:p>
-        </p:txBody>
-      </p:sp>
-      <p:sp>
-        <p:nvSpPr>
-          <p:cNvPr id="99" name="Oval 98">
-            <a:extLst>
-              <a:ext uri="{FF2B5EF4-FFF2-40B4-BE49-F238E27FC236}">
-                <a16:creationId xmlns:a16="http://schemas.microsoft.com/office/drawing/2014/main" id="{FFCC0DAF-4AFA-342A-7ACA-02BB809F8050}"/>
-              </a:ext>
-            </a:extLst>
-          </p:cNvPr>
-          <p:cNvSpPr/>
-          <p:nvPr/>
-        </p:nvSpPr>
-        <p:spPr>
-          <a:xfrm>
-            <a:off x="9043944" y="2584791"/>
-            <a:ext cx="157430" cy="157430"/>
-          </a:xfrm>
-          <a:prstGeom prst="ellipse">
-            <a:avLst/>
-          </a:prstGeom>
-          <a:solidFill>
-            <a:schemeClr val="accent2">
-              <a:lumMod val="75000"/>
-            </a:schemeClr>
-          </a:solidFill>
-        </p:spPr>
-        <p:style>
-          <a:lnRef idx="2">
-            <a:schemeClr val="accent1">
-              <a:shade val="15000"/>
-            </a:schemeClr>
-          </a:lnRef>
-          <a:fillRef idx="1">
-            <a:schemeClr val="accent1"/>
-          </a:fillRef>
-          <a:effectRef idx="0">
-            <a:schemeClr val="accent1"/>
-          </a:effectRef>
-          <a:fontRef idx="minor">
-            <a:schemeClr val="lt1"/>
-          </a:fontRef>
-        </p:style>
-        <p:txBody>
-          <a:bodyPr rtlCol="0" anchor="ctr"/>
-          <a:lstStyle/>
-          <a:p>
-            <a:pPr algn="ctr"/>
-            <a:endParaRPr lang="en-US"/>
-          </a:p>
-        </p:txBody>
-      </p:sp>
-      <p:cxnSp>
-        <p:nvCxnSpPr>
-          <p:cNvPr id="100" name="Straight Arrow Connector 99">
-            <a:extLst>
-              <a:ext uri="{FF2B5EF4-FFF2-40B4-BE49-F238E27FC236}">
-                <a16:creationId xmlns:a16="http://schemas.microsoft.com/office/drawing/2014/main" id="{5B031A3E-E5F3-FCDB-80C7-9A231F2A0EA6}"/>
-              </a:ext>
-            </a:extLst>
-          </p:cNvPr>
-          <p:cNvCxnSpPr>
-            <a:cxnSpLocks/>
-            <a:stCxn id="96" idx="6"/>
-            <a:endCxn id="97" idx="2"/>
-          </p:cNvCxnSpPr>
-          <p:nvPr/>
-        </p:nvCxnSpPr>
-        <p:spPr>
-          <a:xfrm>
-            <a:off x="1623768" y="2321414"/>
-            <a:ext cx="2755381" cy="0"/>
-          </a:xfrm>
-          <a:prstGeom prst="straightConnector1">
-            <a:avLst/>
-          </a:prstGeom>
-          <a:ln>
-            <a:tailEnd type="triangle"/>
-          </a:ln>
-        </p:spPr>
-        <p:style>
-          <a:lnRef idx="3">
-            <a:schemeClr val="accent2"/>
-          </a:lnRef>
-          <a:fillRef idx="0">
-            <a:schemeClr val="accent2"/>
-          </a:fillRef>
-          <a:effectRef idx="2">
-            <a:schemeClr val="accent2"/>
-          </a:effectRef>
-          <a:fontRef idx="minor">
-            <a:schemeClr val="tx1"/>
-          </a:fontRef>
-        </p:style>
-      </p:cxnSp>
-      <p:cxnSp>
-        <p:nvCxnSpPr>
-          <p:cNvPr id="101" name="Straight Arrow Connector 100">
-            <a:extLst>
-              <a:ext uri="{FF2B5EF4-FFF2-40B4-BE49-F238E27FC236}">
-                <a16:creationId xmlns:a16="http://schemas.microsoft.com/office/drawing/2014/main" id="{5D558B96-639A-B99B-53E1-48DAEB4DF622}"/>
-              </a:ext>
-            </a:extLst>
-          </p:cNvPr>
-          <p:cNvCxnSpPr>
-            <a:cxnSpLocks/>
-            <a:stCxn id="97" idx="6"/>
-            <a:endCxn id="98" idx="2"/>
-          </p:cNvCxnSpPr>
-          <p:nvPr/>
-        </p:nvCxnSpPr>
-        <p:spPr>
-          <a:xfrm flipV="1">
-            <a:off x="4536579" y="1156443"/>
-            <a:ext cx="2379656" cy="1164971"/>
-          </a:xfrm>
-          <a:prstGeom prst="straightConnector1">
-            <a:avLst/>
-          </a:prstGeom>
-          <a:ln>
-            <a:tailEnd type="triangle"/>
-          </a:ln>
-        </p:spPr>
-        <p:style>
-          <a:lnRef idx="3">
-            <a:schemeClr val="accent2"/>
-          </a:lnRef>
-          <a:fillRef idx="0">
-            <a:schemeClr val="accent2"/>
-          </a:fillRef>
-          <a:effectRef idx="2">
-            <a:schemeClr val="accent2"/>
-          </a:effectRef>
-          <a:fontRef idx="minor">
-            <a:schemeClr val="tx1"/>
-          </a:fontRef>
-        </p:style>
-      </p:cxnSp>
-      <p:cxnSp>
-        <p:nvCxnSpPr>
-          <p:cNvPr id="102" name="Straight Arrow Connector 101">
-            <a:extLst>
-              <a:ext uri="{FF2B5EF4-FFF2-40B4-BE49-F238E27FC236}">
-                <a16:creationId xmlns:a16="http://schemas.microsoft.com/office/drawing/2014/main" id="{9743888E-D93B-C225-03A4-D057399A59F6}"/>
-              </a:ext>
-            </a:extLst>
-          </p:cNvPr>
-          <p:cNvCxnSpPr>
-            <a:cxnSpLocks/>
-            <a:stCxn id="98" idx="6"/>
-            <a:endCxn id="99" idx="1"/>
-          </p:cNvCxnSpPr>
-          <p:nvPr/>
-        </p:nvCxnSpPr>
-        <p:spPr>
-          <a:xfrm>
-            <a:off x="7073665" y="1156443"/>
-            <a:ext cx="1993334" cy="1451403"/>
-          </a:xfrm>
-          <a:prstGeom prst="straightConnector1">
-            <a:avLst/>
-          </a:prstGeom>
-          <a:ln>
-            <a:tailEnd type="triangle"/>
-          </a:ln>
-        </p:spPr>
-        <p:style>
-          <a:lnRef idx="3">
-            <a:schemeClr val="accent2"/>
-          </a:lnRef>
-          <a:fillRef idx="0">
-            <a:schemeClr val="accent2"/>
-          </a:fillRef>
-          <a:effectRef idx="2">
-            <a:schemeClr val="accent2"/>
-          </a:effectRef>
-          <a:fontRef idx="minor">
-            <a:schemeClr val="tx1"/>
-          </a:fontRef>
-        </p:style>
-      </p:cxnSp>
-      <p:sp>
-        <p:nvSpPr>
-          <p:cNvPr id="7" name="Slide Number Placeholder 6">
-            <a:extLst>
-              <a:ext uri="{FF2B5EF4-FFF2-40B4-BE49-F238E27FC236}">
-                <a16:creationId xmlns:a16="http://schemas.microsoft.com/office/drawing/2014/main" id="{B80A7E82-E2D8-A5C9-8B76-F4EA7F0352EF}"/>
-              </a:ext>
-            </a:extLst>
-          </p:cNvPr>
-          <p:cNvSpPr>
-            <a:spLocks noGrp="1"/>
-          </p:cNvSpPr>
-          <p:nvPr>
-            <p:ph type="sldNum" sz="quarter" idx="12"/>
-          </p:nvPr>
-        </p:nvSpPr>
-        <p:spPr/>
-        <p:txBody>
-          <a:bodyPr/>
-          <a:lstStyle/>
-          <a:p>
-            <a:fld id="{2DB24D90-624F-4BA9-8536-8B45883AEAD5}" type="slidenum">
-              <a:rPr lang="en-US" smtClean="0"/>
-              <a:t>6</a:t>
-            </a:fld>
-            <a:endParaRPr lang="en-US" dirty="0"/>
-          </a:p>
-        </p:txBody>
-      </p:sp>
-    </p:spTree>
-    <p:extLst>
-      <p:ext uri="{BB962C8B-B14F-4D97-AF65-F5344CB8AC3E}">
-        <p14:creationId xmlns:p14="http://schemas.microsoft.com/office/powerpoint/2010/main" val="3470959867"/>
-      </p:ext>
-    </p:extLst>
-  </p:cSld>
-  <p:clrMapOvr>
-    <a:masterClrMapping/>
-  </p:clrMapOvr>
-</p:sld>
-</file>
-
-<file path=ppt/slides/slide7.xml><?xml version="1.0" encoding="utf-8"?>
-<p:sld xmlns:a="http://schemas.openxmlformats.org/drawingml/2006/main" xmlns:r="http://schemas.openxmlformats.org/officeDocument/2006/relationships" xmlns:p="http://schemas.openxmlformats.org/presentationml/2006/main">
-  <p:cSld>
-    <p:spTree>
-      <p:nvGrpSpPr>
-        <p:cNvPr id="1" name=""/>
-        <p:cNvGrpSpPr/>
-        <p:nvPr/>
-      </p:nvGrpSpPr>
-      <p:grpSpPr>
-        <a:xfrm>
-          <a:off x="0" y="0"/>
-          <a:ext cx="0" cy="0"/>
-          <a:chOff x="0" y="0"/>
-          <a:chExt cx="0" cy="0"/>
-        </a:xfrm>
-      </p:grpSpPr>
-      <p:sp>
-        <p:nvSpPr>
-          <p:cNvPr id="94" name="Rectangle 93">
-            <a:extLst>
-              <a:ext uri="{FF2B5EF4-FFF2-40B4-BE49-F238E27FC236}">
-                <a16:creationId xmlns:a16="http://schemas.microsoft.com/office/drawing/2014/main" id="{134B910B-D2CC-06EB-40FD-BEABFF3C6BE8}"/>
-              </a:ext>
-            </a:extLst>
-          </p:cNvPr>
-          <p:cNvSpPr/>
-          <p:nvPr/>
-        </p:nvSpPr>
-        <p:spPr>
-          <a:xfrm>
-            <a:off x="6096000" y="-314035"/>
-            <a:ext cx="6487104" cy="7172036"/>
-          </a:xfrm>
-          <a:prstGeom prst="rect">
-            <a:avLst/>
-          </a:prstGeom>
-          <a:solidFill>
-            <a:srgbClr val="FBE37D"/>
-          </a:solidFill>
-          <a:ln>
-            <a:solidFill>
-              <a:srgbClr val="FBE37D"/>
-            </a:solidFill>
-          </a:ln>
-        </p:spPr>
-        <p:style>
-          <a:lnRef idx="2">
-            <a:schemeClr val="accent1">
-              <a:shade val="15000"/>
-            </a:schemeClr>
-          </a:lnRef>
-          <a:fillRef idx="1">
-            <a:schemeClr val="accent1"/>
-          </a:fillRef>
-          <a:effectRef idx="0">
-            <a:schemeClr val="accent1"/>
-          </a:effectRef>
-          <a:fontRef idx="minor">
-            <a:schemeClr val="lt1"/>
-          </a:fontRef>
-        </p:style>
-        <p:txBody>
-          <a:bodyPr rtlCol="0" anchor="ctr"/>
-          <a:lstStyle/>
-          <a:p>
-            <a:pPr algn="ctr"/>
-            <a:endParaRPr lang="en-US"/>
-          </a:p>
-        </p:txBody>
-      </p:sp>
-      <p:sp>
-        <p:nvSpPr>
           <p:cNvPr id="6" name="Rectangle 5">
             <a:extLst>
               <a:ext uri="{FF2B5EF4-FFF2-40B4-BE49-F238E27FC236}">
@@ -13663,7 +12511,7 @@
           <a:p>
             <a:fld id="{2DB24D90-624F-4BA9-8536-8B45883AEAD5}" type="slidenum">
               <a:rPr lang="en-US" smtClean="0"/>
-              <a:t>7</a:t>
+              <a:t>6</a:t>
             </a:fld>
             <a:endParaRPr lang="en-US" dirty="0"/>
           </a:p>
@@ -13791,7 +12639,7 @@
 </p:sld>
 </file>
 
-<file path=ppt/slides/slide8.xml><?xml version="1.0" encoding="utf-8"?>
+<file path=ppt/slides/slide7.xml><?xml version="1.0" encoding="utf-8"?>
 <p:sld xmlns:a="http://schemas.openxmlformats.org/drawingml/2006/main" xmlns:r="http://schemas.openxmlformats.org/officeDocument/2006/relationships" xmlns:p="http://schemas.openxmlformats.org/presentationml/2006/main">
   <p:cSld>
     <p:spTree>
@@ -15300,7 +14148,7 @@
           <a:p>
             <a:fld id="{2DB24D90-624F-4BA9-8536-8B45883AEAD5}" type="slidenum">
               <a:rPr lang="en-US" smtClean="0"/>
-              <a:t>8</a:t>
+              <a:t>7</a:t>
             </a:fld>
             <a:endParaRPr lang="en-US" dirty="0"/>
           </a:p>
@@ -15657,6 +14505,1175 @@
       <p:bldP spid="13" grpId="0" animBg="1"/>
     </p:bldLst>
   </p:timing>
+</p:sld>
+</file>
+
+<file path=ppt/slides/slide8.xml><?xml version="1.0" encoding="utf-8"?>
+<p:sld xmlns:a="http://schemas.openxmlformats.org/drawingml/2006/main" xmlns:r="http://schemas.openxmlformats.org/officeDocument/2006/relationships" xmlns:p="http://schemas.openxmlformats.org/presentationml/2006/main" show="0">
+  <p:cSld>
+    <p:spTree>
+      <p:nvGrpSpPr>
+        <p:cNvPr id="1" name=""/>
+        <p:cNvGrpSpPr/>
+        <p:nvPr/>
+      </p:nvGrpSpPr>
+      <p:grpSpPr>
+        <a:xfrm>
+          <a:off x="0" y="0"/>
+          <a:ext cx="0" cy="0"/>
+          <a:chOff x="0" y="0"/>
+          <a:chExt cx="0" cy="0"/>
+        </a:xfrm>
+      </p:grpSpPr>
+      <p:sp>
+        <p:nvSpPr>
+          <p:cNvPr id="109" name="Title 108">
+            <a:extLst>
+              <a:ext uri="{FF2B5EF4-FFF2-40B4-BE49-F238E27FC236}">
+                <a16:creationId xmlns:a16="http://schemas.microsoft.com/office/drawing/2014/main" id="{646A3F78-6343-8D24-89E8-CE318D3DD63C}"/>
+              </a:ext>
+            </a:extLst>
+          </p:cNvPr>
+          <p:cNvSpPr>
+            <a:spLocks noGrp="1"/>
+          </p:cNvSpPr>
+          <p:nvPr>
+            <p:ph type="title" idx="4294967295"/>
+          </p:nvPr>
+        </p:nvSpPr>
+        <p:spPr/>
+        <p:txBody>
+          <a:bodyPr/>
+          <a:lstStyle/>
+          <a:p>
+            <a:r>
+              <a:rPr lang="en-US" dirty="0">
+                <a:solidFill>
+                  <a:srgbClr val="FCEBA5"/>
+                </a:solidFill>
+              </a:rPr>
+              <a:t>Out of Order?</a:t>
+            </a:r>
+          </a:p>
+        </p:txBody>
+      </p:sp>
+      <p:sp>
+        <p:nvSpPr>
+          <p:cNvPr id="2" name="Oval 1">
+            <a:extLst>
+              <a:ext uri="{FF2B5EF4-FFF2-40B4-BE49-F238E27FC236}">
+                <a16:creationId xmlns:a16="http://schemas.microsoft.com/office/drawing/2014/main" id="{E2B99AD9-F68E-645C-562F-1027C7245E55}"/>
+              </a:ext>
+            </a:extLst>
+          </p:cNvPr>
+          <p:cNvSpPr/>
+          <p:nvPr/>
+        </p:nvSpPr>
+        <p:spPr>
+          <a:xfrm>
+            <a:off x="569193" y="2489200"/>
+            <a:ext cx="1879600" cy="1879600"/>
+          </a:xfrm>
+          <a:prstGeom prst="ellipse">
+            <a:avLst/>
+          </a:prstGeom>
+        </p:spPr>
+        <p:style>
+          <a:lnRef idx="2">
+            <a:schemeClr val="dk1"/>
+          </a:lnRef>
+          <a:fillRef idx="1">
+            <a:schemeClr val="lt1"/>
+          </a:fillRef>
+          <a:effectRef idx="0">
+            <a:schemeClr val="dk1"/>
+          </a:effectRef>
+          <a:fontRef idx="minor">
+            <a:schemeClr val="dk1"/>
+          </a:fontRef>
+        </p:style>
+        <p:txBody>
+          <a:bodyPr rtlCol="0" anchor="ctr"/>
+          <a:lstStyle/>
+          <a:p>
+            <a:pPr algn="ctr"/>
+            <a:r>
+              <a:rPr lang="en-US" dirty="0"/>
+              <a:t>Source</a:t>
+            </a:r>
+          </a:p>
+        </p:txBody>
+      </p:sp>
+      <p:sp>
+        <p:nvSpPr>
+          <p:cNvPr id="3" name="Oval 2">
+            <a:extLst>
+              <a:ext uri="{FF2B5EF4-FFF2-40B4-BE49-F238E27FC236}">
+                <a16:creationId xmlns:a16="http://schemas.microsoft.com/office/drawing/2014/main" id="{2F6DAD15-7ACA-5386-9094-AFC5AE3F24B9}"/>
+              </a:ext>
+            </a:extLst>
+          </p:cNvPr>
+          <p:cNvSpPr/>
+          <p:nvPr/>
+        </p:nvSpPr>
+        <p:spPr>
+          <a:xfrm>
+            <a:off x="3677642" y="2646630"/>
+            <a:ext cx="1564740" cy="1564740"/>
+          </a:xfrm>
+          <a:prstGeom prst="ellipse">
+            <a:avLst/>
+          </a:prstGeom>
+        </p:spPr>
+        <p:style>
+          <a:lnRef idx="2">
+            <a:schemeClr val="dk1"/>
+          </a:lnRef>
+          <a:fillRef idx="1">
+            <a:schemeClr val="lt1"/>
+          </a:fillRef>
+          <a:effectRef idx="0">
+            <a:schemeClr val="dk1"/>
+          </a:effectRef>
+          <a:fontRef idx="minor">
+            <a:schemeClr val="dk1"/>
+          </a:fontRef>
+        </p:style>
+        <p:txBody>
+          <a:bodyPr rtlCol="0" anchor="ctr"/>
+          <a:lstStyle/>
+          <a:p>
+            <a:pPr algn="ctr"/>
+            <a:endParaRPr lang="en-US" dirty="0"/>
+          </a:p>
+        </p:txBody>
+      </p:sp>
+      <p:sp>
+        <p:nvSpPr>
+          <p:cNvPr id="4" name="Oval 3">
+            <a:extLst>
+              <a:ext uri="{FF2B5EF4-FFF2-40B4-BE49-F238E27FC236}">
+                <a16:creationId xmlns:a16="http://schemas.microsoft.com/office/drawing/2014/main" id="{A0582DDE-CA60-CECD-9D37-39D6F661CA30}"/>
+              </a:ext>
+            </a:extLst>
+          </p:cNvPr>
+          <p:cNvSpPr/>
+          <p:nvPr/>
+        </p:nvSpPr>
+        <p:spPr>
+          <a:xfrm>
+            <a:off x="6207452" y="1560780"/>
+            <a:ext cx="1564740" cy="1564740"/>
+          </a:xfrm>
+          <a:prstGeom prst="ellipse">
+            <a:avLst/>
+          </a:prstGeom>
+        </p:spPr>
+        <p:style>
+          <a:lnRef idx="2">
+            <a:schemeClr val="dk1"/>
+          </a:lnRef>
+          <a:fillRef idx="1">
+            <a:schemeClr val="lt1"/>
+          </a:fillRef>
+          <a:effectRef idx="0">
+            <a:schemeClr val="dk1"/>
+          </a:effectRef>
+          <a:fontRef idx="minor">
+            <a:schemeClr val="dk1"/>
+          </a:fontRef>
+        </p:style>
+        <p:txBody>
+          <a:bodyPr rtlCol="0" anchor="ctr"/>
+          <a:lstStyle/>
+          <a:p>
+            <a:pPr algn="ctr"/>
+            <a:endParaRPr lang="en-US" dirty="0"/>
+          </a:p>
+        </p:txBody>
+      </p:sp>
+      <p:sp>
+        <p:nvSpPr>
+          <p:cNvPr id="5" name="Oval 4">
+            <a:extLst>
+              <a:ext uri="{FF2B5EF4-FFF2-40B4-BE49-F238E27FC236}">
+                <a16:creationId xmlns:a16="http://schemas.microsoft.com/office/drawing/2014/main" id="{5E22D082-4F15-E0BA-5BE3-09ED34B9B2FB}"/>
+              </a:ext>
+            </a:extLst>
+          </p:cNvPr>
+          <p:cNvSpPr/>
+          <p:nvPr/>
+        </p:nvSpPr>
+        <p:spPr>
+          <a:xfrm>
+            <a:off x="6207452" y="3882405"/>
+            <a:ext cx="1564740" cy="1564740"/>
+          </a:xfrm>
+          <a:prstGeom prst="ellipse">
+            <a:avLst/>
+          </a:prstGeom>
+        </p:spPr>
+        <p:style>
+          <a:lnRef idx="2">
+            <a:schemeClr val="dk1"/>
+          </a:lnRef>
+          <a:fillRef idx="1">
+            <a:schemeClr val="lt1"/>
+          </a:fillRef>
+          <a:effectRef idx="0">
+            <a:schemeClr val="dk1"/>
+          </a:effectRef>
+          <a:fontRef idx="minor">
+            <a:schemeClr val="dk1"/>
+          </a:fontRef>
+        </p:style>
+        <p:txBody>
+          <a:bodyPr rtlCol="0" anchor="ctr"/>
+          <a:lstStyle/>
+          <a:p>
+            <a:pPr algn="ctr"/>
+            <a:endParaRPr lang="en-US" dirty="0"/>
+          </a:p>
+        </p:txBody>
+      </p:sp>
+      <p:sp>
+        <p:nvSpPr>
+          <p:cNvPr id="6" name="Oval 5">
+            <a:extLst>
+              <a:ext uri="{FF2B5EF4-FFF2-40B4-BE49-F238E27FC236}">
+                <a16:creationId xmlns:a16="http://schemas.microsoft.com/office/drawing/2014/main" id="{7B39D998-A0A9-7039-EF51-4DFC96C52A10}"/>
+              </a:ext>
+            </a:extLst>
+          </p:cNvPr>
+          <p:cNvSpPr/>
+          <p:nvPr/>
+        </p:nvSpPr>
+        <p:spPr>
+          <a:xfrm>
+            <a:off x="9019309" y="2489200"/>
+            <a:ext cx="1879600" cy="1879600"/>
+          </a:xfrm>
+          <a:prstGeom prst="ellipse">
+            <a:avLst/>
+          </a:prstGeom>
+        </p:spPr>
+        <p:style>
+          <a:lnRef idx="2">
+            <a:schemeClr val="dk1"/>
+          </a:lnRef>
+          <a:fillRef idx="1">
+            <a:schemeClr val="lt1"/>
+          </a:fillRef>
+          <a:effectRef idx="0">
+            <a:schemeClr val="dk1"/>
+          </a:effectRef>
+          <a:fontRef idx="minor">
+            <a:schemeClr val="dk1"/>
+          </a:fontRef>
+        </p:style>
+        <p:txBody>
+          <a:bodyPr rtlCol="0" anchor="ctr"/>
+          <a:lstStyle/>
+          <a:p>
+            <a:pPr algn="ctr"/>
+            <a:r>
+              <a:rPr lang="en-US" dirty="0"/>
+              <a:t>Destination</a:t>
+            </a:r>
+          </a:p>
+        </p:txBody>
+      </p:sp>
+      <p:cxnSp>
+        <p:nvCxnSpPr>
+          <p:cNvPr id="8" name="Straight Connector 7">
+            <a:extLst>
+              <a:ext uri="{FF2B5EF4-FFF2-40B4-BE49-F238E27FC236}">
+                <a16:creationId xmlns:a16="http://schemas.microsoft.com/office/drawing/2014/main" id="{8C3EC278-6BA5-A3C0-EC0F-9F0E67AD3640}"/>
+              </a:ext>
+            </a:extLst>
+          </p:cNvPr>
+          <p:cNvCxnSpPr>
+            <a:cxnSpLocks/>
+            <a:stCxn id="2" idx="6"/>
+            <a:endCxn id="3" idx="2"/>
+          </p:cNvCxnSpPr>
+          <p:nvPr/>
+        </p:nvCxnSpPr>
+        <p:spPr>
+          <a:xfrm>
+            <a:off x="2448793" y="3429000"/>
+            <a:ext cx="1228849" cy="0"/>
+          </a:xfrm>
+          <a:prstGeom prst="line">
+            <a:avLst/>
+          </a:prstGeom>
+        </p:spPr>
+        <p:style>
+          <a:lnRef idx="3">
+            <a:schemeClr val="dk1"/>
+          </a:lnRef>
+          <a:fillRef idx="0">
+            <a:schemeClr val="dk1"/>
+          </a:fillRef>
+          <a:effectRef idx="2">
+            <a:schemeClr val="dk1"/>
+          </a:effectRef>
+          <a:fontRef idx="minor">
+            <a:schemeClr val="tx1"/>
+          </a:fontRef>
+        </p:style>
+      </p:cxnSp>
+      <p:cxnSp>
+        <p:nvCxnSpPr>
+          <p:cNvPr id="10" name="Straight Connector 9">
+            <a:extLst>
+              <a:ext uri="{FF2B5EF4-FFF2-40B4-BE49-F238E27FC236}">
+                <a16:creationId xmlns:a16="http://schemas.microsoft.com/office/drawing/2014/main" id="{FC22ABF6-F356-22A2-02D3-91EE23A8C89A}"/>
+              </a:ext>
+            </a:extLst>
+          </p:cNvPr>
+          <p:cNvCxnSpPr>
+            <a:cxnSpLocks/>
+            <a:stCxn id="3" idx="7"/>
+            <a:endCxn id="4" idx="2"/>
+          </p:cNvCxnSpPr>
+          <p:nvPr/>
+        </p:nvCxnSpPr>
+        <p:spPr>
+          <a:xfrm flipV="1">
+            <a:off x="5013231" y="2343150"/>
+            <a:ext cx="1194221" cy="532631"/>
+          </a:xfrm>
+          <a:prstGeom prst="line">
+            <a:avLst/>
+          </a:prstGeom>
+        </p:spPr>
+        <p:style>
+          <a:lnRef idx="3">
+            <a:schemeClr val="dk1"/>
+          </a:lnRef>
+          <a:fillRef idx="0">
+            <a:schemeClr val="dk1"/>
+          </a:fillRef>
+          <a:effectRef idx="2">
+            <a:schemeClr val="dk1"/>
+          </a:effectRef>
+          <a:fontRef idx="minor">
+            <a:schemeClr val="tx1"/>
+          </a:fontRef>
+        </p:style>
+      </p:cxnSp>
+      <p:cxnSp>
+        <p:nvCxnSpPr>
+          <p:cNvPr id="12" name="Straight Connector 11">
+            <a:extLst>
+              <a:ext uri="{FF2B5EF4-FFF2-40B4-BE49-F238E27FC236}">
+                <a16:creationId xmlns:a16="http://schemas.microsoft.com/office/drawing/2014/main" id="{AAE35FA1-BBFB-B25D-C88A-D308DF66E0D3}"/>
+              </a:ext>
+            </a:extLst>
+          </p:cNvPr>
+          <p:cNvCxnSpPr>
+            <a:cxnSpLocks/>
+            <a:stCxn id="3" idx="5"/>
+            <a:endCxn id="5" idx="2"/>
+          </p:cNvCxnSpPr>
+          <p:nvPr/>
+        </p:nvCxnSpPr>
+        <p:spPr>
+          <a:xfrm>
+            <a:off x="5013231" y="3982219"/>
+            <a:ext cx="1194221" cy="682556"/>
+          </a:xfrm>
+          <a:prstGeom prst="line">
+            <a:avLst/>
+          </a:prstGeom>
+        </p:spPr>
+        <p:style>
+          <a:lnRef idx="3">
+            <a:schemeClr val="dk1"/>
+          </a:lnRef>
+          <a:fillRef idx="0">
+            <a:schemeClr val="dk1"/>
+          </a:fillRef>
+          <a:effectRef idx="2">
+            <a:schemeClr val="dk1"/>
+          </a:effectRef>
+          <a:fontRef idx="minor">
+            <a:schemeClr val="tx1"/>
+          </a:fontRef>
+        </p:style>
+      </p:cxnSp>
+      <p:cxnSp>
+        <p:nvCxnSpPr>
+          <p:cNvPr id="14" name="Straight Connector 13">
+            <a:extLst>
+              <a:ext uri="{FF2B5EF4-FFF2-40B4-BE49-F238E27FC236}">
+                <a16:creationId xmlns:a16="http://schemas.microsoft.com/office/drawing/2014/main" id="{E4F8A65A-3E63-AAB6-6A91-FA234EC57C45}"/>
+              </a:ext>
+            </a:extLst>
+          </p:cNvPr>
+          <p:cNvCxnSpPr>
+            <a:cxnSpLocks/>
+            <a:stCxn id="4" idx="6"/>
+            <a:endCxn id="6" idx="2"/>
+          </p:cNvCxnSpPr>
+          <p:nvPr/>
+        </p:nvCxnSpPr>
+        <p:spPr>
+          <a:xfrm>
+            <a:off x="7772192" y="2343150"/>
+            <a:ext cx="1247117" cy="1085850"/>
+          </a:xfrm>
+          <a:prstGeom prst="line">
+            <a:avLst/>
+          </a:prstGeom>
+        </p:spPr>
+        <p:style>
+          <a:lnRef idx="3">
+            <a:schemeClr val="dk1"/>
+          </a:lnRef>
+          <a:fillRef idx="0">
+            <a:schemeClr val="dk1"/>
+          </a:fillRef>
+          <a:effectRef idx="2">
+            <a:schemeClr val="dk1"/>
+          </a:effectRef>
+          <a:fontRef idx="minor">
+            <a:schemeClr val="tx1"/>
+          </a:fontRef>
+        </p:style>
+      </p:cxnSp>
+      <p:cxnSp>
+        <p:nvCxnSpPr>
+          <p:cNvPr id="18" name="Straight Connector 17">
+            <a:extLst>
+              <a:ext uri="{FF2B5EF4-FFF2-40B4-BE49-F238E27FC236}">
+                <a16:creationId xmlns:a16="http://schemas.microsoft.com/office/drawing/2014/main" id="{E571782B-AE8E-0C1B-DFDF-11AC325AAA04}"/>
+              </a:ext>
+            </a:extLst>
+          </p:cNvPr>
+          <p:cNvCxnSpPr>
+            <a:cxnSpLocks/>
+            <a:stCxn id="5" idx="6"/>
+            <a:endCxn id="6" idx="2"/>
+          </p:cNvCxnSpPr>
+          <p:nvPr/>
+        </p:nvCxnSpPr>
+        <p:spPr>
+          <a:xfrm flipV="1">
+            <a:off x="7772192" y="3429000"/>
+            <a:ext cx="1247117" cy="1235775"/>
+          </a:xfrm>
+          <a:prstGeom prst="line">
+            <a:avLst/>
+          </a:prstGeom>
+        </p:spPr>
+        <p:style>
+          <a:lnRef idx="3">
+            <a:schemeClr val="dk1"/>
+          </a:lnRef>
+          <a:fillRef idx="0">
+            <a:schemeClr val="dk1"/>
+          </a:fillRef>
+          <a:effectRef idx="2">
+            <a:schemeClr val="dk1"/>
+          </a:effectRef>
+          <a:fontRef idx="minor">
+            <a:schemeClr val="tx1"/>
+          </a:fontRef>
+        </p:style>
+      </p:cxnSp>
+      <p:sp>
+        <p:nvSpPr>
+          <p:cNvPr id="45" name="Oval 44">
+            <a:extLst>
+              <a:ext uri="{FF2B5EF4-FFF2-40B4-BE49-F238E27FC236}">
+                <a16:creationId xmlns:a16="http://schemas.microsoft.com/office/drawing/2014/main" id="{D0338AED-4D91-7C01-4C81-19B6830D8DB5}"/>
+              </a:ext>
+            </a:extLst>
+          </p:cNvPr>
+          <p:cNvSpPr/>
+          <p:nvPr/>
+        </p:nvSpPr>
+        <p:spPr>
+          <a:xfrm>
+            <a:off x="1466338" y="4586060"/>
+            <a:ext cx="157430" cy="157430"/>
+          </a:xfrm>
+          <a:prstGeom prst="ellipse">
+            <a:avLst/>
+          </a:prstGeom>
+        </p:spPr>
+        <p:style>
+          <a:lnRef idx="2">
+            <a:schemeClr val="accent1">
+              <a:shade val="15000"/>
+            </a:schemeClr>
+          </a:lnRef>
+          <a:fillRef idx="1">
+            <a:schemeClr val="accent1"/>
+          </a:fillRef>
+          <a:effectRef idx="0">
+            <a:schemeClr val="accent1"/>
+          </a:effectRef>
+          <a:fontRef idx="minor">
+            <a:schemeClr val="lt1"/>
+          </a:fontRef>
+        </p:style>
+        <p:txBody>
+          <a:bodyPr rtlCol="0" anchor="ctr"/>
+          <a:lstStyle/>
+          <a:p>
+            <a:pPr algn="ctr"/>
+            <a:endParaRPr lang="en-US"/>
+          </a:p>
+        </p:txBody>
+      </p:sp>
+      <p:sp>
+        <p:nvSpPr>
+          <p:cNvPr id="46" name="Oval 45">
+            <a:extLst>
+              <a:ext uri="{FF2B5EF4-FFF2-40B4-BE49-F238E27FC236}">
+                <a16:creationId xmlns:a16="http://schemas.microsoft.com/office/drawing/2014/main" id="{24BCF02C-D5F4-9437-896C-66BCE13269D0}"/>
+              </a:ext>
+            </a:extLst>
+          </p:cNvPr>
+          <p:cNvSpPr/>
+          <p:nvPr/>
+        </p:nvSpPr>
+        <p:spPr>
+          <a:xfrm>
+            <a:off x="4379149" y="4586060"/>
+            <a:ext cx="157430" cy="157430"/>
+          </a:xfrm>
+          <a:prstGeom prst="ellipse">
+            <a:avLst/>
+          </a:prstGeom>
+        </p:spPr>
+        <p:style>
+          <a:lnRef idx="2">
+            <a:schemeClr val="accent1">
+              <a:shade val="15000"/>
+            </a:schemeClr>
+          </a:lnRef>
+          <a:fillRef idx="1">
+            <a:schemeClr val="accent1"/>
+          </a:fillRef>
+          <a:effectRef idx="0">
+            <a:schemeClr val="accent1"/>
+          </a:effectRef>
+          <a:fontRef idx="minor">
+            <a:schemeClr val="lt1"/>
+          </a:fontRef>
+        </p:style>
+        <p:txBody>
+          <a:bodyPr rtlCol="0" anchor="ctr"/>
+          <a:lstStyle/>
+          <a:p>
+            <a:pPr algn="ctr"/>
+            <a:endParaRPr lang="en-US"/>
+          </a:p>
+        </p:txBody>
+      </p:sp>
+      <p:sp>
+        <p:nvSpPr>
+          <p:cNvPr id="47" name="Oval 46">
+            <a:extLst>
+              <a:ext uri="{FF2B5EF4-FFF2-40B4-BE49-F238E27FC236}">
+                <a16:creationId xmlns:a16="http://schemas.microsoft.com/office/drawing/2014/main" id="{4AB94914-CFD0-861A-4169-706B96F3C746}"/>
+              </a:ext>
+            </a:extLst>
+          </p:cNvPr>
+          <p:cNvSpPr/>
+          <p:nvPr/>
+        </p:nvSpPr>
+        <p:spPr>
+          <a:xfrm>
+            <a:off x="6916235" y="5743120"/>
+            <a:ext cx="157430" cy="157430"/>
+          </a:xfrm>
+          <a:prstGeom prst="ellipse">
+            <a:avLst/>
+          </a:prstGeom>
+        </p:spPr>
+        <p:style>
+          <a:lnRef idx="2">
+            <a:schemeClr val="accent1">
+              <a:shade val="15000"/>
+            </a:schemeClr>
+          </a:lnRef>
+          <a:fillRef idx="1">
+            <a:schemeClr val="accent1"/>
+          </a:fillRef>
+          <a:effectRef idx="0">
+            <a:schemeClr val="accent1"/>
+          </a:effectRef>
+          <a:fontRef idx="minor">
+            <a:schemeClr val="lt1"/>
+          </a:fontRef>
+        </p:style>
+        <p:txBody>
+          <a:bodyPr rtlCol="0" anchor="ctr"/>
+          <a:lstStyle/>
+          <a:p>
+            <a:pPr algn="ctr"/>
+            <a:endParaRPr lang="en-US"/>
+          </a:p>
+        </p:txBody>
+      </p:sp>
+      <p:sp>
+        <p:nvSpPr>
+          <p:cNvPr id="48" name="Oval 47">
+            <a:extLst>
+              <a:ext uri="{FF2B5EF4-FFF2-40B4-BE49-F238E27FC236}">
+                <a16:creationId xmlns:a16="http://schemas.microsoft.com/office/drawing/2014/main" id="{904A16EF-E21F-C30B-1E53-66A8F5101C03}"/>
+              </a:ext>
+            </a:extLst>
+          </p:cNvPr>
+          <p:cNvSpPr/>
+          <p:nvPr/>
+        </p:nvSpPr>
+        <p:spPr>
+          <a:xfrm>
+            <a:off x="9020889" y="4093539"/>
+            <a:ext cx="157430" cy="157430"/>
+          </a:xfrm>
+          <a:prstGeom prst="ellipse">
+            <a:avLst/>
+          </a:prstGeom>
+        </p:spPr>
+        <p:style>
+          <a:lnRef idx="2">
+            <a:schemeClr val="accent1">
+              <a:shade val="15000"/>
+            </a:schemeClr>
+          </a:lnRef>
+          <a:fillRef idx="1">
+            <a:schemeClr val="accent1"/>
+          </a:fillRef>
+          <a:effectRef idx="0">
+            <a:schemeClr val="accent1"/>
+          </a:effectRef>
+          <a:fontRef idx="minor">
+            <a:schemeClr val="lt1"/>
+          </a:fontRef>
+        </p:style>
+        <p:txBody>
+          <a:bodyPr rtlCol="0" anchor="ctr"/>
+          <a:lstStyle/>
+          <a:p>
+            <a:pPr algn="ctr"/>
+            <a:endParaRPr lang="en-US"/>
+          </a:p>
+        </p:txBody>
+      </p:sp>
+      <p:cxnSp>
+        <p:nvCxnSpPr>
+          <p:cNvPr id="50" name="Straight Arrow Connector 49">
+            <a:extLst>
+              <a:ext uri="{FF2B5EF4-FFF2-40B4-BE49-F238E27FC236}">
+                <a16:creationId xmlns:a16="http://schemas.microsoft.com/office/drawing/2014/main" id="{7BBC4F1F-9E31-E981-54A3-9988C53433AD}"/>
+              </a:ext>
+            </a:extLst>
+          </p:cNvPr>
+          <p:cNvCxnSpPr>
+            <a:cxnSpLocks/>
+            <a:stCxn id="45" idx="6"/>
+            <a:endCxn id="46" idx="2"/>
+          </p:cNvCxnSpPr>
+          <p:nvPr/>
+        </p:nvCxnSpPr>
+        <p:spPr>
+          <a:xfrm>
+            <a:off x="1623768" y="4664775"/>
+            <a:ext cx="2755381" cy="0"/>
+          </a:xfrm>
+          <a:prstGeom prst="straightConnector1">
+            <a:avLst/>
+          </a:prstGeom>
+          <a:ln>
+            <a:tailEnd type="triangle"/>
+          </a:ln>
+        </p:spPr>
+        <p:style>
+          <a:lnRef idx="3">
+            <a:schemeClr val="accent1"/>
+          </a:lnRef>
+          <a:fillRef idx="0">
+            <a:schemeClr val="accent1"/>
+          </a:fillRef>
+          <a:effectRef idx="2">
+            <a:schemeClr val="accent1"/>
+          </a:effectRef>
+          <a:fontRef idx="minor">
+            <a:schemeClr val="tx1"/>
+          </a:fontRef>
+        </p:style>
+      </p:cxnSp>
+      <p:cxnSp>
+        <p:nvCxnSpPr>
+          <p:cNvPr id="52" name="Straight Arrow Connector 51">
+            <a:extLst>
+              <a:ext uri="{FF2B5EF4-FFF2-40B4-BE49-F238E27FC236}">
+                <a16:creationId xmlns:a16="http://schemas.microsoft.com/office/drawing/2014/main" id="{09CDECB5-3D87-E5D6-6602-59F21BE3F492}"/>
+              </a:ext>
+            </a:extLst>
+          </p:cNvPr>
+          <p:cNvCxnSpPr>
+            <a:cxnSpLocks/>
+            <a:stCxn id="46" idx="6"/>
+            <a:endCxn id="47" idx="2"/>
+          </p:cNvCxnSpPr>
+          <p:nvPr/>
+        </p:nvCxnSpPr>
+        <p:spPr>
+          <a:xfrm>
+            <a:off x="4536579" y="4664775"/>
+            <a:ext cx="2379656" cy="1157060"/>
+          </a:xfrm>
+          <a:prstGeom prst="straightConnector1">
+            <a:avLst/>
+          </a:prstGeom>
+          <a:ln>
+            <a:tailEnd type="triangle"/>
+          </a:ln>
+        </p:spPr>
+        <p:style>
+          <a:lnRef idx="3">
+            <a:schemeClr val="accent1"/>
+          </a:lnRef>
+          <a:fillRef idx="0">
+            <a:schemeClr val="accent1"/>
+          </a:fillRef>
+          <a:effectRef idx="2">
+            <a:schemeClr val="accent1"/>
+          </a:effectRef>
+          <a:fontRef idx="minor">
+            <a:schemeClr val="tx1"/>
+          </a:fontRef>
+        </p:style>
+      </p:cxnSp>
+      <p:cxnSp>
+        <p:nvCxnSpPr>
+          <p:cNvPr id="54" name="Straight Arrow Connector 53">
+            <a:extLst>
+              <a:ext uri="{FF2B5EF4-FFF2-40B4-BE49-F238E27FC236}">
+                <a16:creationId xmlns:a16="http://schemas.microsoft.com/office/drawing/2014/main" id="{F895C13A-00A0-7F6D-779A-694ADAD36CEB}"/>
+              </a:ext>
+            </a:extLst>
+          </p:cNvPr>
+          <p:cNvCxnSpPr>
+            <a:cxnSpLocks/>
+            <a:stCxn id="47" idx="6"/>
+            <a:endCxn id="48" idx="3"/>
+          </p:cNvCxnSpPr>
+          <p:nvPr/>
+        </p:nvCxnSpPr>
+        <p:spPr>
+          <a:xfrm flipV="1">
+            <a:off x="7073665" y="4227914"/>
+            <a:ext cx="1970279" cy="1593921"/>
+          </a:xfrm>
+          <a:prstGeom prst="straightConnector1">
+            <a:avLst/>
+          </a:prstGeom>
+          <a:ln>
+            <a:tailEnd type="triangle"/>
+          </a:ln>
+        </p:spPr>
+        <p:style>
+          <a:lnRef idx="3">
+            <a:schemeClr val="accent1"/>
+          </a:lnRef>
+          <a:fillRef idx="0">
+            <a:schemeClr val="accent1"/>
+          </a:fillRef>
+          <a:effectRef idx="2">
+            <a:schemeClr val="accent1"/>
+          </a:effectRef>
+          <a:fontRef idx="minor">
+            <a:schemeClr val="tx1"/>
+          </a:fontRef>
+        </p:style>
+      </p:cxnSp>
+      <p:sp>
+        <p:nvSpPr>
+          <p:cNvPr id="96" name="Oval 95">
+            <a:extLst>
+              <a:ext uri="{FF2B5EF4-FFF2-40B4-BE49-F238E27FC236}">
+                <a16:creationId xmlns:a16="http://schemas.microsoft.com/office/drawing/2014/main" id="{0E3DAC4B-E8FB-A172-BF6A-B4F7CAF05D0C}"/>
+              </a:ext>
+            </a:extLst>
+          </p:cNvPr>
+          <p:cNvSpPr/>
+          <p:nvPr/>
+        </p:nvSpPr>
+        <p:spPr>
+          <a:xfrm>
+            <a:off x="1466338" y="2242699"/>
+            <a:ext cx="157430" cy="157430"/>
+          </a:xfrm>
+          <a:prstGeom prst="ellipse">
+            <a:avLst/>
+          </a:prstGeom>
+          <a:solidFill>
+            <a:schemeClr val="accent2">
+              <a:lumMod val="75000"/>
+            </a:schemeClr>
+          </a:solidFill>
+        </p:spPr>
+        <p:style>
+          <a:lnRef idx="2">
+            <a:schemeClr val="accent1">
+              <a:shade val="15000"/>
+            </a:schemeClr>
+          </a:lnRef>
+          <a:fillRef idx="1">
+            <a:schemeClr val="accent1"/>
+          </a:fillRef>
+          <a:effectRef idx="0">
+            <a:schemeClr val="accent1"/>
+          </a:effectRef>
+          <a:fontRef idx="minor">
+            <a:schemeClr val="lt1"/>
+          </a:fontRef>
+        </p:style>
+        <p:txBody>
+          <a:bodyPr rtlCol="0" anchor="ctr"/>
+          <a:lstStyle/>
+          <a:p>
+            <a:pPr algn="ctr"/>
+            <a:endParaRPr lang="en-US" dirty="0">
+              <a:solidFill>
+                <a:schemeClr val="accent2">
+                  <a:lumMod val="75000"/>
+                </a:schemeClr>
+              </a:solidFill>
+            </a:endParaRPr>
+          </a:p>
+        </p:txBody>
+      </p:sp>
+      <p:sp>
+        <p:nvSpPr>
+          <p:cNvPr id="97" name="Oval 96">
+            <a:extLst>
+              <a:ext uri="{FF2B5EF4-FFF2-40B4-BE49-F238E27FC236}">
+                <a16:creationId xmlns:a16="http://schemas.microsoft.com/office/drawing/2014/main" id="{A879D70D-92CB-C619-03F8-2818113E2736}"/>
+              </a:ext>
+            </a:extLst>
+          </p:cNvPr>
+          <p:cNvSpPr/>
+          <p:nvPr/>
+        </p:nvSpPr>
+        <p:spPr>
+          <a:xfrm>
+            <a:off x="4379149" y="2242699"/>
+            <a:ext cx="157430" cy="157430"/>
+          </a:xfrm>
+          <a:prstGeom prst="ellipse">
+            <a:avLst/>
+          </a:prstGeom>
+          <a:solidFill>
+            <a:schemeClr val="accent2">
+              <a:lumMod val="75000"/>
+            </a:schemeClr>
+          </a:solidFill>
+        </p:spPr>
+        <p:style>
+          <a:lnRef idx="2">
+            <a:schemeClr val="accent1">
+              <a:shade val="15000"/>
+            </a:schemeClr>
+          </a:lnRef>
+          <a:fillRef idx="1">
+            <a:schemeClr val="accent1"/>
+          </a:fillRef>
+          <a:effectRef idx="0">
+            <a:schemeClr val="accent1"/>
+          </a:effectRef>
+          <a:fontRef idx="minor">
+            <a:schemeClr val="lt1"/>
+          </a:fontRef>
+        </p:style>
+        <p:txBody>
+          <a:bodyPr rtlCol="0" anchor="ctr"/>
+          <a:lstStyle/>
+          <a:p>
+            <a:pPr algn="ctr"/>
+            <a:endParaRPr lang="en-US"/>
+          </a:p>
+        </p:txBody>
+      </p:sp>
+      <p:sp>
+        <p:nvSpPr>
+          <p:cNvPr id="98" name="Oval 97">
+            <a:extLst>
+              <a:ext uri="{FF2B5EF4-FFF2-40B4-BE49-F238E27FC236}">
+                <a16:creationId xmlns:a16="http://schemas.microsoft.com/office/drawing/2014/main" id="{5F309D81-006D-D292-13BD-FB3CD450BDB9}"/>
+              </a:ext>
+            </a:extLst>
+          </p:cNvPr>
+          <p:cNvSpPr/>
+          <p:nvPr/>
+        </p:nvSpPr>
+        <p:spPr>
+          <a:xfrm>
+            <a:off x="6916235" y="1077728"/>
+            <a:ext cx="157430" cy="157430"/>
+          </a:xfrm>
+          <a:prstGeom prst="ellipse">
+            <a:avLst/>
+          </a:prstGeom>
+          <a:solidFill>
+            <a:schemeClr val="accent2">
+              <a:lumMod val="75000"/>
+            </a:schemeClr>
+          </a:solidFill>
+        </p:spPr>
+        <p:style>
+          <a:lnRef idx="2">
+            <a:schemeClr val="accent1">
+              <a:shade val="15000"/>
+            </a:schemeClr>
+          </a:lnRef>
+          <a:fillRef idx="1">
+            <a:schemeClr val="accent1"/>
+          </a:fillRef>
+          <a:effectRef idx="0">
+            <a:schemeClr val="accent1"/>
+          </a:effectRef>
+          <a:fontRef idx="minor">
+            <a:schemeClr val="lt1"/>
+          </a:fontRef>
+        </p:style>
+        <p:txBody>
+          <a:bodyPr rtlCol="0" anchor="ctr"/>
+          <a:lstStyle/>
+          <a:p>
+            <a:pPr algn="ctr"/>
+            <a:endParaRPr lang="en-US"/>
+          </a:p>
+        </p:txBody>
+      </p:sp>
+      <p:sp>
+        <p:nvSpPr>
+          <p:cNvPr id="99" name="Oval 98">
+            <a:extLst>
+              <a:ext uri="{FF2B5EF4-FFF2-40B4-BE49-F238E27FC236}">
+                <a16:creationId xmlns:a16="http://schemas.microsoft.com/office/drawing/2014/main" id="{FFCC0DAF-4AFA-342A-7ACA-02BB809F8050}"/>
+              </a:ext>
+            </a:extLst>
+          </p:cNvPr>
+          <p:cNvSpPr/>
+          <p:nvPr/>
+        </p:nvSpPr>
+        <p:spPr>
+          <a:xfrm>
+            <a:off x="9043944" y="2584791"/>
+            <a:ext cx="157430" cy="157430"/>
+          </a:xfrm>
+          <a:prstGeom prst="ellipse">
+            <a:avLst/>
+          </a:prstGeom>
+          <a:solidFill>
+            <a:schemeClr val="accent2">
+              <a:lumMod val="75000"/>
+            </a:schemeClr>
+          </a:solidFill>
+        </p:spPr>
+        <p:style>
+          <a:lnRef idx="2">
+            <a:schemeClr val="accent1">
+              <a:shade val="15000"/>
+            </a:schemeClr>
+          </a:lnRef>
+          <a:fillRef idx="1">
+            <a:schemeClr val="accent1"/>
+          </a:fillRef>
+          <a:effectRef idx="0">
+            <a:schemeClr val="accent1"/>
+          </a:effectRef>
+          <a:fontRef idx="minor">
+            <a:schemeClr val="lt1"/>
+          </a:fontRef>
+        </p:style>
+        <p:txBody>
+          <a:bodyPr rtlCol="0" anchor="ctr"/>
+          <a:lstStyle/>
+          <a:p>
+            <a:pPr algn="ctr"/>
+            <a:endParaRPr lang="en-US"/>
+          </a:p>
+        </p:txBody>
+      </p:sp>
+      <p:cxnSp>
+        <p:nvCxnSpPr>
+          <p:cNvPr id="100" name="Straight Arrow Connector 99">
+            <a:extLst>
+              <a:ext uri="{FF2B5EF4-FFF2-40B4-BE49-F238E27FC236}">
+                <a16:creationId xmlns:a16="http://schemas.microsoft.com/office/drawing/2014/main" id="{5B031A3E-E5F3-FCDB-80C7-9A231F2A0EA6}"/>
+              </a:ext>
+            </a:extLst>
+          </p:cNvPr>
+          <p:cNvCxnSpPr>
+            <a:cxnSpLocks/>
+            <a:stCxn id="96" idx="6"/>
+            <a:endCxn id="97" idx="2"/>
+          </p:cNvCxnSpPr>
+          <p:nvPr/>
+        </p:nvCxnSpPr>
+        <p:spPr>
+          <a:xfrm>
+            <a:off x="1623768" y="2321414"/>
+            <a:ext cx="2755381" cy="0"/>
+          </a:xfrm>
+          <a:prstGeom prst="straightConnector1">
+            <a:avLst/>
+          </a:prstGeom>
+          <a:ln>
+            <a:tailEnd type="triangle"/>
+          </a:ln>
+        </p:spPr>
+        <p:style>
+          <a:lnRef idx="3">
+            <a:schemeClr val="accent2"/>
+          </a:lnRef>
+          <a:fillRef idx="0">
+            <a:schemeClr val="accent2"/>
+          </a:fillRef>
+          <a:effectRef idx="2">
+            <a:schemeClr val="accent2"/>
+          </a:effectRef>
+          <a:fontRef idx="minor">
+            <a:schemeClr val="tx1"/>
+          </a:fontRef>
+        </p:style>
+      </p:cxnSp>
+      <p:cxnSp>
+        <p:nvCxnSpPr>
+          <p:cNvPr id="101" name="Straight Arrow Connector 100">
+            <a:extLst>
+              <a:ext uri="{FF2B5EF4-FFF2-40B4-BE49-F238E27FC236}">
+                <a16:creationId xmlns:a16="http://schemas.microsoft.com/office/drawing/2014/main" id="{5D558B96-639A-B99B-53E1-48DAEB4DF622}"/>
+              </a:ext>
+            </a:extLst>
+          </p:cNvPr>
+          <p:cNvCxnSpPr>
+            <a:cxnSpLocks/>
+            <a:stCxn id="97" idx="6"/>
+            <a:endCxn id="98" idx="2"/>
+          </p:cNvCxnSpPr>
+          <p:nvPr/>
+        </p:nvCxnSpPr>
+        <p:spPr>
+          <a:xfrm flipV="1">
+            <a:off x="4536579" y="1156443"/>
+            <a:ext cx="2379656" cy="1164971"/>
+          </a:xfrm>
+          <a:prstGeom prst="straightConnector1">
+            <a:avLst/>
+          </a:prstGeom>
+          <a:ln>
+            <a:tailEnd type="triangle"/>
+          </a:ln>
+        </p:spPr>
+        <p:style>
+          <a:lnRef idx="3">
+            <a:schemeClr val="accent2"/>
+          </a:lnRef>
+          <a:fillRef idx="0">
+            <a:schemeClr val="accent2"/>
+          </a:fillRef>
+          <a:effectRef idx="2">
+            <a:schemeClr val="accent2"/>
+          </a:effectRef>
+          <a:fontRef idx="minor">
+            <a:schemeClr val="tx1"/>
+          </a:fontRef>
+        </p:style>
+      </p:cxnSp>
+      <p:cxnSp>
+        <p:nvCxnSpPr>
+          <p:cNvPr id="102" name="Straight Arrow Connector 101">
+            <a:extLst>
+              <a:ext uri="{FF2B5EF4-FFF2-40B4-BE49-F238E27FC236}">
+                <a16:creationId xmlns:a16="http://schemas.microsoft.com/office/drawing/2014/main" id="{9743888E-D93B-C225-03A4-D057399A59F6}"/>
+              </a:ext>
+            </a:extLst>
+          </p:cNvPr>
+          <p:cNvCxnSpPr>
+            <a:cxnSpLocks/>
+            <a:stCxn id="98" idx="6"/>
+            <a:endCxn id="99" idx="1"/>
+          </p:cNvCxnSpPr>
+          <p:nvPr/>
+        </p:nvCxnSpPr>
+        <p:spPr>
+          <a:xfrm>
+            <a:off x="7073665" y="1156443"/>
+            <a:ext cx="1993334" cy="1451403"/>
+          </a:xfrm>
+          <a:prstGeom prst="straightConnector1">
+            <a:avLst/>
+          </a:prstGeom>
+          <a:ln>
+            <a:tailEnd type="triangle"/>
+          </a:ln>
+        </p:spPr>
+        <p:style>
+          <a:lnRef idx="3">
+            <a:schemeClr val="accent2"/>
+          </a:lnRef>
+          <a:fillRef idx="0">
+            <a:schemeClr val="accent2"/>
+          </a:fillRef>
+          <a:effectRef idx="2">
+            <a:schemeClr val="accent2"/>
+          </a:effectRef>
+          <a:fontRef idx="minor">
+            <a:schemeClr val="tx1"/>
+          </a:fontRef>
+        </p:style>
+      </p:cxnSp>
+      <p:sp>
+        <p:nvSpPr>
+          <p:cNvPr id="7" name="Slide Number Placeholder 6">
+            <a:extLst>
+              <a:ext uri="{FF2B5EF4-FFF2-40B4-BE49-F238E27FC236}">
+                <a16:creationId xmlns:a16="http://schemas.microsoft.com/office/drawing/2014/main" id="{B80A7E82-E2D8-A5C9-8B76-F4EA7F0352EF}"/>
+              </a:ext>
+            </a:extLst>
+          </p:cNvPr>
+          <p:cNvSpPr>
+            <a:spLocks noGrp="1"/>
+          </p:cNvSpPr>
+          <p:nvPr>
+            <p:ph type="sldNum" sz="quarter" idx="12"/>
+          </p:nvPr>
+        </p:nvSpPr>
+        <p:spPr/>
+        <p:txBody>
+          <a:bodyPr/>
+          <a:lstStyle/>
+          <a:p>
+            <a:fld id="{2DB24D90-624F-4BA9-8536-8B45883AEAD5}" type="slidenum">
+              <a:rPr lang="en-US" smtClean="0"/>
+              <a:t>8</a:t>
+            </a:fld>
+            <a:endParaRPr lang="en-US" dirty="0"/>
+          </a:p>
+        </p:txBody>
+      </p:sp>
+    </p:spTree>
+    <p:extLst>
+      <p:ext uri="{BB962C8B-B14F-4D97-AF65-F5344CB8AC3E}">
+        <p14:creationId xmlns:p14="http://schemas.microsoft.com/office/powerpoint/2010/main" val="3470959867"/>
+      </p:ext>
+    </p:extLst>
+  </p:cSld>
+  <p:clrMapOvr>
+    <a:masterClrMapping/>
+  </p:clrMapOvr>
 </p:sld>
 </file>
 
